--- a/presentation/GOAT_ Teófilo Stevenson (1).pptx
+++ b/presentation/GOAT_ Teófilo Stevenson (1).pptx
@@ -1,38 +1,52 @@
 
 <file path=ppt/presentation.xml><?xml version="1.0" encoding="utf-8"?>
-<p:presentation xmlns:a="http://schemas.openxmlformats.org/drawingml/2006/main" xmlns:r="http://schemas.openxmlformats.org/officeDocument/2006/relationships" xmlns:mc="http://schemas.openxmlformats.org/markup-compatibility/2006" xmlns:mv="urn:schemas-microsoft-com:mac:vml" xmlns:p="http://schemas.openxmlformats.org/presentationml/2006/main" xmlns:c="http://schemas.openxmlformats.org/drawingml/2006/chart" xmlns:dgm="http://schemas.openxmlformats.org/drawingml/2006/diagram" xmlns:o="urn:schemas-microsoft-com:office:office" xmlns:v="urn:schemas-microsoft-com:vml" xmlns:pvml="urn:schemas-microsoft-com:office:powerpoint" xmlns:com="http://schemas.openxmlformats.org/drawingml/2006/compatibility" xmlns:p14="http://schemas.microsoft.com/office/powerpoint/2010/main" xmlns:p15="http://schemas.microsoft.com/office/powerpoint/2012/main" xmlns:ahyp="http://schemas.microsoft.com/office/drawing/2018/hyperlinkcolor" autoCompressPictures="0" embedTrueTypeFonts="1" strictFirstAndLastChars="0" saveSubsetFonts="1">
+<p:presentation xmlns:a="http://schemas.openxmlformats.org/drawingml/2006/main" xmlns:r="http://schemas.openxmlformats.org/officeDocument/2006/relationships" xmlns:p="http://schemas.openxmlformats.org/presentationml/2006/main" strictFirstAndLastChars="0" embedTrueTypeFonts="1" saveSubsetFonts="1" autoCompressPictures="0">
   <p:sldMasterIdLst>
-    <p:sldMasterId id="2147483660" r:id="rId5"/>
+    <p:sldMasterId id="2147483660" r:id="rId1"/>
   </p:sldMasterIdLst>
   <p:notesMasterIdLst>
-    <p:notesMasterId r:id="rId6"/>
+    <p:notesMasterId r:id="rId13"/>
   </p:notesMasterIdLst>
   <p:sldIdLst>
-    <p:sldId id="256" r:id="rId7"/>
-    <p:sldId id="257" r:id="rId8"/>
-    <p:sldId id="258" r:id="rId9"/>
-    <p:sldId id="259" r:id="rId10"/>
-    <p:sldId id="260" r:id="rId11"/>
-    <p:sldId id="261" r:id="rId12"/>
-    <p:sldId id="262" r:id="rId13"/>
-    <p:sldId id="263" r:id="rId14"/>
-    <p:sldId id="264" r:id="rId15"/>
-    <p:sldId id="265" r:id="rId16"/>
-    <p:sldId id="266" r:id="rId17"/>
+    <p:sldId id="256" r:id="rId2"/>
+    <p:sldId id="257" r:id="rId3"/>
+    <p:sldId id="258" r:id="rId4"/>
+    <p:sldId id="259" r:id="rId5"/>
+    <p:sldId id="260" r:id="rId6"/>
+    <p:sldId id="261" r:id="rId7"/>
+    <p:sldId id="262" r:id="rId8"/>
+    <p:sldId id="263" r:id="rId9"/>
+    <p:sldId id="264" r:id="rId10"/>
+    <p:sldId id="265" r:id="rId11"/>
+    <p:sldId id="266" r:id="rId12"/>
   </p:sldIdLst>
-  <p:sldSz cy="5143500" cx="9144000"/>
+  <p:sldSz cx="9144000" cy="5143500" type="screen16x9"/>
   <p:notesSz cx="6858000" cy="9144000"/>
   <p:embeddedFontLst>
     <p:embeddedFont>
-      <p:font typeface="Nunito"/>
+      <p:font typeface="Calibri" panose="020F0502020204030204" pitchFamily="34" charset="0"/>
+      <p:regular r:id="rId14"/>
+      <p:bold r:id="rId15"/>
+      <p:italic r:id="rId16"/>
+      <p:boldItalic r:id="rId17"/>
+    </p:embeddedFont>
+    <p:embeddedFont>
+      <p:font typeface="Georgia" panose="02040502050405020303" pitchFamily="18" charset="0"/>
       <p:regular r:id="rId18"/>
       <p:bold r:id="rId19"/>
       <p:italic r:id="rId20"/>
       <p:boldItalic r:id="rId21"/>
     </p:embeddedFont>
+    <p:embeddedFont>
+      <p:font typeface="Nunito" pitchFamily="2" charset="0"/>
+      <p:regular r:id="rId22"/>
+      <p:bold r:id="rId23"/>
+      <p:italic r:id="rId24"/>
+      <p:boldItalic r:id="rId25"/>
+    </p:embeddedFont>
   </p:embeddedFontLst>
   <p:defaultTextStyle>
-    <a:defPPr lvl="0" marR="0" rtl="0" algn="l">
+    <a:defPPr marR="0" lvl="0" algn="l" rtl="0">
       <a:lnSpc>
         <a:spcPct val="100000"/>
       </a:lnSpc>
@@ -43,7 +57,7 @@
         <a:spcPts val="0"/>
       </a:spcAft>
     </a:defPPr>
-    <a:lvl1pPr lvl="0" marR="0" rtl="0" algn="l">
+    <a:lvl1pPr marR="0" lvl="0" algn="l" rtl="0">
       <a:lnSpc>
         <a:spcPct val="100000"/>
       </a:lnSpc>
@@ -57,7 +71,7 @@
         <a:srgbClr val="000000"/>
       </a:buClr>
       <a:buFont typeface="Arial"/>
-      <a:defRPr b="0" i="0" sz="1400" u="none" cap="none" strike="noStrike">
+      <a:defRPr sz="1400" b="0" i="0" u="none" strike="noStrike" cap="none">
         <a:solidFill>
           <a:srgbClr val="000000"/>
         </a:solidFill>
@@ -67,7 +81,7 @@
         <a:sym typeface="Arial"/>
       </a:defRPr>
     </a:lvl1pPr>
-    <a:lvl2pPr lvl="1" marR="0" rtl="0" algn="l">
+    <a:lvl2pPr marR="0" lvl="1" algn="l" rtl="0">
       <a:lnSpc>
         <a:spcPct val="100000"/>
       </a:lnSpc>
@@ -81,7 +95,7 @@
         <a:srgbClr val="000000"/>
       </a:buClr>
       <a:buFont typeface="Arial"/>
-      <a:defRPr b="0" i="0" sz="1400" u="none" cap="none" strike="noStrike">
+      <a:defRPr sz="1400" b="0" i="0" u="none" strike="noStrike" cap="none">
         <a:solidFill>
           <a:srgbClr val="000000"/>
         </a:solidFill>
@@ -91,7 +105,7 @@
         <a:sym typeface="Arial"/>
       </a:defRPr>
     </a:lvl2pPr>
-    <a:lvl3pPr lvl="2" marR="0" rtl="0" algn="l">
+    <a:lvl3pPr marR="0" lvl="2" algn="l" rtl="0">
       <a:lnSpc>
         <a:spcPct val="100000"/>
       </a:lnSpc>
@@ -105,7 +119,7 @@
         <a:srgbClr val="000000"/>
       </a:buClr>
       <a:buFont typeface="Arial"/>
-      <a:defRPr b="0" i="0" sz="1400" u="none" cap="none" strike="noStrike">
+      <a:defRPr sz="1400" b="0" i="0" u="none" strike="noStrike" cap="none">
         <a:solidFill>
           <a:srgbClr val="000000"/>
         </a:solidFill>
@@ -115,7 +129,7 @@
         <a:sym typeface="Arial"/>
       </a:defRPr>
     </a:lvl3pPr>
-    <a:lvl4pPr lvl="3" marR="0" rtl="0" algn="l">
+    <a:lvl4pPr marR="0" lvl="3" algn="l" rtl="0">
       <a:lnSpc>
         <a:spcPct val="100000"/>
       </a:lnSpc>
@@ -129,7 +143,7 @@
         <a:srgbClr val="000000"/>
       </a:buClr>
       <a:buFont typeface="Arial"/>
-      <a:defRPr b="0" i="0" sz="1400" u="none" cap="none" strike="noStrike">
+      <a:defRPr sz="1400" b="0" i="0" u="none" strike="noStrike" cap="none">
         <a:solidFill>
           <a:srgbClr val="000000"/>
         </a:solidFill>
@@ -139,7 +153,7 @@
         <a:sym typeface="Arial"/>
       </a:defRPr>
     </a:lvl4pPr>
-    <a:lvl5pPr lvl="4" marR="0" rtl="0" algn="l">
+    <a:lvl5pPr marR="0" lvl="4" algn="l" rtl="0">
       <a:lnSpc>
         <a:spcPct val="100000"/>
       </a:lnSpc>
@@ -153,7 +167,7 @@
         <a:srgbClr val="000000"/>
       </a:buClr>
       <a:buFont typeface="Arial"/>
-      <a:defRPr b="0" i="0" sz="1400" u="none" cap="none" strike="noStrike">
+      <a:defRPr sz="1400" b="0" i="0" u="none" strike="noStrike" cap="none">
         <a:solidFill>
           <a:srgbClr val="000000"/>
         </a:solidFill>
@@ -163,7 +177,7 @@
         <a:sym typeface="Arial"/>
       </a:defRPr>
     </a:lvl5pPr>
-    <a:lvl6pPr lvl="5" marR="0" rtl="0" algn="l">
+    <a:lvl6pPr marR="0" lvl="5" algn="l" rtl="0">
       <a:lnSpc>
         <a:spcPct val="100000"/>
       </a:lnSpc>
@@ -177,7 +191,7 @@
         <a:srgbClr val="000000"/>
       </a:buClr>
       <a:buFont typeface="Arial"/>
-      <a:defRPr b="0" i="0" sz="1400" u="none" cap="none" strike="noStrike">
+      <a:defRPr sz="1400" b="0" i="0" u="none" strike="noStrike" cap="none">
         <a:solidFill>
           <a:srgbClr val="000000"/>
         </a:solidFill>
@@ -187,7 +201,7 @@
         <a:sym typeface="Arial"/>
       </a:defRPr>
     </a:lvl6pPr>
-    <a:lvl7pPr lvl="6" marR="0" rtl="0" algn="l">
+    <a:lvl7pPr marR="0" lvl="6" algn="l" rtl="0">
       <a:lnSpc>
         <a:spcPct val="100000"/>
       </a:lnSpc>
@@ -201,7 +215,7 @@
         <a:srgbClr val="000000"/>
       </a:buClr>
       <a:buFont typeface="Arial"/>
-      <a:defRPr b="0" i="0" sz="1400" u="none" cap="none" strike="noStrike">
+      <a:defRPr sz="1400" b="0" i="0" u="none" strike="noStrike" cap="none">
         <a:solidFill>
           <a:srgbClr val="000000"/>
         </a:solidFill>
@@ -211,7 +225,7 @@
         <a:sym typeface="Arial"/>
       </a:defRPr>
     </a:lvl7pPr>
-    <a:lvl8pPr lvl="7" marR="0" rtl="0" algn="l">
+    <a:lvl8pPr marR="0" lvl="7" algn="l" rtl="0">
       <a:lnSpc>
         <a:spcPct val="100000"/>
       </a:lnSpc>
@@ -225,7 +239,7 @@
         <a:srgbClr val="000000"/>
       </a:buClr>
       <a:buFont typeface="Arial"/>
-      <a:defRPr b="0" i="0" sz="1400" u="none" cap="none" strike="noStrike">
+      <a:defRPr sz="1400" b="0" i="0" u="none" strike="noStrike" cap="none">
         <a:solidFill>
           <a:srgbClr val="000000"/>
         </a:solidFill>
@@ -235,7 +249,7 @@
         <a:sym typeface="Arial"/>
       </a:defRPr>
     </a:lvl8pPr>
-    <a:lvl9pPr lvl="8" marR="0" rtl="0" algn="l">
+    <a:lvl9pPr marR="0" lvl="8" algn="l" rtl="0">
       <a:lnSpc>
         <a:spcPct val="100000"/>
       </a:lnSpc>
@@ -249,7 +263,7 @@
         <a:srgbClr val="000000"/>
       </a:buClr>
       <a:buFont typeface="Arial"/>
-      <a:defRPr b="0" i="0" sz="1400" u="none" cap="none" strike="noStrike">
+      <a:defRPr sz="1400" b="0" i="0" u="none" strike="noStrike" cap="none">
         <a:solidFill>
           <a:srgbClr val="000000"/>
         </a:solidFill>
@@ -262,7 +276,7 @@
   </p:defaultTextStyle>
   <p:extLst>
     <p:ext uri="{EFAFB233-063F-42B5-8137-9DF3F51BA10A}">
-      <p15:sldGuideLst>
+      <p15:sldGuideLst xmlns:p15="http://schemas.microsoft.com/office/powerpoint/2012/main">
         <p15:guide id="1" orient="horz" pos="1620">
           <p15:clr>
             <a:srgbClr val="A4A3A4"/>
@@ -280,11 +294,16 @@
 </file>
 
 <file path=ppt/notesMasters/notesMaster1.xml><?xml version="1.0" encoding="utf-8"?>
-<p:notesMaster xmlns:a="http://schemas.openxmlformats.org/drawingml/2006/main" xmlns:r="http://schemas.openxmlformats.org/officeDocument/2006/relationships" xmlns:mc="http://schemas.openxmlformats.org/markup-compatibility/2006" xmlns:mv="urn:schemas-microsoft-com:mac:vml" xmlns:p="http://schemas.openxmlformats.org/presentationml/2006/main" xmlns:c="http://schemas.openxmlformats.org/drawingml/2006/chart" xmlns:dgm="http://schemas.openxmlformats.org/drawingml/2006/diagram" xmlns:o="urn:schemas-microsoft-com:office:office" xmlns:v="urn:schemas-microsoft-com:vml" xmlns:pvml="urn:schemas-microsoft-com:office:powerpoint" xmlns:com="http://schemas.openxmlformats.org/drawingml/2006/compatibility" xmlns:p14="http://schemas.microsoft.com/office/powerpoint/2010/main" xmlns:p15="http://schemas.microsoft.com/office/powerpoint/2012/main" xmlns:ahyp="http://schemas.microsoft.com/office/drawing/2018/hyperlinkcolor">
+<p:notesMaster xmlns:a="http://schemas.openxmlformats.org/drawingml/2006/main" xmlns:r="http://schemas.openxmlformats.org/officeDocument/2006/relationships" xmlns:p="http://schemas.openxmlformats.org/presentationml/2006/main">
   <p:cSld>
+    <p:bg>
+      <p:bgRef idx="1001">
+        <a:schemeClr val="bg1"/>
+      </p:bgRef>
+    </p:bg>
     <p:spTree>
       <p:nvGrpSpPr>
-        <p:cNvPr id="2" name="Shape 2"/>
+        <p:cNvPr id="1" name="Shape 2"/>
         <p:cNvGrpSpPr/>
         <p:nvPr/>
       </p:nvGrpSpPr>
@@ -299,9 +318,11 @@
       <p:sp>
         <p:nvSpPr>
           <p:cNvPr id="3" name="Google Shape;3;n"/>
-          <p:cNvSpPr/>
+          <p:cNvSpPr>
+            <a:spLocks noGrp="1" noRot="1" noChangeAspect="1"/>
+          </p:cNvSpPr>
           <p:nvPr>
-            <p:ph idx="2" type="sldImg"/>
+            <p:ph type="sldImg" idx="2"/>
           </p:nvPr>
         </p:nvSpPr>
         <p:spPr>
@@ -310,9 +331,13 @@
             <a:ext cx="6096075" cy="3429000"/>
           </a:xfrm>
           <a:custGeom>
-            <a:rect b="b" l="l" r="r" t="t"/>
+            <a:avLst/>
+            <a:gdLst/>
+            <a:ahLst/>
+            <a:cxnLst/>
+            <a:rect l="l" t="t" r="r" b="b"/>
             <a:pathLst>
-              <a:path extrusionOk="0" h="120000" w="120000">
+              <a:path w="120000" h="120000" extrusionOk="0">
                 <a:moveTo>
                   <a:pt x="0" y="0"/>
                 </a:moveTo>
@@ -330,23 +355,25 @@
             </a:pathLst>
           </a:custGeom>
           <a:noFill/>
-          <a:ln cap="flat" cmpd="sng" w="9525">
+          <a:ln w="9525" cap="flat" cmpd="sng">
             <a:solidFill>
               <a:srgbClr val="000000"/>
             </a:solidFill>
             <a:prstDash val="solid"/>
             <a:round/>
-            <a:headEnd len="sm" w="sm" type="none"/>
-            <a:tailEnd len="sm" w="sm" type="none"/>
+            <a:headEnd type="none" w="sm" len="sm"/>
+            <a:tailEnd type="none" w="sm" len="sm"/>
           </a:ln>
         </p:spPr>
       </p:sp>
       <p:sp>
         <p:nvSpPr>
           <p:cNvPr id="4" name="Google Shape;4;n"/>
-          <p:cNvSpPr txBox="1"/>
+          <p:cNvSpPr txBox="1">
+            <a:spLocks noGrp="1"/>
+          </p:cNvSpPr>
           <p:nvPr>
-            <p:ph idx="1" type="body"/>
+            <p:ph type="body" idx="1"/>
           </p:nvPr>
         </p:nvSpPr>
         <p:spPr>
@@ -363,11 +390,11 @@
           </a:ln>
         </p:spPr>
         <p:txBody>
-          <a:bodyPr anchorCtr="0" anchor="t" bIns="91425" lIns="91425" spcFirstLastPara="1" rIns="91425" wrap="square" tIns="91425">
+          <a:bodyPr spcFirstLastPara="1" wrap="square" lIns="91425" tIns="91425" rIns="91425" bIns="91425" anchor="t" anchorCtr="0">
             <a:noAutofit/>
           </a:bodyPr>
           <a:lstStyle>
-            <a:lvl1pPr indent="-298450" lvl="0" marL="457200">
+            <a:lvl1pPr marL="457200" lvl="0" indent="-298450">
               <a:spcBef>
                 <a:spcPts val="0"/>
               </a:spcBef>
@@ -378,7 +405,7 @@
               <a:buChar char="●"/>
               <a:defRPr sz="1100"/>
             </a:lvl1pPr>
-            <a:lvl2pPr indent="-298450" lvl="1" marL="914400">
+            <a:lvl2pPr marL="914400" lvl="1" indent="-298450">
               <a:spcBef>
                 <a:spcPts val="0"/>
               </a:spcBef>
@@ -389,7 +416,7 @@
               <a:buChar char="○"/>
               <a:defRPr sz="1100"/>
             </a:lvl2pPr>
-            <a:lvl3pPr indent="-298450" lvl="2" marL="1371600">
+            <a:lvl3pPr marL="1371600" lvl="2" indent="-298450">
               <a:spcBef>
                 <a:spcPts val="0"/>
               </a:spcBef>
@@ -400,7 +427,7 @@
               <a:buChar char="■"/>
               <a:defRPr sz="1100"/>
             </a:lvl3pPr>
-            <a:lvl4pPr indent="-298450" lvl="3" marL="1828800">
+            <a:lvl4pPr marL="1828800" lvl="3" indent="-298450">
               <a:spcBef>
                 <a:spcPts val="0"/>
               </a:spcBef>
@@ -411,7 +438,7 @@
               <a:buChar char="●"/>
               <a:defRPr sz="1100"/>
             </a:lvl4pPr>
-            <a:lvl5pPr indent="-298450" lvl="4" marL="2286000">
+            <a:lvl5pPr marL="2286000" lvl="4" indent="-298450">
               <a:spcBef>
                 <a:spcPts val="0"/>
               </a:spcBef>
@@ -422,7 +449,7 @@
               <a:buChar char="○"/>
               <a:defRPr sz="1100"/>
             </a:lvl5pPr>
-            <a:lvl6pPr indent="-298450" lvl="5" marL="2743200">
+            <a:lvl6pPr marL="2743200" lvl="5" indent="-298450">
               <a:spcBef>
                 <a:spcPts val="0"/>
               </a:spcBef>
@@ -433,7 +460,7 @@
               <a:buChar char="■"/>
               <a:defRPr sz="1100"/>
             </a:lvl6pPr>
-            <a:lvl7pPr indent="-298450" lvl="6" marL="3200400">
+            <a:lvl7pPr marL="3200400" lvl="6" indent="-298450">
               <a:spcBef>
                 <a:spcPts val="0"/>
               </a:spcBef>
@@ -444,7 +471,7 @@
               <a:buChar char="●"/>
               <a:defRPr sz="1100"/>
             </a:lvl7pPr>
-            <a:lvl8pPr indent="-298450" lvl="7" marL="3657600">
+            <a:lvl8pPr marL="3657600" lvl="7" indent="-298450">
               <a:spcBef>
                 <a:spcPts val="0"/>
               </a:spcBef>
@@ -455,7 +482,7 @@
               <a:buChar char="○"/>
               <a:defRPr sz="1100"/>
             </a:lvl8pPr>
-            <a:lvl9pPr indent="-298450" lvl="8" marL="4114800">
+            <a:lvl9pPr marL="4114800" lvl="8" indent="-298450">
               <a:spcBef>
                 <a:spcPts val="0"/>
               </a:spcBef>
@@ -467,14 +494,16 @@
               <a:defRPr sz="1100"/>
             </a:lvl9pPr>
           </a:lstStyle>
-          <a:p/>
+          <a:p>
+            <a:endParaRPr/>
+          </a:p>
         </p:txBody>
       </p:sp>
     </p:spTree>
   </p:cSld>
-  <p:clrMap accent1="accent1" accent2="accent2" accent3="accent3" accent4="accent4" accent5="accent5" accent6="accent6" bg1="lt1" bg2="dk2" tx1="dk1" tx2="lt2" folHlink="folHlink" hlink="hlink"/>
+  <p:clrMap bg1="lt1" tx1="dk1" bg2="dk2" tx2="lt2" accent1="accent1" accent2="accent2" accent3="accent3" accent4="accent4" accent5="accent5" accent6="accent6" hlink="hlink" folHlink="folHlink"/>
   <p:notesStyle>
-    <a:defPPr lvl="0" marR="0" rtl="0" algn="l">
+    <a:defPPr marR="0" lvl="0" algn="l" rtl="0">
       <a:lnSpc>
         <a:spcPct val="100000"/>
       </a:lnSpc>
@@ -485,7 +514,7 @@
         <a:spcPts val="0"/>
       </a:spcAft>
     </a:defPPr>
-    <a:lvl1pPr lvl="0" marR="0" rtl="0" algn="l">
+    <a:lvl1pPr marR="0" lvl="0" algn="l" rtl="0">
       <a:lnSpc>
         <a:spcPct val="100000"/>
       </a:lnSpc>
@@ -499,7 +528,7 @@
         <a:srgbClr val="000000"/>
       </a:buClr>
       <a:buFont typeface="Arial"/>
-      <a:defRPr b="0" i="0" sz="1400" u="none" cap="none" strike="noStrike">
+      <a:defRPr sz="1400" b="0" i="0" u="none" strike="noStrike" cap="none">
         <a:solidFill>
           <a:srgbClr val="000000"/>
         </a:solidFill>
@@ -509,7 +538,7 @@
         <a:sym typeface="Arial"/>
       </a:defRPr>
     </a:lvl1pPr>
-    <a:lvl2pPr lvl="1" marR="0" rtl="0" algn="l">
+    <a:lvl2pPr marR="0" lvl="1" algn="l" rtl="0">
       <a:lnSpc>
         <a:spcPct val="100000"/>
       </a:lnSpc>
@@ -523,7 +552,7 @@
         <a:srgbClr val="000000"/>
       </a:buClr>
       <a:buFont typeface="Arial"/>
-      <a:defRPr b="0" i="0" sz="1400" u="none" cap="none" strike="noStrike">
+      <a:defRPr sz="1400" b="0" i="0" u="none" strike="noStrike" cap="none">
         <a:solidFill>
           <a:srgbClr val="000000"/>
         </a:solidFill>
@@ -533,7 +562,7 @@
         <a:sym typeface="Arial"/>
       </a:defRPr>
     </a:lvl2pPr>
-    <a:lvl3pPr lvl="2" marR="0" rtl="0" algn="l">
+    <a:lvl3pPr marR="0" lvl="2" algn="l" rtl="0">
       <a:lnSpc>
         <a:spcPct val="100000"/>
       </a:lnSpc>
@@ -547,7 +576,7 @@
         <a:srgbClr val="000000"/>
       </a:buClr>
       <a:buFont typeface="Arial"/>
-      <a:defRPr b="0" i="0" sz="1400" u="none" cap="none" strike="noStrike">
+      <a:defRPr sz="1400" b="0" i="0" u="none" strike="noStrike" cap="none">
         <a:solidFill>
           <a:srgbClr val="000000"/>
         </a:solidFill>
@@ -557,7 +586,7 @@
         <a:sym typeface="Arial"/>
       </a:defRPr>
     </a:lvl3pPr>
-    <a:lvl4pPr lvl="3" marR="0" rtl="0" algn="l">
+    <a:lvl4pPr marR="0" lvl="3" algn="l" rtl="0">
       <a:lnSpc>
         <a:spcPct val="100000"/>
       </a:lnSpc>
@@ -571,7 +600,7 @@
         <a:srgbClr val="000000"/>
       </a:buClr>
       <a:buFont typeface="Arial"/>
-      <a:defRPr b="0" i="0" sz="1400" u="none" cap="none" strike="noStrike">
+      <a:defRPr sz="1400" b="0" i="0" u="none" strike="noStrike" cap="none">
         <a:solidFill>
           <a:srgbClr val="000000"/>
         </a:solidFill>
@@ -581,7 +610,7 @@
         <a:sym typeface="Arial"/>
       </a:defRPr>
     </a:lvl4pPr>
-    <a:lvl5pPr lvl="4" marR="0" rtl="0" algn="l">
+    <a:lvl5pPr marR="0" lvl="4" algn="l" rtl="0">
       <a:lnSpc>
         <a:spcPct val="100000"/>
       </a:lnSpc>
@@ -595,7 +624,7 @@
         <a:srgbClr val="000000"/>
       </a:buClr>
       <a:buFont typeface="Arial"/>
-      <a:defRPr b="0" i="0" sz="1400" u="none" cap="none" strike="noStrike">
+      <a:defRPr sz="1400" b="0" i="0" u="none" strike="noStrike" cap="none">
         <a:solidFill>
           <a:srgbClr val="000000"/>
         </a:solidFill>
@@ -605,7 +634,7 @@
         <a:sym typeface="Arial"/>
       </a:defRPr>
     </a:lvl5pPr>
-    <a:lvl6pPr lvl="5" marR="0" rtl="0" algn="l">
+    <a:lvl6pPr marR="0" lvl="5" algn="l" rtl="0">
       <a:lnSpc>
         <a:spcPct val="100000"/>
       </a:lnSpc>
@@ -619,7 +648,7 @@
         <a:srgbClr val="000000"/>
       </a:buClr>
       <a:buFont typeface="Arial"/>
-      <a:defRPr b="0" i="0" sz="1400" u="none" cap="none" strike="noStrike">
+      <a:defRPr sz="1400" b="0" i="0" u="none" strike="noStrike" cap="none">
         <a:solidFill>
           <a:srgbClr val="000000"/>
         </a:solidFill>
@@ -629,7 +658,7 @@
         <a:sym typeface="Arial"/>
       </a:defRPr>
     </a:lvl6pPr>
-    <a:lvl7pPr lvl="6" marR="0" rtl="0" algn="l">
+    <a:lvl7pPr marR="0" lvl="6" algn="l" rtl="0">
       <a:lnSpc>
         <a:spcPct val="100000"/>
       </a:lnSpc>
@@ -643,7 +672,7 @@
         <a:srgbClr val="000000"/>
       </a:buClr>
       <a:buFont typeface="Arial"/>
-      <a:defRPr b="0" i="0" sz="1400" u="none" cap="none" strike="noStrike">
+      <a:defRPr sz="1400" b="0" i="0" u="none" strike="noStrike" cap="none">
         <a:solidFill>
           <a:srgbClr val="000000"/>
         </a:solidFill>
@@ -653,7 +682,7 @@
         <a:sym typeface="Arial"/>
       </a:defRPr>
     </a:lvl7pPr>
-    <a:lvl8pPr lvl="7" marR="0" rtl="0" algn="l">
+    <a:lvl8pPr marR="0" lvl="7" algn="l" rtl="0">
       <a:lnSpc>
         <a:spcPct val="100000"/>
       </a:lnSpc>
@@ -667,7 +696,7 @@
         <a:srgbClr val="000000"/>
       </a:buClr>
       <a:buFont typeface="Arial"/>
-      <a:defRPr b="0" i="0" sz="1400" u="none" cap="none" strike="noStrike">
+      <a:defRPr sz="1400" b="0" i="0" u="none" strike="noStrike" cap="none">
         <a:solidFill>
           <a:srgbClr val="000000"/>
         </a:solidFill>
@@ -677,7 +706,7 @@
         <a:sym typeface="Arial"/>
       </a:defRPr>
     </a:lvl8pPr>
-    <a:lvl9pPr lvl="8" marR="0" rtl="0" algn="l">
+    <a:lvl9pPr marR="0" lvl="8" algn="l" rtl="0">
       <a:lnSpc>
         <a:spcPct val="100000"/>
       </a:lnSpc>
@@ -691,7 +720,7 @@
         <a:srgbClr val="000000"/>
       </a:buClr>
       <a:buFont typeface="Arial"/>
-      <a:defRPr b="0" i="0" sz="1400" u="none" cap="none" strike="noStrike">
+      <a:defRPr sz="1400" b="0" i="0" u="none" strike="noStrike" cap="none">
         <a:solidFill>
           <a:srgbClr val="000000"/>
         </a:solidFill>
@@ -706,11 +735,11 @@
 </file>
 
 <file path=ppt/notesSlides/notesSlide1.xml><?xml version="1.0" encoding="utf-8"?>
-<p:notes xmlns:a="http://schemas.openxmlformats.org/drawingml/2006/main" xmlns:r="http://schemas.openxmlformats.org/officeDocument/2006/relationships" xmlns:mc="http://schemas.openxmlformats.org/markup-compatibility/2006" xmlns:mv="urn:schemas-microsoft-com:mac:vml" xmlns:p="http://schemas.openxmlformats.org/presentationml/2006/main" xmlns:c="http://schemas.openxmlformats.org/drawingml/2006/chart" xmlns:dgm="http://schemas.openxmlformats.org/drawingml/2006/diagram" xmlns:o="urn:schemas-microsoft-com:office:office" xmlns:v="urn:schemas-microsoft-com:vml" xmlns:pvml="urn:schemas-microsoft-com:office:powerpoint" xmlns:com="http://schemas.openxmlformats.org/drawingml/2006/compatibility" xmlns:p14="http://schemas.microsoft.com/office/powerpoint/2010/main" xmlns:p15="http://schemas.microsoft.com/office/powerpoint/2012/main" xmlns:ahyp="http://schemas.microsoft.com/office/drawing/2018/hyperlinkcolor" showMasterPhAnim="0" showMasterSp="0">
+<p:notes xmlns:a="http://schemas.openxmlformats.org/drawingml/2006/main" xmlns:r="http://schemas.openxmlformats.org/officeDocument/2006/relationships" xmlns:p="http://schemas.openxmlformats.org/presentationml/2006/main" showMasterSp="0" showMasterPhAnim="0">
   <p:cSld>
     <p:spTree>
       <p:nvGrpSpPr>
-        <p:cNvPr id="130" name="Shape 130"/>
+        <p:cNvPr id="1" name="Shape 130"/>
         <p:cNvGrpSpPr/>
         <p:nvPr/>
       </p:nvGrpSpPr>
@@ -725,20 +754,26 @@
       <p:sp>
         <p:nvSpPr>
           <p:cNvPr id="131" name="Google Shape;131;g207bdc4f96e_0_3:notes"/>
-          <p:cNvSpPr/>
+          <p:cNvSpPr>
+            <a:spLocks noGrp="1" noRot="1" noChangeAspect="1"/>
+          </p:cNvSpPr>
           <p:nvPr>
-            <p:ph idx="2" type="sldImg"/>
+            <p:ph type="sldImg" idx="2"/>
           </p:nvPr>
         </p:nvSpPr>
         <p:spPr>
           <a:xfrm>
-            <a:off x="381300" y="685800"/>
+            <a:off x="381000" y="685800"/>
             <a:ext cx="6096000" cy="3429000"/>
           </a:xfrm>
           <a:custGeom>
-            <a:rect b="b" l="l" r="r" t="t"/>
+            <a:avLst/>
+            <a:gdLst/>
+            <a:ahLst/>
+            <a:cxnLst/>
+            <a:rect l="l" t="t" r="r" b="b"/>
             <a:pathLst>
-              <a:path extrusionOk="0" h="120000" w="120000">
+              <a:path w="120000" h="120000" extrusionOk="0">
                 <a:moveTo>
                   <a:pt x="0" y="0"/>
                 </a:moveTo>
@@ -760,9 +795,11 @@
       <p:sp>
         <p:nvSpPr>
           <p:cNvPr id="132" name="Google Shape;132;g207bdc4f96e_0_3:notes"/>
-          <p:cNvSpPr txBox="1"/>
+          <p:cNvSpPr txBox="1">
+            <a:spLocks noGrp="1"/>
+          </p:cNvSpPr>
           <p:nvPr>
-            <p:ph idx="1" type="body"/>
+            <p:ph type="body" idx="1"/>
           </p:nvPr>
         </p:nvSpPr>
         <p:spPr>
@@ -775,12 +812,12 @@
           </a:prstGeom>
         </p:spPr>
         <p:txBody>
-          <a:bodyPr anchorCtr="0" anchor="t" bIns="91425" lIns="91425" spcFirstLastPara="1" rIns="91425" wrap="square" tIns="91425">
+          <a:bodyPr spcFirstLastPara="1" wrap="square" lIns="91425" tIns="91425" rIns="91425" bIns="91425" anchor="t" anchorCtr="0">
             <a:noAutofit/>
           </a:bodyPr>
           <a:lstStyle/>
           <a:p>
-            <a:pPr indent="0" lvl="0" marL="0" rtl="0" algn="l">
+            <a:pPr marL="0" lvl="0" indent="0" algn="l" rtl="0">
               <a:spcBef>
                 <a:spcPts val="0"/>
               </a:spcBef>
@@ -789,9 +826,6 @@
               </a:spcAft>
               <a:buNone/>
             </a:pPr>
-            <a:r>
-              <a:t/>
-            </a:r>
             <a:endParaRPr/>
           </a:p>
         </p:txBody>
@@ -805,11 +839,11 @@
 </file>
 
 <file path=ppt/notesSlides/notesSlide10.xml><?xml version="1.0" encoding="utf-8"?>
-<p:notes xmlns:a="http://schemas.openxmlformats.org/drawingml/2006/main" xmlns:r="http://schemas.openxmlformats.org/officeDocument/2006/relationships" xmlns:mc="http://schemas.openxmlformats.org/markup-compatibility/2006" xmlns:mv="urn:schemas-microsoft-com:mac:vml" xmlns:p="http://schemas.openxmlformats.org/presentationml/2006/main" xmlns:c="http://schemas.openxmlformats.org/drawingml/2006/chart" xmlns:dgm="http://schemas.openxmlformats.org/drawingml/2006/diagram" xmlns:o="urn:schemas-microsoft-com:office:office" xmlns:v="urn:schemas-microsoft-com:vml" xmlns:pvml="urn:schemas-microsoft-com:office:powerpoint" xmlns:com="http://schemas.openxmlformats.org/drawingml/2006/compatibility" xmlns:p14="http://schemas.microsoft.com/office/powerpoint/2010/main" xmlns:p15="http://schemas.microsoft.com/office/powerpoint/2012/main" xmlns:ahyp="http://schemas.microsoft.com/office/drawing/2018/hyperlinkcolor" showMasterPhAnim="0" showMasterSp="0">
+<p:notes xmlns:a="http://schemas.openxmlformats.org/drawingml/2006/main" xmlns:r="http://schemas.openxmlformats.org/officeDocument/2006/relationships" xmlns:p="http://schemas.openxmlformats.org/presentationml/2006/main" showMasterSp="0" showMasterPhAnim="0">
   <p:cSld>
     <p:spTree>
       <p:nvGrpSpPr>
-        <p:cNvPr id="243" name="Shape 243"/>
+        <p:cNvPr id="1" name="Shape 243"/>
         <p:cNvGrpSpPr/>
         <p:nvPr/>
       </p:nvGrpSpPr>
@@ -824,20 +858,26 @@
       <p:sp>
         <p:nvSpPr>
           <p:cNvPr id="244" name="Google Shape;244;g206ad4f6f2b_9_13:notes"/>
-          <p:cNvSpPr/>
+          <p:cNvSpPr>
+            <a:spLocks noGrp="1" noRot="1" noChangeAspect="1"/>
+          </p:cNvSpPr>
           <p:nvPr>
-            <p:ph idx="2" type="sldImg"/>
+            <p:ph type="sldImg" idx="2"/>
           </p:nvPr>
         </p:nvSpPr>
         <p:spPr>
           <a:xfrm>
-            <a:off x="381300" y="685800"/>
+            <a:off x="381000" y="685800"/>
             <a:ext cx="6096000" cy="3429000"/>
           </a:xfrm>
           <a:custGeom>
-            <a:rect b="b" l="l" r="r" t="t"/>
+            <a:avLst/>
+            <a:gdLst/>
+            <a:ahLst/>
+            <a:cxnLst/>
+            <a:rect l="l" t="t" r="r" b="b"/>
             <a:pathLst>
-              <a:path extrusionOk="0" h="120000" w="120000">
+              <a:path w="120000" h="120000" extrusionOk="0">
                 <a:moveTo>
                   <a:pt x="0" y="0"/>
                 </a:moveTo>
@@ -859,9 +899,11 @@
       <p:sp>
         <p:nvSpPr>
           <p:cNvPr id="245" name="Google Shape;245;g206ad4f6f2b_9_13:notes"/>
-          <p:cNvSpPr txBox="1"/>
+          <p:cNvSpPr txBox="1">
+            <a:spLocks noGrp="1"/>
+          </p:cNvSpPr>
           <p:nvPr>
-            <p:ph idx="1" type="body"/>
+            <p:ph type="body" idx="1"/>
           </p:nvPr>
         </p:nvSpPr>
         <p:spPr>
@@ -874,12 +916,12 @@
           </a:prstGeom>
         </p:spPr>
         <p:txBody>
-          <a:bodyPr anchorCtr="0" anchor="t" bIns="91425" lIns="91425" spcFirstLastPara="1" rIns="91425" wrap="square" tIns="91425">
+          <a:bodyPr spcFirstLastPara="1" wrap="square" lIns="91425" tIns="91425" rIns="91425" bIns="91425" anchor="t" anchorCtr="0">
             <a:noAutofit/>
           </a:bodyPr>
           <a:lstStyle/>
           <a:p>
-            <a:pPr indent="0" lvl="0" marL="0" rtl="0" algn="l">
+            <a:pPr marL="0" lvl="0" indent="0" algn="l" rtl="0">
               <a:spcBef>
                 <a:spcPts val="0"/>
               </a:spcBef>
@@ -905,11 +947,11 @@
 </file>
 
 <file path=ppt/notesSlides/notesSlide11.xml><?xml version="1.0" encoding="utf-8"?>
-<p:notes xmlns:a="http://schemas.openxmlformats.org/drawingml/2006/main" xmlns:r="http://schemas.openxmlformats.org/officeDocument/2006/relationships" xmlns:mc="http://schemas.openxmlformats.org/markup-compatibility/2006" xmlns:mv="urn:schemas-microsoft-com:mac:vml" xmlns:p="http://schemas.openxmlformats.org/presentationml/2006/main" xmlns:c="http://schemas.openxmlformats.org/drawingml/2006/chart" xmlns:dgm="http://schemas.openxmlformats.org/drawingml/2006/diagram" xmlns:o="urn:schemas-microsoft-com:office:office" xmlns:v="urn:schemas-microsoft-com:vml" xmlns:pvml="urn:schemas-microsoft-com:office:powerpoint" xmlns:com="http://schemas.openxmlformats.org/drawingml/2006/compatibility" xmlns:p14="http://schemas.microsoft.com/office/powerpoint/2010/main" xmlns:p15="http://schemas.microsoft.com/office/powerpoint/2012/main" xmlns:ahyp="http://schemas.microsoft.com/office/drawing/2018/hyperlinkcolor" showMasterPhAnim="0" showMasterSp="0">
+<p:notes xmlns:a="http://schemas.openxmlformats.org/drawingml/2006/main" xmlns:r="http://schemas.openxmlformats.org/officeDocument/2006/relationships" xmlns:p="http://schemas.openxmlformats.org/presentationml/2006/main" showMasterSp="0" showMasterPhAnim="0">
   <p:cSld>
     <p:spTree>
       <p:nvGrpSpPr>
-        <p:cNvPr id="252" name="Shape 252"/>
+        <p:cNvPr id="1" name="Shape 252"/>
         <p:cNvGrpSpPr/>
         <p:nvPr/>
       </p:nvGrpSpPr>
@@ -924,9 +966,11 @@
       <p:sp>
         <p:nvSpPr>
           <p:cNvPr id="253" name="Google Shape;253;g206ad4f6f2b_11_0:notes"/>
-          <p:cNvSpPr/>
+          <p:cNvSpPr>
+            <a:spLocks noGrp="1" noRot="1" noChangeAspect="1"/>
+          </p:cNvSpPr>
           <p:nvPr>
-            <p:ph idx="2" type="sldImg"/>
+            <p:ph type="sldImg" idx="2"/>
           </p:nvPr>
         </p:nvSpPr>
         <p:spPr>
@@ -935,9 +979,13 @@
             <a:ext cx="6096000" cy="3429000"/>
           </a:xfrm>
           <a:custGeom>
-            <a:rect b="b" l="l" r="r" t="t"/>
+            <a:avLst/>
+            <a:gdLst/>
+            <a:ahLst/>
+            <a:cxnLst/>
+            <a:rect l="l" t="t" r="r" b="b"/>
             <a:pathLst>
-              <a:path extrusionOk="0" h="120000" w="120000">
+              <a:path w="120000" h="120000" extrusionOk="0">
                 <a:moveTo>
                   <a:pt x="0" y="0"/>
                 </a:moveTo>
@@ -959,9 +1007,11 @@
       <p:sp>
         <p:nvSpPr>
           <p:cNvPr id="254" name="Google Shape;254;g206ad4f6f2b_11_0:notes"/>
-          <p:cNvSpPr txBox="1"/>
+          <p:cNvSpPr txBox="1">
+            <a:spLocks noGrp="1"/>
+          </p:cNvSpPr>
           <p:nvPr>
-            <p:ph idx="1" type="body"/>
+            <p:ph type="body" idx="1"/>
           </p:nvPr>
         </p:nvSpPr>
         <p:spPr>
@@ -974,12 +1024,12 @@
           </a:prstGeom>
         </p:spPr>
         <p:txBody>
-          <a:bodyPr anchorCtr="0" anchor="t" bIns="91425" lIns="91425" spcFirstLastPara="1" rIns="91425" wrap="square" tIns="91425">
+          <a:bodyPr spcFirstLastPara="1" wrap="square" lIns="91425" tIns="91425" rIns="91425" bIns="91425" anchor="t" anchorCtr="0">
             <a:noAutofit/>
           </a:bodyPr>
           <a:lstStyle/>
           <a:p>
-            <a:pPr indent="0" lvl="0" marL="0" rtl="0" algn="l">
+            <a:pPr marL="0" lvl="0" indent="0" algn="l" rtl="0">
               <a:spcBef>
                 <a:spcPts val="0"/>
               </a:spcBef>
@@ -988,9 +1038,6 @@
               </a:spcAft>
               <a:buNone/>
             </a:pPr>
-            <a:r>
-              <a:t/>
-            </a:r>
             <a:endParaRPr/>
           </a:p>
         </p:txBody>
@@ -1004,11 +1051,11 @@
 </file>
 
 <file path=ppt/notesSlides/notesSlide2.xml><?xml version="1.0" encoding="utf-8"?>
-<p:notes xmlns:a="http://schemas.openxmlformats.org/drawingml/2006/main" xmlns:r="http://schemas.openxmlformats.org/officeDocument/2006/relationships" xmlns:mc="http://schemas.openxmlformats.org/markup-compatibility/2006" xmlns:mv="urn:schemas-microsoft-com:mac:vml" xmlns:p="http://schemas.openxmlformats.org/presentationml/2006/main" xmlns:c="http://schemas.openxmlformats.org/drawingml/2006/chart" xmlns:dgm="http://schemas.openxmlformats.org/drawingml/2006/diagram" xmlns:o="urn:schemas-microsoft-com:office:office" xmlns:v="urn:schemas-microsoft-com:vml" xmlns:pvml="urn:schemas-microsoft-com:office:powerpoint" xmlns:com="http://schemas.openxmlformats.org/drawingml/2006/compatibility" xmlns:p14="http://schemas.microsoft.com/office/powerpoint/2010/main" xmlns:p15="http://schemas.microsoft.com/office/powerpoint/2012/main" xmlns:ahyp="http://schemas.microsoft.com/office/drawing/2018/hyperlinkcolor" showMasterPhAnim="0" showMasterSp="0">
+<p:notes xmlns:a="http://schemas.openxmlformats.org/drawingml/2006/main" xmlns:r="http://schemas.openxmlformats.org/officeDocument/2006/relationships" xmlns:p="http://schemas.openxmlformats.org/presentationml/2006/main" showMasterSp="0" showMasterPhAnim="0">
   <p:cSld>
     <p:spTree>
       <p:nvGrpSpPr>
-        <p:cNvPr id="137" name="Shape 137"/>
+        <p:cNvPr id="1" name="Shape 137"/>
         <p:cNvGrpSpPr/>
         <p:nvPr/>
       </p:nvGrpSpPr>
@@ -1023,20 +1070,26 @@
       <p:sp>
         <p:nvSpPr>
           <p:cNvPr id="138" name="Google Shape;138;g206ad4f6f2b_5_77:notes"/>
-          <p:cNvSpPr/>
+          <p:cNvSpPr>
+            <a:spLocks noGrp="1" noRot="1" noChangeAspect="1"/>
+          </p:cNvSpPr>
           <p:nvPr>
-            <p:ph idx="2" type="sldImg"/>
+            <p:ph type="sldImg" idx="2"/>
           </p:nvPr>
         </p:nvSpPr>
         <p:spPr>
           <a:xfrm>
-            <a:off x="381300" y="685800"/>
+            <a:off x="381000" y="685800"/>
             <a:ext cx="6096000" cy="3429000"/>
           </a:xfrm>
           <a:custGeom>
-            <a:rect b="b" l="l" r="r" t="t"/>
+            <a:avLst/>
+            <a:gdLst/>
+            <a:ahLst/>
+            <a:cxnLst/>
+            <a:rect l="l" t="t" r="r" b="b"/>
             <a:pathLst>
-              <a:path extrusionOk="0" h="120000" w="120000">
+              <a:path w="120000" h="120000" extrusionOk="0">
                 <a:moveTo>
                   <a:pt x="0" y="0"/>
                 </a:moveTo>
@@ -1058,9 +1111,11 @@
       <p:sp>
         <p:nvSpPr>
           <p:cNvPr id="139" name="Google Shape;139;g206ad4f6f2b_5_77:notes"/>
-          <p:cNvSpPr txBox="1"/>
+          <p:cNvSpPr txBox="1">
+            <a:spLocks noGrp="1"/>
+          </p:cNvSpPr>
           <p:nvPr>
-            <p:ph idx="1" type="body"/>
+            <p:ph type="body" idx="1"/>
           </p:nvPr>
         </p:nvSpPr>
         <p:spPr>
@@ -1073,12 +1128,12 @@
           </a:prstGeom>
         </p:spPr>
         <p:txBody>
-          <a:bodyPr anchorCtr="0" anchor="t" bIns="91425" lIns="91425" spcFirstLastPara="1" rIns="91425" wrap="square" tIns="91425">
+          <a:bodyPr spcFirstLastPara="1" wrap="square" lIns="91425" tIns="91425" rIns="91425" bIns="91425" anchor="t" anchorCtr="0">
             <a:noAutofit/>
           </a:bodyPr>
           <a:lstStyle/>
           <a:p>
-            <a:pPr indent="0" lvl="0" marL="0" rtl="0" algn="l">
+            <a:pPr marL="0" lvl="0" indent="0" algn="l" rtl="0">
               <a:spcBef>
                 <a:spcPts val="0"/>
               </a:spcBef>
@@ -1087,9 +1142,6 @@
               </a:spcAft>
               <a:buNone/>
             </a:pPr>
-            <a:r>
-              <a:t/>
-            </a:r>
             <a:endParaRPr/>
           </a:p>
         </p:txBody>
@@ -1103,11 +1155,11 @@
 </file>
 
 <file path=ppt/notesSlides/notesSlide3.xml><?xml version="1.0" encoding="utf-8"?>
-<p:notes xmlns:a="http://schemas.openxmlformats.org/drawingml/2006/main" xmlns:r="http://schemas.openxmlformats.org/officeDocument/2006/relationships" xmlns:mc="http://schemas.openxmlformats.org/markup-compatibility/2006" xmlns:mv="urn:schemas-microsoft-com:mac:vml" xmlns:p="http://schemas.openxmlformats.org/presentationml/2006/main" xmlns:c="http://schemas.openxmlformats.org/drawingml/2006/chart" xmlns:dgm="http://schemas.openxmlformats.org/drawingml/2006/diagram" xmlns:o="urn:schemas-microsoft-com:office:office" xmlns:v="urn:schemas-microsoft-com:vml" xmlns:pvml="urn:schemas-microsoft-com:office:powerpoint" xmlns:com="http://schemas.openxmlformats.org/drawingml/2006/compatibility" xmlns:p14="http://schemas.microsoft.com/office/powerpoint/2010/main" xmlns:p15="http://schemas.microsoft.com/office/powerpoint/2012/main" xmlns:ahyp="http://schemas.microsoft.com/office/drawing/2018/hyperlinkcolor" showMasterPhAnim="0" showMasterSp="0">
+<p:notes xmlns:a="http://schemas.openxmlformats.org/drawingml/2006/main" xmlns:r="http://schemas.openxmlformats.org/officeDocument/2006/relationships" xmlns:p="http://schemas.openxmlformats.org/presentationml/2006/main" showMasterSp="0" showMasterPhAnim="0">
   <p:cSld>
     <p:spTree>
       <p:nvGrpSpPr>
-        <p:cNvPr id="145" name="Shape 145"/>
+        <p:cNvPr id="1" name="Shape 145"/>
         <p:cNvGrpSpPr/>
         <p:nvPr/>
       </p:nvGrpSpPr>
@@ -1122,9 +1174,11 @@
       <p:sp>
         <p:nvSpPr>
           <p:cNvPr id="146" name="Google Shape;146;g206ad4f6f2b_4_0:notes"/>
-          <p:cNvSpPr/>
+          <p:cNvSpPr>
+            <a:spLocks noGrp="1" noRot="1" noChangeAspect="1"/>
+          </p:cNvSpPr>
           <p:nvPr>
-            <p:ph idx="2" type="sldImg"/>
+            <p:ph type="sldImg" idx="2"/>
           </p:nvPr>
         </p:nvSpPr>
         <p:spPr>
@@ -1133,9 +1187,13 @@
             <a:ext cx="6096000" cy="3429000"/>
           </a:xfrm>
           <a:custGeom>
-            <a:rect b="b" l="l" r="r" t="t"/>
+            <a:avLst/>
+            <a:gdLst/>
+            <a:ahLst/>
+            <a:cxnLst/>
+            <a:rect l="l" t="t" r="r" b="b"/>
             <a:pathLst>
-              <a:path extrusionOk="0" h="120000" w="120000">
+              <a:path w="120000" h="120000" extrusionOk="0">
                 <a:moveTo>
                   <a:pt x="0" y="0"/>
                 </a:moveTo>
@@ -1157,9 +1215,11 @@
       <p:sp>
         <p:nvSpPr>
           <p:cNvPr id="147" name="Google Shape;147;g206ad4f6f2b_4_0:notes"/>
-          <p:cNvSpPr txBox="1"/>
+          <p:cNvSpPr txBox="1">
+            <a:spLocks noGrp="1"/>
+          </p:cNvSpPr>
           <p:nvPr>
-            <p:ph idx="1" type="body"/>
+            <p:ph type="body" idx="1"/>
           </p:nvPr>
         </p:nvSpPr>
         <p:spPr>
@@ -1172,12 +1232,12 @@
           </a:prstGeom>
         </p:spPr>
         <p:txBody>
-          <a:bodyPr anchorCtr="0" anchor="t" bIns="91425" lIns="91425" spcFirstLastPara="1" rIns="91425" wrap="square" tIns="91425">
+          <a:bodyPr spcFirstLastPara="1" wrap="square" lIns="91425" tIns="91425" rIns="91425" bIns="91425" anchor="t" anchorCtr="0">
             <a:noAutofit/>
           </a:bodyPr>
           <a:lstStyle/>
           <a:p>
-            <a:pPr indent="0" lvl="0" marL="0" rtl="0" algn="l">
+            <a:pPr marL="0" lvl="0" indent="0" algn="l" rtl="0">
               <a:spcBef>
                 <a:spcPts val="0"/>
               </a:spcBef>
@@ -1186,9 +1246,6 @@
               </a:spcAft>
               <a:buNone/>
             </a:pPr>
-            <a:r>
-              <a:t/>
-            </a:r>
             <a:endParaRPr/>
           </a:p>
         </p:txBody>
@@ -1202,11 +1259,11 @@
 </file>
 
 <file path=ppt/notesSlides/notesSlide4.xml><?xml version="1.0" encoding="utf-8"?>
-<p:notes xmlns:a="http://schemas.openxmlformats.org/drawingml/2006/main" xmlns:r="http://schemas.openxmlformats.org/officeDocument/2006/relationships" xmlns:mc="http://schemas.openxmlformats.org/markup-compatibility/2006" xmlns:mv="urn:schemas-microsoft-com:mac:vml" xmlns:p="http://schemas.openxmlformats.org/presentationml/2006/main" xmlns:c="http://schemas.openxmlformats.org/drawingml/2006/chart" xmlns:dgm="http://schemas.openxmlformats.org/drawingml/2006/diagram" xmlns:o="urn:schemas-microsoft-com:office:office" xmlns:v="urn:schemas-microsoft-com:vml" xmlns:pvml="urn:schemas-microsoft-com:office:powerpoint" xmlns:com="http://schemas.openxmlformats.org/drawingml/2006/compatibility" xmlns:p14="http://schemas.microsoft.com/office/powerpoint/2010/main" xmlns:p15="http://schemas.microsoft.com/office/powerpoint/2012/main" xmlns:ahyp="http://schemas.microsoft.com/office/drawing/2018/hyperlinkcolor" showMasterPhAnim="0" showMasterSp="0">
+<p:notes xmlns:a="http://schemas.openxmlformats.org/drawingml/2006/main" xmlns:r="http://schemas.openxmlformats.org/officeDocument/2006/relationships" xmlns:p="http://schemas.openxmlformats.org/presentationml/2006/main" showMasterSp="0" showMasterPhAnim="0">
   <p:cSld>
     <p:spTree>
       <p:nvGrpSpPr>
-        <p:cNvPr id="171" name="Shape 171"/>
+        <p:cNvPr id="1" name="Shape 171"/>
         <p:cNvGrpSpPr/>
         <p:nvPr/>
       </p:nvGrpSpPr>
@@ -1221,9 +1278,11 @@
       <p:sp>
         <p:nvSpPr>
           <p:cNvPr id="172" name="Google Shape;172;g206ad4f6f2b_5_21:notes"/>
-          <p:cNvSpPr/>
+          <p:cNvSpPr>
+            <a:spLocks noGrp="1" noRot="1" noChangeAspect="1"/>
+          </p:cNvSpPr>
           <p:nvPr>
-            <p:ph idx="2" type="sldImg"/>
+            <p:ph type="sldImg" idx="2"/>
           </p:nvPr>
         </p:nvSpPr>
         <p:spPr>
@@ -1232,9 +1291,13 @@
             <a:ext cx="6096000" cy="3429000"/>
           </a:xfrm>
           <a:custGeom>
-            <a:rect b="b" l="l" r="r" t="t"/>
+            <a:avLst/>
+            <a:gdLst/>
+            <a:ahLst/>
+            <a:cxnLst/>
+            <a:rect l="l" t="t" r="r" b="b"/>
             <a:pathLst>
-              <a:path extrusionOk="0" h="120000" w="120000">
+              <a:path w="120000" h="120000" extrusionOk="0">
                 <a:moveTo>
                   <a:pt x="0" y="0"/>
                 </a:moveTo>
@@ -1256,9 +1319,11 @@
       <p:sp>
         <p:nvSpPr>
           <p:cNvPr id="173" name="Google Shape;173;g206ad4f6f2b_5_21:notes"/>
-          <p:cNvSpPr txBox="1"/>
+          <p:cNvSpPr txBox="1">
+            <a:spLocks noGrp="1"/>
+          </p:cNvSpPr>
           <p:nvPr>
-            <p:ph idx="1" type="body"/>
+            <p:ph type="body" idx="1"/>
           </p:nvPr>
         </p:nvSpPr>
         <p:spPr>
@@ -1271,12 +1336,12 @@
           </a:prstGeom>
         </p:spPr>
         <p:txBody>
-          <a:bodyPr anchorCtr="0" anchor="t" bIns="91425" lIns="91425" spcFirstLastPara="1" rIns="91425" wrap="square" tIns="91425">
+          <a:bodyPr spcFirstLastPara="1" wrap="square" lIns="91425" tIns="91425" rIns="91425" bIns="91425" anchor="t" anchorCtr="0">
             <a:noAutofit/>
           </a:bodyPr>
           <a:lstStyle/>
           <a:p>
-            <a:pPr indent="0" lvl="0" marL="0" rtl="0" algn="l">
+            <a:pPr marL="0" lvl="0" indent="0" algn="l" rtl="0">
               <a:spcBef>
                 <a:spcPts val="0"/>
               </a:spcBef>
@@ -1285,9 +1350,6 @@
               </a:spcAft>
               <a:buNone/>
             </a:pPr>
-            <a:r>
-              <a:t/>
-            </a:r>
             <a:endParaRPr/>
           </a:p>
         </p:txBody>
@@ -1301,11 +1363,11 @@
 </file>
 
 <file path=ppt/notesSlides/notesSlide5.xml><?xml version="1.0" encoding="utf-8"?>
-<p:notes xmlns:a="http://schemas.openxmlformats.org/drawingml/2006/main" xmlns:r="http://schemas.openxmlformats.org/officeDocument/2006/relationships" xmlns:mc="http://schemas.openxmlformats.org/markup-compatibility/2006" xmlns:mv="urn:schemas-microsoft-com:mac:vml" xmlns:p="http://schemas.openxmlformats.org/presentationml/2006/main" xmlns:c="http://schemas.openxmlformats.org/drawingml/2006/chart" xmlns:dgm="http://schemas.openxmlformats.org/drawingml/2006/diagram" xmlns:o="urn:schemas-microsoft-com:office:office" xmlns:v="urn:schemas-microsoft-com:vml" xmlns:pvml="urn:schemas-microsoft-com:office:powerpoint" xmlns:com="http://schemas.openxmlformats.org/drawingml/2006/compatibility" xmlns:p14="http://schemas.microsoft.com/office/powerpoint/2010/main" xmlns:p15="http://schemas.microsoft.com/office/powerpoint/2012/main" xmlns:ahyp="http://schemas.microsoft.com/office/drawing/2018/hyperlinkcolor" showMasterPhAnim="0" showMasterSp="0">
+<p:notes xmlns:a="http://schemas.openxmlformats.org/drawingml/2006/main" xmlns:r="http://schemas.openxmlformats.org/officeDocument/2006/relationships" xmlns:p="http://schemas.openxmlformats.org/presentationml/2006/main" showMasterSp="0" showMasterPhAnim="0">
   <p:cSld>
     <p:spTree>
       <p:nvGrpSpPr>
-        <p:cNvPr id="195" name="Shape 195"/>
+        <p:cNvPr id="1" name="Shape 195"/>
         <p:cNvGrpSpPr/>
         <p:nvPr/>
       </p:nvGrpSpPr>
@@ -1320,9 +1382,11 @@
       <p:sp>
         <p:nvSpPr>
           <p:cNvPr id="196" name="Google Shape;196;g206ad4f6f2b_5_33:notes"/>
-          <p:cNvSpPr/>
+          <p:cNvSpPr>
+            <a:spLocks noGrp="1" noRot="1" noChangeAspect="1"/>
+          </p:cNvSpPr>
           <p:nvPr>
-            <p:ph idx="2" type="sldImg"/>
+            <p:ph type="sldImg" idx="2"/>
           </p:nvPr>
         </p:nvSpPr>
         <p:spPr>
@@ -1331,9 +1395,13 @@
             <a:ext cx="6096000" cy="3429000"/>
           </a:xfrm>
           <a:custGeom>
-            <a:rect b="b" l="l" r="r" t="t"/>
+            <a:avLst/>
+            <a:gdLst/>
+            <a:ahLst/>
+            <a:cxnLst/>
+            <a:rect l="l" t="t" r="r" b="b"/>
             <a:pathLst>
-              <a:path extrusionOk="0" h="120000" w="120000">
+              <a:path w="120000" h="120000" extrusionOk="0">
                 <a:moveTo>
                   <a:pt x="0" y="0"/>
                 </a:moveTo>
@@ -1355,9 +1423,11 @@
       <p:sp>
         <p:nvSpPr>
           <p:cNvPr id="197" name="Google Shape;197;g206ad4f6f2b_5_33:notes"/>
-          <p:cNvSpPr txBox="1"/>
+          <p:cNvSpPr txBox="1">
+            <a:spLocks noGrp="1"/>
+          </p:cNvSpPr>
           <p:nvPr>
-            <p:ph idx="1" type="body"/>
+            <p:ph type="body" idx="1"/>
           </p:nvPr>
         </p:nvSpPr>
         <p:spPr>
@@ -1370,12 +1440,12 @@
           </a:prstGeom>
         </p:spPr>
         <p:txBody>
-          <a:bodyPr anchorCtr="0" anchor="t" bIns="91425" lIns="91425" spcFirstLastPara="1" rIns="91425" wrap="square" tIns="91425">
+          <a:bodyPr spcFirstLastPara="1" wrap="square" lIns="91425" tIns="91425" rIns="91425" bIns="91425" anchor="t" anchorCtr="0">
             <a:noAutofit/>
           </a:bodyPr>
           <a:lstStyle/>
           <a:p>
-            <a:pPr indent="0" lvl="0" marL="0" rtl="0" algn="l">
+            <a:pPr marL="0" lvl="0" indent="0" algn="l" rtl="0">
               <a:spcBef>
                 <a:spcPts val="0"/>
               </a:spcBef>
@@ -1384,9 +1454,6 @@
               </a:spcAft>
               <a:buNone/>
             </a:pPr>
-            <a:r>
-              <a:t/>
-            </a:r>
             <a:endParaRPr/>
           </a:p>
         </p:txBody>
@@ -1400,11 +1467,11 @@
 </file>
 
 <file path=ppt/notesSlides/notesSlide6.xml><?xml version="1.0" encoding="utf-8"?>
-<p:notes xmlns:a="http://schemas.openxmlformats.org/drawingml/2006/main" xmlns:r="http://schemas.openxmlformats.org/officeDocument/2006/relationships" xmlns:mc="http://schemas.openxmlformats.org/markup-compatibility/2006" xmlns:mv="urn:schemas-microsoft-com:mac:vml" xmlns:p="http://schemas.openxmlformats.org/presentationml/2006/main" xmlns:c="http://schemas.openxmlformats.org/drawingml/2006/chart" xmlns:dgm="http://schemas.openxmlformats.org/drawingml/2006/diagram" xmlns:o="urn:schemas-microsoft-com:office:office" xmlns:v="urn:schemas-microsoft-com:vml" xmlns:pvml="urn:schemas-microsoft-com:office:powerpoint" xmlns:com="http://schemas.openxmlformats.org/drawingml/2006/compatibility" xmlns:p14="http://schemas.microsoft.com/office/powerpoint/2010/main" xmlns:p15="http://schemas.microsoft.com/office/powerpoint/2012/main" xmlns:ahyp="http://schemas.microsoft.com/office/drawing/2018/hyperlinkcolor" showMasterPhAnim="0" showMasterSp="0">
+<p:notes xmlns:a="http://schemas.openxmlformats.org/drawingml/2006/main" xmlns:r="http://schemas.openxmlformats.org/officeDocument/2006/relationships" xmlns:p="http://schemas.openxmlformats.org/presentationml/2006/main" showMasterSp="0" showMasterPhAnim="0">
   <p:cSld>
     <p:spTree>
       <p:nvGrpSpPr>
-        <p:cNvPr id="218" name="Shape 218"/>
+        <p:cNvPr id="1" name="Shape 218"/>
         <p:cNvGrpSpPr/>
         <p:nvPr/>
       </p:nvGrpSpPr>
@@ -1419,9 +1486,11 @@
       <p:sp>
         <p:nvSpPr>
           <p:cNvPr id="219" name="Google Shape;219;g206ad4f6f2b_9_0:notes"/>
-          <p:cNvSpPr/>
+          <p:cNvSpPr>
+            <a:spLocks noGrp="1" noRot="1" noChangeAspect="1"/>
+          </p:cNvSpPr>
           <p:nvPr>
-            <p:ph idx="2" type="sldImg"/>
+            <p:ph type="sldImg" idx="2"/>
           </p:nvPr>
         </p:nvSpPr>
         <p:spPr>
@@ -1430,9 +1499,13 @@
             <a:ext cx="6096000" cy="3429000"/>
           </a:xfrm>
           <a:custGeom>
-            <a:rect b="b" l="l" r="r" t="t"/>
+            <a:avLst/>
+            <a:gdLst/>
+            <a:ahLst/>
+            <a:cxnLst/>
+            <a:rect l="l" t="t" r="r" b="b"/>
             <a:pathLst>
-              <a:path extrusionOk="0" h="120000" w="120000">
+              <a:path w="120000" h="120000" extrusionOk="0">
                 <a:moveTo>
                   <a:pt x="0" y="0"/>
                 </a:moveTo>
@@ -1454,9 +1527,11 @@
       <p:sp>
         <p:nvSpPr>
           <p:cNvPr id="220" name="Google Shape;220;g206ad4f6f2b_9_0:notes"/>
-          <p:cNvSpPr txBox="1"/>
+          <p:cNvSpPr txBox="1">
+            <a:spLocks noGrp="1"/>
+          </p:cNvSpPr>
           <p:nvPr>
-            <p:ph idx="1" type="body"/>
+            <p:ph type="body" idx="1"/>
           </p:nvPr>
         </p:nvSpPr>
         <p:spPr>
@@ -1469,12 +1544,12 @@
           </a:prstGeom>
         </p:spPr>
         <p:txBody>
-          <a:bodyPr anchorCtr="0" anchor="t" bIns="91425" lIns="91425" spcFirstLastPara="1" rIns="91425" wrap="square" tIns="91425">
+          <a:bodyPr spcFirstLastPara="1" wrap="square" lIns="91425" tIns="91425" rIns="91425" bIns="91425" anchor="t" anchorCtr="0">
             <a:noAutofit/>
           </a:bodyPr>
           <a:lstStyle/>
           <a:p>
-            <a:pPr indent="0" lvl="0" marL="0" rtl="0" algn="l">
+            <a:pPr marL="0" lvl="0" indent="0" algn="l" rtl="0">
               <a:spcBef>
                 <a:spcPts val="0"/>
               </a:spcBef>
@@ -1483,9 +1558,6 @@
               </a:spcAft>
               <a:buNone/>
             </a:pPr>
-            <a:r>
-              <a:t/>
-            </a:r>
             <a:endParaRPr/>
           </a:p>
         </p:txBody>
@@ -1499,11 +1571,11 @@
 </file>
 
 <file path=ppt/notesSlides/notesSlide7.xml><?xml version="1.0" encoding="utf-8"?>
-<p:notes xmlns:a="http://schemas.openxmlformats.org/drawingml/2006/main" xmlns:r="http://schemas.openxmlformats.org/officeDocument/2006/relationships" xmlns:mc="http://schemas.openxmlformats.org/markup-compatibility/2006" xmlns:mv="urn:schemas-microsoft-com:mac:vml" xmlns:p="http://schemas.openxmlformats.org/presentationml/2006/main" xmlns:c="http://schemas.openxmlformats.org/drawingml/2006/chart" xmlns:dgm="http://schemas.openxmlformats.org/drawingml/2006/diagram" xmlns:o="urn:schemas-microsoft-com:office:office" xmlns:v="urn:schemas-microsoft-com:vml" xmlns:pvml="urn:schemas-microsoft-com:office:powerpoint" xmlns:com="http://schemas.openxmlformats.org/drawingml/2006/compatibility" xmlns:p14="http://schemas.microsoft.com/office/powerpoint/2010/main" xmlns:p15="http://schemas.microsoft.com/office/powerpoint/2012/main" xmlns:ahyp="http://schemas.microsoft.com/office/drawing/2018/hyperlinkcolor" showMasterPhAnim="0" showMasterSp="0">
+<p:notes xmlns:a="http://schemas.openxmlformats.org/drawingml/2006/main" xmlns:r="http://schemas.openxmlformats.org/officeDocument/2006/relationships" xmlns:p="http://schemas.openxmlformats.org/presentationml/2006/main" showMasterSp="0" showMasterPhAnim="0">
   <p:cSld>
     <p:spTree>
       <p:nvGrpSpPr>
-        <p:cNvPr id="224" name="Shape 224"/>
+        <p:cNvPr id="1" name="Shape 224"/>
         <p:cNvGrpSpPr/>
         <p:nvPr/>
       </p:nvGrpSpPr>
@@ -1518,9 +1590,11 @@
       <p:sp>
         <p:nvSpPr>
           <p:cNvPr id="225" name="Google Shape;225;g207bdc4f96e_0_27:notes"/>
-          <p:cNvSpPr/>
+          <p:cNvSpPr>
+            <a:spLocks noGrp="1" noRot="1" noChangeAspect="1"/>
+          </p:cNvSpPr>
           <p:nvPr>
-            <p:ph idx="2" type="sldImg"/>
+            <p:ph type="sldImg" idx="2"/>
           </p:nvPr>
         </p:nvSpPr>
         <p:spPr>
@@ -1529,9 +1603,13 @@
             <a:ext cx="6096000" cy="3429000"/>
           </a:xfrm>
           <a:custGeom>
-            <a:rect b="b" l="l" r="r" t="t"/>
+            <a:avLst/>
+            <a:gdLst/>
+            <a:ahLst/>
+            <a:cxnLst/>
+            <a:rect l="l" t="t" r="r" b="b"/>
             <a:pathLst>
-              <a:path extrusionOk="0" h="120000" w="120000">
+              <a:path w="120000" h="120000" extrusionOk="0">
                 <a:moveTo>
                   <a:pt x="0" y="0"/>
                 </a:moveTo>
@@ -1553,9 +1631,11 @@
       <p:sp>
         <p:nvSpPr>
           <p:cNvPr id="226" name="Google Shape;226;g207bdc4f96e_0_27:notes"/>
-          <p:cNvSpPr txBox="1"/>
+          <p:cNvSpPr txBox="1">
+            <a:spLocks noGrp="1"/>
+          </p:cNvSpPr>
           <p:nvPr>
-            <p:ph idx="1" type="body"/>
+            <p:ph type="body" idx="1"/>
           </p:nvPr>
         </p:nvSpPr>
         <p:spPr>
@@ -1568,12 +1648,12 @@
           </a:prstGeom>
         </p:spPr>
         <p:txBody>
-          <a:bodyPr anchorCtr="0" anchor="t" bIns="91425" lIns="91425" spcFirstLastPara="1" rIns="91425" wrap="square" tIns="91425">
+          <a:bodyPr spcFirstLastPara="1" wrap="square" lIns="91425" tIns="91425" rIns="91425" bIns="91425" anchor="t" anchorCtr="0">
             <a:noAutofit/>
           </a:bodyPr>
           <a:lstStyle/>
           <a:p>
-            <a:pPr indent="0" lvl="0" marL="0" rtl="0" algn="l">
+            <a:pPr marL="0" lvl="0" indent="0" algn="l" rtl="0">
               <a:spcBef>
                 <a:spcPts val="0"/>
               </a:spcBef>
@@ -1582,9 +1662,6 @@
               </a:spcAft>
               <a:buNone/>
             </a:pPr>
-            <a:r>
-              <a:t/>
-            </a:r>
             <a:endParaRPr/>
           </a:p>
         </p:txBody>
@@ -1598,11 +1675,11 @@
 </file>
 
 <file path=ppt/notesSlides/notesSlide8.xml><?xml version="1.0" encoding="utf-8"?>
-<p:notes xmlns:a="http://schemas.openxmlformats.org/drawingml/2006/main" xmlns:r="http://schemas.openxmlformats.org/officeDocument/2006/relationships" xmlns:mc="http://schemas.openxmlformats.org/markup-compatibility/2006" xmlns:mv="urn:schemas-microsoft-com:mac:vml" xmlns:p="http://schemas.openxmlformats.org/presentationml/2006/main" xmlns:c="http://schemas.openxmlformats.org/drawingml/2006/chart" xmlns:dgm="http://schemas.openxmlformats.org/drawingml/2006/diagram" xmlns:o="urn:schemas-microsoft-com:office:office" xmlns:v="urn:schemas-microsoft-com:vml" xmlns:pvml="urn:schemas-microsoft-com:office:powerpoint" xmlns:com="http://schemas.openxmlformats.org/drawingml/2006/compatibility" xmlns:p14="http://schemas.microsoft.com/office/powerpoint/2010/main" xmlns:p15="http://schemas.microsoft.com/office/powerpoint/2012/main" xmlns:ahyp="http://schemas.microsoft.com/office/drawing/2018/hyperlinkcolor" showMasterPhAnim="0" showMasterSp="0">
+<p:notes xmlns:a="http://schemas.openxmlformats.org/drawingml/2006/main" xmlns:r="http://schemas.openxmlformats.org/officeDocument/2006/relationships" xmlns:p="http://schemas.openxmlformats.org/presentationml/2006/main" showMasterSp="0" showMasterPhAnim="0">
   <p:cSld>
     <p:spTree>
       <p:nvGrpSpPr>
-        <p:cNvPr id="230" name="Shape 230"/>
+        <p:cNvPr id="1" name="Shape 230"/>
         <p:cNvGrpSpPr/>
         <p:nvPr/>
       </p:nvGrpSpPr>
@@ -1617,9 +1694,11 @@
       <p:sp>
         <p:nvSpPr>
           <p:cNvPr id="231" name="Google Shape;231;g207bdc4f96e_0_51:notes"/>
-          <p:cNvSpPr/>
+          <p:cNvSpPr>
+            <a:spLocks noGrp="1" noRot="1" noChangeAspect="1"/>
+          </p:cNvSpPr>
           <p:nvPr>
-            <p:ph idx="2" type="sldImg"/>
+            <p:ph type="sldImg" idx="2"/>
           </p:nvPr>
         </p:nvSpPr>
         <p:spPr>
@@ -1628,9 +1707,13 @@
             <a:ext cx="6096000" cy="3429000"/>
           </a:xfrm>
           <a:custGeom>
-            <a:rect b="b" l="l" r="r" t="t"/>
+            <a:avLst/>
+            <a:gdLst/>
+            <a:ahLst/>
+            <a:cxnLst/>
+            <a:rect l="l" t="t" r="r" b="b"/>
             <a:pathLst>
-              <a:path extrusionOk="0" h="120000" w="120000">
+              <a:path w="120000" h="120000" extrusionOk="0">
                 <a:moveTo>
                   <a:pt x="0" y="0"/>
                 </a:moveTo>
@@ -1652,9 +1735,11 @@
       <p:sp>
         <p:nvSpPr>
           <p:cNvPr id="232" name="Google Shape;232;g207bdc4f96e_0_51:notes"/>
-          <p:cNvSpPr txBox="1"/>
+          <p:cNvSpPr txBox="1">
+            <a:spLocks noGrp="1"/>
+          </p:cNvSpPr>
           <p:nvPr>
-            <p:ph idx="1" type="body"/>
+            <p:ph type="body" idx="1"/>
           </p:nvPr>
         </p:nvSpPr>
         <p:spPr>
@@ -1667,12 +1752,12 @@
           </a:prstGeom>
         </p:spPr>
         <p:txBody>
-          <a:bodyPr anchorCtr="0" anchor="t" bIns="91425" lIns="91425" spcFirstLastPara="1" rIns="91425" wrap="square" tIns="91425">
+          <a:bodyPr spcFirstLastPara="1" wrap="square" lIns="91425" tIns="91425" rIns="91425" bIns="91425" anchor="t" anchorCtr="0">
             <a:noAutofit/>
           </a:bodyPr>
           <a:lstStyle/>
           <a:p>
-            <a:pPr indent="0" lvl="0" marL="0" rtl="0" algn="l">
+            <a:pPr marL="0" lvl="0" indent="0" algn="l" rtl="0">
               <a:spcBef>
                 <a:spcPts val="0"/>
               </a:spcBef>
@@ -1703,10 +1788,10 @@
                 <a:uFill>
                   <a:noFill/>
                 </a:uFill>
-                <a:hlinkClick r:id="rId2">
+                <a:hlinkClick r:id="rId3">
                   <a:extLst>
                     <a:ext uri="{A12FA001-AC4F-418D-AE19-62706E023703}">
-                      <ahyp:hlinkClr val="tx"/>
+                      <ahyp:hlinkClr xmlns:ahyp="http://schemas.microsoft.com/office/drawing/2018/hyperlinkcolor" val="tx"/>
                     </a:ext>
                   </a:extLst>
                 </a:hlinkClick>
@@ -1734,7 +1819,7 @@
             </a:endParaRPr>
           </a:p>
           <a:p>
-            <a:pPr indent="0" lvl="0" marL="0" rtl="0" algn="l">
+            <a:pPr marL="0" lvl="0" indent="0" algn="l" rtl="0">
               <a:spcBef>
                 <a:spcPts val="0"/>
               </a:spcBef>
@@ -1764,7 +1849,7 @@
             </a:endParaRPr>
           </a:p>
           <a:p>
-            <a:pPr indent="0" lvl="0" marL="0" rtl="0" algn="l">
+            <a:pPr marL="0" lvl="0" indent="0" algn="l" rtl="0">
               <a:spcBef>
                 <a:spcPts val="0"/>
               </a:spcBef>
@@ -1782,18 +1867,7 @@
                   <a:srgbClr val="FFFFFF"/>
                 </a:highlight>
               </a:rPr>
-              <a:t>Stevenson might have won a fourth gold medal at the 1984 Summer Olympics, but the Soviet Union boycotted the games, which were hosted by Los Angeles. Cuba followed the Soviet lead, and Stevenson did not compete. </a:t>
-            </a:r>
-            <a:r>
-              <a:rPr lang="en" sz="1200">
-                <a:solidFill>
-                  <a:srgbClr val="2D2D2D"/>
-                </a:solidFill>
-                <a:highlight>
-                  <a:srgbClr val="FFFFFF"/>
-                </a:highlight>
-              </a:rPr>
-              <a:t>Stevenson retired in 1988 after Cuba decided to skip the Seoul Olympics.</a:t>
+              <a:t>Stevenson might have won a fourth gold medal at the 1984 Summer Olympics, but the Soviet Union boycotted the games, which were hosted by Los Angeles. Cuba followed the Soviet lead, and Stevenson did not compete. Stevenson retired in 1988 after Cuba decided to skip the Seoul Olympics.</a:t>
             </a:r>
             <a:endParaRPr sz="1200">
               <a:solidFill>
@@ -1815,11 +1889,11 @@
 </file>
 
 <file path=ppt/notesSlides/notesSlide9.xml><?xml version="1.0" encoding="utf-8"?>
-<p:notes xmlns:a="http://schemas.openxmlformats.org/drawingml/2006/main" xmlns:r="http://schemas.openxmlformats.org/officeDocument/2006/relationships" xmlns:mc="http://schemas.openxmlformats.org/markup-compatibility/2006" xmlns:mv="urn:schemas-microsoft-com:mac:vml" xmlns:p="http://schemas.openxmlformats.org/presentationml/2006/main" xmlns:c="http://schemas.openxmlformats.org/drawingml/2006/chart" xmlns:dgm="http://schemas.openxmlformats.org/drawingml/2006/diagram" xmlns:o="urn:schemas-microsoft-com:office:office" xmlns:v="urn:schemas-microsoft-com:vml" xmlns:pvml="urn:schemas-microsoft-com:office:powerpoint" xmlns:com="http://schemas.openxmlformats.org/drawingml/2006/compatibility" xmlns:p14="http://schemas.microsoft.com/office/powerpoint/2010/main" xmlns:p15="http://schemas.microsoft.com/office/powerpoint/2012/main" xmlns:ahyp="http://schemas.microsoft.com/office/drawing/2018/hyperlinkcolor" showMasterPhAnim="0" showMasterSp="0">
+<p:notes xmlns:a="http://schemas.openxmlformats.org/drawingml/2006/main" xmlns:r="http://schemas.openxmlformats.org/officeDocument/2006/relationships" xmlns:p="http://schemas.openxmlformats.org/presentationml/2006/main" showMasterSp="0" showMasterPhAnim="0">
   <p:cSld>
     <p:spTree>
       <p:nvGrpSpPr>
-        <p:cNvPr id="236" name="Shape 236"/>
+        <p:cNvPr id="1" name="Shape 236"/>
         <p:cNvGrpSpPr/>
         <p:nvPr/>
       </p:nvGrpSpPr>
@@ -1834,20 +1908,26 @@
       <p:sp>
         <p:nvSpPr>
           <p:cNvPr id="237" name="Google Shape;237;g206ad4f6f2b_1_0:notes"/>
-          <p:cNvSpPr/>
+          <p:cNvSpPr>
+            <a:spLocks noGrp="1" noRot="1" noChangeAspect="1"/>
+          </p:cNvSpPr>
           <p:nvPr>
-            <p:ph idx="2" type="sldImg"/>
+            <p:ph type="sldImg" idx="2"/>
           </p:nvPr>
         </p:nvSpPr>
         <p:spPr>
           <a:xfrm>
-            <a:off x="381300" y="685800"/>
+            <a:off x="381000" y="685800"/>
             <a:ext cx="6096000" cy="3429000"/>
           </a:xfrm>
           <a:custGeom>
-            <a:rect b="b" l="l" r="r" t="t"/>
+            <a:avLst/>
+            <a:gdLst/>
+            <a:ahLst/>
+            <a:cxnLst/>
+            <a:rect l="l" t="t" r="r" b="b"/>
             <a:pathLst>
-              <a:path extrusionOk="0" h="120000" w="120000">
+              <a:path w="120000" h="120000" extrusionOk="0">
                 <a:moveTo>
                   <a:pt x="0" y="0"/>
                 </a:moveTo>
@@ -1869,9 +1949,11 @@
       <p:sp>
         <p:nvSpPr>
           <p:cNvPr id="238" name="Google Shape;238;g206ad4f6f2b_1_0:notes"/>
-          <p:cNvSpPr txBox="1"/>
+          <p:cNvSpPr txBox="1">
+            <a:spLocks noGrp="1"/>
+          </p:cNvSpPr>
           <p:nvPr>
-            <p:ph idx="1" type="body"/>
+            <p:ph type="body" idx="1"/>
           </p:nvPr>
         </p:nvSpPr>
         <p:spPr>
@@ -1884,12 +1966,12 @@
           </a:prstGeom>
         </p:spPr>
         <p:txBody>
-          <a:bodyPr anchorCtr="0" anchor="t" bIns="91425" lIns="91425" spcFirstLastPara="1" rIns="91425" wrap="square" tIns="91425">
+          <a:bodyPr spcFirstLastPara="1" wrap="square" lIns="91425" tIns="91425" rIns="91425" bIns="91425" anchor="t" anchorCtr="0">
             <a:noAutofit/>
           </a:bodyPr>
           <a:lstStyle/>
           <a:p>
-            <a:pPr indent="0" lvl="0" marL="0" rtl="0" algn="l">
+            <a:pPr marL="0" lvl="0" indent="0" algn="l" rtl="0">
               <a:spcBef>
                 <a:spcPts val="0"/>
               </a:spcBef>
@@ -1915,18 +1997,19 @@
 </file>
 
 <file path=ppt/slideLayouts/slideLayout1.xml><?xml version="1.0" encoding="utf-8"?>
-<p:sldLayout xmlns:a="http://schemas.openxmlformats.org/drawingml/2006/main" xmlns:r="http://schemas.openxmlformats.org/officeDocument/2006/relationships" xmlns:mc="http://schemas.openxmlformats.org/markup-compatibility/2006" xmlns:mv="urn:schemas-microsoft-com:mac:vml" xmlns:p="http://schemas.openxmlformats.org/presentationml/2006/main" xmlns:c="http://schemas.openxmlformats.org/drawingml/2006/chart" xmlns:dgm="http://schemas.openxmlformats.org/drawingml/2006/diagram" xmlns:o="urn:schemas-microsoft-com:office:office" xmlns:v="urn:schemas-microsoft-com:vml" xmlns:pvml="urn:schemas-microsoft-com:office:powerpoint" xmlns:com="http://schemas.openxmlformats.org/drawingml/2006/compatibility" xmlns:p14="http://schemas.microsoft.com/office/powerpoint/2010/main" xmlns:p15="http://schemas.microsoft.com/office/powerpoint/2012/main" xmlns:ahyp="http://schemas.microsoft.com/office/drawing/2018/hyperlinkcolor" matchingName="Title slide" type="title">
+<p:sldLayout xmlns:a="http://schemas.openxmlformats.org/drawingml/2006/main" xmlns:r="http://schemas.openxmlformats.org/officeDocument/2006/relationships" xmlns:p="http://schemas.openxmlformats.org/presentationml/2006/main" matchingName="Title slide" type="title">
   <p:cSld name="TITLE">
     <p:bg>
       <p:bgPr>
         <a:solidFill>
           <a:schemeClr val="accent6"/>
         </a:solidFill>
+        <a:effectLst/>
       </p:bgPr>
     </p:bg>
     <p:spTree>
       <p:nvGrpSpPr>
-        <p:cNvPr id="9" name="Shape 9"/>
+        <p:cNvPr id="1" name="Shape 9"/>
         <p:cNvGrpSpPr/>
         <p:nvPr/>
       </p:nvGrpSpPr>
@@ -1960,12 +2043,12 @@
           </a:ln>
         </p:spPr>
         <p:txBody>
-          <a:bodyPr anchorCtr="0" anchor="ctr" bIns="91425" lIns="91425" spcFirstLastPara="1" rIns="91425" wrap="square" tIns="91425">
+          <a:bodyPr spcFirstLastPara="1" wrap="square" lIns="91425" tIns="91425" rIns="91425" bIns="91425" anchor="ctr" anchorCtr="0">
             <a:noAutofit/>
           </a:bodyPr>
           <a:lstStyle/>
           <a:p>
-            <a:pPr indent="0" lvl="0" marL="0" rtl="0" algn="l">
+            <a:pPr marL="0" lvl="0" indent="0" algn="l" rtl="0">
               <a:spcBef>
                 <a:spcPts val="0"/>
               </a:spcBef>
@@ -1974,9 +2057,6 @@
               </a:spcAft>
               <a:buNone/>
             </a:pPr>
-            <a:r>
-              <a:t/>
-            </a:r>
             <a:endParaRPr/>
           </a:p>
         </p:txBody>
@@ -2003,12 +2083,12 @@
           </a:ln>
         </p:spPr>
         <p:txBody>
-          <a:bodyPr anchorCtr="0" anchor="ctr" bIns="91425" lIns="91425" spcFirstLastPara="1" rIns="91425" wrap="square" tIns="91425">
+          <a:bodyPr spcFirstLastPara="1" wrap="square" lIns="91425" tIns="91425" rIns="91425" bIns="91425" anchor="ctr" anchorCtr="0">
             <a:noAutofit/>
           </a:bodyPr>
           <a:lstStyle/>
           <a:p>
-            <a:pPr indent="0" lvl="0" marL="0" rtl="0" algn="l">
+            <a:pPr marL="0" lvl="0" indent="0" algn="l" rtl="0">
               <a:spcBef>
                 <a:spcPts val="0"/>
               </a:spcBef>
@@ -2017,9 +2097,6 @@
               </a:spcAft>
               <a:buNone/>
             </a:pPr>
-            <a:r>
-              <a:t/>
-            </a:r>
             <a:endParaRPr/>
           </a:p>
         </p:txBody>
@@ -2046,12 +2123,12 @@
           </a:ln>
         </p:spPr>
         <p:txBody>
-          <a:bodyPr anchorCtr="0" anchor="ctr" bIns="91425" lIns="91425" spcFirstLastPara="1" rIns="91425" wrap="square" tIns="91425">
+          <a:bodyPr spcFirstLastPara="1" wrap="square" lIns="91425" tIns="91425" rIns="91425" bIns="91425" anchor="ctr" anchorCtr="0">
             <a:noAutofit/>
           </a:bodyPr>
           <a:lstStyle/>
           <a:p>
-            <a:pPr indent="0" lvl="0" marL="0" rtl="0" algn="l">
+            <a:pPr marL="0" lvl="0" indent="0" algn="l" rtl="0">
               <a:spcBef>
                 <a:spcPts val="0"/>
               </a:spcBef>
@@ -2060,9 +2137,6 @@
               </a:spcAft>
               <a:buNone/>
             </a:pPr>
-            <a:r>
-              <a:t/>
-            </a:r>
             <a:endParaRPr/>
           </a:p>
         </p:txBody>
@@ -2088,7 +2162,7 @@
             <a:noFill/>
           </a:ln>
           <a:effectLst>
-            <a:outerShdw blurRad="228600" sx="101000" rotWithShape="0" algn="ctr" sy="101000">
+            <a:outerShdw blurRad="228600" sx="101000" sy="101000" algn="ctr" rotWithShape="0">
               <a:srgbClr val="000000">
                 <a:alpha val="40000"/>
               </a:srgbClr>
@@ -2096,12 +2170,12 @@
           </a:effectLst>
         </p:spPr>
         <p:txBody>
-          <a:bodyPr anchorCtr="0" anchor="ctr" bIns="91425" lIns="91425" spcFirstLastPara="1" rIns="91425" wrap="square" tIns="91425">
+          <a:bodyPr spcFirstLastPara="1" wrap="square" lIns="91425" tIns="91425" rIns="91425" bIns="91425" anchor="ctr" anchorCtr="0">
             <a:noAutofit/>
           </a:bodyPr>
           <a:lstStyle/>
           <a:p>
-            <a:pPr indent="0" lvl="0" marL="0" rtl="0" algn="l">
+            <a:pPr marL="0" lvl="0" indent="0" algn="l" rtl="0">
               <a:spcBef>
                 <a:spcPts val="0"/>
               </a:spcBef>
@@ -2110,9 +2184,6 @@
               </a:spcAft>
               <a:buNone/>
             </a:pPr>
-            <a:r>
-              <a:t/>
-            </a:r>
             <a:endParaRPr/>
           </a:p>
         </p:txBody>
@@ -2144,7 +2215,7 @@
             </a:xfrm>
             <a:prstGeom prst="parallelogram">
               <a:avLst>
-                <a:gd fmla="val 153193" name="adj"/>
+                <a:gd name="adj" fmla="val 153193"/>
               </a:avLst>
             </a:prstGeom>
             <a:solidFill>
@@ -2155,12 +2226,12 @@
             </a:ln>
           </p:spPr>
           <p:txBody>
-            <a:bodyPr anchorCtr="0" anchor="ctr" bIns="91425" lIns="91425" spcFirstLastPara="1" rIns="91425" wrap="square" tIns="91425">
+            <a:bodyPr spcFirstLastPara="1" wrap="square" lIns="91425" tIns="91425" rIns="91425" bIns="91425" anchor="ctr" anchorCtr="0">
               <a:noAutofit/>
             </a:bodyPr>
             <a:lstStyle/>
             <a:p>
-              <a:pPr indent="0" lvl="0" marL="0" rtl="0" algn="l">
+              <a:pPr marL="0" lvl="0" indent="0" algn="l" rtl="0">
                 <a:spcBef>
                   <a:spcPts val="0"/>
                 </a:spcBef>
@@ -2169,9 +2240,6 @@
                 </a:spcAft>
                 <a:buNone/>
               </a:pPr>
-              <a:r>
-                <a:t/>
-              </a:r>
               <a:endParaRPr/>
             </a:p>
           </p:txBody>
@@ -2189,7 +2257,7 @@
             </a:xfrm>
             <a:prstGeom prst="parallelogram">
               <a:avLst>
-                <a:gd fmla="val 153193" name="adj"/>
+                <a:gd name="adj" fmla="val 153193"/>
               </a:avLst>
             </a:prstGeom>
             <a:solidFill>
@@ -2200,12 +2268,12 @@
             </a:ln>
           </p:spPr>
           <p:txBody>
-            <a:bodyPr anchorCtr="0" anchor="ctr" bIns="91425" lIns="91425" spcFirstLastPara="1" rIns="91425" wrap="square" tIns="91425">
+            <a:bodyPr spcFirstLastPara="1" wrap="square" lIns="91425" tIns="91425" rIns="91425" bIns="91425" anchor="ctr" anchorCtr="0">
               <a:noAutofit/>
             </a:bodyPr>
             <a:lstStyle/>
             <a:p>
-              <a:pPr indent="0" lvl="0" marL="0" rtl="0" algn="l">
+              <a:pPr marL="0" lvl="0" indent="0" algn="l" rtl="0">
                 <a:spcBef>
                   <a:spcPts val="0"/>
                 </a:spcBef>
@@ -2214,9 +2282,6 @@
                 </a:spcAft>
                 <a:buNone/>
               </a:pPr>
-              <a:r>
-                <a:t/>
-              </a:r>
               <a:endParaRPr/>
             </a:p>
           </p:txBody>
@@ -2234,7 +2299,7 @@
             </a:xfrm>
             <a:prstGeom prst="parallelogram">
               <a:avLst>
-                <a:gd fmla="val 153193" name="adj"/>
+                <a:gd name="adj" fmla="val 153193"/>
               </a:avLst>
             </a:prstGeom>
             <a:solidFill>
@@ -2245,12 +2310,12 @@
             </a:ln>
           </p:spPr>
           <p:txBody>
-            <a:bodyPr anchorCtr="0" anchor="ctr" bIns="91425" lIns="91425" spcFirstLastPara="1" rIns="91425" wrap="square" tIns="91425">
+            <a:bodyPr spcFirstLastPara="1" wrap="square" lIns="91425" tIns="91425" rIns="91425" bIns="91425" anchor="ctr" anchorCtr="0">
               <a:noAutofit/>
             </a:bodyPr>
             <a:lstStyle/>
             <a:p>
-              <a:pPr indent="0" lvl="0" marL="0" rtl="0" algn="l">
+              <a:pPr marL="0" lvl="0" indent="0" algn="l" rtl="0">
                 <a:spcBef>
                   <a:spcPts val="0"/>
                 </a:spcBef>
@@ -2259,9 +2324,6 @@
                 </a:spcAft>
                 <a:buNone/>
               </a:pPr>
-              <a:r>
-                <a:t/>
-              </a:r>
               <a:endParaRPr/>
             </a:p>
           </p:txBody>
@@ -2294,7 +2356,7 @@
             </a:xfrm>
             <a:prstGeom prst="parallelogram">
               <a:avLst>
-                <a:gd fmla="val 153193" name="adj"/>
+                <a:gd name="adj" fmla="val 153193"/>
               </a:avLst>
             </a:prstGeom>
             <a:solidFill>
@@ -2305,12 +2367,12 @@
             </a:ln>
           </p:spPr>
           <p:txBody>
-            <a:bodyPr anchorCtr="0" anchor="ctr" bIns="91425" lIns="91425" spcFirstLastPara="1" rIns="91425" wrap="square" tIns="91425">
+            <a:bodyPr spcFirstLastPara="1" wrap="square" lIns="91425" tIns="91425" rIns="91425" bIns="91425" anchor="ctr" anchorCtr="0">
               <a:noAutofit/>
             </a:bodyPr>
             <a:lstStyle/>
             <a:p>
-              <a:pPr indent="0" lvl="0" marL="0" rtl="0" algn="l">
+              <a:pPr marL="0" lvl="0" indent="0" algn="l" rtl="0">
                 <a:spcBef>
                   <a:spcPts val="0"/>
                 </a:spcBef>
@@ -2319,9 +2381,6 @@
                 </a:spcAft>
                 <a:buNone/>
               </a:pPr>
-              <a:r>
-                <a:t/>
-              </a:r>
               <a:endParaRPr/>
             </a:p>
           </p:txBody>
@@ -2339,7 +2398,7 @@
             </a:xfrm>
             <a:prstGeom prst="parallelogram">
               <a:avLst>
-                <a:gd fmla="val 153193" name="adj"/>
+                <a:gd name="adj" fmla="val 153193"/>
               </a:avLst>
             </a:prstGeom>
             <a:solidFill>
@@ -2350,12 +2409,12 @@
             </a:ln>
           </p:spPr>
           <p:txBody>
-            <a:bodyPr anchorCtr="0" anchor="ctr" bIns="91425" lIns="91425" spcFirstLastPara="1" rIns="91425" wrap="square" tIns="91425">
+            <a:bodyPr spcFirstLastPara="1" wrap="square" lIns="91425" tIns="91425" rIns="91425" bIns="91425" anchor="ctr" anchorCtr="0">
               <a:noAutofit/>
             </a:bodyPr>
             <a:lstStyle/>
             <a:p>
-              <a:pPr indent="0" lvl="0" marL="0" rtl="0" algn="l">
+              <a:pPr marL="0" lvl="0" indent="0" algn="l" rtl="0">
                 <a:spcBef>
                   <a:spcPts val="0"/>
                 </a:spcBef>
@@ -2364,9 +2423,6 @@
                 </a:spcAft>
                 <a:buNone/>
               </a:pPr>
-              <a:r>
-                <a:t/>
-              </a:r>
               <a:endParaRPr/>
             </a:p>
           </p:txBody>
@@ -2384,7 +2440,7 @@
             </a:xfrm>
             <a:prstGeom prst="parallelogram">
               <a:avLst>
-                <a:gd fmla="val 153193" name="adj"/>
+                <a:gd name="adj" fmla="val 153193"/>
               </a:avLst>
             </a:prstGeom>
             <a:solidFill>
@@ -2395,12 +2451,12 @@
             </a:ln>
           </p:spPr>
           <p:txBody>
-            <a:bodyPr anchorCtr="0" anchor="ctr" bIns="91425" lIns="91425" spcFirstLastPara="1" rIns="91425" wrap="square" tIns="91425">
+            <a:bodyPr spcFirstLastPara="1" wrap="square" lIns="91425" tIns="91425" rIns="91425" bIns="91425" anchor="ctr" anchorCtr="0">
               <a:noAutofit/>
             </a:bodyPr>
             <a:lstStyle/>
             <a:p>
-              <a:pPr indent="0" lvl="0" marL="0" rtl="0" algn="l">
+              <a:pPr marL="0" lvl="0" indent="0" algn="l" rtl="0">
                 <a:spcBef>
                   <a:spcPts val="0"/>
                 </a:spcBef>
@@ -2409,9 +2465,6 @@
                 </a:spcAft>
                 <a:buNone/>
               </a:pPr>
-              <a:r>
-                <a:t/>
-              </a:r>
               <a:endParaRPr/>
             </a:p>
           </p:txBody>
@@ -2444,7 +2497,7 @@
             </a:xfrm>
             <a:prstGeom prst="parallelogram">
               <a:avLst>
-                <a:gd fmla="val 158024" name="adj"/>
+                <a:gd name="adj" fmla="val 158024"/>
               </a:avLst>
             </a:prstGeom>
             <a:solidFill>
@@ -2455,12 +2508,12 @@
             </a:ln>
           </p:spPr>
           <p:txBody>
-            <a:bodyPr anchorCtr="0" anchor="ctr" bIns="91425" lIns="91425" spcFirstLastPara="1" rIns="91425" wrap="square" tIns="91425">
+            <a:bodyPr spcFirstLastPara="1" wrap="square" lIns="91425" tIns="91425" rIns="91425" bIns="91425" anchor="ctr" anchorCtr="0">
               <a:noAutofit/>
             </a:bodyPr>
             <a:lstStyle/>
             <a:p>
-              <a:pPr indent="0" lvl="0" marL="0" rtl="0" algn="l">
+              <a:pPr marL="0" lvl="0" indent="0" algn="l" rtl="0">
                 <a:spcBef>
                   <a:spcPts val="0"/>
                 </a:spcBef>
@@ -2469,9 +2522,6 @@
                 </a:spcAft>
                 <a:buNone/>
               </a:pPr>
-              <a:r>
-                <a:t/>
-              </a:r>
               <a:endParaRPr/>
             </a:p>
           </p:txBody>
@@ -2489,7 +2539,7 @@
             </a:xfrm>
             <a:prstGeom prst="parallelogram">
               <a:avLst>
-                <a:gd fmla="val 158024" name="adj"/>
+                <a:gd name="adj" fmla="val 158024"/>
               </a:avLst>
             </a:prstGeom>
             <a:solidFill>
@@ -2500,12 +2550,12 @@
             </a:ln>
           </p:spPr>
           <p:txBody>
-            <a:bodyPr anchorCtr="0" anchor="ctr" bIns="91425" lIns="91425" spcFirstLastPara="1" rIns="91425" wrap="square" tIns="91425">
+            <a:bodyPr spcFirstLastPara="1" wrap="square" lIns="91425" tIns="91425" rIns="91425" bIns="91425" anchor="ctr" anchorCtr="0">
               <a:noAutofit/>
             </a:bodyPr>
             <a:lstStyle/>
             <a:p>
-              <a:pPr indent="0" lvl="0" marL="0" rtl="0" algn="l">
+              <a:pPr marL="0" lvl="0" indent="0" algn="l" rtl="0">
                 <a:spcBef>
                   <a:spcPts val="0"/>
                 </a:spcBef>
@@ -2514,9 +2564,6 @@
                 </a:spcAft>
                 <a:buNone/>
               </a:pPr>
-              <a:r>
-                <a:t/>
-              </a:r>
               <a:endParaRPr/>
             </a:p>
           </p:txBody>
@@ -2534,7 +2581,7 @@
             </a:xfrm>
             <a:prstGeom prst="parallelogram">
               <a:avLst>
-                <a:gd fmla="val 158024" name="adj"/>
+                <a:gd name="adj" fmla="val 158024"/>
               </a:avLst>
             </a:prstGeom>
             <a:solidFill>
@@ -2545,12 +2592,12 @@
             </a:ln>
           </p:spPr>
           <p:txBody>
-            <a:bodyPr anchorCtr="0" anchor="ctr" bIns="91425" lIns="91425" spcFirstLastPara="1" rIns="91425" wrap="square" tIns="91425">
+            <a:bodyPr spcFirstLastPara="1" wrap="square" lIns="91425" tIns="91425" rIns="91425" bIns="91425" anchor="ctr" anchorCtr="0">
               <a:noAutofit/>
             </a:bodyPr>
             <a:lstStyle/>
             <a:p>
-              <a:pPr indent="0" lvl="0" marL="0" rtl="0" algn="l">
+              <a:pPr marL="0" lvl="0" indent="0" algn="l" rtl="0">
                 <a:spcBef>
                   <a:spcPts val="0"/>
                 </a:spcBef>
@@ -2559,9 +2606,6 @@
                 </a:spcAft>
                 <a:buNone/>
               </a:pPr>
-              <a:r>
-                <a:t/>
-              </a:r>
               <a:endParaRPr/>
             </a:p>
           </p:txBody>
@@ -2594,7 +2638,7 @@
             </a:xfrm>
             <a:prstGeom prst="parallelogram">
               <a:avLst>
-                <a:gd fmla="val 158024" name="adj"/>
+                <a:gd name="adj" fmla="val 158024"/>
               </a:avLst>
             </a:prstGeom>
             <a:solidFill>
@@ -2605,12 +2649,12 @@
             </a:ln>
           </p:spPr>
           <p:txBody>
-            <a:bodyPr anchorCtr="0" anchor="ctr" bIns="91425" lIns="91425" spcFirstLastPara="1" rIns="91425" wrap="square" tIns="91425">
+            <a:bodyPr spcFirstLastPara="1" wrap="square" lIns="91425" tIns="91425" rIns="91425" bIns="91425" anchor="ctr" anchorCtr="0">
               <a:noAutofit/>
             </a:bodyPr>
             <a:lstStyle/>
             <a:p>
-              <a:pPr indent="0" lvl="0" marL="0" rtl="0" algn="l">
+              <a:pPr marL="0" lvl="0" indent="0" algn="l" rtl="0">
                 <a:spcBef>
                   <a:spcPts val="0"/>
                 </a:spcBef>
@@ -2619,9 +2663,6 @@
                 </a:spcAft>
                 <a:buNone/>
               </a:pPr>
-              <a:r>
-                <a:t/>
-              </a:r>
               <a:endParaRPr/>
             </a:p>
           </p:txBody>
@@ -2639,7 +2680,7 @@
             </a:xfrm>
             <a:prstGeom prst="parallelogram">
               <a:avLst>
-                <a:gd fmla="val 158024" name="adj"/>
+                <a:gd name="adj" fmla="val 158024"/>
               </a:avLst>
             </a:prstGeom>
             <a:solidFill>
@@ -2650,12 +2691,12 @@
             </a:ln>
           </p:spPr>
           <p:txBody>
-            <a:bodyPr anchorCtr="0" anchor="ctr" bIns="91425" lIns="91425" spcFirstLastPara="1" rIns="91425" wrap="square" tIns="91425">
+            <a:bodyPr spcFirstLastPara="1" wrap="square" lIns="91425" tIns="91425" rIns="91425" bIns="91425" anchor="ctr" anchorCtr="0">
               <a:noAutofit/>
             </a:bodyPr>
             <a:lstStyle/>
             <a:p>
-              <a:pPr indent="0" lvl="0" marL="0" rtl="0" algn="l">
+              <a:pPr marL="0" lvl="0" indent="0" algn="l" rtl="0">
                 <a:spcBef>
                   <a:spcPts val="0"/>
                 </a:spcBef>
@@ -2664,9 +2705,6 @@
                 </a:spcAft>
                 <a:buNone/>
               </a:pPr>
-              <a:r>
-                <a:t/>
-              </a:r>
               <a:endParaRPr/>
             </a:p>
           </p:txBody>
@@ -2684,7 +2722,7 @@
             </a:xfrm>
             <a:prstGeom prst="parallelogram">
               <a:avLst>
-                <a:gd fmla="val 158024" name="adj"/>
+                <a:gd name="adj" fmla="val 158024"/>
               </a:avLst>
             </a:prstGeom>
             <a:solidFill>
@@ -2695,12 +2733,12 @@
             </a:ln>
           </p:spPr>
           <p:txBody>
-            <a:bodyPr anchorCtr="0" anchor="ctr" bIns="91425" lIns="91425" spcFirstLastPara="1" rIns="91425" wrap="square" tIns="91425">
+            <a:bodyPr spcFirstLastPara="1" wrap="square" lIns="91425" tIns="91425" rIns="91425" bIns="91425" anchor="ctr" anchorCtr="0">
               <a:noAutofit/>
             </a:bodyPr>
             <a:lstStyle/>
             <a:p>
-              <a:pPr indent="0" lvl="0" marL="0" rtl="0" algn="l">
+              <a:pPr marL="0" lvl="0" indent="0" algn="l" rtl="0">
                 <a:spcBef>
                   <a:spcPts val="0"/>
                 </a:spcBef>
@@ -2709,9 +2747,6 @@
                 </a:spcAft>
                 <a:buNone/>
               </a:pPr>
-              <a:r>
-                <a:t/>
-              </a:r>
               <a:endParaRPr/>
             </a:p>
           </p:txBody>
@@ -2744,7 +2779,7 @@
             </a:xfrm>
             <a:prstGeom prst="parallelogram">
               <a:avLst>
-                <a:gd fmla="val 158024" name="adj"/>
+                <a:gd name="adj" fmla="val 158024"/>
               </a:avLst>
             </a:prstGeom>
             <a:solidFill>
@@ -2755,12 +2790,12 @@
             </a:ln>
           </p:spPr>
           <p:txBody>
-            <a:bodyPr anchorCtr="0" anchor="ctr" bIns="91425" lIns="91425" spcFirstLastPara="1" rIns="91425" wrap="square" tIns="91425">
+            <a:bodyPr spcFirstLastPara="1" wrap="square" lIns="91425" tIns="91425" rIns="91425" bIns="91425" anchor="ctr" anchorCtr="0">
               <a:noAutofit/>
             </a:bodyPr>
             <a:lstStyle/>
             <a:p>
-              <a:pPr indent="0" lvl="0" marL="0" rtl="0" algn="l">
+              <a:pPr marL="0" lvl="0" indent="0" algn="l" rtl="0">
                 <a:spcBef>
                   <a:spcPts val="0"/>
                 </a:spcBef>
@@ -2769,9 +2804,6 @@
                 </a:spcAft>
                 <a:buNone/>
               </a:pPr>
-              <a:r>
-                <a:t/>
-              </a:r>
               <a:endParaRPr/>
             </a:p>
           </p:txBody>
@@ -2789,7 +2821,7 @@
             </a:xfrm>
             <a:prstGeom prst="parallelogram">
               <a:avLst>
-                <a:gd fmla="val 158024" name="adj"/>
+                <a:gd name="adj" fmla="val 158024"/>
               </a:avLst>
             </a:prstGeom>
             <a:solidFill>
@@ -2800,12 +2832,12 @@
             </a:ln>
           </p:spPr>
           <p:txBody>
-            <a:bodyPr anchorCtr="0" anchor="ctr" bIns="91425" lIns="91425" spcFirstLastPara="1" rIns="91425" wrap="square" tIns="91425">
+            <a:bodyPr spcFirstLastPara="1" wrap="square" lIns="91425" tIns="91425" rIns="91425" bIns="91425" anchor="ctr" anchorCtr="0">
               <a:noAutofit/>
             </a:bodyPr>
             <a:lstStyle/>
             <a:p>
-              <a:pPr indent="0" lvl="0" marL="0" rtl="0" algn="l">
+              <a:pPr marL="0" lvl="0" indent="0" algn="l" rtl="0">
                 <a:spcBef>
                   <a:spcPts val="0"/>
                 </a:spcBef>
@@ -2814,9 +2846,6 @@
                 </a:spcAft>
                 <a:buNone/>
               </a:pPr>
-              <a:r>
-                <a:t/>
-              </a:r>
               <a:endParaRPr/>
             </a:p>
           </p:txBody>
@@ -2834,7 +2863,7 @@
             </a:xfrm>
             <a:prstGeom prst="parallelogram">
               <a:avLst>
-                <a:gd fmla="val 158024" name="adj"/>
+                <a:gd name="adj" fmla="val 158024"/>
               </a:avLst>
             </a:prstGeom>
             <a:solidFill>
@@ -2845,12 +2874,12 @@
             </a:ln>
           </p:spPr>
           <p:txBody>
-            <a:bodyPr anchorCtr="0" anchor="ctr" bIns="91425" lIns="91425" spcFirstLastPara="1" rIns="91425" wrap="square" tIns="91425">
+            <a:bodyPr spcFirstLastPara="1" wrap="square" lIns="91425" tIns="91425" rIns="91425" bIns="91425" anchor="ctr" anchorCtr="0">
               <a:noAutofit/>
             </a:bodyPr>
             <a:lstStyle/>
             <a:p>
-              <a:pPr indent="0" lvl="0" marL="0" rtl="0" algn="l">
+              <a:pPr marL="0" lvl="0" indent="0" algn="l" rtl="0">
                 <a:spcBef>
                   <a:spcPts val="0"/>
                 </a:spcBef>
@@ -2859,9 +2888,6 @@
                 </a:spcAft>
                 <a:buNone/>
               </a:pPr>
-              <a:r>
-                <a:t/>
-              </a:r>
               <a:endParaRPr/>
             </a:p>
           </p:txBody>
@@ -2870,7 +2896,9 @@
       <p:sp>
         <p:nvSpPr>
           <p:cNvPr id="34" name="Google Shape;34;p2"/>
-          <p:cNvSpPr txBox="1"/>
+          <p:cNvSpPr txBox="1">
+            <a:spLocks noGrp="1"/>
+          </p:cNvSpPr>
           <p:nvPr>
             <p:ph type="ctrTitle"/>
           </p:nvPr>
@@ -2885,7 +2913,7 @@
           </a:prstGeom>
         </p:spPr>
         <p:txBody>
-          <a:bodyPr anchorCtr="0" anchor="ctr" bIns="91425" lIns="91425" spcFirstLastPara="1" rIns="91425" wrap="square" tIns="91425">
+          <a:bodyPr spcFirstLastPara="1" wrap="square" lIns="91425" tIns="91425" rIns="91425" bIns="91425" anchor="ctr" anchorCtr="0">
             <a:normAutofit/>
           </a:bodyPr>
           <a:lstStyle>
@@ -2989,15 +3017,19 @@
               <a:defRPr sz="3800"/>
             </a:lvl9pPr>
           </a:lstStyle>
-          <a:p/>
+          <a:p>
+            <a:endParaRPr/>
+          </a:p>
         </p:txBody>
       </p:sp>
       <p:sp>
         <p:nvSpPr>
           <p:cNvPr id="35" name="Google Shape;35;p2"/>
-          <p:cNvSpPr txBox="1"/>
+          <p:cNvSpPr txBox="1">
+            <a:spLocks noGrp="1"/>
+          </p:cNvSpPr>
           <p:nvPr>
-            <p:ph idx="1" type="subTitle"/>
+            <p:ph type="subTitle" idx="1"/>
           </p:nvPr>
         </p:nvSpPr>
         <p:spPr>
@@ -3010,7 +3042,7 @@
           </a:prstGeom>
         </p:spPr>
         <p:txBody>
-          <a:bodyPr anchorCtr="0" anchor="t" bIns="91425" lIns="91425" spcFirstLastPara="1" rIns="91425" wrap="square" tIns="91425">
+          <a:bodyPr spcFirstLastPara="1" wrap="square" lIns="91425" tIns="91425" rIns="91425" bIns="91425" anchor="t" anchorCtr="0">
             <a:normAutofit/>
           </a:bodyPr>
           <a:lstStyle>
@@ -3204,15 +3236,19 @@
               </a:defRPr>
             </a:lvl9pPr>
           </a:lstStyle>
-          <a:p/>
+          <a:p>
+            <a:endParaRPr/>
+          </a:p>
         </p:txBody>
       </p:sp>
       <p:sp>
         <p:nvSpPr>
           <p:cNvPr id="36" name="Google Shape;36;p2"/>
-          <p:cNvSpPr txBox="1"/>
+          <p:cNvSpPr txBox="1">
+            <a:spLocks noGrp="1"/>
+          </p:cNvSpPr>
           <p:nvPr>
-            <p:ph idx="12" type="sldNum"/>
+            <p:ph type="sldNum" idx="12"/>
           </p:nvPr>
         </p:nvSpPr>
         <p:spPr>
@@ -3225,7 +3261,7 @@
           </a:prstGeom>
         </p:spPr>
         <p:txBody>
-          <a:bodyPr anchorCtr="0" anchor="ctr" bIns="91425" lIns="91425" spcFirstLastPara="1" rIns="91425" wrap="square" tIns="91425">
+          <a:bodyPr spcFirstLastPara="1" wrap="square" lIns="91425" tIns="91425" rIns="91425" bIns="91425" anchor="ctr" anchorCtr="0">
             <a:normAutofit/>
           </a:bodyPr>
           <a:lstStyle>
@@ -3267,7 +3303,7 @@
             </a:lvl9pPr>
           </a:lstStyle>
           <a:p>
-            <a:pPr indent="0" lvl="0" marL="0" rtl="0" algn="r">
+            <a:pPr marL="0" lvl="0" indent="0" algn="r" rtl="0">
               <a:spcBef>
                 <a:spcPts val="0"/>
               </a:spcBef>
@@ -3293,18 +3329,19 @@
 </file>
 
 <file path=ppt/slideLayouts/slideLayout10.xml><?xml version="1.0" encoding="utf-8"?>
-<p:sldLayout xmlns:a="http://schemas.openxmlformats.org/drawingml/2006/main" xmlns:r="http://schemas.openxmlformats.org/officeDocument/2006/relationships" xmlns:mc="http://schemas.openxmlformats.org/markup-compatibility/2006" xmlns:mv="urn:schemas-microsoft-com:mac:vml" xmlns:p="http://schemas.openxmlformats.org/presentationml/2006/main" xmlns:c="http://schemas.openxmlformats.org/drawingml/2006/chart" xmlns:dgm="http://schemas.openxmlformats.org/drawingml/2006/diagram" xmlns:o="urn:schemas-microsoft-com:office:office" xmlns:v="urn:schemas-microsoft-com:vml" xmlns:pvml="urn:schemas-microsoft-com:office:powerpoint" xmlns:com="http://schemas.openxmlformats.org/drawingml/2006/compatibility" xmlns:p14="http://schemas.microsoft.com/office/powerpoint/2010/main" xmlns:p15="http://schemas.microsoft.com/office/powerpoint/2012/main" xmlns:ahyp="http://schemas.microsoft.com/office/drawing/2018/hyperlinkcolor" matchingName="Big number">
+<p:sldLayout xmlns:a="http://schemas.openxmlformats.org/drawingml/2006/main" xmlns:r="http://schemas.openxmlformats.org/officeDocument/2006/relationships" xmlns:p="http://schemas.openxmlformats.org/presentationml/2006/main" matchingName="Big number">
   <p:cSld name="BIG_NUMBER">
     <p:bg>
       <p:bgPr>
         <a:solidFill>
           <a:schemeClr val="accent3"/>
         </a:solidFill>
+        <a:effectLst/>
       </p:bgPr>
     </p:bg>
     <p:spTree>
       <p:nvGrpSpPr>
-        <p:cNvPr id="109" name="Shape 109"/>
+        <p:cNvPr id="1" name="Shape 109"/>
         <p:cNvGrpSpPr/>
         <p:nvPr/>
       </p:nvGrpSpPr>
@@ -3338,12 +3375,12 @@
           </a:ln>
         </p:spPr>
         <p:txBody>
-          <a:bodyPr anchorCtr="0" anchor="ctr" bIns="91425" lIns="91425" spcFirstLastPara="1" rIns="91425" wrap="square" tIns="91425">
+          <a:bodyPr spcFirstLastPara="1" wrap="square" lIns="91425" tIns="91425" rIns="91425" bIns="91425" anchor="ctr" anchorCtr="0">
             <a:noAutofit/>
           </a:bodyPr>
           <a:lstStyle/>
           <a:p>
-            <a:pPr indent="0" lvl="0" marL="0" rtl="0" algn="l">
+            <a:pPr marL="0" lvl="0" indent="0" algn="l" rtl="0">
               <a:spcBef>
                 <a:spcPts val="0"/>
               </a:spcBef>
@@ -3352,9 +3389,6 @@
               </a:spcAft>
               <a:buNone/>
             </a:pPr>
-            <a:r>
-              <a:t/>
-            </a:r>
             <a:endParaRPr/>
           </a:p>
         </p:txBody>
@@ -3386,7 +3420,7 @@
             </a:xfrm>
             <a:prstGeom prst="parallelogram">
               <a:avLst>
-                <a:gd fmla="val 158024" name="adj"/>
+                <a:gd name="adj" fmla="val 158024"/>
               </a:avLst>
             </a:prstGeom>
             <a:solidFill>
@@ -3397,12 +3431,12 @@
             </a:ln>
           </p:spPr>
           <p:txBody>
-            <a:bodyPr anchorCtr="0" anchor="ctr" bIns="91425" lIns="91425" spcFirstLastPara="1" rIns="91425" wrap="square" tIns="91425">
+            <a:bodyPr spcFirstLastPara="1" wrap="square" lIns="91425" tIns="91425" rIns="91425" bIns="91425" anchor="ctr" anchorCtr="0">
               <a:noAutofit/>
             </a:bodyPr>
             <a:lstStyle/>
             <a:p>
-              <a:pPr indent="0" lvl="0" marL="0" rtl="0" algn="l">
+              <a:pPr marL="0" lvl="0" indent="0" algn="l" rtl="0">
                 <a:spcBef>
                   <a:spcPts val="0"/>
                 </a:spcBef>
@@ -3411,9 +3445,6 @@
                 </a:spcAft>
                 <a:buNone/>
               </a:pPr>
-              <a:r>
-                <a:t/>
-              </a:r>
               <a:endParaRPr/>
             </a:p>
           </p:txBody>
@@ -3431,7 +3462,7 @@
             </a:xfrm>
             <a:prstGeom prst="parallelogram">
               <a:avLst>
-                <a:gd fmla="val 158024" name="adj"/>
+                <a:gd name="adj" fmla="val 158024"/>
               </a:avLst>
             </a:prstGeom>
             <a:solidFill>
@@ -3442,12 +3473,12 @@
             </a:ln>
           </p:spPr>
           <p:txBody>
-            <a:bodyPr anchorCtr="0" anchor="ctr" bIns="91425" lIns="91425" spcFirstLastPara="1" rIns="91425" wrap="square" tIns="91425">
+            <a:bodyPr spcFirstLastPara="1" wrap="square" lIns="91425" tIns="91425" rIns="91425" bIns="91425" anchor="ctr" anchorCtr="0">
               <a:noAutofit/>
             </a:bodyPr>
             <a:lstStyle/>
             <a:p>
-              <a:pPr indent="0" lvl="0" marL="0" rtl="0" algn="l">
+              <a:pPr marL="0" lvl="0" indent="0" algn="l" rtl="0">
                 <a:spcBef>
                   <a:spcPts val="0"/>
                 </a:spcBef>
@@ -3456,9 +3487,6 @@
                 </a:spcAft>
                 <a:buNone/>
               </a:pPr>
-              <a:r>
-                <a:t/>
-              </a:r>
               <a:endParaRPr/>
             </a:p>
           </p:txBody>
@@ -3476,7 +3504,7 @@
             </a:xfrm>
             <a:prstGeom prst="parallelogram">
               <a:avLst>
-                <a:gd fmla="val 158024" name="adj"/>
+                <a:gd name="adj" fmla="val 158024"/>
               </a:avLst>
             </a:prstGeom>
             <a:solidFill>
@@ -3487,12 +3515,12 @@
             </a:ln>
           </p:spPr>
           <p:txBody>
-            <a:bodyPr anchorCtr="0" anchor="ctr" bIns="91425" lIns="91425" spcFirstLastPara="1" rIns="91425" wrap="square" tIns="91425">
+            <a:bodyPr spcFirstLastPara="1" wrap="square" lIns="91425" tIns="91425" rIns="91425" bIns="91425" anchor="ctr" anchorCtr="0">
               <a:noAutofit/>
             </a:bodyPr>
             <a:lstStyle/>
             <a:p>
-              <a:pPr indent="0" lvl="0" marL="0" rtl="0" algn="l">
+              <a:pPr marL="0" lvl="0" indent="0" algn="l" rtl="0">
                 <a:spcBef>
                   <a:spcPts val="0"/>
                 </a:spcBef>
@@ -3501,9 +3529,6 @@
                 </a:spcAft>
                 <a:buNone/>
               </a:pPr>
-              <a:r>
-                <a:t/>
-              </a:r>
               <a:endParaRPr/>
             </a:p>
           </p:txBody>
@@ -3536,7 +3561,7 @@
             </a:xfrm>
             <a:prstGeom prst="parallelogram">
               <a:avLst>
-                <a:gd fmla="val 158024" name="adj"/>
+                <a:gd name="adj" fmla="val 158024"/>
               </a:avLst>
             </a:prstGeom>
             <a:solidFill>
@@ -3547,12 +3572,12 @@
             </a:ln>
           </p:spPr>
           <p:txBody>
-            <a:bodyPr anchorCtr="0" anchor="ctr" bIns="91425" lIns="91425" spcFirstLastPara="1" rIns="91425" wrap="square" tIns="91425">
+            <a:bodyPr spcFirstLastPara="1" wrap="square" lIns="91425" tIns="91425" rIns="91425" bIns="91425" anchor="ctr" anchorCtr="0">
               <a:noAutofit/>
             </a:bodyPr>
             <a:lstStyle/>
             <a:p>
-              <a:pPr indent="0" lvl="0" marL="0" rtl="0" algn="l">
+              <a:pPr marL="0" lvl="0" indent="0" algn="l" rtl="0">
                 <a:spcBef>
                   <a:spcPts val="0"/>
                 </a:spcBef>
@@ -3561,9 +3586,6 @@
                 </a:spcAft>
                 <a:buNone/>
               </a:pPr>
-              <a:r>
-                <a:t/>
-              </a:r>
               <a:endParaRPr/>
             </a:p>
           </p:txBody>
@@ -3581,7 +3603,7 @@
             </a:xfrm>
             <a:prstGeom prst="parallelogram">
               <a:avLst>
-                <a:gd fmla="val 158024" name="adj"/>
+                <a:gd name="adj" fmla="val 158024"/>
               </a:avLst>
             </a:prstGeom>
             <a:solidFill>
@@ -3592,12 +3614,12 @@
             </a:ln>
           </p:spPr>
           <p:txBody>
-            <a:bodyPr anchorCtr="0" anchor="ctr" bIns="91425" lIns="91425" spcFirstLastPara="1" rIns="91425" wrap="square" tIns="91425">
+            <a:bodyPr spcFirstLastPara="1" wrap="square" lIns="91425" tIns="91425" rIns="91425" bIns="91425" anchor="ctr" anchorCtr="0">
               <a:noAutofit/>
             </a:bodyPr>
             <a:lstStyle/>
             <a:p>
-              <a:pPr indent="0" lvl="0" marL="0" rtl="0" algn="l">
+              <a:pPr marL="0" lvl="0" indent="0" algn="l" rtl="0">
                 <a:spcBef>
                   <a:spcPts val="0"/>
                 </a:spcBef>
@@ -3606,9 +3628,6 @@
                 </a:spcAft>
                 <a:buNone/>
               </a:pPr>
-              <a:r>
-                <a:t/>
-              </a:r>
               <a:endParaRPr/>
             </a:p>
           </p:txBody>
@@ -3626,7 +3645,7 @@
             </a:xfrm>
             <a:prstGeom prst="parallelogram">
               <a:avLst>
-                <a:gd fmla="val 158024" name="adj"/>
+                <a:gd name="adj" fmla="val 158024"/>
               </a:avLst>
             </a:prstGeom>
             <a:solidFill>
@@ -3637,12 +3656,12 @@
             </a:ln>
           </p:spPr>
           <p:txBody>
-            <a:bodyPr anchorCtr="0" anchor="ctr" bIns="91425" lIns="91425" spcFirstLastPara="1" rIns="91425" wrap="square" tIns="91425">
+            <a:bodyPr spcFirstLastPara="1" wrap="square" lIns="91425" tIns="91425" rIns="91425" bIns="91425" anchor="ctr" anchorCtr="0">
               <a:noAutofit/>
             </a:bodyPr>
             <a:lstStyle/>
             <a:p>
-              <a:pPr indent="0" lvl="0" marL="0" rtl="0" algn="l">
+              <a:pPr marL="0" lvl="0" indent="0" algn="l" rtl="0">
                 <a:spcBef>
                   <a:spcPts val="0"/>
                 </a:spcBef>
@@ -3651,9 +3670,6 @@
                 </a:spcAft>
                 <a:buNone/>
               </a:pPr>
-              <a:r>
-                <a:t/>
-              </a:r>
               <a:endParaRPr/>
             </a:p>
           </p:txBody>
@@ -3662,9 +3678,11 @@
       <p:sp>
         <p:nvSpPr>
           <p:cNvPr id="119" name="Google Shape;119;p11"/>
-          <p:cNvSpPr txBox="1"/>
+          <p:cNvSpPr txBox="1">
+            <a:spLocks noGrp="1"/>
+          </p:cNvSpPr>
           <p:nvPr>
-            <p:ph hasCustomPrompt="1" type="title"/>
+            <p:ph type="title" hasCustomPrompt="1"/>
           </p:nvPr>
         </p:nvSpPr>
         <p:spPr>
@@ -3677,7 +3695,7 @@
           </a:prstGeom>
         </p:spPr>
         <p:txBody>
-          <a:bodyPr anchorCtr="0" anchor="ctr" bIns="91425" lIns="91425" spcFirstLastPara="1" rIns="91425" wrap="square" tIns="91425">
+          <a:bodyPr spcFirstLastPara="1" wrap="square" lIns="91425" tIns="91425" rIns="91425" bIns="91425" anchor="ctr" anchorCtr="0">
             <a:normAutofit/>
           </a:bodyPr>
           <a:lstStyle>
@@ -3854,9 +3872,11 @@
       <p:sp>
         <p:nvSpPr>
           <p:cNvPr id="120" name="Google Shape;120;p11"/>
-          <p:cNvSpPr txBox="1"/>
+          <p:cNvSpPr txBox="1">
+            <a:spLocks noGrp="1"/>
+          </p:cNvSpPr>
           <p:nvPr>
-            <p:ph idx="1" type="body"/>
+            <p:ph type="body" idx="1"/>
           </p:nvPr>
         </p:nvSpPr>
         <p:spPr>
@@ -3869,11 +3889,11 @@
           </a:prstGeom>
         </p:spPr>
         <p:txBody>
-          <a:bodyPr anchorCtr="0" anchor="t" bIns="91425" lIns="91425" spcFirstLastPara="1" rIns="91425" wrap="square" tIns="91425">
+          <a:bodyPr spcFirstLastPara="1" wrap="square" lIns="91425" tIns="91425" rIns="91425" bIns="91425" anchor="t" anchorCtr="0">
             <a:normAutofit/>
           </a:bodyPr>
           <a:lstStyle>
-            <a:lvl1pPr indent="-311150" lvl="0" marL="457200" algn="ctr">
+            <a:lvl1pPr marL="457200" lvl="0" indent="-311150" algn="ctr">
               <a:spcBef>
                 <a:spcPts val="0"/>
               </a:spcBef>
@@ -3884,7 +3904,7 @@
               <a:buChar char="●"/>
               <a:defRPr/>
             </a:lvl1pPr>
-            <a:lvl2pPr indent="-298450" lvl="1" marL="914400" algn="ctr">
+            <a:lvl2pPr marL="914400" lvl="1" indent="-298450" algn="ctr">
               <a:spcBef>
                 <a:spcPts val="0"/>
               </a:spcBef>
@@ -3895,7 +3915,7 @@
               <a:buChar char="○"/>
               <a:defRPr/>
             </a:lvl2pPr>
-            <a:lvl3pPr indent="-298450" lvl="2" marL="1371600" algn="ctr">
+            <a:lvl3pPr marL="1371600" lvl="2" indent="-298450" algn="ctr">
               <a:spcBef>
                 <a:spcPts val="0"/>
               </a:spcBef>
@@ -3906,7 +3926,7 @@
               <a:buChar char="■"/>
               <a:defRPr/>
             </a:lvl3pPr>
-            <a:lvl4pPr indent="-298450" lvl="3" marL="1828800" algn="ctr">
+            <a:lvl4pPr marL="1828800" lvl="3" indent="-298450" algn="ctr">
               <a:spcBef>
                 <a:spcPts val="0"/>
               </a:spcBef>
@@ -3917,7 +3937,7 @@
               <a:buChar char="●"/>
               <a:defRPr/>
             </a:lvl4pPr>
-            <a:lvl5pPr indent="-298450" lvl="4" marL="2286000" algn="ctr">
+            <a:lvl5pPr marL="2286000" lvl="4" indent="-298450" algn="ctr">
               <a:spcBef>
                 <a:spcPts val="0"/>
               </a:spcBef>
@@ -3928,7 +3948,7 @@
               <a:buChar char="○"/>
               <a:defRPr/>
             </a:lvl5pPr>
-            <a:lvl6pPr indent="-298450" lvl="5" marL="2743200" algn="ctr">
+            <a:lvl6pPr marL="2743200" lvl="5" indent="-298450" algn="ctr">
               <a:spcBef>
                 <a:spcPts val="0"/>
               </a:spcBef>
@@ -3939,7 +3959,7 @@
               <a:buChar char="■"/>
               <a:defRPr/>
             </a:lvl6pPr>
-            <a:lvl7pPr indent="-298450" lvl="6" marL="3200400" algn="ctr">
+            <a:lvl7pPr marL="3200400" lvl="6" indent="-298450" algn="ctr">
               <a:spcBef>
                 <a:spcPts val="0"/>
               </a:spcBef>
@@ -3950,7 +3970,7 @@
               <a:buChar char="●"/>
               <a:defRPr/>
             </a:lvl7pPr>
-            <a:lvl8pPr indent="-298450" lvl="7" marL="3657600" algn="ctr">
+            <a:lvl8pPr marL="3657600" lvl="7" indent="-298450" algn="ctr">
               <a:spcBef>
                 <a:spcPts val="0"/>
               </a:spcBef>
@@ -3961,7 +3981,7 @@
               <a:buChar char="○"/>
               <a:defRPr/>
             </a:lvl8pPr>
-            <a:lvl9pPr indent="-298450" lvl="8" marL="4114800" algn="ctr">
+            <a:lvl9pPr marL="4114800" lvl="8" indent="-298450" algn="ctr">
               <a:spcBef>
                 <a:spcPts val="0"/>
               </a:spcBef>
@@ -3973,15 +3993,19 @@
               <a:defRPr/>
             </a:lvl9pPr>
           </a:lstStyle>
-          <a:p/>
+          <a:p>
+            <a:endParaRPr/>
+          </a:p>
         </p:txBody>
       </p:sp>
       <p:sp>
         <p:nvSpPr>
           <p:cNvPr id="121" name="Google Shape;121;p11"/>
-          <p:cNvSpPr txBox="1"/>
+          <p:cNvSpPr txBox="1">
+            <a:spLocks noGrp="1"/>
+          </p:cNvSpPr>
           <p:nvPr>
-            <p:ph idx="12" type="sldNum"/>
+            <p:ph type="sldNum" idx="12"/>
           </p:nvPr>
         </p:nvSpPr>
         <p:spPr>
@@ -3994,7 +4018,7 @@
           </a:prstGeom>
         </p:spPr>
         <p:txBody>
-          <a:bodyPr anchorCtr="0" anchor="ctr" bIns="91425" lIns="91425" spcFirstLastPara="1" rIns="91425" wrap="square" tIns="91425">
+          <a:bodyPr spcFirstLastPara="1" wrap="square" lIns="91425" tIns="91425" rIns="91425" bIns="91425" anchor="ctr" anchorCtr="0">
             <a:normAutofit/>
           </a:bodyPr>
           <a:lstStyle>
@@ -4036,7 +4060,7 @@
             </a:lvl9pPr>
           </a:lstStyle>
           <a:p>
-            <a:pPr indent="0" lvl="0" marL="0" rtl="0" algn="r">
+            <a:pPr marL="0" lvl="0" indent="0" algn="r" rtl="0">
               <a:spcBef>
                 <a:spcPts val="0"/>
               </a:spcBef>
@@ -4062,11 +4086,11 @@
 </file>
 
 <file path=ppt/slideLayouts/slideLayout11.xml><?xml version="1.0" encoding="utf-8"?>
-<p:sldLayout xmlns:a="http://schemas.openxmlformats.org/drawingml/2006/main" xmlns:r="http://schemas.openxmlformats.org/officeDocument/2006/relationships" xmlns:mc="http://schemas.openxmlformats.org/markup-compatibility/2006" xmlns:mv="urn:schemas-microsoft-com:mac:vml" xmlns:p="http://schemas.openxmlformats.org/presentationml/2006/main" xmlns:c="http://schemas.openxmlformats.org/drawingml/2006/chart" xmlns:dgm="http://schemas.openxmlformats.org/drawingml/2006/diagram" xmlns:o="urn:schemas-microsoft-com:office:office" xmlns:v="urn:schemas-microsoft-com:vml" xmlns:pvml="urn:schemas-microsoft-com:office:powerpoint" xmlns:com="http://schemas.openxmlformats.org/drawingml/2006/compatibility" xmlns:p14="http://schemas.microsoft.com/office/powerpoint/2010/main" xmlns:p15="http://schemas.microsoft.com/office/powerpoint/2012/main" xmlns:ahyp="http://schemas.microsoft.com/office/drawing/2018/hyperlinkcolor" matchingName="Blank" type="blank">
+<p:sldLayout xmlns:a="http://schemas.openxmlformats.org/drawingml/2006/main" xmlns:r="http://schemas.openxmlformats.org/officeDocument/2006/relationships" xmlns:p="http://schemas.openxmlformats.org/presentationml/2006/main" matchingName="Blank" type="blank">
   <p:cSld name="BLANK">
     <p:spTree>
       <p:nvGrpSpPr>
-        <p:cNvPr id="122" name="Shape 122"/>
+        <p:cNvPr id="1" name="Shape 122"/>
         <p:cNvGrpSpPr/>
         <p:nvPr/>
       </p:nvGrpSpPr>
@@ -4081,9 +4105,11 @@
       <p:sp>
         <p:nvSpPr>
           <p:cNvPr id="123" name="Google Shape;123;p12"/>
-          <p:cNvSpPr txBox="1"/>
+          <p:cNvSpPr txBox="1">
+            <a:spLocks noGrp="1"/>
+          </p:cNvSpPr>
           <p:nvPr>
-            <p:ph idx="12" type="sldNum"/>
+            <p:ph type="sldNum" idx="12"/>
           </p:nvPr>
         </p:nvSpPr>
         <p:spPr>
@@ -4096,7 +4122,7 @@
           </a:prstGeom>
         </p:spPr>
         <p:txBody>
-          <a:bodyPr anchorCtr="0" anchor="ctr" bIns="91425" lIns="91425" spcFirstLastPara="1" rIns="91425" wrap="square" tIns="91425">
+          <a:bodyPr spcFirstLastPara="1" wrap="square" lIns="91425" tIns="91425" rIns="91425" bIns="91425" anchor="ctr" anchorCtr="0">
             <a:normAutofit/>
           </a:bodyPr>
           <a:lstStyle>
@@ -4138,7 +4164,7 @@
             </a:lvl9pPr>
           </a:lstStyle>
           <a:p>
-            <a:pPr indent="0" lvl="0" marL="0" rtl="0" algn="r">
+            <a:pPr marL="0" lvl="0" indent="0" algn="r" rtl="0">
               <a:spcBef>
                 <a:spcPts val="0"/>
               </a:spcBef>
@@ -4164,11 +4190,11 @@
 </file>
 
 <file path=ppt/slideLayouts/slideLayout12.xml><?xml version="1.0" encoding="utf-8"?>
-<p:sldLayout xmlns:a="http://schemas.openxmlformats.org/drawingml/2006/main" xmlns:r="http://schemas.openxmlformats.org/officeDocument/2006/relationships" xmlns:mc="http://schemas.openxmlformats.org/markup-compatibility/2006" xmlns:mv="urn:schemas-microsoft-com:mac:vml" xmlns:p="http://schemas.openxmlformats.org/presentationml/2006/main" xmlns:c="http://schemas.openxmlformats.org/drawingml/2006/chart" xmlns:dgm="http://schemas.openxmlformats.org/drawingml/2006/diagram" xmlns:o="urn:schemas-microsoft-com:office:office" xmlns:v="urn:schemas-microsoft-com:vml" xmlns:pvml="urn:schemas-microsoft-com:office:powerpoint" xmlns:com="http://schemas.openxmlformats.org/drawingml/2006/compatibility" xmlns:p14="http://schemas.microsoft.com/office/powerpoint/2010/main" xmlns:p15="http://schemas.microsoft.com/office/powerpoint/2012/main" xmlns:ahyp="http://schemas.microsoft.com/office/drawing/2018/hyperlinkcolor" matchingName="Title and Content" type="obj">
+<p:sldLayout xmlns:a="http://schemas.openxmlformats.org/drawingml/2006/main" xmlns:r="http://schemas.openxmlformats.org/officeDocument/2006/relationships" xmlns:p="http://schemas.openxmlformats.org/presentationml/2006/main" matchingName="Title and Content" type="obj">
   <p:cSld name="OBJECT">
     <p:spTree>
       <p:nvGrpSpPr>
-        <p:cNvPr id="124" name="Shape 124"/>
+        <p:cNvPr id="1" name="Shape 124"/>
         <p:cNvGrpSpPr/>
         <p:nvPr/>
       </p:nvGrpSpPr>
@@ -4183,7 +4209,9 @@
       <p:sp>
         <p:nvSpPr>
           <p:cNvPr id="125" name="Google Shape;125;p13"/>
-          <p:cNvSpPr txBox="1"/>
+          <p:cNvSpPr txBox="1">
+            <a:spLocks noGrp="1"/>
+          </p:cNvSpPr>
           <p:nvPr>
             <p:ph type="title"/>
           </p:nvPr>
@@ -4202,11 +4230,11 @@
           </a:ln>
         </p:spPr>
         <p:txBody>
-          <a:bodyPr anchorCtr="0" anchor="ctr" bIns="34275" lIns="68575" spcFirstLastPara="1" rIns="68575" wrap="square" tIns="34275">
+          <a:bodyPr spcFirstLastPara="1" wrap="square" lIns="68575" tIns="34275" rIns="68575" bIns="34275" anchor="ctr" anchorCtr="0">
             <a:normAutofit/>
           </a:bodyPr>
           <a:lstStyle>
-            <a:lvl1pPr lvl="0" rtl="0" algn="l">
+            <a:lvl1pPr lvl="0" algn="l" rtl="0">
               <a:lnSpc>
                 <a:spcPct val="110000"/>
               </a:lnSpc>
@@ -4312,15 +4340,19 @@
               <a:defRPr/>
             </a:lvl9pPr>
           </a:lstStyle>
-          <a:p/>
+          <a:p>
+            <a:endParaRPr/>
+          </a:p>
         </p:txBody>
       </p:sp>
       <p:sp>
         <p:nvSpPr>
           <p:cNvPr id="126" name="Google Shape;126;p13"/>
-          <p:cNvSpPr txBox="1"/>
+          <p:cNvSpPr txBox="1">
+            <a:spLocks noGrp="1"/>
+          </p:cNvSpPr>
           <p:nvPr>
-            <p:ph idx="1" type="body"/>
+            <p:ph type="body" idx="1"/>
           </p:nvPr>
         </p:nvSpPr>
         <p:spPr>
@@ -4337,11 +4369,11 @@
           </a:ln>
         </p:spPr>
         <p:txBody>
-          <a:bodyPr anchorCtr="0" anchor="t" bIns="34275" lIns="68575" spcFirstLastPara="1" rIns="68575" wrap="square" tIns="34275">
+          <a:bodyPr spcFirstLastPara="1" wrap="square" lIns="68575" tIns="34275" rIns="68575" bIns="34275" anchor="t" anchorCtr="0">
             <a:normAutofit/>
           </a:bodyPr>
           <a:lstStyle>
-            <a:lvl1pPr indent="-298450" lvl="0" marL="457200" rtl="0" algn="l">
+            <a:lvl1pPr marL="457200" lvl="0" indent="-298450" algn="l" rtl="0">
               <a:lnSpc>
                 <a:spcPct val="100000"/>
               </a:lnSpc>
@@ -4358,7 +4390,7 @@
               <a:buChar char="●"/>
               <a:defRPr/>
             </a:lvl1pPr>
-            <a:lvl2pPr indent="-317500" lvl="1" marL="914400" rtl="0" algn="l">
+            <a:lvl2pPr marL="914400" lvl="1" indent="-317500" algn="l" rtl="0">
               <a:lnSpc>
                 <a:spcPct val="100000"/>
               </a:lnSpc>
@@ -4375,7 +4407,7 @@
               <a:buChar char="○"/>
               <a:defRPr/>
             </a:lvl2pPr>
-            <a:lvl3pPr indent="-298450" lvl="2" marL="1371600" rtl="0" algn="l">
+            <a:lvl3pPr marL="1371600" lvl="2" indent="-298450" algn="l" rtl="0">
               <a:lnSpc>
                 <a:spcPct val="100000"/>
               </a:lnSpc>
@@ -4392,7 +4424,7 @@
               <a:buChar char="■"/>
               <a:defRPr/>
             </a:lvl3pPr>
-            <a:lvl4pPr indent="-317500" lvl="3" marL="1828800" rtl="0" algn="l">
+            <a:lvl4pPr marL="1828800" lvl="3" indent="-317500" algn="l" rtl="0">
               <a:lnSpc>
                 <a:spcPct val="100000"/>
               </a:lnSpc>
@@ -4409,7 +4441,7 @@
               <a:buChar char="●"/>
               <a:defRPr/>
             </a:lvl4pPr>
-            <a:lvl5pPr indent="-298450" lvl="4" marL="2286000" rtl="0" algn="l">
+            <a:lvl5pPr marL="2286000" lvl="4" indent="-298450" algn="l" rtl="0">
               <a:lnSpc>
                 <a:spcPct val="100000"/>
               </a:lnSpc>
@@ -4426,7 +4458,7 @@
               <a:buChar char="○"/>
               <a:defRPr/>
             </a:lvl5pPr>
-            <a:lvl6pPr indent="-317500" lvl="5" marL="2743200" rtl="0" algn="l">
+            <a:lvl6pPr marL="2743200" lvl="5" indent="-317500" algn="l" rtl="0">
               <a:lnSpc>
                 <a:spcPct val="90000"/>
               </a:lnSpc>
@@ -4443,7 +4475,7 @@
               <a:buChar char="■"/>
               <a:defRPr/>
             </a:lvl6pPr>
-            <a:lvl7pPr indent="-317500" lvl="6" marL="3200400" rtl="0" algn="l">
+            <a:lvl7pPr marL="3200400" lvl="6" indent="-317500" algn="l" rtl="0">
               <a:lnSpc>
                 <a:spcPct val="90000"/>
               </a:lnSpc>
@@ -4460,7 +4492,7 @@
               <a:buChar char="●"/>
               <a:defRPr/>
             </a:lvl7pPr>
-            <a:lvl8pPr indent="-317500" lvl="7" marL="3657600" rtl="0" algn="l">
+            <a:lvl8pPr marL="3657600" lvl="7" indent="-317500" algn="l" rtl="0">
               <a:lnSpc>
                 <a:spcPct val="90000"/>
               </a:lnSpc>
@@ -4477,7 +4509,7 @@
               <a:buChar char="○"/>
               <a:defRPr/>
             </a:lvl8pPr>
-            <a:lvl9pPr indent="-317500" lvl="8" marL="4114800" rtl="0" algn="l">
+            <a:lvl9pPr marL="4114800" lvl="8" indent="-317500" algn="l" rtl="0">
               <a:lnSpc>
                 <a:spcPct val="90000"/>
               </a:lnSpc>
@@ -4495,15 +4527,19 @@
               <a:defRPr/>
             </a:lvl9pPr>
           </a:lstStyle>
-          <a:p/>
+          <a:p>
+            <a:endParaRPr/>
+          </a:p>
         </p:txBody>
       </p:sp>
       <p:sp>
         <p:nvSpPr>
           <p:cNvPr id="127" name="Google Shape;127;p13"/>
-          <p:cNvSpPr txBox="1"/>
+          <p:cNvSpPr txBox="1">
+            <a:spLocks noGrp="1"/>
+          </p:cNvSpPr>
           <p:nvPr>
-            <p:ph idx="10" type="dt"/>
+            <p:ph type="dt" idx="10"/>
           </p:nvPr>
         </p:nvSpPr>
         <p:spPr>
@@ -4520,11 +4556,11 @@
           </a:ln>
         </p:spPr>
         <p:txBody>
-          <a:bodyPr anchorCtr="0" anchor="ctr" bIns="34275" lIns="68575" spcFirstLastPara="1" rIns="68575" wrap="square" tIns="34275">
+          <a:bodyPr spcFirstLastPara="1" wrap="square" lIns="68575" tIns="34275" rIns="68575" bIns="34275" anchor="ctr" anchorCtr="0">
             <a:noAutofit/>
           </a:bodyPr>
           <a:lstStyle>
-            <a:lvl1pPr lvl="0" rtl="0" algn="l">
+            <a:lvl1pPr lvl="0" algn="l" rtl="0">
               <a:spcBef>
                 <a:spcPts val="0"/>
               </a:spcBef>
@@ -4535,7 +4571,7 @@
               <a:buNone/>
               <a:defRPr/>
             </a:lvl1pPr>
-            <a:lvl2pPr lvl="1" rtl="0" algn="l">
+            <a:lvl2pPr lvl="1" algn="l" rtl="0">
               <a:spcBef>
                 <a:spcPts val="0"/>
               </a:spcBef>
@@ -4546,7 +4582,7 @@
               <a:buNone/>
               <a:defRPr/>
             </a:lvl2pPr>
-            <a:lvl3pPr lvl="2" rtl="0" algn="l">
+            <a:lvl3pPr lvl="2" algn="l" rtl="0">
               <a:spcBef>
                 <a:spcPts val="0"/>
               </a:spcBef>
@@ -4557,7 +4593,7 @@
               <a:buNone/>
               <a:defRPr/>
             </a:lvl3pPr>
-            <a:lvl4pPr lvl="3" rtl="0" algn="l">
+            <a:lvl4pPr lvl="3" algn="l" rtl="0">
               <a:spcBef>
                 <a:spcPts val="0"/>
               </a:spcBef>
@@ -4568,7 +4604,7 @@
               <a:buNone/>
               <a:defRPr/>
             </a:lvl4pPr>
-            <a:lvl5pPr lvl="4" rtl="0" algn="l">
+            <a:lvl5pPr lvl="4" algn="l" rtl="0">
               <a:spcBef>
                 <a:spcPts val="0"/>
               </a:spcBef>
@@ -4579,7 +4615,7 @@
               <a:buNone/>
               <a:defRPr/>
             </a:lvl5pPr>
-            <a:lvl6pPr lvl="5" rtl="0" algn="l">
+            <a:lvl6pPr lvl="5" algn="l" rtl="0">
               <a:spcBef>
                 <a:spcPts val="0"/>
               </a:spcBef>
@@ -4590,7 +4626,7 @@
               <a:buNone/>
               <a:defRPr/>
             </a:lvl6pPr>
-            <a:lvl7pPr lvl="6" rtl="0" algn="l">
+            <a:lvl7pPr lvl="6" algn="l" rtl="0">
               <a:spcBef>
                 <a:spcPts val="0"/>
               </a:spcBef>
@@ -4601,7 +4637,7 @@
               <a:buNone/>
               <a:defRPr/>
             </a:lvl7pPr>
-            <a:lvl8pPr lvl="7" rtl="0" algn="l">
+            <a:lvl8pPr lvl="7" algn="l" rtl="0">
               <a:spcBef>
                 <a:spcPts val="0"/>
               </a:spcBef>
@@ -4612,7 +4648,7 @@
               <a:buNone/>
               <a:defRPr/>
             </a:lvl8pPr>
-            <a:lvl9pPr lvl="8" rtl="0" algn="l">
+            <a:lvl9pPr lvl="8" algn="l" rtl="0">
               <a:spcBef>
                 <a:spcPts val="0"/>
               </a:spcBef>
@@ -4624,15 +4660,19 @@
               <a:defRPr/>
             </a:lvl9pPr>
           </a:lstStyle>
-          <a:p/>
+          <a:p>
+            <a:endParaRPr/>
+          </a:p>
         </p:txBody>
       </p:sp>
       <p:sp>
         <p:nvSpPr>
           <p:cNvPr id="128" name="Google Shape;128;p13"/>
-          <p:cNvSpPr txBox="1"/>
+          <p:cNvSpPr txBox="1">
+            <a:spLocks noGrp="1"/>
+          </p:cNvSpPr>
           <p:nvPr>
-            <p:ph idx="11" type="ftr"/>
+            <p:ph type="ftr" idx="11"/>
           </p:nvPr>
         </p:nvSpPr>
         <p:spPr>
@@ -4649,11 +4689,11 @@
           </a:ln>
         </p:spPr>
         <p:txBody>
-          <a:bodyPr anchorCtr="0" anchor="ctr" bIns="34275" lIns="68575" spcFirstLastPara="1" rIns="68575" wrap="square" tIns="34275">
+          <a:bodyPr spcFirstLastPara="1" wrap="square" lIns="68575" tIns="34275" rIns="68575" bIns="34275" anchor="ctr" anchorCtr="0">
             <a:noAutofit/>
           </a:bodyPr>
           <a:lstStyle>
-            <a:lvl1pPr lvl="0" rtl="0" algn="r">
+            <a:lvl1pPr lvl="0" algn="r" rtl="0">
               <a:spcBef>
                 <a:spcPts val="0"/>
               </a:spcBef>
@@ -4664,7 +4704,7 @@
               <a:buNone/>
               <a:defRPr/>
             </a:lvl1pPr>
-            <a:lvl2pPr lvl="1" rtl="0" algn="l">
+            <a:lvl2pPr lvl="1" algn="l" rtl="0">
               <a:spcBef>
                 <a:spcPts val="0"/>
               </a:spcBef>
@@ -4675,7 +4715,7 @@
               <a:buNone/>
               <a:defRPr/>
             </a:lvl2pPr>
-            <a:lvl3pPr lvl="2" rtl="0" algn="l">
+            <a:lvl3pPr lvl="2" algn="l" rtl="0">
               <a:spcBef>
                 <a:spcPts val="0"/>
               </a:spcBef>
@@ -4686,7 +4726,7 @@
               <a:buNone/>
               <a:defRPr/>
             </a:lvl3pPr>
-            <a:lvl4pPr lvl="3" rtl="0" algn="l">
+            <a:lvl4pPr lvl="3" algn="l" rtl="0">
               <a:spcBef>
                 <a:spcPts val="0"/>
               </a:spcBef>
@@ -4697,7 +4737,7 @@
               <a:buNone/>
               <a:defRPr/>
             </a:lvl4pPr>
-            <a:lvl5pPr lvl="4" rtl="0" algn="l">
+            <a:lvl5pPr lvl="4" algn="l" rtl="0">
               <a:spcBef>
                 <a:spcPts val="0"/>
               </a:spcBef>
@@ -4708,7 +4748,7 @@
               <a:buNone/>
               <a:defRPr/>
             </a:lvl5pPr>
-            <a:lvl6pPr lvl="5" rtl="0" algn="l">
+            <a:lvl6pPr lvl="5" algn="l" rtl="0">
               <a:spcBef>
                 <a:spcPts val="0"/>
               </a:spcBef>
@@ -4719,7 +4759,7 @@
               <a:buNone/>
               <a:defRPr/>
             </a:lvl6pPr>
-            <a:lvl7pPr lvl="6" rtl="0" algn="l">
+            <a:lvl7pPr lvl="6" algn="l" rtl="0">
               <a:spcBef>
                 <a:spcPts val="0"/>
               </a:spcBef>
@@ -4730,7 +4770,7 @@
               <a:buNone/>
               <a:defRPr/>
             </a:lvl7pPr>
-            <a:lvl8pPr lvl="7" rtl="0" algn="l">
+            <a:lvl8pPr lvl="7" algn="l" rtl="0">
               <a:spcBef>
                 <a:spcPts val="0"/>
               </a:spcBef>
@@ -4741,7 +4781,7 @@
               <a:buNone/>
               <a:defRPr/>
             </a:lvl8pPr>
-            <a:lvl9pPr lvl="8" rtl="0" algn="l">
+            <a:lvl9pPr lvl="8" algn="l" rtl="0">
               <a:spcBef>
                 <a:spcPts val="0"/>
               </a:spcBef>
@@ -4753,15 +4793,19 @@
               <a:defRPr/>
             </a:lvl9pPr>
           </a:lstStyle>
-          <a:p/>
+          <a:p>
+            <a:endParaRPr/>
+          </a:p>
         </p:txBody>
       </p:sp>
       <p:sp>
         <p:nvSpPr>
           <p:cNvPr id="129" name="Google Shape;129;p13"/>
-          <p:cNvSpPr txBox="1"/>
+          <p:cNvSpPr txBox="1">
+            <a:spLocks noGrp="1"/>
+          </p:cNvSpPr>
           <p:nvPr>
-            <p:ph idx="12" type="sldNum"/>
+            <p:ph type="sldNum" idx="12"/>
           </p:nvPr>
         </p:nvSpPr>
         <p:spPr>
@@ -4778,67 +4822,67 @@
           </a:ln>
         </p:spPr>
         <p:txBody>
-          <a:bodyPr anchorCtr="0" anchor="ctr" bIns="34275" lIns="68575" spcFirstLastPara="1" rIns="68575" wrap="square" tIns="34275">
+          <a:bodyPr spcFirstLastPara="1" wrap="square" lIns="68575" tIns="34275" rIns="68575" bIns="34275" anchor="ctr" anchorCtr="0">
             <a:normAutofit/>
           </a:bodyPr>
           <a:lstStyle>
-            <a:lvl1pPr indent="0" lvl="0" marL="0" rtl="0" algn="ctr">
+            <a:lvl1pPr marL="0" lvl="0" indent="0" algn="ctr" rtl="0">
               <a:spcBef>
                 <a:spcPts val="0"/>
               </a:spcBef>
               <a:buNone/>
               <a:defRPr/>
             </a:lvl1pPr>
-            <a:lvl2pPr indent="0" lvl="1" marL="0" rtl="0" algn="ctr">
+            <a:lvl2pPr marL="0" lvl="1" indent="0" algn="ctr" rtl="0">
               <a:spcBef>
                 <a:spcPts val="0"/>
               </a:spcBef>
               <a:buNone/>
               <a:defRPr/>
             </a:lvl2pPr>
-            <a:lvl3pPr indent="0" lvl="2" marL="0" rtl="0" algn="ctr">
+            <a:lvl3pPr marL="0" lvl="2" indent="0" algn="ctr" rtl="0">
               <a:spcBef>
                 <a:spcPts val="0"/>
               </a:spcBef>
               <a:buNone/>
               <a:defRPr/>
             </a:lvl3pPr>
-            <a:lvl4pPr indent="0" lvl="3" marL="0" rtl="0" algn="ctr">
+            <a:lvl4pPr marL="0" lvl="3" indent="0" algn="ctr" rtl="0">
               <a:spcBef>
                 <a:spcPts val="0"/>
               </a:spcBef>
               <a:buNone/>
               <a:defRPr/>
             </a:lvl4pPr>
-            <a:lvl5pPr indent="0" lvl="4" marL="0" rtl="0" algn="ctr">
+            <a:lvl5pPr marL="0" lvl="4" indent="0" algn="ctr" rtl="0">
               <a:spcBef>
                 <a:spcPts val="0"/>
               </a:spcBef>
               <a:buNone/>
               <a:defRPr/>
             </a:lvl5pPr>
-            <a:lvl6pPr indent="0" lvl="5" marL="0" rtl="0" algn="ctr">
+            <a:lvl6pPr marL="0" lvl="5" indent="0" algn="ctr" rtl="0">
               <a:spcBef>
                 <a:spcPts val="0"/>
               </a:spcBef>
               <a:buNone/>
               <a:defRPr/>
             </a:lvl6pPr>
-            <a:lvl7pPr indent="0" lvl="6" marL="0" rtl="0" algn="ctr">
+            <a:lvl7pPr marL="0" lvl="6" indent="0" algn="ctr" rtl="0">
               <a:spcBef>
                 <a:spcPts val="0"/>
               </a:spcBef>
               <a:buNone/>
               <a:defRPr/>
             </a:lvl7pPr>
-            <a:lvl8pPr indent="0" lvl="7" marL="0" rtl="0" algn="ctr">
+            <a:lvl8pPr marL="0" lvl="7" indent="0" algn="ctr" rtl="0">
               <a:spcBef>
                 <a:spcPts val="0"/>
               </a:spcBef>
               <a:buNone/>
               <a:defRPr/>
             </a:lvl8pPr>
-            <a:lvl9pPr indent="0" lvl="8" marL="0" rtl="0" algn="ctr">
+            <a:lvl9pPr marL="0" lvl="8" indent="0" algn="ctr" rtl="0">
               <a:spcBef>
                 <a:spcPts val="0"/>
               </a:spcBef>
@@ -4847,7 +4891,7 @@
             </a:lvl9pPr>
           </a:lstStyle>
           <a:p>
-            <a:pPr indent="0" lvl="0" marL="0" rtl="0" algn="ctr">
+            <a:pPr marL="0" lvl="0" indent="0" algn="ctr" rtl="0">
               <a:spcBef>
                 <a:spcPts val="0"/>
               </a:spcBef>
@@ -4873,18 +4917,19 @@
 </file>
 
 <file path=ppt/slideLayouts/slideLayout2.xml><?xml version="1.0" encoding="utf-8"?>
-<p:sldLayout xmlns:a="http://schemas.openxmlformats.org/drawingml/2006/main" xmlns:r="http://schemas.openxmlformats.org/officeDocument/2006/relationships" xmlns:mc="http://schemas.openxmlformats.org/markup-compatibility/2006" xmlns:mv="urn:schemas-microsoft-com:mac:vml" xmlns:p="http://schemas.openxmlformats.org/presentationml/2006/main" xmlns:c="http://schemas.openxmlformats.org/drawingml/2006/chart" xmlns:dgm="http://schemas.openxmlformats.org/drawingml/2006/diagram" xmlns:o="urn:schemas-microsoft-com:office:office" xmlns:v="urn:schemas-microsoft-com:vml" xmlns:pvml="urn:schemas-microsoft-com:office:powerpoint" xmlns:com="http://schemas.openxmlformats.org/drawingml/2006/compatibility" xmlns:p14="http://schemas.microsoft.com/office/powerpoint/2010/main" xmlns:p15="http://schemas.microsoft.com/office/powerpoint/2012/main" xmlns:ahyp="http://schemas.microsoft.com/office/drawing/2018/hyperlinkcolor" matchingName="Section header" type="secHead">
+<p:sldLayout xmlns:a="http://schemas.openxmlformats.org/drawingml/2006/main" xmlns:r="http://schemas.openxmlformats.org/officeDocument/2006/relationships" xmlns:p="http://schemas.openxmlformats.org/presentationml/2006/main" matchingName="Section header" type="secHead">
   <p:cSld name="SECTION_HEADER">
     <p:bg>
       <p:bgPr>
         <a:solidFill>
           <a:schemeClr val="accent3"/>
         </a:solidFill>
+        <a:effectLst/>
       </p:bgPr>
     </p:bg>
     <p:spTree>
       <p:nvGrpSpPr>
-        <p:cNvPr id="37" name="Shape 37"/>
+        <p:cNvPr id="1" name="Shape 37"/>
         <p:cNvGrpSpPr/>
         <p:nvPr/>
       </p:nvGrpSpPr>
@@ -4918,12 +4963,12 @@
           </a:ln>
         </p:spPr>
         <p:txBody>
-          <a:bodyPr anchorCtr="0" anchor="ctr" bIns="91425" lIns="91425" spcFirstLastPara="1" rIns="91425" wrap="square" tIns="91425">
+          <a:bodyPr spcFirstLastPara="1" wrap="square" lIns="91425" tIns="91425" rIns="91425" bIns="91425" anchor="ctr" anchorCtr="0">
             <a:noAutofit/>
           </a:bodyPr>
           <a:lstStyle/>
           <a:p>
-            <a:pPr indent="0" lvl="0" marL="0" rtl="0" algn="l">
+            <a:pPr marL="0" lvl="0" indent="0" algn="l" rtl="0">
               <a:spcBef>
                 <a:spcPts val="0"/>
               </a:spcBef>
@@ -4932,9 +4977,6 @@
               </a:spcAft>
               <a:buNone/>
             </a:pPr>
-            <a:r>
-              <a:t/>
-            </a:r>
             <a:endParaRPr/>
           </a:p>
         </p:txBody>
@@ -4966,7 +5008,7 @@
             </a:xfrm>
             <a:prstGeom prst="parallelogram">
               <a:avLst>
-                <a:gd fmla="val 158024" name="adj"/>
+                <a:gd name="adj" fmla="val 158024"/>
               </a:avLst>
             </a:prstGeom>
             <a:solidFill>
@@ -4977,12 +5019,12 @@
             </a:ln>
           </p:spPr>
           <p:txBody>
-            <a:bodyPr anchorCtr="0" anchor="ctr" bIns="91425" lIns="91425" spcFirstLastPara="1" rIns="91425" wrap="square" tIns="91425">
+            <a:bodyPr spcFirstLastPara="1" wrap="square" lIns="91425" tIns="91425" rIns="91425" bIns="91425" anchor="ctr" anchorCtr="0">
               <a:noAutofit/>
             </a:bodyPr>
             <a:lstStyle/>
             <a:p>
-              <a:pPr indent="0" lvl="0" marL="0" rtl="0" algn="l">
+              <a:pPr marL="0" lvl="0" indent="0" algn="l" rtl="0">
                 <a:spcBef>
                   <a:spcPts val="0"/>
                 </a:spcBef>
@@ -4991,9 +5033,6 @@
                 </a:spcAft>
                 <a:buNone/>
               </a:pPr>
-              <a:r>
-                <a:t/>
-              </a:r>
               <a:endParaRPr/>
             </a:p>
           </p:txBody>
@@ -5011,7 +5050,7 @@
             </a:xfrm>
             <a:prstGeom prst="parallelogram">
               <a:avLst>
-                <a:gd fmla="val 158024" name="adj"/>
+                <a:gd name="adj" fmla="val 158024"/>
               </a:avLst>
             </a:prstGeom>
             <a:solidFill>
@@ -5022,12 +5061,12 @@
             </a:ln>
           </p:spPr>
           <p:txBody>
-            <a:bodyPr anchorCtr="0" anchor="ctr" bIns="91425" lIns="91425" spcFirstLastPara="1" rIns="91425" wrap="square" tIns="91425">
+            <a:bodyPr spcFirstLastPara="1" wrap="square" lIns="91425" tIns="91425" rIns="91425" bIns="91425" anchor="ctr" anchorCtr="0">
               <a:noAutofit/>
             </a:bodyPr>
             <a:lstStyle/>
             <a:p>
-              <a:pPr indent="0" lvl="0" marL="0" rtl="0" algn="l">
+              <a:pPr marL="0" lvl="0" indent="0" algn="l" rtl="0">
                 <a:spcBef>
                   <a:spcPts val="0"/>
                 </a:spcBef>
@@ -5036,9 +5075,6 @@
                 </a:spcAft>
                 <a:buNone/>
               </a:pPr>
-              <a:r>
-                <a:t/>
-              </a:r>
               <a:endParaRPr/>
             </a:p>
           </p:txBody>
@@ -5056,7 +5092,7 @@
             </a:xfrm>
             <a:prstGeom prst="parallelogram">
               <a:avLst>
-                <a:gd fmla="val 158024" name="adj"/>
+                <a:gd name="adj" fmla="val 158024"/>
               </a:avLst>
             </a:prstGeom>
             <a:solidFill>
@@ -5067,12 +5103,12 @@
             </a:ln>
           </p:spPr>
           <p:txBody>
-            <a:bodyPr anchorCtr="0" anchor="ctr" bIns="91425" lIns="91425" spcFirstLastPara="1" rIns="91425" wrap="square" tIns="91425">
+            <a:bodyPr spcFirstLastPara="1" wrap="square" lIns="91425" tIns="91425" rIns="91425" bIns="91425" anchor="ctr" anchorCtr="0">
               <a:noAutofit/>
             </a:bodyPr>
             <a:lstStyle/>
             <a:p>
-              <a:pPr indent="0" lvl="0" marL="0" rtl="0" algn="l">
+              <a:pPr marL="0" lvl="0" indent="0" algn="l" rtl="0">
                 <a:spcBef>
                   <a:spcPts val="0"/>
                 </a:spcBef>
@@ -5081,9 +5117,6 @@
                 </a:spcAft>
                 <a:buNone/>
               </a:pPr>
-              <a:r>
-                <a:t/>
-              </a:r>
               <a:endParaRPr/>
             </a:p>
           </p:txBody>
@@ -5116,7 +5149,7 @@
             </a:xfrm>
             <a:prstGeom prst="parallelogram">
               <a:avLst>
-                <a:gd fmla="val 158024" name="adj"/>
+                <a:gd name="adj" fmla="val 158024"/>
               </a:avLst>
             </a:prstGeom>
             <a:solidFill>
@@ -5127,12 +5160,12 @@
             </a:ln>
           </p:spPr>
           <p:txBody>
-            <a:bodyPr anchorCtr="0" anchor="ctr" bIns="91425" lIns="91425" spcFirstLastPara="1" rIns="91425" wrap="square" tIns="91425">
+            <a:bodyPr spcFirstLastPara="1" wrap="square" lIns="91425" tIns="91425" rIns="91425" bIns="91425" anchor="ctr" anchorCtr="0">
               <a:noAutofit/>
             </a:bodyPr>
             <a:lstStyle/>
             <a:p>
-              <a:pPr indent="0" lvl="0" marL="0" rtl="0" algn="l">
+              <a:pPr marL="0" lvl="0" indent="0" algn="l" rtl="0">
                 <a:spcBef>
                   <a:spcPts val="0"/>
                 </a:spcBef>
@@ -5141,9 +5174,6 @@
                 </a:spcAft>
                 <a:buNone/>
               </a:pPr>
-              <a:r>
-                <a:t/>
-              </a:r>
               <a:endParaRPr/>
             </a:p>
           </p:txBody>
@@ -5161,7 +5191,7 @@
             </a:xfrm>
             <a:prstGeom prst="parallelogram">
               <a:avLst>
-                <a:gd fmla="val 158024" name="adj"/>
+                <a:gd name="adj" fmla="val 158024"/>
               </a:avLst>
             </a:prstGeom>
             <a:solidFill>
@@ -5172,12 +5202,12 @@
             </a:ln>
           </p:spPr>
           <p:txBody>
-            <a:bodyPr anchorCtr="0" anchor="ctr" bIns="91425" lIns="91425" spcFirstLastPara="1" rIns="91425" wrap="square" tIns="91425">
+            <a:bodyPr spcFirstLastPara="1" wrap="square" lIns="91425" tIns="91425" rIns="91425" bIns="91425" anchor="ctr" anchorCtr="0">
               <a:noAutofit/>
             </a:bodyPr>
             <a:lstStyle/>
             <a:p>
-              <a:pPr indent="0" lvl="0" marL="0" rtl="0" algn="l">
+              <a:pPr marL="0" lvl="0" indent="0" algn="l" rtl="0">
                 <a:spcBef>
                   <a:spcPts val="0"/>
                 </a:spcBef>
@@ -5186,9 +5216,6 @@
                 </a:spcAft>
                 <a:buNone/>
               </a:pPr>
-              <a:r>
-                <a:t/>
-              </a:r>
               <a:endParaRPr/>
             </a:p>
           </p:txBody>
@@ -5206,7 +5233,7 @@
             </a:xfrm>
             <a:prstGeom prst="parallelogram">
               <a:avLst>
-                <a:gd fmla="val 158024" name="adj"/>
+                <a:gd name="adj" fmla="val 158024"/>
               </a:avLst>
             </a:prstGeom>
             <a:solidFill>
@@ -5217,12 +5244,12 @@
             </a:ln>
           </p:spPr>
           <p:txBody>
-            <a:bodyPr anchorCtr="0" anchor="ctr" bIns="91425" lIns="91425" spcFirstLastPara="1" rIns="91425" wrap="square" tIns="91425">
+            <a:bodyPr spcFirstLastPara="1" wrap="square" lIns="91425" tIns="91425" rIns="91425" bIns="91425" anchor="ctr" anchorCtr="0">
               <a:noAutofit/>
             </a:bodyPr>
             <a:lstStyle/>
             <a:p>
-              <a:pPr indent="0" lvl="0" marL="0" rtl="0" algn="l">
+              <a:pPr marL="0" lvl="0" indent="0" algn="l" rtl="0">
                 <a:spcBef>
                   <a:spcPts val="0"/>
                 </a:spcBef>
@@ -5231,9 +5258,6 @@
                 </a:spcAft>
                 <a:buNone/>
               </a:pPr>
-              <a:r>
-                <a:t/>
-              </a:r>
               <a:endParaRPr/>
             </a:p>
           </p:txBody>
@@ -5242,7 +5266,9 @@
       <p:sp>
         <p:nvSpPr>
           <p:cNvPr id="47" name="Google Shape;47;p3"/>
-          <p:cNvSpPr txBox="1"/>
+          <p:cNvSpPr txBox="1">
+            <a:spLocks noGrp="1"/>
+          </p:cNvSpPr>
           <p:nvPr>
             <p:ph type="title"/>
           </p:nvPr>
@@ -5257,7 +5283,7 @@
           </a:prstGeom>
         </p:spPr>
         <p:txBody>
-          <a:bodyPr anchorCtr="0" anchor="ctr" bIns="91425" lIns="91425" spcFirstLastPara="1" rIns="91425" wrap="square" tIns="91425">
+          <a:bodyPr spcFirstLastPara="1" wrap="square" lIns="91425" tIns="91425" rIns="91425" bIns="91425" anchor="ctr" anchorCtr="0">
             <a:normAutofit/>
           </a:bodyPr>
           <a:lstStyle>
@@ -5424,15 +5450,19 @@
               </a:defRPr>
             </a:lvl9pPr>
           </a:lstStyle>
-          <a:p/>
+          <a:p>
+            <a:endParaRPr/>
+          </a:p>
         </p:txBody>
       </p:sp>
       <p:sp>
         <p:nvSpPr>
           <p:cNvPr id="48" name="Google Shape;48;p3"/>
-          <p:cNvSpPr txBox="1"/>
+          <p:cNvSpPr txBox="1">
+            <a:spLocks noGrp="1"/>
+          </p:cNvSpPr>
           <p:nvPr>
-            <p:ph idx="12" type="sldNum"/>
+            <p:ph type="sldNum" idx="12"/>
           </p:nvPr>
         </p:nvSpPr>
         <p:spPr>
@@ -5445,7 +5475,7 @@
           </a:prstGeom>
         </p:spPr>
         <p:txBody>
-          <a:bodyPr anchorCtr="0" anchor="ctr" bIns="91425" lIns="91425" spcFirstLastPara="1" rIns="91425" wrap="square" tIns="91425">
+          <a:bodyPr spcFirstLastPara="1" wrap="square" lIns="91425" tIns="91425" rIns="91425" bIns="91425" anchor="ctr" anchorCtr="0">
             <a:normAutofit/>
           </a:bodyPr>
           <a:lstStyle>
@@ -5487,7 +5517,7 @@
             </a:lvl9pPr>
           </a:lstStyle>
           <a:p>
-            <a:pPr indent="0" lvl="0" marL="0" rtl="0" algn="r">
+            <a:pPr marL="0" lvl="0" indent="0" algn="r" rtl="0">
               <a:spcBef>
                 <a:spcPts val="0"/>
               </a:spcBef>
@@ -5513,18 +5543,19 @@
 </file>
 
 <file path=ppt/slideLayouts/slideLayout3.xml><?xml version="1.0" encoding="utf-8"?>
-<p:sldLayout xmlns:a="http://schemas.openxmlformats.org/drawingml/2006/main" xmlns:r="http://schemas.openxmlformats.org/officeDocument/2006/relationships" xmlns:mc="http://schemas.openxmlformats.org/markup-compatibility/2006" xmlns:mv="urn:schemas-microsoft-com:mac:vml" xmlns:p="http://schemas.openxmlformats.org/presentationml/2006/main" xmlns:c="http://schemas.openxmlformats.org/drawingml/2006/chart" xmlns:dgm="http://schemas.openxmlformats.org/drawingml/2006/diagram" xmlns:o="urn:schemas-microsoft-com:office:office" xmlns:v="urn:schemas-microsoft-com:vml" xmlns:pvml="urn:schemas-microsoft-com:office:powerpoint" xmlns:com="http://schemas.openxmlformats.org/drawingml/2006/compatibility" xmlns:p14="http://schemas.microsoft.com/office/powerpoint/2010/main" xmlns:p15="http://schemas.microsoft.com/office/powerpoint/2012/main" xmlns:ahyp="http://schemas.microsoft.com/office/drawing/2018/hyperlinkcolor" matchingName="Title and body" type="tx">
+<p:sldLayout xmlns:a="http://schemas.openxmlformats.org/drawingml/2006/main" xmlns:r="http://schemas.openxmlformats.org/officeDocument/2006/relationships" xmlns:p="http://schemas.openxmlformats.org/presentationml/2006/main" matchingName="Title and body" type="tx">
   <p:cSld name="TITLE_AND_BODY">
     <p:bg>
       <p:bgPr>
         <a:solidFill>
           <a:schemeClr val="dk2"/>
         </a:solidFill>
+        <a:effectLst/>
       </p:bgPr>
     </p:bg>
     <p:spTree>
       <p:nvGrpSpPr>
-        <p:cNvPr id="49" name="Shape 49"/>
+        <p:cNvPr id="1" name="Shape 49"/>
         <p:cNvGrpSpPr/>
         <p:nvPr/>
       </p:nvGrpSpPr>
@@ -5558,12 +5589,12 @@
           </a:ln>
         </p:spPr>
         <p:txBody>
-          <a:bodyPr anchorCtr="0" anchor="ctr" bIns="91425" lIns="91425" spcFirstLastPara="1" rIns="91425" wrap="square" tIns="91425">
+          <a:bodyPr spcFirstLastPara="1" wrap="square" lIns="91425" tIns="91425" rIns="91425" bIns="91425" anchor="ctr" anchorCtr="0">
             <a:noAutofit/>
           </a:bodyPr>
           <a:lstStyle/>
           <a:p>
-            <a:pPr indent="0" lvl="0" marL="0" rtl="0" algn="l">
+            <a:pPr marL="0" lvl="0" indent="0" algn="l" rtl="0">
               <a:spcBef>
                 <a:spcPts val="0"/>
               </a:spcBef>
@@ -5572,9 +5603,6 @@
               </a:spcAft>
               <a:buNone/>
             </a:pPr>
-            <a:r>
-              <a:t/>
-            </a:r>
             <a:endParaRPr/>
           </a:p>
         </p:txBody>
@@ -5601,12 +5629,12 @@
           </a:ln>
         </p:spPr>
         <p:txBody>
-          <a:bodyPr anchorCtr="0" anchor="ctr" bIns="91425" lIns="91425" spcFirstLastPara="1" rIns="91425" wrap="square" tIns="91425">
+          <a:bodyPr spcFirstLastPara="1" wrap="square" lIns="91425" tIns="91425" rIns="91425" bIns="91425" anchor="ctr" anchorCtr="0">
             <a:noAutofit/>
           </a:bodyPr>
           <a:lstStyle/>
           <a:p>
-            <a:pPr indent="0" lvl="0" marL="0" rtl="0" algn="l">
+            <a:pPr marL="0" lvl="0" indent="0" algn="l" rtl="0">
               <a:spcBef>
                 <a:spcPts val="0"/>
               </a:spcBef>
@@ -5615,9 +5643,6 @@
               </a:spcAft>
               <a:buNone/>
             </a:pPr>
-            <a:r>
-              <a:t/>
-            </a:r>
             <a:endParaRPr/>
           </a:p>
         </p:txBody>
@@ -5643,7 +5668,7 @@
             <a:noFill/>
           </a:ln>
           <a:effectLst>
-            <a:outerShdw blurRad="228600" sx="101000" rotWithShape="0" algn="ctr" sy="101000">
+            <a:outerShdw blurRad="228600" sx="101000" sy="101000" algn="ctr" rotWithShape="0">
               <a:srgbClr val="000000">
                 <a:alpha val="40000"/>
               </a:srgbClr>
@@ -5651,12 +5676,12 @@
           </a:effectLst>
         </p:spPr>
         <p:txBody>
-          <a:bodyPr anchorCtr="0" anchor="ctr" bIns="91425" lIns="91425" spcFirstLastPara="1" rIns="91425" wrap="square" tIns="91425">
+          <a:bodyPr spcFirstLastPara="1" wrap="square" lIns="91425" tIns="91425" rIns="91425" bIns="91425" anchor="ctr" anchorCtr="0">
             <a:noAutofit/>
           </a:bodyPr>
           <a:lstStyle/>
           <a:p>
-            <a:pPr indent="0" lvl="0" marL="0" rtl="0" algn="l">
+            <a:pPr marL="0" lvl="0" indent="0" algn="l" rtl="0">
               <a:spcBef>
                 <a:spcPts val="0"/>
               </a:spcBef>
@@ -5665,9 +5690,6 @@
               </a:spcAft>
               <a:buNone/>
             </a:pPr>
-            <a:r>
-              <a:t/>
-            </a:r>
             <a:endParaRPr/>
           </a:p>
         </p:txBody>
@@ -5675,7 +5697,9 @@
       <p:sp>
         <p:nvSpPr>
           <p:cNvPr id="53" name="Google Shape;53;p4"/>
-          <p:cNvSpPr txBox="1"/>
+          <p:cNvSpPr txBox="1">
+            <a:spLocks noGrp="1"/>
+          </p:cNvSpPr>
           <p:nvPr>
             <p:ph type="title"/>
           </p:nvPr>
@@ -5690,7 +5714,7 @@
           </a:prstGeom>
         </p:spPr>
         <p:txBody>
-          <a:bodyPr anchorCtr="0" anchor="t" bIns="91425" lIns="91425" spcFirstLastPara="1" rIns="91425" wrap="square" tIns="91425">
+          <a:bodyPr spcFirstLastPara="1" wrap="square" lIns="91425" tIns="91425" rIns="91425" bIns="91425" anchor="t" anchorCtr="0">
             <a:normAutofit/>
           </a:bodyPr>
           <a:lstStyle>
@@ -5794,15 +5818,19 @@
               <a:defRPr sz="3000"/>
             </a:lvl9pPr>
           </a:lstStyle>
-          <a:p/>
+          <a:p>
+            <a:endParaRPr/>
+          </a:p>
         </p:txBody>
       </p:sp>
       <p:sp>
         <p:nvSpPr>
           <p:cNvPr id="54" name="Google Shape;54;p4"/>
-          <p:cNvSpPr txBox="1"/>
+          <p:cNvSpPr txBox="1">
+            <a:spLocks noGrp="1"/>
+          </p:cNvSpPr>
           <p:nvPr>
-            <p:ph idx="1" type="body"/>
+            <p:ph type="body" idx="1"/>
           </p:nvPr>
         </p:nvSpPr>
         <p:spPr>
@@ -5815,11 +5843,11 @@
           </a:prstGeom>
         </p:spPr>
         <p:txBody>
-          <a:bodyPr anchorCtr="0" anchor="t" bIns="91425" lIns="91425" spcFirstLastPara="1" rIns="91425" wrap="square" tIns="91425">
+          <a:bodyPr spcFirstLastPara="1" wrap="square" lIns="91425" tIns="91425" rIns="91425" bIns="91425" anchor="t" anchorCtr="0">
             <a:normAutofit/>
           </a:bodyPr>
           <a:lstStyle>
-            <a:lvl1pPr indent="-311150" lvl="0" marL="457200">
+            <a:lvl1pPr marL="457200" lvl="0" indent="-311150">
               <a:spcBef>
                 <a:spcPts val="0"/>
               </a:spcBef>
@@ -5830,7 +5858,7 @@
               <a:buChar char="●"/>
               <a:defRPr/>
             </a:lvl1pPr>
-            <a:lvl2pPr indent="-298450" lvl="1" marL="914400">
+            <a:lvl2pPr marL="914400" lvl="1" indent="-298450">
               <a:spcBef>
                 <a:spcPts val="0"/>
               </a:spcBef>
@@ -5841,7 +5869,7 @@
               <a:buChar char="○"/>
               <a:defRPr/>
             </a:lvl2pPr>
-            <a:lvl3pPr indent="-298450" lvl="2" marL="1371600">
+            <a:lvl3pPr marL="1371600" lvl="2" indent="-298450">
               <a:spcBef>
                 <a:spcPts val="0"/>
               </a:spcBef>
@@ -5852,7 +5880,7 @@
               <a:buChar char="■"/>
               <a:defRPr/>
             </a:lvl3pPr>
-            <a:lvl4pPr indent="-298450" lvl="3" marL="1828800">
+            <a:lvl4pPr marL="1828800" lvl="3" indent="-298450">
               <a:spcBef>
                 <a:spcPts val="0"/>
               </a:spcBef>
@@ -5863,7 +5891,7 @@
               <a:buChar char="●"/>
               <a:defRPr/>
             </a:lvl4pPr>
-            <a:lvl5pPr indent="-298450" lvl="4" marL="2286000">
+            <a:lvl5pPr marL="2286000" lvl="4" indent="-298450">
               <a:spcBef>
                 <a:spcPts val="0"/>
               </a:spcBef>
@@ -5874,7 +5902,7 @@
               <a:buChar char="○"/>
               <a:defRPr/>
             </a:lvl5pPr>
-            <a:lvl6pPr indent="-298450" lvl="5" marL="2743200">
+            <a:lvl6pPr marL="2743200" lvl="5" indent="-298450">
               <a:spcBef>
                 <a:spcPts val="0"/>
               </a:spcBef>
@@ -5885,7 +5913,7 @@
               <a:buChar char="■"/>
               <a:defRPr/>
             </a:lvl6pPr>
-            <a:lvl7pPr indent="-298450" lvl="6" marL="3200400">
+            <a:lvl7pPr marL="3200400" lvl="6" indent="-298450">
               <a:spcBef>
                 <a:spcPts val="0"/>
               </a:spcBef>
@@ -5896,7 +5924,7 @@
               <a:buChar char="●"/>
               <a:defRPr/>
             </a:lvl7pPr>
-            <a:lvl8pPr indent="-298450" lvl="7" marL="3657600">
+            <a:lvl8pPr marL="3657600" lvl="7" indent="-298450">
               <a:spcBef>
                 <a:spcPts val="0"/>
               </a:spcBef>
@@ -5907,7 +5935,7 @@
               <a:buChar char="○"/>
               <a:defRPr/>
             </a:lvl8pPr>
-            <a:lvl9pPr indent="-298450" lvl="8" marL="4114800">
+            <a:lvl9pPr marL="4114800" lvl="8" indent="-298450">
               <a:spcBef>
                 <a:spcPts val="0"/>
               </a:spcBef>
@@ -5919,15 +5947,19 @@
               <a:defRPr/>
             </a:lvl9pPr>
           </a:lstStyle>
-          <a:p/>
+          <a:p>
+            <a:endParaRPr/>
+          </a:p>
         </p:txBody>
       </p:sp>
       <p:sp>
         <p:nvSpPr>
           <p:cNvPr id="55" name="Google Shape;55;p4"/>
-          <p:cNvSpPr txBox="1"/>
+          <p:cNvSpPr txBox="1">
+            <a:spLocks noGrp="1"/>
+          </p:cNvSpPr>
           <p:nvPr>
-            <p:ph idx="12" type="sldNum"/>
+            <p:ph type="sldNum" idx="12"/>
           </p:nvPr>
         </p:nvSpPr>
         <p:spPr>
@@ -5940,7 +5972,7 @@
           </a:prstGeom>
         </p:spPr>
         <p:txBody>
-          <a:bodyPr anchorCtr="0" anchor="ctr" bIns="91425" lIns="91425" spcFirstLastPara="1" rIns="91425" wrap="square" tIns="91425">
+          <a:bodyPr spcFirstLastPara="1" wrap="square" lIns="91425" tIns="91425" rIns="91425" bIns="91425" anchor="ctr" anchorCtr="0">
             <a:normAutofit/>
           </a:bodyPr>
           <a:lstStyle>
@@ -5982,7 +6014,7 @@
             </a:lvl9pPr>
           </a:lstStyle>
           <a:p>
-            <a:pPr indent="0" lvl="0" marL="0" rtl="0" algn="r">
+            <a:pPr marL="0" lvl="0" indent="0" algn="r" rtl="0">
               <a:spcBef>
                 <a:spcPts val="0"/>
               </a:spcBef>
@@ -6008,18 +6040,19 @@
 </file>
 
 <file path=ppt/slideLayouts/slideLayout4.xml><?xml version="1.0" encoding="utf-8"?>
-<p:sldLayout xmlns:a="http://schemas.openxmlformats.org/drawingml/2006/main" xmlns:r="http://schemas.openxmlformats.org/officeDocument/2006/relationships" xmlns:mc="http://schemas.openxmlformats.org/markup-compatibility/2006" xmlns:mv="urn:schemas-microsoft-com:mac:vml" xmlns:p="http://schemas.openxmlformats.org/presentationml/2006/main" xmlns:c="http://schemas.openxmlformats.org/drawingml/2006/chart" xmlns:dgm="http://schemas.openxmlformats.org/drawingml/2006/diagram" xmlns:o="urn:schemas-microsoft-com:office:office" xmlns:v="urn:schemas-microsoft-com:vml" xmlns:pvml="urn:schemas-microsoft-com:office:powerpoint" xmlns:com="http://schemas.openxmlformats.org/drawingml/2006/compatibility" xmlns:p14="http://schemas.microsoft.com/office/powerpoint/2010/main" xmlns:p15="http://schemas.microsoft.com/office/powerpoint/2012/main" xmlns:ahyp="http://schemas.microsoft.com/office/drawing/2018/hyperlinkcolor" matchingName="Title and two columns" type="twoColTx">
+<p:sldLayout xmlns:a="http://schemas.openxmlformats.org/drawingml/2006/main" xmlns:r="http://schemas.openxmlformats.org/officeDocument/2006/relationships" xmlns:p="http://schemas.openxmlformats.org/presentationml/2006/main" matchingName="Title and two columns" type="twoColTx">
   <p:cSld name="TITLE_AND_TWO_COLUMNS">
     <p:bg>
       <p:bgPr>
         <a:solidFill>
           <a:schemeClr val="dk2"/>
         </a:solidFill>
+        <a:effectLst/>
       </p:bgPr>
     </p:bg>
     <p:spTree>
       <p:nvGrpSpPr>
-        <p:cNvPr id="56" name="Shape 56"/>
+        <p:cNvPr id="1" name="Shape 56"/>
         <p:cNvGrpSpPr/>
         <p:nvPr/>
       </p:nvGrpSpPr>
@@ -6053,12 +6086,12 @@
           </a:ln>
         </p:spPr>
         <p:txBody>
-          <a:bodyPr anchorCtr="0" anchor="ctr" bIns="91425" lIns="91425" spcFirstLastPara="1" rIns="91425" wrap="square" tIns="91425">
+          <a:bodyPr spcFirstLastPara="1" wrap="square" lIns="91425" tIns="91425" rIns="91425" bIns="91425" anchor="ctr" anchorCtr="0">
             <a:noAutofit/>
           </a:bodyPr>
           <a:lstStyle/>
           <a:p>
-            <a:pPr indent="0" lvl="0" marL="0" rtl="0" algn="l">
+            <a:pPr marL="0" lvl="0" indent="0" algn="l" rtl="0">
               <a:spcBef>
                 <a:spcPts val="0"/>
               </a:spcBef>
@@ -6067,9 +6100,6 @@
               </a:spcAft>
               <a:buNone/>
             </a:pPr>
-            <a:r>
-              <a:t/>
-            </a:r>
             <a:endParaRPr/>
           </a:p>
         </p:txBody>
@@ -6096,12 +6126,12 @@
           </a:ln>
         </p:spPr>
         <p:txBody>
-          <a:bodyPr anchorCtr="0" anchor="ctr" bIns="91425" lIns="91425" spcFirstLastPara="1" rIns="91425" wrap="square" tIns="91425">
+          <a:bodyPr spcFirstLastPara="1" wrap="square" lIns="91425" tIns="91425" rIns="91425" bIns="91425" anchor="ctr" anchorCtr="0">
             <a:noAutofit/>
           </a:bodyPr>
           <a:lstStyle/>
           <a:p>
-            <a:pPr indent="0" lvl="0" marL="0" rtl="0" algn="l">
+            <a:pPr marL="0" lvl="0" indent="0" algn="l" rtl="0">
               <a:spcBef>
                 <a:spcPts val="0"/>
               </a:spcBef>
@@ -6110,9 +6140,6 @@
               </a:spcAft>
               <a:buNone/>
             </a:pPr>
-            <a:r>
-              <a:t/>
-            </a:r>
             <a:endParaRPr/>
           </a:p>
         </p:txBody>
@@ -6138,7 +6165,7 @@
             <a:noFill/>
           </a:ln>
           <a:effectLst>
-            <a:outerShdw blurRad="228600" sx="101000" rotWithShape="0" algn="ctr" sy="101000">
+            <a:outerShdw blurRad="228600" sx="101000" sy="101000" algn="ctr" rotWithShape="0">
               <a:srgbClr val="000000">
                 <a:alpha val="40000"/>
               </a:srgbClr>
@@ -6146,12 +6173,12 @@
           </a:effectLst>
         </p:spPr>
         <p:txBody>
-          <a:bodyPr anchorCtr="0" anchor="ctr" bIns="91425" lIns="91425" spcFirstLastPara="1" rIns="91425" wrap="square" tIns="91425">
+          <a:bodyPr spcFirstLastPara="1" wrap="square" lIns="91425" tIns="91425" rIns="91425" bIns="91425" anchor="ctr" anchorCtr="0">
             <a:noAutofit/>
           </a:bodyPr>
           <a:lstStyle/>
           <a:p>
-            <a:pPr indent="0" lvl="0" marL="0" rtl="0" algn="l">
+            <a:pPr marL="0" lvl="0" indent="0" algn="l" rtl="0">
               <a:spcBef>
                 <a:spcPts val="0"/>
               </a:spcBef>
@@ -6160,9 +6187,6 @@
               </a:spcAft>
               <a:buNone/>
             </a:pPr>
-            <a:r>
-              <a:t/>
-            </a:r>
             <a:endParaRPr/>
           </a:p>
         </p:txBody>
@@ -6170,7 +6194,9 @@
       <p:sp>
         <p:nvSpPr>
           <p:cNvPr id="60" name="Google Shape;60;p5"/>
-          <p:cNvSpPr txBox="1"/>
+          <p:cNvSpPr txBox="1">
+            <a:spLocks noGrp="1"/>
+          </p:cNvSpPr>
           <p:nvPr>
             <p:ph type="title"/>
           </p:nvPr>
@@ -6185,7 +6211,7 @@
           </a:prstGeom>
         </p:spPr>
         <p:txBody>
-          <a:bodyPr anchorCtr="0" anchor="t" bIns="91425" lIns="91425" spcFirstLastPara="1" rIns="91425" wrap="square" tIns="91425">
+          <a:bodyPr spcFirstLastPara="1" wrap="square" lIns="91425" tIns="91425" rIns="91425" bIns="91425" anchor="t" anchorCtr="0">
             <a:normAutofit/>
           </a:bodyPr>
           <a:lstStyle>
@@ -6289,15 +6315,19 @@
               <a:defRPr sz="3000"/>
             </a:lvl9pPr>
           </a:lstStyle>
-          <a:p/>
+          <a:p>
+            <a:endParaRPr/>
+          </a:p>
         </p:txBody>
       </p:sp>
       <p:sp>
         <p:nvSpPr>
           <p:cNvPr id="61" name="Google Shape;61;p5"/>
-          <p:cNvSpPr txBox="1"/>
+          <p:cNvSpPr txBox="1">
+            <a:spLocks noGrp="1"/>
+          </p:cNvSpPr>
           <p:nvPr>
-            <p:ph idx="1" type="body"/>
+            <p:ph type="body" idx="1"/>
           </p:nvPr>
         </p:nvSpPr>
         <p:spPr>
@@ -6310,11 +6340,11 @@
           </a:prstGeom>
         </p:spPr>
         <p:txBody>
-          <a:bodyPr anchorCtr="0" anchor="t" bIns="91425" lIns="91425" spcFirstLastPara="1" rIns="91425" wrap="square" tIns="91425">
+          <a:bodyPr spcFirstLastPara="1" wrap="square" lIns="91425" tIns="91425" rIns="91425" bIns="91425" anchor="t" anchorCtr="0">
             <a:normAutofit/>
           </a:bodyPr>
           <a:lstStyle>
-            <a:lvl1pPr indent="-311150" lvl="0" marL="457200">
+            <a:lvl1pPr marL="457200" lvl="0" indent="-311150">
               <a:spcBef>
                 <a:spcPts val="0"/>
               </a:spcBef>
@@ -6325,7 +6355,7 @@
               <a:buChar char="●"/>
               <a:defRPr/>
             </a:lvl1pPr>
-            <a:lvl2pPr indent="-298450" lvl="1" marL="914400">
+            <a:lvl2pPr marL="914400" lvl="1" indent="-298450">
               <a:spcBef>
                 <a:spcPts val="0"/>
               </a:spcBef>
@@ -6336,7 +6366,7 @@
               <a:buChar char="○"/>
               <a:defRPr/>
             </a:lvl2pPr>
-            <a:lvl3pPr indent="-298450" lvl="2" marL="1371600">
+            <a:lvl3pPr marL="1371600" lvl="2" indent="-298450">
               <a:spcBef>
                 <a:spcPts val="0"/>
               </a:spcBef>
@@ -6347,7 +6377,7 @@
               <a:buChar char="■"/>
               <a:defRPr/>
             </a:lvl3pPr>
-            <a:lvl4pPr indent="-298450" lvl="3" marL="1828800">
+            <a:lvl4pPr marL="1828800" lvl="3" indent="-298450">
               <a:spcBef>
                 <a:spcPts val="0"/>
               </a:spcBef>
@@ -6358,7 +6388,7 @@
               <a:buChar char="●"/>
               <a:defRPr/>
             </a:lvl4pPr>
-            <a:lvl5pPr indent="-298450" lvl="4" marL="2286000">
+            <a:lvl5pPr marL="2286000" lvl="4" indent="-298450">
               <a:spcBef>
                 <a:spcPts val="0"/>
               </a:spcBef>
@@ -6369,7 +6399,7 @@
               <a:buChar char="○"/>
               <a:defRPr/>
             </a:lvl5pPr>
-            <a:lvl6pPr indent="-298450" lvl="5" marL="2743200">
+            <a:lvl6pPr marL="2743200" lvl="5" indent="-298450">
               <a:spcBef>
                 <a:spcPts val="0"/>
               </a:spcBef>
@@ -6380,7 +6410,7 @@
               <a:buChar char="■"/>
               <a:defRPr/>
             </a:lvl6pPr>
-            <a:lvl7pPr indent="-298450" lvl="6" marL="3200400">
+            <a:lvl7pPr marL="3200400" lvl="6" indent="-298450">
               <a:spcBef>
                 <a:spcPts val="0"/>
               </a:spcBef>
@@ -6391,7 +6421,7 @@
               <a:buChar char="●"/>
               <a:defRPr/>
             </a:lvl7pPr>
-            <a:lvl8pPr indent="-298450" lvl="7" marL="3657600">
+            <a:lvl8pPr marL="3657600" lvl="7" indent="-298450">
               <a:spcBef>
                 <a:spcPts val="0"/>
               </a:spcBef>
@@ -6402,7 +6432,7 @@
               <a:buChar char="○"/>
               <a:defRPr/>
             </a:lvl8pPr>
-            <a:lvl9pPr indent="-298450" lvl="8" marL="4114800">
+            <a:lvl9pPr marL="4114800" lvl="8" indent="-298450">
               <a:spcBef>
                 <a:spcPts val="0"/>
               </a:spcBef>
@@ -6414,15 +6444,19 @@
               <a:defRPr/>
             </a:lvl9pPr>
           </a:lstStyle>
-          <a:p/>
+          <a:p>
+            <a:endParaRPr/>
+          </a:p>
         </p:txBody>
       </p:sp>
       <p:sp>
         <p:nvSpPr>
           <p:cNvPr id="62" name="Google Shape;62;p5"/>
-          <p:cNvSpPr txBox="1"/>
+          <p:cNvSpPr txBox="1">
+            <a:spLocks noGrp="1"/>
+          </p:cNvSpPr>
           <p:nvPr>
-            <p:ph idx="2" type="body"/>
+            <p:ph type="body" idx="2"/>
           </p:nvPr>
         </p:nvSpPr>
         <p:spPr>
@@ -6435,11 +6469,11 @@
           </a:prstGeom>
         </p:spPr>
         <p:txBody>
-          <a:bodyPr anchorCtr="0" anchor="t" bIns="91425" lIns="91425" spcFirstLastPara="1" rIns="91425" wrap="square" tIns="91425">
+          <a:bodyPr spcFirstLastPara="1" wrap="square" lIns="91425" tIns="91425" rIns="91425" bIns="91425" anchor="t" anchorCtr="0">
             <a:normAutofit/>
           </a:bodyPr>
           <a:lstStyle>
-            <a:lvl1pPr indent="-311150" lvl="0" marL="457200">
+            <a:lvl1pPr marL="457200" lvl="0" indent="-311150">
               <a:spcBef>
                 <a:spcPts val="0"/>
               </a:spcBef>
@@ -6450,7 +6484,7 @@
               <a:buChar char="●"/>
               <a:defRPr/>
             </a:lvl1pPr>
-            <a:lvl2pPr indent="-298450" lvl="1" marL="914400">
+            <a:lvl2pPr marL="914400" lvl="1" indent="-298450">
               <a:spcBef>
                 <a:spcPts val="0"/>
               </a:spcBef>
@@ -6461,7 +6495,7 @@
               <a:buChar char="○"/>
               <a:defRPr/>
             </a:lvl2pPr>
-            <a:lvl3pPr indent="-298450" lvl="2" marL="1371600">
+            <a:lvl3pPr marL="1371600" lvl="2" indent="-298450">
               <a:spcBef>
                 <a:spcPts val="0"/>
               </a:spcBef>
@@ -6472,7 +6506,7 @@
               <a:buChar char="■"/>
               <a:defRPr/>
             </a:lvl3pPr>
-            <a:lvl4pPr indent="-298450" lvl="3" marL="1828800">
+            <a:lvl4pPr marL="1828800" lvl="3" indent="-298450">
               <a:spcBef>
                 <a:spcPts val="0"/>
               </a:spcBef>
@@ -6483,7 +6517,7 @@
               <a:buChar char="●"/>
               <a:defRPr/>
             </a:lvl4pPr>
-            <a:lvl5pPr indent="-298450" lvl="4" marL="2286000">
+            <a:lvl5pPr marL="2286000" lvl="4" indent="-298450">
               <a:spcBef>
                 <a:spcPts val="0"/>
               </a:spcBef>
@@ -6494,7 +6528,7 @@
               <a:buChar char="○"/>
               <a:defRPr/>
             </a:lvl5pPr>
-            <a:lvl6pPr indent="-298450" lvl="5" marL="2743200">
+            <a:lvl6pPr marL="2743200" lvl="5" indent="-298450">
               <a:spcBef>
                 <a:spcPts val="0"/>
               </a:spcBef>
@@ -6505,7 +6539,7 @@
               <a:buChar char="■"/>
               <a:defRPr/>
             </a:lvl6pPr>
-            <a:lvl7pPr indent="-298450" lvl="6" marL="3200400">
+            <a:lvl7pPr marL="3200400" lvl="6" indent="-298450">
               <a:spcBef>
                 <a:spcPts val="0"/>
               </a:spcBef>
@@ -6516,7 +6550,7 @@
               <a:buChar char="●"/>
               <a:defRPr/>
             </a:lvl7pPr>
-            <a:lvl8pPr indent="-298450" lvl="7" marL="3657600">
+            <a:lvl8pPr marL="3657600" lvl="7" indent="-298450">
               <a:spcBef>
                 <a:spcPts val="0"/>
               </a:spcBef>
@@ -6527,7 +6561,7 @@
               <a:buChar char="○"/>
               <a:defRPr/>
             </a:lvl8pPr>
-            <a:lvl9pPr indent="-298450" lvl="8" marL="4114800">
+            <a:lvl9pPr marL="4114800" lvl="8" indent="-298450">
               <a:spcBef>
                 <a:spcPts val="0"/>
               </a:spcBef>
@@ -6539,15 +6573,19 @@
               <a:defRPr/>
             </a:lvl9pPr>
           </a:lstStyle>
-          <a:p/>
+          <a:p>
+            <a:endParaRPr/>
+          </a:p>
         </p:txBody>
       </p:sp>
       <p:sp>
         <p:nvSpPr>
           <p:cNvPr id="63" name="Google Shape;63;p5"/>
-          <p:cNvSpPr txBox="1"/>
+          <p:cNvSpPr txBox="1">
+            <a:spLocks noGrp="1"/>
+          </p:cNvSpPr>
           <p:nvPr>
-            <p:ph idx="12" type="sldNum"/>
+            <p:ph type="sldNum" idx="12"/>
           </p:nvPr>
         </p:nvSpPr>
         <p:spPr>
@@ -6560,7 +6598,7 @@
           </a:prstGeom>
         </p:spPr>
         <p:txBody>
-          <a:bodyPr anchorCtr="0" anchor="ctr" bIns="91425" lIns="91425" spcFirstLastPara="1" rIns="91425" wrap="square" tIns="91425">
+          <a:bodyPr spcFirstLastPara="1" wrap="square" lIns="91425" tIns="91425" rIns="91425" bIns="91425" anchor="ctr" anchorCtr="0">
             <a:normAutofit/>
           </a:bodyPr>
           <a:lstStyle>
@@ -6602,7 +6640,7 @@
             </a:lvl9pPr>
           </a:lstStyle>
           <a:p>
-            <a:pPr indent="0" lvl="0" marL="0" rtl="0" algn="r">
+            <a:pPr marL="0" lvl="0" indent="0" algn="r" rtl="0">
               <a:spcBef>
                 <a:spcPts val="0"/>
               </a:spcBef>
@@ -6628,18 +6666,19 @@
 </file>
 
 <file path=ppt/slideLayouts/slideLayout5.xml><?xml version="1.0" encoding="utf-8"?>
-<p:sldLayout xmlns:a="http://schemas.openxmlformats.org/drawingml/2006/main" xmlns:r="http://schemas.openxmlformats.org/officeDocument/2006/relationships" xmlns:mc="http://schemas.openxmlformats.org/markup-compatibility/2006" xmlns:mv="urn:schemas-microsoft-com:mac:vml" xmlns:p="http://schemas.openxmlformats.org/presentationml/2006/main" xmlns:c="http://schemas.openxmlformats.org/drawingml/2006/chart" xmlns:dgm="http://schemas.openxmlformats.org/drawingml/2006/diagram" xmlns:o="urn:schemas-microsoft-com:office:office" xmlns:v="urn:schemas-microsoft-com:vml" xmlns:pvml="urn:schemas-microsoft-com:office:powerpoint" xmlns:com="http://schemas.openxmlformats.org/drawingml/2006/compatibility" xmlns:p14="http://schemas.microsoft.com/office/powerpoint/2010/main" xmlns:p15="http://schemas.microsoft.com/office/powerpoint/2012/main" xmlns:ahyp="http://schemas.microsoft.com/office/drawing/2018/hyperlinkcolor" matchingName="Title only" type="titleOnly">
+<p:sldLayout xmlns:a="http://schemas.openxmlformats.org/drawingml/2006/main" xmlns:r="http://schemas.openxmlformats.org/officeDocument/2006/relationships" xmlns:p="http://schemas.openxmlformats.org/presentationml/2006/main" matchingName="Title only" type="titleOnly">
   <p:cSld name="TITLE_ONLY">
     <p:bg>
       <p:bgPr>
         <a:solidFill>
           <a:schemeClr val="dk2"/>
         </a:solidFill>
+        <a:effectLst/>
       </p:bgPr>
     </p:bg>
     <p:spTree>
       <p:nvGrpSpPr>
-        <p:cNvPr id="64" name="Shape 64"/>
+        <p:cNvPr id="1" name="Shape 64"/>
         <p:cNvGrpSpPr/>
         <p:nvPr/>
       </p:nvGrpSpPr>
@@ -6673,12 +6712,12 @@
           </a:ln>
         </p:spPr>
         <p:txBody>
-          <a:bodyPr anchorCtr="0" anchor="ctr" bIns="91425" lIns="91425" spcFirstLastPara="1" rIns="91425" wrap="square" tIns="91425">
+          <a:bodyPr spcFirstLastPara="1" wrap="square" lIns="91425" tIns="91425" rIns="91425" bIns="91425" anchor="ctr" anchorCtr="0">
             <a:noAutofit/>
           </a:bodyPr>
           <a:lstStyle/>
           <a:p>
-            <a:pPr indent="0" lvl="0" marL="0" rtl="0" algn="l">
+            <a:pPr marL="0" lvl="0" indent="0" algn="l" rtl="0">
               <a:spcBef>
                 <a:spcPts val="0"/>
               </a:spcBef>
@@ -6687,9 +6726,6 @@
               </a:spcAft>
               <a:buNone/>
             </a:pPr>
-            <a:r>
-              <a:t/>
-            </a:r>
             <a:endParaRPr/>
           </a:p>
         </p:txBody>
@@ -6716,12 +6752,12 @@
           </a:ln>
         </p:spPr>
         <p:txBody>
-          <a:bodyPr anchorCtr="0" anchor="ctr" bIns="91425" lIns="91425" spcFirstLastPara="1" rIns="91425" wrap="square" tIns="91425">
+          <a:bodyPr spcFirstLastPara="1" wrap="square" lIns="91425" tIns="91425" rIns="91425" bIns="91425" anchor="ctr" anchorCtr="0">
             <a:noAutofit/>
           </a:bodyPr>
           <a:lstStyle/>
           <a:p>
-            <a:pPr indent="0" lvl="0" marL="0" rtl="0" algn="l">
+            <a:pPr marL="0" lvl="0" indent="0" algn="l" rtl="0">
               <a:spcBef>
                 <a:spcPts val="0"/>
               </a:spcBef>
@@ -6730,9 +6766,6 @@
               </a:spcAft>
               <a:buNone/>
             </a:pPr>
-            <a:r>
-              <a:t/>
-            </a:r>
             <a:endParaRPr/>
           </a:p>
         </p:txBody>
@@ -6758,7 +6791,7 @@
             <a:noFill/>
           </a:ln>
           <a:effectLst>
-            <a:outerShdw blurRad="228600" sx="101000" rotWithShape="0" algn="ctr" sy="101000">
+            <a:outerShdw blurRad="228600" sx="101000" sy="101000" algn="ctr" rotWithShape="0">
               <a:srgbClr val="000000">
                 <a:alpha val="40000"/>
               </a:srgbClr>
@@ -6766,12 +6799,12 @@
           </a:effectLst>
         </p:spPr>
         <p:txBody>
-          <a:bodyPr anchorCtr="0" anchor="ctr" bIns="91425" lIns="91425" spcFirstLastPara="1" rIns="91425" wrap="square" tIns="91425">
+          <a:bodyPr spcFirstLastPara="1" wrap="square" lIns="91425" tIns="91425" rIns="91425" bIns="91425" anchor="ctr" anchorCtr="0">
             <a:noAutofit/>
           </a:bodyPr>
           <a:lstStyle/>
           <a:p>
-            <a:pPr indent="0" lvl="0" marL="0" rtl="0" algn="l">
+            <a:pPr marL="0" lvl="0" indent="0" algn="l" rtl="0">
               <a:spcBef>
                 <a:spcPts val="0"/>
               </a:spcBef>
@@ -6780,9 +6813,6 @@
               </a:spcAft>
               <a:buNone/>
             </a:pPr>
-            <a:r>
-              <a:t/>
-            </a:r>
             <a:endParaRPr/>
           </a:p>
         </p:txBody>
@@ -6790,7 +6820,9 @@
       <p:sp>
         <p:nvSpPr>
           <p:cNvPr id="68" name="Google Shape;68;p6"/>
-          <p:cNvSpPr txBox="1"/>
+          <p:cNvSpPr txBox="1">
+            <a:spLocks noGrp="1"/>
+          </p:cNvSpPr>
           <p:nvPr>
             <p:ph type="title"/>
           </p:nvPr>
@@ -6805,7 +6837,7 @@
           </a:prstGeom>
         </p:spPr>
         <p:txBody>
-          <a:bodyPr anchorCtr="0" anchor="t" bIns="91425" lIns="91425" spcFirstLastPara="1" rIns="91425" wrap="square" tIns="91425">
+          <a:bodyPr spcFirstLastPara="1" wrap="square" lIns="91425" tIns="91425" rIns="91425" bIns="91425" anchor="t" anchorCtr="0">
             <a:normAutofit/>
           </a:bodyPr>
           <a:lstStyle>
@@ -6909,15 +6941,19 @@
               <a:defRPr sz="3000"/>
             </a:lvl9pPr>
           </a:lstStyle>
-          <a:p/>
+          <a:p>
+            <a:endParaRPr/>
+          </a:p>
         </p:txBody>
       </p:sp>
       <p:sp>
         <p:nvSpPr>
           <p:cNvPr id="69" name="Google Shape;69;p6"/>
-          <p:cNvSpPr txBox="1"/>
+          <p:cNvSpPr txBox="1">
+            <a:spLocks noGrp="1"/>
+          </p:cNvSpPr>
           <p:nvPr>
-            <p:ph idx="12" type="sldNum"/>
+            <p:ph type="sldNum" idx="12"/>
           </p:nvPr>
         </p:nvSpPr>
         <p:spPr>
@@ -6930,7 +6966,7 @@
           </a:prstGeom>
         </p:spPr>
         <p:txBody>
-          <a:bodyPr anchorCtr="0" anchor="ctr" bIns="91425" lIns="91425" spcFirstLastPara="1" rIns="91425" wrap="square" tIns="91425">
+          <a:bodyPr spcFirstLastPara="1" wrap="square" lIns="91425" tIns="91425" rIns="91425" bIns="91425" anchor="ctr" anchorCtr="0">
             <a:normAutofit/>
           </a:bodyPr>
           <a:lstStyle>
@@ -6972,7 +7008,7 @@
             </a:lvl9pPr>
           </a:lstStyle>
           <a:p>
-            <a:pPr indent="0" lvl="0" marL="0" rtl="0" algn="r">
+            <a:pPr marL="0" lvl="0" indent="0" algn="r" rtl="0">
               <a:spcBef>
                 <a:spcPts val="0"/>
               </a:spcBef>
@@ -6998,18 +7034,19 @@
 </file>
 
 <file path=ppt/slideLayouts/slideLayout6.xml><?xml version="1.0" encoding="utf-8"?>
-<p:sldLayout xmlns:a="http://schemas.openxmlformats.org/drawingml/2006/main" xmlns:r="http://schemas.openxmlformats.org/officeDocument/2006/relationships" xmlns:mc="http://schemas.openxmlformats.org/markup-compatibility/2006" xmlns:mv="urn:schemas-microsoft-com:mac:vml" xmlns:p="http://schemas.openxmlformats.org/presentationml/2006/main" xmlns:c="http://schemas.openxmlformats.org/drawingml/2006/chart" xmlns:dgm="http://schemas.openxmlformats.org/drawingml/2006/diagram" xmlns:o="urn:schemas-microsoft-com:office:office" xmlns:v="urn:schemas-microsoft-com:vml" xmlns:pvml="urn:schemas-microsoft-com:office:powerpoint" xmlns:com="http://schemas.openxmlformats.org/drawingml/2006/compatibility" xmlns:p14="http://schemas.microsoft.com/office/powerpoint/2010/main" xmlns:p15="http://schemas.microsoft.com/office/powerpoint/2012/main" xmlns:ahyp="http://schemas.microsoft.com/office/drawing/2018/hyperlinkcolor" matchingName="One column text">
+<p:sldLayout xmlns:a="http://schemas.openxmlformats.org/drawingml/2006/main" xmlns:r="http://schemas.openxmlformats.org/officeDocument/2006/relationships" xmlns:p="http://schemas.openxmlformats.org/presentationml/2006/main" matchingName="One column text">
   <p:cSld name="ONE_COLUMN_TEXT">
     <p:bg>
       <p:bgPr>
         <a:solidFill>
           <a:schemeClr val="accent3"/>
         </a:solidFill>
+        <a:effectLst/>
       </p:bgPr>
     </p:bg>
     <p:spTree>
       <p:nvGrpSpPr>
-        <p:cNvPr id="70" name="Shape 70"/>
+        <p:cNvPr id="1" name="Shape 70"/>
         <p:cNvGrpSpPr/>
         <p:nvPr/>
       </p:nvGrpSpPr>
@@ -7043,12 +7080,12 @@
           </a:ln>
         </p:spPr>
         <p:txBody>
-          <a:bodyPr anchorCtr="0" anchor="ctr" bIns="91425" lIns="91425" spcFirstLastPara="1" rIns="91425" wrap="square" tIns="91425">
+          <a:bodyPr spcFirstLastPara="1" wrap="square" lIns="91425" tIns="91425" rIns="91425" bIns="91425" anchor="ctr" anchorCtr="0">
             <a:noAutofit/>
           </a:bodyPr>
           <a:lstStyle/>
           <a:p>
-            <a:pPr indent="0" lvl="0" marL="0" rtl="0" algn="l">
+            <a:pPr marL="0" lvl="0" indent="0" algn="l" rtl="0">
               <a:spcBef>
                 <a:spcPts val="0"/>
               </a:spcBef>
@@ -7057,9 +7094,6 @@
               </a:spcAft>
               <a:buNone/>
             </a:pPr>
-            <a:r>
-              <a:t/>
-            </a:r>
             <a:endParaRPr/>
           </a:p>
         </p:txBody>
@@ -7086,12 +7120,12 @@
           </a:ln>
         </p:spPr>
         <p:txBody>
-          <a:bodyPr anchorCtr="0" anchor="ctr" bIns="91425" lIns="91425" spcFirstLastPara="1" rIns="91425" wrap="square" tIns="91425">
+          <a:bodyPr spcFirstLastPara="1" wrap="square" lIns="91425" tIns="91425" rIns="91425" bIns="91425" anchor="ctr" anchorCtr="0">
             <a:noAutofit/>
           </a:bodyPr>
           <a:lstStyle/>
           <a:p>
-            <a:pPr indent="0" lvl="0" marL="0" rtl="0" algn="l">
+            <a:pPr marL="0" lvl="0" indent="0" algn="l" rtl="0">
               <a:spcBef>
                 <a:spcPts val="0"/>
               </a:spcBef>
@@ -7100,9 +7134,6 @@
               </a:spcAft>
               <a:buNone/>
             </a:pPr>
-            <a:r>
-              <a:t/>
-            </a:r>
             <a:endParaRPr/>
           </a:p>
         </p:txBody>
@@ -7128,7 +7159,7 @@
             <a:noFill/>
           </a:ln>
           <a:effectLst>
-            <a:outerShdw blurRad="228600" sx="101000" rotWithShape="0" algn="ctr" sy="101000">
+            <a:outerShdw blurRad="228600" sx="101000" sy="101000" algn="ctr" rotWithShape="0">
               <a:srgbClr val="000000">
                 <a:alpha val="40000"/>
               </a:srgbClr>
@@ -7136,12 +7167,12 @@
           </a:effectLst>
         </p:spPr>
         <p:txBody>
-          <a:bodyPr anchorCtr="0" anchor="ctr" bIns="91425" lIns="91425" spcFirstLastPara="1" rIns="91425" wrap="square" tIns="91425">
+          <a:bodyPr spcFirstLastPara="1" wrap="square" lIns="91425" tIns="91425" rIns="91425" bIns="91425" anchor="ctr" anchorCtr="0">
             <a:noAutofit/>
           </a:bodyPr>
           <a:lstStyle/>
           <a:p>
-            <a:pPr indent="0" lvl="0" marL="0" rtl="0" algn="l">
+            <a:pPr marL="0" lvl="0" indent="0" algn="l" rtl="0">
               <a:spcBef>
                 <a:spcPts val="0"/>
               </a:spcBef>
@@ -7150,9 +7181,6 @@
               </a:spcAft>
               <a:buNone/>
             </a:pPr>
-            <a:r>
-              <a:t/>
-            </a:r>
             <a:endParaRPr/>
           </a:p>
         </p:txBody>
@@ -7160,7 +7188,9 @@
       <p:sp>
         <p:nvSpPr>
           <p:cNvPr id="74" name="Google Shape;74;p7"/>
-          <p:cNvSpPr txBox="1"/>
+          <p:cNvSpPr txBox="1">
+            <a:spLocks noGrp="1"/>
+          </p:cNvSpPr>
           <p:nvPr>
             <p:ph type="title"/>
           </p:nvPr>
@@ -7175,7 +7205,7 @@
           </a:prstGeom>
         </p:spPr>
         <p:txBody>
-          <a:bodyPr anchorCtr="0" anchor="t" bIns="91425" lIns="91425" spcFirstLastPara="1" rIns="91425" wrap="square" tIns="91425">
+          <a:bodyPr spcFirstLastPara="1" wrap="square" lIns="91425" tIns="91425" rIns="91425" bIns="91425" anchor="t" anchorCtr="0">
             <a:normAutofit/>
           </a:bodyPr>
           <a:lstStyle>
@@ -7279,15 +7309,19 @@
               <a:defRPr sz="3000"/>
             </a:lvl9pPr>
           </a:lstStyle>
-          <a:p/>
+          <a:p>
+            <a:endParaRPr/>
+          </a:p>
         </p:txBody>
       </p:sp>
       <p:sp>
         <p:nvSpPr>
           <p:cNvPr id="75" name="Google Shape;75;p7"/>
-          <p:cNvSpPr txBox="1"/>
+          <p:cNvSpPr txBox="1">
+            <a:spLocks noGrp="1"/>
+          </p:cNvSpPr>
           <p:nvPr>
-            <p:ph idx="1" type="body"/>
+            <p:ph type="body" idx="1"/>
           </p:nvPr>
         </p:nvSpPr>
         <p:spPr>
@@ -7300,11 +7334,11 @@
           </a:prstGeom>
         </p:spPr>
         <p:txBody>
-          <a:bodyPr anchorCtr="0" anchor="t" bIns="91425" lIns="91425" spcFirstLastPara="1" rIns="91425" wrap="square" tIns="91425">
+          <a:bodyPr spcFirstLastPara="1" wrap="square" lIns="91425" tIns="91425" rIns="91425" bIns="91425" anchor="t" anchorCtr="0">
             <a:normAutofit/>
           </a:bodyPr>
           <a:lstStyle>
-            <a:lvl1pPr indent="-311150" lvl="0" marL="457200">
+            <a:lvl1pPr marL="457200" lvl="0" indent="-311150">
               <a:spcBef>
                 <a:spcPts val="0"/>
               </a:spcBef>
@@ -7315,7 +7349,7 @@
               <a:buChar char="●"/>
               <a:defRPr/>
             </a:lvl1pPr>
-            <a:lvl2pPr indent="-298450" lvl="1" marL="914400">
+            <a:lvl2pPr marL="914400" lvl="1" indent="-298450">
               <a:spcBef>
                 <a:spcPts val="0"/>
               </a:spcBef>
@@ -7326,7 +7360,7 @@
               <a:buChar char="○"/>
               <a:defRPr/>
             </a:lvl2pPr>
-            <a:lvl3pPr indent="-298450" lvl="2" marL="1371600">
+            <a:lvl3pPr marL="1371600" lvl="2" indent="-298450">
               <a:spcBef>
                 <a:spcPts val="0"/>
               </a:spcBef>
@@ -7337,7 +7371,7 @@
               <a:buChar char="■"/>
               <a:defRPr/>
             </a:lvl3pPr>
-            <a:lvl4pPr indent="-298450" lvl="3" marL="1828800">
+            <a:lvl4pPr marL="1828800" lvl="3" indent="-298450">
               <a:spcBef>
                 <a:spcPts val="0"/>
               </a:spcBef>
@@ -7348,7 +7382,7 @@
               <a:buChar char="●"/>
               <a:defRPr/>
             </a:lvl4pPr>
-            <a:lvl5pPr indent="-298450" lvl="4" marL="2286000">
+            <a:lvl5pPr marL="2286000" lvl="4" indent="-298450">
               <a:spcBef>
                 <a:spcPts val="0"/>
               </a:spcBef>
@@ -7359,7 +7393,7 @@
               <a:buChar char="○"/>
               <a:defRPr/>
             </a:lvl5pPr>
-            <a:lvl6pPr indent="-298450" lvl="5" marL="2743200">
+            <a:lvl6pPr marL="2743200" lvl="5" indent="-298450">
               <a:spcBef>
                 <a:spcPts val="0"/>
               </a:spcBef>
@@ -7370,7 +7404,7 @@
               <a:buChar char="■"/>
               <a:defRPr/>
             </a:lvl6pPr>
-            <a:lvl7pPr indent="-298450" lvl="6" marL="3200400">
+            <a:lvl7pPr marL="3200400" lvl="6" indent="-298450">
               <a:spcBef>
                 <a:spcPts val="0"/>
               </a:spcBef>
@@ -7381,7 +7415,7 @@
               <a:buChar char="●"/>
               <a:defRPr/>
             </a:lvl7pPr>
-            <a:lvl8pPr indent="-298450" lvl="7" marL="3657600">
+            <a:lvl8pPr marL="3657600" lvl="7" indent="-298450">
               <a:spcBef>
                 <a:spcPts val="0"/>
               </a:spcBef>
@@ -7392,7 +7426,7 @@
               <a:buChar char="○"/>
               <a:defRPr/>
             </a:lvl8pPr>
-            <a:lvl9pPr indent="-298450" lvl="8" marL="4114800">
+            <a:lvl9pPr marL="4114800" lvl="8" indent="-298450">
               <a:spcBef>
                 <a:spcPts val="0"/>
               </a:spcBef>
@@ -7404,15 +7438,19 @@
               <a:defRPr/>
             </a:lvl9pPr>
           </a:lstStyle>
-          <a:p/>
+          <a:p>
+            <a:endParaRPr/>
+          </a:p>
         </p:txBody>
       </p:sp>
       <p:sp>
         <p:nvSpPr>
           <p:cNvPr id="76" name="Google Shape;76;p7"/>
-          <p:cNvSpPr txBox="1"/>
+          <p:cNvSpPr txBox="1">
+            <a:spLocks noGrp="1"/>
+          </p:cNvSpPr>
           <p:nvPr>
-            <p:ph idx="12" type="sldNum"/>
+            <p:ph type="sldNum" idx="12"/>
           </p:nvPr>
         </p:nvSpPr>
         <p:spPr>
@@ -7425,7 +7463,7 @@
           </a:prstGeom>
         </p:spPr>
         <p:txBody>
-          <a:bodyPr anchorCtr="0" anchor="ctr" bIns="91425" lIns="91425" spcFirstLastPara="1" rIns="91425" wrap="square" tIns="91425">
+          <a:bodyPr spcFirstLastPara="1" wrap="square" lIns="91425" tIns="91425" rIns="91425" bIns="91425" anchor="ctr" anchorCtr="0">
             <a:normAutofit/>
           </a:bodyPr>
           <a:lstStyle>
@@ -7467,7 +7505,7 @@
             </a:lvl9pPr>
           </a:lstStyle>
           <a:p>
-            <a:pPr indent="0" lvl="0" marL="0" rtl="0" algn="r">
+            <a:pPr marL="0" lvl="0" indent="0" algn="r" rtl="0">
               <a:spcBef>
                 <a:spcPts val="0"/>
               </a:spcBef>
@@ -7493,18 +7531,19 @@
 </file>
 
 <file path=ppt/slideLayouts/slideLayout7.xml><?xml version="1.0" encoding="utf-8"?>
-<p:sldLayout xmlns:a="http://schemas.openxmlformats.org/drawingml/2006/main" xmlns:r="http://schemas.openxmlformats.org/officeDocument/2006/relationships" xmlns:mc="http://schemas.openxmlformats.org/markup-compatibility/2006" xmlns:mv="urn:schemas-microsoft-com:mac:vml" xmlns:p="http://schemas.openxmlformats.org/presentationml/2006/main" xmlns:c="http://schemas.openxmlformats.org/drawingml/2006/chart" xmlns:dgm="http://schemas.openxmlformats.org/drawingml/2006/diagram" xmlns:o="urn:schemas-microsoft-com:office:office" xmlns:v="urn:schemas-microsoft-com:vml" xmlns:pvml="urn:schemas-microsoft-com:office:powerpoint" xmlns:com="http://schemas.openxmlformats.org/drawingml/2006/compatibility" xmlns:p14="http://schemas.microsoft.com/office/powerpoint/2010/main" xmlns:p15="http://schemas.microsoft.com/office/powerpoint/2012/main" xmlns:ahyp="http://schemas.microsoft.com/office/drawing/2018/hyperlinkcolor" matchingName="Main point">
+<p:sldLayout xmlns:a="http://schemas.openxmlformats.org/drawingml/2006/main" xmlns:r="http://schemas.openxmlformats.org/officeDocument/2006/relationships" xmlns:p="http://schemas.openxmlformats.org/presentationml/2006/main" matchingName="Main point">
   <p:cSld name="MAIN_POINT">
     <p:bg>
       <p:bgPr>
         <a:solidFill>
           <a:schemeClr val="accent1"/>
         </a:solidFill>
+        <a:effectLst/>
       </p:bgPr>
     </p:bg>
     <p:spTree>
       <p:nvGrpSpPr>
-        <p:cNvPr id="77" name="Shape 77"/>
+        <p:cNvPr id="1" name="Shape 77"/>
         <p:cNvGrpSpPr/>
         <p:nvPr/>
       </p:nvGrpSpPr>
@@ -7538,12 +7577,12 @@
           </a:ln>
         </p:spPr>
         <p:txBody>
-          <a:bodyPr anchorCtr="0" anchor="ctr" bIns="91425" lIns="91425" spcFirstLastPara="1" rIns="91425" wrap="square" tIns="91425">
+          <a:bodyPr spcFirstLastPara="1" wrap="square" lIns="91425" tIns="91425" rIns="91425" bIns="91425" anchor="ctr" anchorCtr="0">
             <a:noAutofit/>
           </a:bodyPr>
           <a:lstStyle/>
           <a:p>
-            <a:pPr indent="0" lvl="0" marL="0" rtl="0" algn="l">
+            <a:pPr marL="0" lvl="0" indent="0" algn="l" rtl="0">
               <a:spcBef>
                 <a:spcPts val="0"/>
               </a:spcBef>
@@ -7552,9 +7591,6 @@
               </a:spcAft>
               <a:buNone/>
             </a:pPr>
-            <a:r>
-              <a:t/>
-            </a:r>
             <a:endParaRPr/>
           </a:p>
         </p:txBody>
@@ -7581,12 +7617,12 @@
           </a:ln>
         </p:spPr>
         <p:txBody>
-          <a:bodyPr anchorCtr="0" anchor="ctr" bIns="91425" lIns="91425" spcFirstLastPara="1" rIns="91425" wrap="square" tIns="91425">
+          <a:bodyPr spcFirstLastPara="1" wrap="square" lIns="91425" tIns="91425" rIns="91425" bIns="91425" anchor="ctr" anchorCtr="0">
             <a:noAutofit/>
           </a:bodyPr>
           <a:lstStyle/>
           <a:p>
-            <a:pPr indent="0" lvl="0" marL="0" rtl="0" algn="l">
+            <a:pPr marL="0" lvl="0" indent="0" algn="l" rtl="0">
               <a:spcBef>
                 <a:spcPts val="0"/>
               </a:spcBef>
@@ -7595,9 +7631,6 @@
               </a:spcAft>
               <a:buNone/>
             </a:pPr>
-            <a:r>
-              <a:t/>
-            </a:r>
             <a:endParaRPr/>
           </a:p>
         </p:txBody>
@@ -7629,7 +7662,7 @@
             </a:xfrm>
             <a:prstGeom prst="parallelogram">
               <a:avLst>
-                <a:gd fmla="val 153193" name="adj"/>
+                <a:gd name="adj" fmla="val 153193"/>
               </a:avLst>
             </a:prstGeom>
             <a:solidFill>
@@ -7640,12 +7673,12 @@
             </a:ln>
           </p:spPr>
           <p:txBody>
-            <a:bodyPr anchorCtr="0" anchor="ctr" bIns="91425" lIns="91425" spcFirstLastPara="1" rIns="91425" wrap="square" tIns="91425">
+            <a:bodyPr spcFirstLastPara="1" wrap="square" lIns="91425" tIns="91425" rIns="91425" bIns="91425" anchor="ctr" anchorCtr="0">
               <a:noAutofit/>
             </a:bodyPr>
             <a:lstStyle/>
             <a:p>
-              <a:pPr indent="0" lvl="0" marL="0" rtl="0" algn="l">
+              <a:pPr marL="0" lvl="0" indent="0" algn="l" rtl="0">
                 <a:spcBef>
                   <a:spcPts val="0"/>
                 </a:spcBef>
@@ -7654,9 +7687,6 @@
                 </a:spcAft>
                 <a:buNone/>
               </a:pPr>
-              <a:r>
-                <a:t/>
-              </a:r>
               <a:endParaRPr/>
             </a:p>
           </p:txBody>
@@ -7674,7 +7704,7 @@
             </a:xfrm>
             <a:prstGeom prst="parallelogram">
               <a:avLst>
-                <a:gd fmla="val 153193" name="adj"/>
+                <a:gd name="adj" fmla="val 153193"/>
               </a:avLst>
             </a:prstGeom>
             <a:solidFill>
@@ -7685,12 +7715,12 @@
             </a:ln>
           </p:spPr>
           <p:txBody>
-            <a:bodyPr anchorCtr="0" anchor="ctr" bIns="91425" lIns="91425" spcFirstLastPara="1" rIns="91425" wrap="square" tIns="91425">
+            <a:bodyPr spcFirstLastPara="1" wrap="square" lIns="91425" tIns="91425" rIns="91425" bIns="91425" anchor="ctr" anchorCtr="0">
               <a:noAutofit/>
             </a:bodyPr>
             <a:lstStyle/>
             <a:p>
-              <a:pPr indent="0" lvl="0" marL="0" rtl="0" algn="l">
+              <a:pPr marL="0" lvl="0" indent="0" algn="l" rtl="0">
                 <a:spcBef>
                   <a:spcPts val="0"/>
                 </a:spcBef>
@@ -7699,9 +7729,6 @@
                 </a:spcAft>
                 <a:buNone/>
               </a:pPr>
-              <a:r>
-                <a:t/>
-              </a:r>
               <a:endParaRPr/>
             </a:p>
           </p:txBody>
@@ -7719,7 +7746,7 @@
             </a:xfrm>
             <a:prstGeom prst="parallelogram">
               <a:avLst>
-                <a:gd fmla="val 153193" name="adj"/>
+                <a:gd name="adj" fmla="val 153193"/>
               </a:avLst>
             </a:prstGeom>
             <a:solidFill>
@@ -7730,12 +7757,12 @@
             </a:ln>
           </p:spPr>
           <p:txBody>
-            <a:bodyPr anchorCtr="0" anchor="ctr" bIns="91425" lIns="91425" spcFirstLastPara="1" rIns="91425" wrap="square" tIns="91425">
+            <a:bodyPr spcFirstLastPara="1" wrap="square" lIns="91425" tIns="91425" rIns="91425" bIns="91425" anchor="ctr" anchorCtr="0">
               <a:noAutofit/>
             </a:bodyPr>
             <a:lstStyle/>
             <a:p>
-              <a:pPr indent="0" lvl="0" marL="0" rtl="0" algn="l">
+              <a:pPr marL="0" lvl="0" indent="0" algn="l" rtl="0">
                 <a:spcBef>
                   <a:spcPts val="0"/>
                 </a:spcBef>
@@ -7744,9 +7771,6 @@
                 </a:spcAft>
                 <a:buNone/>
               </a:pPr>
-              <a:r>
-                <a:t/>
-              </a:r>
               <a:endParaRPr/>
             </a:p>
           </p:txBody>
@@ -7773,7 +7797,7 @@
             <a:noFill/>
           </a:ln>
           <a:effectLst>
-            <a:outerShdw blurRad="228600" sx="101000" rotWithShape="0" algn="ctr" sy="101000">
+            <a:outerShdw blurRad="228600" sx="101000" sy="101000" algn="ctr" rotWithShape="0">
               <a:srgbClr val="000000">
                 <a:alpha val="40000"/>
               </a:srgbClr>
@@ -7781,12 +7805,12 @@
           </a:effectLst>
         </p:spPr>
         <p:txBody>
-          <a:bodyPr anchorCtr="0" anchor="ctr" bIns="91425" lIns="91425" spcFirstLastPara="1" rIns="91425" wrap="square" tIns="91425">
+          <a:bodyPr spcFirstLastPara="1" wrap="square" lIns="91425" tIns="91425" rIns="91425" bIns="91425" anchor="ctr" anchorCtr="0">
             <a:noAutofit/>
           </a:bodyPr>
           <a:lstStyle/>
           <a:p>
-            <a:pPr indent="0" lvl="0" marL="0" rtl="0" algn="l">
+            <a:pPr marL="0" lvl="0" indent="0" algn="l" rtl="0">
               <a:spcBef>
                 <a:spcPts val="0"/>
               </a:spcBef>
@@ -7795,9 +7819,6 @@
               </a:spcAft>
               <a:buNone/>
             </a:pPr>
-            <a:r>
-              <a:t/>
-            </a:r>
             <a:endParaRPr/>
           </a:p>
         </p:txBody>
@@ -7829,7 +7850,7 @@
             </a:xfrm>
             <a:prstGeom prst="parallelogram">
               <a:avLst>
-                <a:gd fmla="val 158024" name="adj"/>
+                <a:gd name="adj" fmla="val 158024"/>
               </a:avLst>
             </a:prstGeom>
             <a:solidFill>
@@ -7840,12 +7861,12 @@
             </a:ln>
           </p:spPr>
           <p:txBody>
-            <a:bodyPr anchorCtr="0" anchor="ctr" bIns="91425" lIns="91425" spcFirstLastPara="1" rIns="91425" wrap="square" tIns="91425">
+            <a:bodyPr spcFirstLastPara="1" wrap="square" lIns="91425" tIns="91425" rIns="91425" bIns="91425" anchor="ctr" anchorCtr="0">
               <a:noAutofit/>
             </a:bodyPr>
             <a:lstStyle/>
             <a:p>
-              <a:pPr indent="0" lvl="0" marL="0" rtl="0" algn="l">
+              <a:pPr marL="0" lvl="0" indent="0" algn="l" rtl="0">
                 <a:spcBef>
                   <a:spcPts val="0"/>
                 </a:spcBef>
@@ -7854,9 +7875,6 @@
                 </a:spcAft>
                 <a:buNone/>
               </a:pPr>
-              <a:r>
-                <a:t/>
-              </a:r>
               <a:endParaRPr/>
             </a:p>
           </p:txBody>
@@ -7874,7 +7892,7 @@
             </a:xfrm>
             <a:prstGeom prst="parallelogram">
               <a:avLst>
-                <a:gd fmla="val 158024" name="adj"/>
+                <a:gd name="adj" fmla="val 158024"/>
               </a:avLst>
             </a:prstGeom>
             <a:solidFill>
@@ -7885,12 +7903,12 @@
             </a:ln>
           </p:spPr>
           <p:txBody>
-            <a:bodyPr anchorCtr="0" anchor="ctr" bIns="91425" lIns="91425" spcFirstLastPara="1" rIns="91425" wrap="square" tIns="91425">
+            <a:bodyPr spcFirstLastPara="1" wrap="square" lIns="91425" tIns="91425" rIns="91425" bIns="91425" anchor="ctr" anchorCtr="0">
               <a:noAutofit/>
             </a:bodyPr>
             <a:lstStyle/>
             <a:p>
-              <a:pPr indent="0" lvl="0" marL="0" rtl="0" algn="l">
+              <a:pPr marL="0" lvl="0" indent="0" algn="l" rtl="0">
                 <a:spcBef>
                   <a:spcPts val="0"/>
                 </a:spcBef>
@@ -7899,9 +7917,6 @@
                 </a:spcAft>
                 <a:buNone/>
               </a:pPr>
-              <a:r>
-                <a:t/>
-              </a:r>
               <a:endParaRPr/>
             </a:p>
           </p:txBody>
@@ -7919,7 +7934,7 @@
             </a:xfrm>
             <a:prstGeom prst="parallelogram">
               <a:avLst>
-                <a:gd fmla="val 158024" name="adj"/>
+                <a:gd name="adj" fmla="val 158024"/>
               </a:avLst>
             </a:prstGeom>
             <a:solidFill>
@@ -7930,12 +7945,12 @@
             </a:ln>
           </p:spPr>
           <p:txBody>
-            <a:bodyPr anchorCtr="0" anchor="ctr" bIns="91425" lIns="91425" spcFirstLastPara="1" rIns="91425" wrap="square" tIns="91425">
+            <a:bodyPr spcFirstLastPara="1" wrap="square" lIns="91425" tIns="91425" rIns="91425" bIns="91425" anchor="ctr" anchorCtr="0">
               <a:noAutofit/>
             </a:bodyPr>
             <a:lstStyle/>
             <a:p>
-              <a:pPr indent="0" lvl="0" marL="0" rtl="0" algn="l">
+              <a:pPr marL="0" lvl="0" indent="0" algn="l" rtl="0">
                 <a:spcBef>
                   <a:spcPts val="0"/>
                 </a:spcBef>
@@ -7944,9 +7959,6 @@
                 </a:spcAft>
                 <a:buNone/>
               </a:pPr>
-              <a:r>
-                <a:t/>
-              </a:r>
               <a:endParaRPr/>
             </a:p>
           </p:txBody>
@@ -7979,7 +7991,7 @@
             </a:xfrm>
             <a:prstGeom prst="parallelogram">
               <a:avLst>
-                <a:gd fmla="val 158024" name="adj"/>
+                <a:gd name="adj" fmla="val 158024"/>
               </a:avLst>
             </a:prstGeom>
             <a:solidFill>
@@ -7990,12 +8002,12 @@
             </a:ln>
           </p:spPr>
           <p:txBody>
-            <a:bodyPr anchorCtr="0" anchor="ctr" bIns="91425" lIns="91425" spcFirstLastPara="1" rIns="91425" wrap="square" tIns="91425">
+            <a:bodyPr spcFirstLastPara="1" wrap="square" lIns="91425" tIns="91425" rIns="91425" bIns="91425" anchor="ctr" anchorCtr="0">
               <a:noAutofit/>
             </a:bodyPr>
             <a:lstStyle/>
             <a:p>
-              <a:pPr indent="0" lvl="0" marL="0" rtl="0" algn="l">
+              <a:pPr marL="0" lvl="0" indent="0" algn="l" rtl="0">
                 <a:spcBef>
                   <a:spcPts val="0"/>
                 </a:spcBef>
@@ -8004,9 +8016,6 @@
                 </a:spcAft>
                 <a:buNone/>
               </a:pPr>
-              <a:r>
-                <a:t/>
-              </a:r>
               <a:endParaRPr/>
             </a:p>
           </p:txBody>
@@ -8024,7 +8033,7 @@
             </a:xfrm>
             <a:prstGeom prst="parallelogram">
               <a:avLst>
-                <a:gd fmla="val 158024" name="adj"/>
+                <a:gd name="adj" fmla="val 158024"/>
               </a:avLst>
             </a:prstGeom>
             <a:solidFill>
@@ -8035,12 +8044,12 @@
             </a:ln>
           </p:spPr>
           <p:txBody>
-            <a:bodyPr anchorCtr="0" anchor="ctr" bIns="91425" lIns="91425" spcFirstLastPara="1" rIns="91425" wrap="square" tIns="91425">
+            <a:bodyPr spcFirstLastPara="1" wrap="square" lIns="91425" tIns="91425" rIns="91425" bIns="91425" anchor="ctr" anchorCtr="0">
               <a:noAutofit/>
             </a:bodyPr>
             <a:lstStyle/>
             <a:p>
-              <a:pPr indent="0" lvl="0" marL="0" rtl="0" algn="l">
+              <a:pPr marL="0" lvl="0" indent="0" algn="l" rtl="0">
                 <a:spcBef>
                   <a:spcPts val="0"/>
                 </a:spcBef>
@@ -8049,9 +8058,6 @@
                 </a:spcAft>
                 <a:buNone/>
               </a:pPr>
-              <a:r>
-                <a:t/>
-              </a:r>
               <a:endParaRPr/>
             </a:p>
           </p:txBody>
@@ -8069,7 +8075,7 @@
             </a:xfrm>
             <a:prstGeom prst="parallelogram">
               <a:avLst>
-                <a:gd fmla="val 158024" name="adj"/>
+                <a:gd name="adj" fmla="val 158024"/>
               </a:avLst>
             </a:prstGeom>
             <a:solidFill>
@@ -8080,12 +8086,12 @@
             </a:ln>
           </p:spPr>
           <p:txBody>
-            <a:bodyPr anchorCtr="0" anchor="ctr" bIns="91425" lIns="91425" spcFirstLastPara="1" rIns="91425" wrap="square" tIns="91425">
+            <a:bodyPr spcFirstLastPara="1" wrap="square" lIns="91425" tIns="91425" rIns="91425" bIns="91425" anchor="ctr" anchorCtr="0">
               <a:noAutofit/>
             </a:bodyPr>
             <a:lstStyle/>
             <a:p>
-              <a:pPr indent="0" lvl="0" marL="0" rtl="0" algn="l">
+              <a:pPr marL="0" lvl="0" indent="0" algn="l" rtl="0">
                 <a:spcBef>
                   <a:spcPts val="0"/>
                 </a:spcBef>
@@ -8094,9 +8100,6 @@
                 </a:spcAft>
                 <a:buNone/>
               </a:pPr>
-              <a:r>
-                <a:t/>
-              </a:r>
               <a:endParaRPr/>
             </a:p>
           </p:txBody>
@@ -8105,7 +8108,9 @@
       <p:sp>
         <p:nvSpPr>
           <p:cNvPr id="93" name="Google Shape;93;p8"/>
-          <p:cNvSpPr txBox="1"/>
+          <p:cNvSpPr txBox="1">
+            <a:spLocks noGrp="1"/>
+          </p:cNvSpPr>
           <p:nvPr>
             <p:ph type="title"/>
           </p:nvPr>
@@ -8120,7 +8125,7 @@
           </a:prstGeom>
         </p:spPr>
         <p:txBody>
-          <a:bodyPr anchorCtr="0" anchor="ctr" bIns="91425" lIns="91425" spcFirstLastPara="1" rIns="91425" wrap="square" tIns="91425">
+          <a:bodyPr spcFirstLastPara="1" wrap="square" lIns="91425" tIns="91425" rIns="91425" bIns="91425" anchor="ctr" anchorCtr="0">
             <a:normAutofit/>
           </a:bodyPr>
           <a:lstStyle>
@@ -8224,15 +8229,19 @@
               <a:defRPr sz="3200"/>
             </a:lvl9pPr>
           </a:lstStyle>
-          <a:p/>
+          <a:p>
+            <a:endParaRPr/>
+          </a:p>
         </p:txBody>
       </p:sp>
       <p:sp>
         <p:nvSpPr>
           <p:cNvPr id="94" name="Google Shape;94;p8"/>
-          <p:cNvSpPr txBox="1"/>
+          <p:cNvSpPr txBox="1">
+            <a:spLocks noGrp="1"/>
+          </p:cNvSpPr>
           <p:nvPr>
-            <p:ph idx="12" type="sldNum"/>
+            <p:ph type="sldNum" idx="12"/>
           </p:nvPr>
         </p:nvSpPr>
         <p:spPr>
@@ -8245,7 +8254,7 @@
           </a:prstGeom>
         </p:spPr>
         <p:txBody>
-          <a:bodyPr anchorCtr="0" anchor="ctr" bIns="91425" lIns="91425" spcFirstLastPara="1" rIns="91425" wrap="square" tIns="91425">
+          <a:bodyPr spcFirstLastPara="1" wrap="square" lIns="91425" tIns="91425" rIns="91425" bIns="91425" anchor="ctr" anchorCtr="0">
             <a:normAutofit/>
           </a:bodyPr>
           <a:lstStyle>
@@ -8287,7 +8296,7 @@
             </a:lvl9pPr>
           </a:lstStyle>
           <a:p>
-            <a:pPr indent="0" lvl="0" marL="0" rtl="0" algn="r">
+            <a:pPr marL="0" lvl="0" indent="0" algn="r" rtl="0">
               <a:spcBef>
                 <a:spcPts val="0"/>
               </a:spcBef>
@@ -8313,18 +8322,19 @@
 </file>
 
 <file path=ppt/slideLayouts/slideLayout8.xml><?xml version="1.0" encoding="utf-8"?>
-<p:sldLayout xmlns:a="http://schemas.openxmlformats.org/drawingml/2006/main" xmlns:r="http://schemas.openxmlformats.org/officeDocument/2006/relationships" xmlns:mc="http://schemas.openxmlformats.org/markup-compatibility/2006" xmlns:mv="urn:schemas-microsoft-com:mac:vml" xmlns:p="http://schemas.openxmlformats.org/presentationml/2006/main" xmlns:c="http://schemas.openxmlformats.org/drawingml/2006/chart" xmlns:dgm="http://schemas.openxmlformats.org/drawingml/2006/diagram" xmlns:o="urn:schemas-microsoft-com:office:office" xmlns:v="urn:schemas-microsoft-com:vml" xmlns:pvml="urn:schemas-microsoft-com:office:powerpoint" xmlns:com="http://schemas.openxmlformats.org/drawingml/2006/compatibility" xmlns:p14="http://schemas.microsoft.com/office/powerpoint/2010/main" xmlns:p15="http://schemas.microsoft.com/office/powerpoint/2012/main" xmlns:ahyp="http://schemas.microsoft.com/office/drawing/2018/hyperlinkcolor" matchingName="Section title and description">
+<p:sldLayout xmlns:a="http://schemas.openxmlformats.org/drawingml/2006/main" xmlns:r="http://schemas.openxmlformats.org/officeDocument/2006/relationships" xmlns:p="http://schemas.openxmlformats.org/presentationml/2006/main" matchingName="Section title and description">
   <p:cSld name="SECTION_TITLE_AND_DESCRIPTION">
     <p:bg>
       <p:bgPr>
         <a:solidFill>
           <a:schemeClr val="dk2"/>
         </a:solidFill>
+        <a:effectLst/>
       </p:bgPr>
     </p:bg>
     <p:spTree>
       <p:nvGrpSpPr>
-        <p:cNvPr id="95" name="Shape 95"/>
+        <p:cNvPr id="1" name="Shape 95"/>
         <p:cNvGrpSpPr/>
         <p:nvPr/>
       </p:nvGrpSpPr>
@@ -8358,12 +8368,12 @@
           </a:ln>
         </p:spPr>
         <p:txBody>
-          <a:bodyPr anchorCtr="0" anchor="ctr" bIns="91425" lIns="91425" spcFirstLastPara="1" rIns="91425" wrap="square" tIns="91425">
+          <a:bodyPr spcFirstLastPara="1" wrap="square" lIns="91425" tIns="91425" rIns="91425" bIns="91425" anchor="ctr" anchorCtr="0">
             <a:noAutofit/>
           </a:bodyPr>
           <a:lstStyle/>
           <a:p>
-            <a:pPr indent="0" lvl="0" marL="0" rtl="0" algn="l">
+            <a:pPr marL="0" lvl="0" indent="0" algn="l" rtl="0">
               <a:spcBef>
                 <a:spcPts val="0"/>
               </a:spcBef>
@@ -8372,9 +8382,6 @@
               </a:spcAft>
               <a:buNone/>
             </a:pPr>
-            <a:r>
-              <a:t/>
-            </a:r>
             <a:endParaRPr/>
           </a:p>
         </p:txBody>
@@ -8401,12 +8408,12 @@
           </a:ln>
         </p:spPr>
         <p:txBody>
-          <a:bodyPr anchorCtr="0" anchor="ctr" bIns="91425" lIns="91425" spcFirstLastPara="1" rIns="91425" wrap="square" tIns="91425">
+          <a:bodyPr spcFirstLastPara="1" wrap="square" lIns="91425" tIns="91425" rIns="91425" bIns="91425" anchor="ctr" anchorCtr="0">
             <a:noAutofit/>
           </a:bodyPr>
           <a:lstStyle/>
           <a:p>
-            <a:pPr indent="0" lvl="0" marL="0" rtl="0" algn="l">
+            <a:pPr marL="0" lvl="0" indent="0" algn="l" rtl="0">
               <a:spcBef>
                 <a:spcPts val="0"/>
               </a:spcBef>
@@ -8415,9 +8422,6 @@
               </a:spcAft>
               <a:buNone/>
             </a:pPr>
-            <a:r>
-              <a:t/>
-            </a:r>
             <a:endParaRPr/>
           </a:p>
         </p:txBody>
@@ -8443,7 +8447,7 @@
             <a:noFill/>
           </a:ln>
           <a:effectLst>
-            <a:outerShdw blurRad="228600" sx="101000" rotWithShape="0" algn="ctr" sy="101000">
+            <a:outerShdw blurRad="228600" sx="101000" sy="101000" algn="ctr" rotWithShape="0">
               <a:srgbClr val="000000">
                 <a:alpha val="40000"/>
               </a:srgbClr>
@@ -8451,12 +8455,12 @@
           </a:effectLst>
         </p:spPr>
         <p:txBody>
-          <a:bodyPr anchorCtr="0" anchor="ctr" bIns="91425" lIns="91425" spcFirstLastPara="1" rIns="91425" wrap="square" tIns="91425">
+          <a:bodyPr spcFirstLastPara="1" wrap="square" lIns="91425" tIns="91425" rIns="91425" bIns="91425" anchor="ctr" anchorCtr="0">
             <a:noAutofit/>
           </a:bodyPr>
           <a:lstStyle/>
           <a:p>
-            <a:pPr indent="0" lvl="0" marL="0" rtl="0" algn="l">
+            <a:pPr marL="0" lvl="0" indent="0" algn="l" rtl="0">
               <a:spcBef>
                 <a:spcPts val="0"/>
               </a:spcBef>
@@ -8465,9 +8469,6 @@
               </a:spcAft>
               <a:buNone/>
             </a:pPr>
-            <a:r>
-              <a:t/>
-            </a:r>
             <a:endParaRPr/>
           </a:p>
         </p:txBody>
@@ -8475,7 +8476,9 @@
       <p:sp>
         <p:nvSpPr>
           <p:cNvPr id="99" name="Google Shape;99;p9"/>
-          <p:cNvSpPr txBox="1"/>
+          <p:cNvSpPr txBox="1">
+            <a:spLocks noGrp="1"/>
+          </p:cNvSpPr>
           <p:nvPr>
             <p:ph type="title"/>
           </p:nvPr>
@@ -8490,7 +8493,7 @@
           </a:prstGeom>
         </p:spPr>
         <p:txBody>
-          <a:bodyPr anchorCtr="0" anchor="t" bIns="91425" lIns="91425" spcFirstLastPara="1" rIns="91425" wrap="square" tIns="91425">
+          <a:bodyPr spcFirstLastPara="1" wrap="square" lIns="91425" tIns="91425" rIns="91425" bIns="91425" anchor="t" anchorCtr="0">
             <a:normAutofit/>
           </a:bodyPr>
           <a:lstStyle>
@@ -8594,15 +8597,19 @@
               <a:defRPr sz="3000"/>
             </a:lvl9pPr>
           </a:lstStyle>
-          <a:p/>
+          <a:p>
+            <a:endParaRPr/>
+          </a:p>
         </p:txBody>
       </p:sp>
       <p:sp>
         <p:nvSpPr>
           <p:cNvPr id="100" name="Google Shape;100;p9"/>
-          <p:cNvSpPr txBox="1"/>
+          <p:cNvSpPr txBox="1">
+            <a:spLocks noGrp="1"/>
+          </p:cNvSpPr>
           <p:nvPr>
-            <p:ph idx="1" type="subTitle"/>
+            <p:ph type="subTitle" idx="1"/>
           </p:nvPr>
         </p:nvSpPr>
         <p:spPr>
@@ -8615,7 +8622,7 @@
           </a:prstGeom>
         </p:spPr>
         <p:txBody>
-          <a:bodyPr anchorCtr="0" anchor="t" bIns="91425" lIns="91425" spcFirstLastPara="1" rIns="91425" wrap="square" tIns="91425">
+          <a:bodyPr spcFirstLastPara="1" wrap="square" lIns="91425" tIns="91425" rIns="91425" bIns="91425" anchor="t" anchorCtr="0">
             <a:normAutofit/>
           </a:bodyPr>
           <a:lstStyle>
@@ -8809,15 +8816,19 @@
               </a:defRPr>
             </a:lvl9pPr>
           </a:lstStyle>
-          <a:p/>
+          <a:p>
+            <a:endParaRPr/>
+          </a:p>
         </p:txBody>
       </p:sp>
       <p:sp>
         <p:nvSpPr>
           <p:cNvPr id="101" name="Google Shape;101;p9"/>
-          <p:cNvSpPr txBox="1"/>
+          <p:cNvSpPr txBox="1">
+            <a:spLocks noGrp="1"/>
+          </p:cNvSpPr>
           <p:nvPr>
-            <p:ph idx="2" type="body"/>
+            <p:ph type="body" idx="2"/>
           </p:nvPr>
         </p:nvSpPr>
         <p:spPr>
@@ -8830,11 +8841,11 @@
           </a:prstGeom>
         </p:spPr>
         <p:txBody>
-          <a:bodyPr anchorCtr="0" anchor="t" bIns="91425" lIns="91425" spcFirstLastPara="1" rIns="91425" wrap="square" tIns="91425">
+          <a:bodyPr spcFirstLastPara="1" wrap="square" lIns="91425" tIns="91425" rIns="91425" bIns="91425" anchor="t" anchorCtr="0">
             <a:normAutofit/>
           </a:bodyPr>
           <a:lstStyle>
-            <a:lvl1pPr indent="-311150" lvl="0" marL="457200">
+            <a:lvl1pPr marL="457200" lvl="0" indent="-311150">
               <a:spcBef>
                 <a:spcPts val="0"/>
               </a:spcBef>
@@ -8845,7 +8856,7 @@
               <a:buChar char="●"/>
               <a:defRPr/>
             </a:lvl1pPr>
-            <a:lvl2pPr indent="-298450" lvl="1" marL="914400">
+            <a:lvl2pPr marL="914400" lvl="1" indent="-298450">
               <a:spcBef>
                 <a:spcPts val="0"/>
               </a:spcBef>
@@ -8856,7 +8867,7 @@
               <a:buChar char="○"/>
               <a:defRPr/>
             </a:lvl2pPr>
-            <a:lvl3pPr indent="-298450" lvl="2" marL="1371600">
+            <a:lvl3pPr marL="1371600" lvl="2" indent="-298450">
               <a:spcBef>
                 <a:spcPts val="0"/>
               </a:spcBef>
@@ -8867,7 +8878,7 @@
               <a:buChar char="■"/>
               <a:defRPr/>
             </a:lvl3pPr>
-            <a:lvl4pPr indent="-298450" lvl="3" marL="1828800">
+            <a:lvl4pPr marL="1828800" lvl="3" indent="-298450">
               <a:spcBef>
                 <a:spcPts val="0"/>
               </a:spcBef>
@@ -8878,7 +8889,7 @@
               <a:buChar char="●"/>
               <a:defRPr/>
             </a:lvl4pPr>
-            <a:lvl5pPr indent="-298450" lvl="4" marL="2286000">
+            <a:lvl5pPr marL="2286000" lvl="4" indent="-298450">
               <a:spcBef>
                 <a:spcPts val="0"/>
               </a:spcBef>
@@ -8889,7 +8900,7 @@
               <a:buChar char="○"/>
               <a:defRPr/>
             </a:lvl5pPr>
-            <a:lvl6pPr indent="-298450" lvl="5" marL="2743200">
+            <a:lvl6pPr marL="2743200" lvl="5" indent="-298450">
               <a:spcBef>
                 <a:spcPts val="0"/>
               </a:spcBef>
@@ -8900,7 +8911,7 @@
               <a:buChar char="■"/>
               <a:defRPr/>
             </a:lvl6pPr>
-            <a:lvl7pPr indent="-298450" lvl="6" marL="3200400">
+            <a:lvl7pPr marL="3200400" lvl="6" indent="-298450">
               <a:spcBef>
                 <a:spcPts val="0"/>
               </a:spcBef>
@@ -8911,7 +8922,7 @@
               <a:buChar char="●"/>
               <a:defRPr/>
             </a:lvl7pPr>
-            <a:lvl8pPr indent="-298450" lvl="7" marL="3657600">
+            <a:lvl8pPr marL="3657600" lvl="7" indent="-298450">
               <a:spcBef>
                 <a:spcPts val="0"/>
               </a:spcBef>
@@ -8922,7 +8933,7 @@
               <a:buChar char="○"/>
               <a:defRPr/>
             </a:lvl8pPr>
-            <a:lvl9pPr indent="-298450" lvl="8" marL="4114800">
+            <a:lvl9pPr marL="4114800" lvl="8" indent="-298450">
               <a:spcBef>
                 <a:spcPts val="0"/>
               </a:spcBef>
@@ -8934,15 +8945,19 @@
               <a:defRPr/>
             </a:lvl9pPr>
           </a:lstStyle>
-          <a:p/>
+          <a:p>
+            <a:endParaRPr/>
+          </a:p>
         </p:txBody>
       </p:sp>
       <p:sp>
         <p:nvSpPr>
           <p:cNvPr id="102" name="Google Shape;102;p9"/>
-          <p:cNvSpPr txBox="1"/>
+          <p:cNvSpPr txBox="1">
+            <a:spLocks noGrp="1"/>
+          </p:cNvSpPr>
           <p:nvPr>
-            <p:ph idx="12" type="sldNum"/>
+            <p:ph type="sldNum" idx="12"/>
           </p:nvPr>
         </p:nvSpPr>
         <p:spPr>
@@ -8955,7 +8970,7 @@
           </a:prstGeom>
         </p:spPr>
         <p:txBody>
-          <a:bodyPr anchorCtr="0" anchor="ctr" bIns="91425" lIns="91425" spcFirstLastPara="1" rIns="91425" wrap="square" tIns="91425">
+          <a:bodyPr spcFirstLastPara="1" wrap="square" lIns="91425" tIns="91425" rIns="91425" bIns="91425" anchor="ctr" anchorCtr="0">
             <a:normAutofit/>
           </a:bodyPr>
           <a:lstStyle>
@@ -8997,7 +9012,7 @@
             </a:lvl9pPr>
           </a:lstStyle>
           <a:p>
-            <a:pPr indent="0" lvl="0" marL="0" rtl="0" algn="r">
+            <a:pPr marL="0" lvl="0" indent="0" algn="r" rtl="0">
               <a:spcBef>
                 <a:spcPts val="0"/>
               </a:spcBef>
@@ -9023,18 +9038,19 @@
 </file>
 
 <file path=ppt/slideLayouts/slideLayout9.xml><?xml version="1.0" encoding="utf-8"?>
-<p:sldLayout xmlns:a="http://schemas.openxmlformats.org/drawingml/2006/main" xmlns:r="http://schemas.openxmlformats.org/officeDocument/2006/relationships" xmlns:mc="http://schemas.openxmlformats.org/markup-compatibility/2006" xmlns:mv="urn:schemas-microsoft-com:mac:vml" xmlns:p="http://schemas.openxmlformats.org/presentationml/2006/main" xmlns:c="http://schemas.openxmlformats.org/drawingml/2006/chart" xmlns:dgm="http://schemas.openxmlformats.org/drawingml/2006/diagram" xmlns:o="urn:schemas-microsoft-com:office:office" xmlns:v="urn:schemas-microsoft-com:vml" xmlns:pvml="urn:schemas-microsoft-com:office:powerpoint" xmlns:com="http://schemas.openxmlformats.org/drawingml/2006/compatibility" xmlns:p14="http://schemas.microsoft.com/office/powerpoint/2010/main" xmlns:p15="http://schemas.microsoft.com/office/powerpoint/2012/main" xmlns:ahyp="http://schemas.microsoft.com/office/drawing/2018/hyperlinkcolor" matchingName="Caption">
+<p:sldLayout xmlns:a="http://schemas.openxmlformats.org/drawingml/2006/main" xmlns:r="http://schemas.openxmlformats.org/officeDocument/2006/relationships" xmlns:p="http://schemas.openxmlformats.org/presentationml/2006/main" matchingName="Caption">
   <p:cSld name="CAPTION_ONLY">
     <p:bg>
       <p:bgPr>
         <a:solidFill>
           <a:schemeClr val="accent1"/>
         </a:solidFill>
+        <a:effectLst/>
       </p:bgPr>
     </p:bg>
     <p:spTree>
       <p:nvGrpSpPr>
-        <p:cNvPr id="103" name="Shape 103"/>
+        <p:cNvPr id="1" name="Shape 103"/>
         <p:cNvGrpSpPr/>
         <p:nvPr/>
       </p:nvGrpSpPr>
@@ -9068,12 +9084,12 @@
           </a:ln>
         </p:spPr>
         <p:txBody>
-          <a:bodyPr anchorCtr="0" anchor="ctr" bIns="91425" lIns="91425" spcFirstLastPara="1" rIns="91425" wrap="square" tIns="91425">
+          <a:bodyPr spcFirstLastPara="1" wrap="square" lIns="91425" tIns="91425" rIns="91425" bIns="91425" anchor="ctr" anchorCtr="0">
             <a:noAutofit/>
           </a:bodyPr>
           <a:lstStyle/>
           <a:p>
-            <a:pPr indent="0" lvl="0" marL="0" rtl="0" algn="l">
+            <a:pPr marL="0" lvl="0" indent="0" algn="l" rtl="0">
               <a:spcBef>
                 <a:spcPts val="0"/>
               </a:spcBef>
@@ -9082,9 +9098,6 @@
               </a:spcAft>
               <a:buNone/>
             </a:pPr>
-            <a:r>
-              <a:t/>
-            </a:r>
             <a:endParaRPr/>
           </a:p>
         </p:txBody>
@@ -9111,12 +9124,12 @@
           </a:ln>
         </p:spPr>
         <p:txBody>
-          <a:bodyPr anchorCtr="0" anchor="ctr" bIns="91425" lIns="91425" spcFirstLastPara="1" rIns="91425" wrap="square" tIns="91425">
+          <a:bodyPr spcFirstLastPara="1" wrap="square" lIns="91425" tIns="91425" rIns="91425" bIns="91425" anchor="ctr" anchorCtr="0">
             <a:noAutofit/>
           </a:bodyPr>
           <a:lstStyle/>
           <a:p>
-            <a:pPr indent="0" lvl="0" marL="0" rtl="0" algn="l">
+            <a:pPr marL="0" lvl="0" indent="0" algn="l" rtl="0">
               <a:spcBef>
                 <a:spcPts val="0"/>
               </a:spcBef>
@@ -9125,9 +9138,6 @@
               </a:spcAft>
               <a:buNone/>
             </a:pPr>
-            <a:r>
-              <a:t/>
-            </a:r>
             <a:endParaRPr/>
           </a:p>
         </p:txBody>
@@ -9153,7 +9163,7 @@
             <a:noFill/>
           </a:ln>
           <a:effectLst>
-            <a:outerShdw blurRad="228600" sx="101000" rotWithShape="0" algn="ctr" sy="101000">
+            <a:outerShdw blurRad="228600" sx="101000" sy="101000" algn="ctr" rotWithShape="0">
               <a:srgbClr val="000000">
                 <a:alpha val="40000"/>
               </a:srgbClr>
@@ -9161,12 +9171,12 @@
           </a:effectLst>
         </p:spPr>
         <p:txBody>
-          <a:bodyPr anchorCtr="0" anchor="ctr" bIns="91425" lIns="91425" spcFirstLastPara="1" rIns="91425" wrap="square" tIns="91425">
+          <a:bodyPr spcFirstLastPara="1" wrap="square" lIns="91425" tIns="91425" rIns="91425" bIns="91425" anchor="ctr" anchorCtr="0">
             <a:noAutofit/>
           </a:bodyPr>
           <a:lstStyle/>
           <a:p>
-            <a:pPr indent="0" lvl="0" marL="0" rtl="0" algn="l">
+            <a:pPr marL="0" lvl="0" indent="0" algn="l" rtl="0">
               <a:spcBef>
                 <a:spcPts val="0"/>
               </a:spcBef>
@@ -9175,9 +9185,6 @@
               </a:spcAft>
               <a:buNone/>
             </a:pPr>
-            <a:r>
-              <a:t/>
-            </a:r>
             <a:endParaRPr/>
           </a:p>
         </p:txBody>
@@ -9185,9 +9192,11 @@
       <p:sp>
         <p:nvSpPr>
           <p:cNvPr id="107" name="Google Shape;107;p10"/>
-          <p:cNvSpPr txBox="1"/>
+          <p:cNvSpPr txBox="1">
+            <a:spLocks noGrp="1"/>
+          </p:cNvSpPr>
           <p:nvPr>
-            <p:ph idx="1" type="body"/>
+            <p:ph type="body" idx="1"/>
           </p:nvPr>
         </p:nvSpPr>
         <p:spPr>
@@ -9200,11 +9209,11 @@
           </a:prstGeom>
         </p:spPr>
         <p:txBody>
-          <a:bodyPr anchorCtr="0" anchor="b" bIns="91425" lIns="91425" spcFirstLastPara="1" rIns="91425" wrap="square" tIns="91425">
+          <a:bodyPr spcFirstLastPara="1" wrap="square" lIns="91425" tIns="91425" rIns="91425" bIns="91425" anchor="b" anchorCtr="0">
             <a:normAutofit/>
           </a:bodyPr>
           <a:lstStyle>
-            <a:lvl1pPr indent="-228600" lvl="0" marL="457200">
+            <a:lvl1pPr marL="457200" lvl="0" indent="-228600">
               <a:lnSpc>
                 <a:spcPct val="100000"/>
               </a:lnSpc>
@@ -9219,15 +9228,19 @@
               <a:defRPr/>
             </a:lvl1pPr>
           </a:lstStyle>
-          <a:p/>
+          <a:p>
+            <a:endParaRPr/>
+          </a:p>
         </p:txBody>
       </p:sp>
       <p:sp>
         <p:nvSpPr>
           <p:cNvPr id="108" name="Google Shape;108;p10"/>
-          <p:cNvSpPr txBox="1"/>
+          <p:cNvSpPr txBox="1">
+            <a:spLocks noGrp="1"/>
+          </p:cNvSpPr>
           <p:nvPr>
-            <p:ph idx="12" type="sldNum"/>
+            <p:ph type="sldNum" idx="12"/>
           </p:nvPr>
         </p:nvSpPr>
         <p:spPr>
@@ -9240,7 +9253,7 @@
           </a:prstGeom>
         </p:spPr>
         <p:txBody>
-          <a:bodyPr anchorCtr="0" anchor="ctr" bIns="91425" lIns="91425" spcFirstLastPara="1" rIns="91425" wrap="square" tIns="91425">
+          <a:bodyPr spcFirstLastPara="1" wrap="square" lIns="91425" tIns="91425" rIns="91425" bIns="91425" anchor="ctr" anchorCtr="0">
             <a:normAutofit/>
           </a:bodyPr>
           <a:lstStyle>
@@ -9282,7 +9295,7 @@
             </a:lvl9pPr>
           </a:lstStyle>
           <a:p>
-            <a:pPr indent="0" lvl="0" marL="0" rtl="0" algn="r">
+            <a:pPr marL="0" lvl="0" indent="0" algn="r" rtl="0">
               <a:spcBef>
                 <a:spcPts val="0"/>
               </a:spcBef>
@@ -9308,18 +9321,19 @@
 </file>
 
 <file path=ppt/slideMasters/slideMaster1.xml><?xml version="1.0" encoding="utf-8"?>
-<p:sldMaster xmlns:a="http://schemas.openxmlformats.org/drawingml/2006/main" xmlns:r="http://schemas.openxmlformats.org/officeDocument/2006/relationships" xmlns:mc="http://schemas.openxmlformats.org/markup-compatibility/2006" xmlns:mv="urn:schemas-microsoft-com:mac:vml" xmlns:p="http://schemas.openxmlformats.org/presentationml/2006/main" xmlns:c="http://schemas.openxmlformats.org/drawingml/2006/chart" xmlns:dgm="http://schemas.openxmlformats.org/drawingml/2006/diagram" xmlns:o="urn:schemas-microsoft-com:office:office" xmlns:v="urn:schemas-microsoft-com:vml" xmlns:pvml="urn:schemas-microsoft-com:office:powerpoint" xmlns:com="http://schemas.openxmlformats.org/drawingml/2006/compatibility" xmlns:p14="http://schemas.microsoft.com/office/powerpoint/2010/main" xmlns:p15="http://schemas.microsoft.com/office/powerpoint/2012/main" xmlns:ahyp="http://schemas.microsoft.com/office/drawing/2018/hyperlinkcolor">
+<p:sldMaster xmlns:a="http://schemas.openxmlformats.org/drawingml/2006/main" xmlns:r="http://schemas.openxmlformats.org/officeDocument/2006/relationships" xmlns:p="http://schemas.openxmlformats.org/presentationml/2006/main">
   <p:cSld name="shift">
     <p:bg>
       <p:bgPr>
         <a:solidFill>
           <a:schemeClr val="dk1"/>
         </a:solidFill>
+        <a:effectLst/>
       </p:bgPr>
     </p:bg>
     <p:spTree>
       <p:nvGrpSpPr>
-        <p:cNvPr id="5" name="Shape 5"/>
+        <p:cNvPr id="1" name="Shape 5"/>
         <p:cNvGrpSpPr/>
         <p:nvPr/>
       </p:nvGrpSpPr>
@@ -9334,7 +9348,9 @@
       <p:sp>
         <p:nvSpPr>
           <p:cNvPr id="6" name="Google Shape;6;p1"/>
-          <p:cNvSpPr txBox="1"/>
+          <p:cNvSpPr txBox="1">
+            <a:spLocks noGrp="1"/>
+          </p:cNvSpPr>
           <p:nvPr>
             <p:ph type="title"/>
           </p:nvPr>
@@ -9353,7 +9369,7 @@
           </a:ln>
         </p:spPr>
         <p:txBody>
-          <a:bodyPr anchorCtr="0" anchor="t" bIns="91425" lIns="91425" spcFirstLastPara="1" rIns="91425" wrap="square" tIns="91425">
+          <a:bodyPr spcFirstLastPara="1" wrap="square" lIns="91425" tIns="91425" rIns="91425" bIns="91425" anchor="t" anchorCtr="0">
             <a:normAutofit/>
           </a:bodyPr>
           <a:lstStyle>
@@ -9565,15 +9581,19 @@
               </a:defRPr>
             </a:lvl9pPr>
           </a:lstStyle>
-          <a:p/>
+          <a:p>
+            <a:endParaRPr/>
+          </a:p>
         </p:txBody>
       </p:sp>
       <p:sp>
         <p:nvSpPr>
           <p:cNvPr id="7" name="Google Shape;7;p1"/>
-          <p:cNvSpPr txBox="1"/>
+          <p:cNvSpPr txBox="1">
+            <a:spLocks noGrp="1"/>
+          </p:cNvSpPr>
           <p:nvPr>
-            <p:ph idx="1" type="body"/>
+            <p:ph type="body" idx="1"/>
           </p:nvPr>
         </p:nvSpPr>
         <p:spPr>
@@ -9590,11 +9610,11 @@
           </a:ln>
         </p:spPr>
         <p:txBody>
-          <a:bodyPr anchorCtr="0" anchor="t" bIns="91425" lIns="91425" spcFirstLastPara="1" rIns="91425" wrap="square" tIns="91425">
+          <a:bodyPr spcFirstLastPara="1" wrap="square" lIns="91425" tIns="91425" rIns="91425" bIns="91425" anchor="t" anchorCtr="0">
             <a:normAutofit/>
           </a:bodyPr>
           <a:lstStyle>
-            <a:lvl1pPr indent="-311150" lvl="0" marL="457200">
+            <a:lvl1pPr marL="457200" lvl="0" indent="-311150">
               <a:lnSpc>
                 <a:spcPct val="115000"/>
               </a:lnSpc>
@@ -9620,7 +9640,7 @@
                 <a:sym typeface="Calibri"/>
               </a:defRPr>
             </a:lvl1pPr>
-            <a:lvl2pPr indent="-298450" lvl="1" marL="914400">
+            <a:lvl2pPr marL="914400" lvl="1" indent="-298450">
               <a:lnSpc>
                 <a:spcPct val="115000"/>
               </a:lnSpc>
@@ -9646,7 +9666,7 @@
                 <a:sym typeface="Calibri"/>
               </a:defRPr>
             </a:lvl2pPr>
-            <a:lvl3pPr indent="-298450" lvl="2" marL="1371600">
+            <a:lvl3pPr marL="1371600" lvl="2" indent="-298450">
               <a:lnSpc>
                 <a:spcPct val="115000"/>
               </a:lnSpc>
@@ -9672,7 +9692,7 @@
                 <a:sym typeface="Calibri"/>
               </a:defRPr>
             </a:lvl3pPr>
-            <a:lvl4pPr indent="-298450" lvl="3" marL="1828800">
+            <a:lvl4pPr marL="1828800" lvl="3" indent="-298450">
               <a:lnSpc>
                 <a:spcPct val="115000"/>
               </a:lnSpc>
@@ -9698,7 +9718,7 @@
                 <a:sym typeface="Calibri"/>
               </a:defRPr>
             </a:lvl4pPr>
-            <a:lvl5pPr indent="-298450" lvl="4" marL="2286000">
+            <a:lvl5pPr marL="2286000" lvl="4" indent="-298450">
               <a:lnSpc>
                 <a:spcPct val="115000"/>
               </a:lnSpc>
@@ -9724,7 +9744,7 @@
                 <a:sym typeface="Calibri"/>
               </a:defRPr>
             </a:lvl5pPr>
-            <a:lvl6pPr indent="-298450" lvl="5" marL="2743200">
+            <a:lvl6pPr marL="2743200" lvl="5" indent="-298450">
               <a:lnSpc>
                 <a:spcPct val="115000"/>
               </a:lnSpc>
@@ -9750,7 +9770,7 @@
                 <a:sym typeface="Calibri"/>
               </a:defRPr>
             </a:lvl6pPr>
-            <a:lvl7pPr indent="-298450" lvl="6" marL="3200400">
+            <a:lvl7pPr marL="3200400" lvl="6" indent="-298450">
               <a:lnSpc>
                 <a:spcPct val="115000"/>
               </a:lnSpc>
@@ -9776,7 +9796,7 @@
                 <a:sym typeface="Calibri"/>
               </a:defRPr>
             </a:lvl7pPr>
-            <a:lvl8pPr indent="-298450" lvl="7" marL="3657600">
+            <a:lvl8pPr marL="3657600" lvl="7" indent="-298450">
               <a:lnSpc>
                 <a:spcPct val="115000"/>
               </a:lnSpc>
@@ -9802,7 +9822,7 @@
                 <a:sym typeface="Calibri"/>
               </a:defRPr>
             </a:lvl8pPr>
-            <a:lvl9pPr indent="-298450" lvl="8" marL="4114800">
+            <a:lvl9pPr marL="4114800" lvl="8" indent="-298450">
               <a:lnSpc>
                 <a:spcPct val="115000"/>
               </a:lnSpc>
@@ -9829,15 +9849,19 @@
               </a:defRPr>
             </a:lvl9pPr>
           </a:lstStyle>
-          <a:p/>
+          <a:p>
+            <a:endParaRPr/>
+          </a:p>
         </p:txBody>
       </p:sp>
       <p:sp>
         <p:nvSpPr>
           <p:cNvPr id="8" name="Google Shape;8;p1"/>
-          <p:cNvSpPr txBox="1"/>
+          <p:cNvSpPr txBox="1">
+            <a:spLocks noGrp="1"/>
+          </p:cNvSpPr>
           <p:nvPr>
-            <p:ph idx="12" type="sldNum"/>
+            <p:ph type="sldNum" idx="12"/>
           </p:nvPr>
         </p:nvSpPr>
         <p:spPr>
@@ -9854,7 +9878,7 @@
           </a:ln>
         </p:spPr>
         <p:txBody>
-          <a:bodyPr anchorCtr="0" anchor="ctr" bIns="91425" lIns="91425" spcFirstLastPara="1" rIns="91425" wrap="square" tIns="91425">
+          <a:bodyPr spcFirstLastPara="1" wrap="square" lIns="91425" tIns="91425" rIns="91425" bIns="91425" anchor="ctr" anchorCtr="0">
             <a:normAutofit/>
           </a:bodyPr>
           <a:lstStyle>
@@ -9968,7 +9992,7 @@
             </a:lvl9pPr>
           </a:lstStyle>
           <a:p>
-            <a:pPr indent="0" lvl="0" marL="0" rtl="0" algn="r">
+            <a:pPr marL="0" lvl="0" indent="0" algn="r" rtl="0">
               <a:spcBef>
                 <a:spcPts val="0"/>
               </a:spcBef>
@@ -9987,7 +10011,7 @@
       </p:sp>
     </p:spTree>
   </p:cSld>
-  <p:clrMap accent1="accent1" accent2="accent2" accent3="accent3" accent4="accent4" accent5="accent5" accent6="accent6" bg1="lt1" bg2="dk2" tx1="dk1" tx2="lt2" folHlink="folHlink" hlink="hlink"/>
+  <p:clrMap bg1="lt1" tx1="dk1" bg2="dk2" tx2="lt2" accent1="accent1" accent2="accent2" accent3="accent3" accent4="accent4" accent5="accent5" accent6="accent6" hlink="hlink" folHlink="folHlink"/>
   <p:sldLayoutIdLst>
     <p:sldLayoutId id="2147483648" r:id="rId1"/>
     <p:sldLayoutId id="2147483649" r:id="rId2"/>
@@ -10002,10 +10026,10 @@
     <p:sldLayoutId id="2147483658" r:id="rId11"/>
     <p:sldLayoutId id="2147483659" r:id="rId12"/>
   </p:sldLayoutIdLst>
-  <p:hf dt="0" ftr="0" hdr="0" sldNum="0"/>
+  <p:hf sldNum="0" hdr="0" ftr="0" dt="0"/>
   <p:txStyles>
     <p:titleStyle>
-      <a:defPPr lvl="0" marR="0" rtl="0" algn="l">
+      <a:defPPr marR="0" lvl="0" algn="l" rtl="0">
         <a:lnSpc>
           <a:spcPct val="100000"/>
         </a:lnSpc>
@@ -10016,7 +10040,7 @@
           <a:spcPts val="0"/>
         </a:spcAft>
       </a:defPPr>
-      <a:lvl1pPr lvl="0" marR="0" rtl="0" algn="l">
+      <a:lvl1pPr marR="0" lvl="0" algn="l" rtl="0">
         <a:lnSpc>
           <a:spcPct val="100000"/>
         </a:lnSpc>
@@ -10030,7 +10054,7 @@
           <a:srgbClr val="000000"/>
         </a:buClr>
         <a:buFont typeface="Arial"/>
-        <a:defRPr b="0" i="0" sz="1400" u="none" cap="none" strike="noStrike">
+        <a:defRPr sz="1400" b="0" i="0" u="none" strike="noStrike" cap="none">
           <a:solidFill>
             <a:srgbClr val="000000"/>
           </a:solidFill>
@@ -10040,7 +10064,7 @@
           <a:sym typeface="Arial"/>
         </a:defRPr>
       </a:lvl1pPr>
-      <a:lvl2pPr lvl="1" marR="0" rtl="0" algn="l">
+      <a:lvl2pPr marR="0" lvl="1" algn="l" rtl="0">
         <a:lnSpc>
           <a:spcPct val="100000"/>
         </a:lnSpc>
@@ -10054,7 +10078,7 @@
           <a:srgbClr val="000000"/>
         </a:buClr>
         <a:buFont typeface="Arial"/>
-        <a:defRPr b="0" i="0" sz="1400" u="none" cap="none" strike="noStrike">
+        <a:defRPr sz="1400" b="0" i="0" u="none" strike="noStrike" cap="none">
           <a:solidFill>
             <a:srgbClr val="000000"/>
           </a:solidFill>
@@ -10064,7 +10088,7 @@
           <a:sym typeface="Arial"/>
         </a:defRPr>
       </a:lvl2pPr>
-      <a:lvl3pPr lvl="2" marR="0" rtl="0" algn="l">
+      <a:lvl3pPr marR="0" lvl="2" algn="l" rtl="0">
         <a:lnSpc>
           <a:spcPct val="100000"/>
         </a:lnSpc>
@@ -10078,7 +10102,7 @@
           <a:srgbClr val="000000"/>
         </a:buClr>
         <a:buFont typeface="Arial"/>
-        <a:defRPr b="0" i="0" sz="1400" u="none" cap="none" strike="noStrike">
+        <a:defRPr sz="1400" b="0" i="0" u="none" strike="noStrike" cap="none">
           <a:solidFill>
             <a:srgbClr val="000000"/>
           </a:solidFill>
@@ -10088,7 +10112,7 @@
           <a:sym typeface="Arial"/>
         </a:defRPr>
       </a:lvl3pPr>
-      <a:lvl4pPr lvl="3" marR="0" rtl="0" algn="l">
+      <a:lvl4pPr marR="0" lvl="3" algn="l" rtl="0">
         <a:lnSpc>
           <a:spcPct val="100000"/>
         </a:lnSpc>
@@ -10102,7 +10126,7 @@
           <a:srgbClr val="000000"/>
         </a:buClr>
         <a:buFont typeface="Arial"/>
-        <a:defRPr b="0" i="0" sz="1400" u="none" cap="none" strike="noStrike">
+        <a:defRPr sz="1400" b="0" i="0" u="none" strike="noStrike" cap="none">
           <a:solidFill>
             <a:srgbClr val="000000"/>
           </a:solidFill>
@@ -10112,7 +10136,7 @@
           <a:sym typeface="Arial"/>
         </a:defRPr>
       </a:lvl4pPr>
-      <a:lvl5pPr lvl="4" marR="0" rtl="0" algn="l">
+      <a:lvl5pPr marR="0" lvl="4" algn="l" rtl="0">
         <a:lnSpc>
           <a:spcPct val="100000"/>
         </a:lnSpc>
@@ -10126,7 +10150,7 @@
           <a:srgbClr val="000000"/>
         </a:buClr>
         <a:buFont typeface="Arial"/>
-        <a:defRPr b="0" i="0" sz="1400" u="none" cap="none" strike="noStrike">
+        <a:defRPr sz="1400" b="0" i="0" u="none" strike="noStrike" cap="none">
           <a:solidFill>
             <a:srgbClr val="000000"/>
           </a:solidFill>
@@ -10136,7 +10160,7 @@
           <a:sym typeface="Arial"/>
         </a:defRPr>
       </a:lvl5pPr>
-      <a:lvl6pPr lvl="5" marR="0" rtl="0" algn="l">
+      <a:lvl6pPr marR="0" lvl="5" algn="l" rtl="0">
         <a:lnSpc>
           <a:spcPct val="100000"/>
         </a:lnSpc>
@@ -10150,7 +10174,7 @@
           <a:srgbClr val="000000"/>
         </a:buClr>
         <a:buFont typeface="Arial"/>
-        <a:defRPr b="0" i="0" sz="1400" u="none" cap="none" strike="noStrike">
+        <a:defRPr sz="1400" b="0" i="0" u="none" strike="noStrike" cap="none">
           <a:solidFill>
             <a:srgbClr val="000000"/>
           </a:solidFill>
@@ -10160,7 +10184,7 @@
           <a:sym typeface="Arial"/>
         </a:defRPr>
       </a:lvl6pPr>
-      <a:lvl7pPr lvl="6" marR="0" rtl="0" algn="l">
+      <a:lvl7pPr marR="0" lvl="6" algn="l" rtl="0">
         <a:lnSpc>
           <a:spcPct val="100000"/>
         </a:lnSpc>
@@ -10174,7 +10198,7 @@
           <a:srgbClr val="000000"/>
         </a:buClr>
         <a:buFont typeface="Arial"/>
-        <a:defRPr b="0" i="0" sz="1400" u="none" cap="none" strike="noStrike">
+        <a:defRPr sz="1400" b="0" i="0" u="none" strike="noStrike" cap="none">
           <a:solidFill>
             <a:srgbClr val="000000"/>
           </a:solidFill>
@@ -10184,7 +10208,7 @@
           <a:sym typeface="Arial"/>
         </a:defRPr>
       </a:lvl7pPr>
-      <a:lvl8pPr lvl="7" marR="0" rtl="0" algn="l">
+      <a:lvl8pPr marR="0" lvl="7" algn="l" rtl="0">
         <a:lnSpc>
           <a:spcPct val="100000"/>
         </a:lnSpc>
@@ -10198,7 +10222,7 @@
           <a:srgbClr val="000000"/>
         </a:buClr>
         <a:buFont typeface="Arial"/>
-        <a:defRPr b="0" i="0" sz="1400" u="none" cap="none" strike="noStrike">
+        <a:defRPr sz="1400" b="0" i="0" u="none" strike="noStrike" cap="none">
           <a:solidFill>
             <a:srgbClr val="000000"/>
           </a:solidFill>
@@ -10208,7 +10232,7 @@
           <a:sym typeface="Arial"/>
         </a:defRPr>
       </a:lvl8pPr>
-      <a:lvl9pPr lvl="8" marR="0" rtl="0" algn="l">
+      <a:lvl9pPr marR="0" lvl="8" algn="l" rtl="0">
         <a:lnSpc>
           <a:spcPct val="100000"/>
         </a:lnSpc>
@@ -10222,7 +10246,7 @@
           <a:srgbClr val="000000"/>
         </a:buClr>
         <a:buFont typeface="Arial"/>
-        <a:defRPr b="0" i="0" sz="1400" u="none" cap="none" strike="noStrike">
+        <a:defRPr sz="1400" b="0" i="0" u="none" strike="noStrike" cap="none">
           <a:solidFill>
             <a:srgbClr val="000000"/>
           </a:solidFill>
@@ -10234,7 +10258,7 @@
       </a:lvl9pPr>
     </p:titleStyle>
     <p:bodyStyle>
-      <a:defPPr lvl="0" marR="0" rtl="0" algn="l">
+      <a:defPPr marR="0" lvl="0" algn="l" rtl="0">
         <a:lnSpc>
           <a:spcPct val="100000"/>
         </a:lnSpc>
@@ -10245,7 +10269,7 @@
           <a:spcPts val="0"/>
         </a:spcAft>
       </a:defPPr>
-      <a:lvl1pPr lvl="0" marR="0" rtl="0" algn="l">
+      <a:lvl1pPr marR="0" lvl="0" algn="l" rtl="0">
         <a:lnSpc>
           <a:spcPct val="100000"/>
         </a:lnSpc>
@@ -10259,7 +10283,7 @@
           <a:srgbClr val="000000"/>
         </a:buClr>
         <a:buFont typeface="Arial"/>
-        <a:defRPr b="0" i="0" sz="1400" u="none" cap="none" strike="noStrike">
+        <a:defRPr sz="1400" b="0" i="0" u="none" strike="noStrike" cap="none">
           <a:solidFill>
             <a:srgbClr val="000000"/>
           </a:solidFill>
@@ -10269,7 +10293,7 @@
           <a:sym typeface="Arial"/>
         </a:defRPr>
       </a:lvl1pPr>
-      <a:lvl2pPr lvl="1" marR="0" rtl="0" algn="l">
+      <a:lvl2pPr marR="0" lvl="1" algn="l" rtl="0">
         <a:lnSpc>
           <a:spcPct val="100000"/>
         </a:lnSpc>
@@ -10283,7 +10307,7 @@
           <a:srgbClr val="000000"/>
         </a:buClr>
         <a:buFont typeface="Arial"/>
-        <a:defRPr b="0" i="0" sz="1400" u="none" cap="none" strike="noStrike">
+        <a:defRPr sz="1400" b="0" i="0" u="none" strike="noStrike" cap="none">
           <a:solidFill>
             <a:srgbClr val="000000"/>
           </a:solidFill>
@@ -10293,7 +10317,7 @@
           <a:sym typeface="Arial"/>
         </a:defRPr>
       </a:lvl2pPr>
-      <a:lvl3pPr lvl="2" marR="0" rtl="0" algn="l">
+      <a:lvl3pPr marR="0" lvl="2" algn="l" rtl="0">
         <a:lnSpc>
           <a:spcPct val="100000"/>
         </a:lnSpc>
@@ -10307,7 +10331,7 @@
           <a:srgbClr val="000000"/>
         </a:buClr>
         <a:buFont typeface="Arial"/>
-        <a:defRPr b="0" i="0" sz="1400" u="none" cap="none" strike="noStrike">
+        <a:defRPr sz="1400" b="0" i="0" u="none" strike="noStrike" cap="none">
           <a:solidFill>
             <a:srgbClr val="000000"/>
           </a:solidFill>
@@ -10317,7 +10341,7 @@
           <a:sym typeface="Arial"/>
         </a:defRPr>
       </a:lvl3pPr>
-      <a:lvl4pPr lvl="3" marR="0" rtl="0" algn="l">
+      <a:lvl4pPr marR="0" lvl="3" algn="l" rtl="0">
         <a:lnSpc>
           <a:spcPct val="100000"/>
         </a:lnSpc>
@@ -10331,7 +10355,7 @@
           <a:srgbClr val="000000"/>
         </a:buClr>
         <a:buFont typeface="Arial"/>
-        <a:defRPr b="0" i="0" sz="1400" u="none" cap="none" strike="noStrike">
+        <a:defRPr sz="1400" b="0" i="0" u="none" strike="noStrike" cap="none">
           <a:solidFill>
             <a:srgbClr val="000000"/>
           </a:solidFill>
@@ -10341,7 +10365,7 @@
           <a:sym typeface="Arial"/>
         </a:defRPr>
       </a:lvl4pPr>
-      <a:lvl5pPr lvl="4" marR="0" rtl="0" algn="l">
+      <a:lvl5pPr marR="0" lvl="4" algn="l" rtl="0">
         <a:lnSpc>
           <a:spcPct val="100000"/>
         </a:lnSpc>
@@ -10355,7 +10379,7 @@
           <a:srgbClr val="000000"/>
         </a:buClr>
         <a:buFont typeface="Arial"/>
-        <a:defRPr b="0" i="0" sz="1400" u="none" cap="none" strike="noStrike">
+        <a:defRPr sz="1400" b="0" i="0" u="none" strike="noStrike" cap="none">
           <a:solidFill>
             <a:srgbClr val="000000"/>
           </a:solidFill>
@@ -10365,7 +10389,7 @@
           <a:sym typeface="Arial"/>
         </a:defRPr>
       </a:lvl5pPr>
-      <a:lvl6pPr lvl="5" marR="0" rtl="0" algn="l">
+      <a:lvl6pPr marR="0" lvl="5" algn="l" rtl="0">
         <a:lnSpc>
           <a:spcPct val="100000"/>
         </a:lnSpc>
@@ -10379,7 +10403,7 @@
           <a:srgbClr val="000000"/>
         </a:buClr>
         <a:buFont typeface="Arial"/>
-        <a:defRPr b="0" i="0" sz="1400" u="none" cap="none" strike="noStrike">
+        <a:defRPr sz="1400" b="0" i="0" u="none" strike="noStrike" cap="none">
           <a:solidFill>
             <a:srgbClr val="000000"/>
           </a:solidFill>
@@ -10389,7 +10413,7 @@
           <a:sym typeface="Arial"/>
         </a:defRPr>
       </a:lvl6pPr>
-      <a:lvl7pPr lvl="6" marR="0" rtl="0" algn="l">
+      <a:lvl7pPr marR="0" lvl="6" algn="l" rtl="0">
         <a:lnSpc>
           <a:spcPct val="100000"/>
         </a:lnSpc>
@@ -10403,7 +10427,7 @@
           <a:srgbClr val="000000"/>
         </a:buClr>
         <a:buFont typeface="Arial"/>
-        <a:defRPr b="0" i="0" sz="1400" u="none" cap="none" strike="noStrike">
+        <a:defRPr sz="1400" b="0" i="0" u="none" strike="noStrike" cap="none">
           <a:solidFill>
             <a:srgbClr val="000000"/>
           </a:solidFill>
@@ -10413,7 +10437,7 @@
           <a:sym typeface="Arial"/>
         </a:defRPr>
       </a:lvl7pPr>
-      <a:lvl8pPr lvl="7" marR="0" rtl="0" algn="l">
+      <a:lvl8pPr marR="0" lvl="7" algn="l" rtl="0">
         <a:lnSpc>
           <a:spcPct val="100000"/>
         </a:lnSpc>
@@ -10427,7 +10451,7 @@
           <a:srgbClr val="000000"/>
         </a:buClr>
         <a:buFont typeface="Arial"/>
-        <a:defRPr b="0" i="0" sz="1400" u="none" cap="none" strike="noStrike">
+        <a:defRPr sz="1400" b="0" i="0" u="none" strike="noStrike" cap="none">
           <a:solidFill>
             <a:srgbClr val="000000"/>
           </a:solidFill>
@@ -10437,7 +10461,7 @@
           <a:sym typeface="Arial"/>
         </a:defRPr>
       </a:lvl8pPr>
-      <a:lvl9pPr lvl="8" marR="0" rtl="0" algn="l">
+      <a:lvl9pPr marR="0" lvl="8" algn="l" rtl="0">
         <a:lnSpc>
           <a:spcPct val="100000"/>
         </a:lnSpc>
@@ -10451,7 +10475,7 @@
           <a:srgbClr val="000000"/>
         </a:buClr>
         <a:buFont typeface="Arial"/>
-        <a:defRPr b="0" i="0" sz="1400" u="none" cap="none" strike="noStrike">
+        <a:defRPr sz="1400" b="0" i="0" u="none" strike="noStrike" cap="none">
           <a:solidFill>
             <a:srgbClr val="000000"/>
           </a:solidFill>
@@ -10463,7 +10487,7 @@
       </a:lvl9pPr>
     </p:bodyStyle>
     <p:otherStyle>
-      <a:defPPr lvl="0" marR="0" rtl="0" algn="l">
+      <a:defPPr marR="0" lvl="0" algn="l" rtl="0">
         <a:lnSpc>
           <a:spcPct val="100000"/>
         </a:lnSpc>
@@ -10474,7 +10498,7 @@
           <a:spcPts val="0"/>
         </a:spcAft>
       </a:defPPr>
-      <a:lvl1pPr lvl="0" marR="0" rtl="0" algn="l">
+      <a:lvl1pPr marR="0" lvl="0" algn="l" rtl="0">
         <a:lnSpc>
           <a:spcPct val="100000"/>
         </a:lnSpc>
@@ -10488,7 +10512,7 @@
           <a:srgbClr val="000000"/>
         </a:buClr>
         <a:buFont typeface="Arial"/>
-        <a:defRPr b="0" i="0" sz="1400" u="none" cap="none" strike="noStrike">
+        <a:defRPr sz="1400" b="0" i="0" u="none" strike="noStrike" cap="none">
           <a:solidFill>
             <a:srgbClr val="000000"/>
           </a:solidFill>
@@ -10498,7 +10522,7 @@
           <a:sym typeface="Arial"/>
         </a:defRPr>
       </a:lvl1pPr>
-      <a:lvl2pPr lvl="1" marR="0" rtl="0" algn="l">
+      <a:lvl2pPr marR="0" lvl="1" algn="l" rtl="0">
         <a:lnSpc>
           <a:spcPct val="100000"/>
         </a:lnSpc>
@@ -10512,7 +10536,7 @@
           <a:srgbClr val="000000"/>
         </a:buClr>
         <a:buFont typeface="Arial"/>
-        <a:defRPr b="0" i="0" sz="1400" u="none" cap="none" strike="noStrike">
+        <a:defRPr sz="1400" b="0" i="0" u="none" strike="noStrike" cap="none">
           <a:solidFill>
             <a:srgbClr val="000000"/>
           </a:solidFill>
@@ -10522,7 +10546,7 @@
           <a:sym typeface="Arial"/>
         </a:defRPr>
       </a:lvl2pPr>
-      <a:lvl3pPr lvl="2" marR="0" rtl="0" algn="l">
+      <a:lvl3pPr marR="0" lvl="2" algn="l" rtl="0">
         <a:lnSpc>
           <a:spcPct val="100000"/>
         </a:lnSpc>
@@ -10536,7 +10560,7 @@
           <a:srgbClr val="000000"/>
         </a:buClr>
         <a:buFont typeface="Arial"/>
-        <a:defRPr b="0" i="0" sz="1400" u="none" cap="none" strike="noStrike">
+        <a:defRPr sz="1400" b="0" i="0" u="none" strike="noStrike" cap="none">
           <a:solidFill>
             <a:srgbClr val="000000"/>
           </a:solidFill>
@@ -10546,7 +10570,7 @@
           <a:sym typeface="Arial"/>
         </a:defRPr>
       </a:lvl3pPr>
-      <a:lvl4pPr lvl="3" marR="0" rtl="0" algn="l">
+      <a:lvl4pPr marR="0" lvl="3" algn="l" rtl="0">
         <a:lnSpc>
           <a:spcPct val="100000"/>
         </a:lnSpc>
@@ -10560,7 +10584,7 @@
           <a:srgbClr val="000000"/>
         </a:buClr>
         <a:buFont typeface="Arial"/>
-        <a:defRPr b="0" i="0" sz="1400" u="none" cap="none" strike="noStrike">
+        <a:defRPr sz="1400" b="0" i="0" u="none" strike="noStrike" cap="none">
           <a:solidFill>
             <a:srgbClr val="000000"/>
           </a:solidFill>
@@ -10570,7 +10594,7 @@
           <a:sym typeface="Arial"/>
         </a:defRPr>
       </a:lvl4pPr>
-      <a:lvl5pPr lvl="4" marR="0" rtl="0" algn="l">
+      <a:lvl5pPr marR="0" lvl="4" algn="l" rtl="0">
         <a:lnSpc>
           <a:spcPct val="100000"/>
         </a:lnSpc>
@@ -10584,7 +10608,7 @@
           <a:srgbClr val="000000"/>
         </a:buClr>
         <a:buFont typeface="Arial"/>
-        <a:defRPr b="0" i="0" sz="1400" u="none" cap="none" strike="noStrike">
+        <a:defRPr sz="1400" b="0" i="0" u="none" strike="noStrike" cap="none">
           <a:solidFill>
             <a:srgbClr val="000000"/>
           </a:solidFill>
@@ -10594,7 +10618,7 @@
           <a:sym typeface="Arial"/>
         </a:defRPr>
       </a:lvl5pPr>
-      <a:lvl6pPr lvl="5" marR="0" rtl="0" algn="l">
+      <a:lvl6pPr marR="0" lvl="5" algn="l" rtl="0">
         <a:lnSpc>
           <a:spcPct val="100000"/>
         </a:lnSpc>
@@ -10608,7 +10632,7 @@
           <a:srgbClr val="000000"/>
         </a:buClr>
         <a:buFont typeface="Arial"/>
-        <a:defRPr b="0" i="0" sz="1400" u="none" cap="none" strike="noStrike">
+        <a:defRPr sz="1400" b="0" i="0" u="none" strike="noStrike" cap="none">
           <a:solidFill>
             <a:srgbClr val="000000"/>
           </a:solidFill>
@@ -10618,7 +10642,7 @@
           <a:sym typeface="Arial"/>
         </a:defRPr>
       </a:lvl6pPr>
-      <a:lvl7pPr lvl="6" marR="0" rtl="0" algn="l">
+      <a:lvl7pPr marR="0" lvl="6" algn="l" rtl="0">
         <a:lnSpc>
           <a:spcPct val="100000"/>
         </a:lnSpc>
@@ -10632,7 +10656,7 @@
           <a:srgbClr val="000000"/>
         </a:buClr>
         <a:buFont typeface="Arial"/>
-        <a:defRPr b="0" i="0" sz="1400" u="none" cap="none" strike="noStrike">
+        <a:defRPr sz="1400" b="0" i="0" u="none" strike="noStrike" cap="none">
           <a:solidFill>
             <a:srgbClr val="000000"/>
           </a:solidFill>
@@ -10642,7 +10666,7 @@
           <a:sym typeface="Arial"/>
         </a:defRPr>
       </a:lvl7pPr>
-      <a:lvl8pPr lvl="7" marR="0" rtl="0" algn="l">
+      <a:lvl8pPr marR="0" lvl="7" algn="l" rtl="0">
         <a:lnSpc>
           <a:spcPct val="100000"/>
         </a:lnSpc>
@@ -10656,7 +10680,7 @@
           <a:srgbClr val="000000"/>
         </a:buClr>
         <a:buFont typeface="Arial"/>
-        <a:defRPr b="0" i="0" sz="1400" u="none" cap="none" strike="noStrike">
+        <a:defRPr sz="1400" b="0" i="0" u="none" strike="noStrike" cap="none">
           <a:solidFill>
             <a:srgbClr val="000000"/>
           </a:solidFill>
@@ -10666,7 +10690,7 @@
           <a:sym typeface="Arial"/>
         </a:defRPr>
       </a:lvl8pPr>
-      <a:lvl9pPr lvl="8" marR="0" rtl="0" algn="l">
+      <a:lvl9pPr marR="0" lvl="8" algn="l" rtl="0">
         <a:lnSpc>
           <a:spcPct val="100000"/>
         </a:lnSpc>
@@ -10680,7 +10704,7 @@
           <a:srgbClr val="000000"/>
         </a:buClr>
         <a:buFont typeface="Arial"/>
-        <a:defRPr b="0" i="0" sz="1400" u="none" cap="none" strike="noStrike">
+        <a:defRPr sz="1400" b="0" i="0" u="none" strike="noStrike" cap="none">
           <a:solidFill>
             <a:srgbClr val="000000"/>
           </a:solidFill>
@@ -10696,18 +10720,19 @@
 </file>
 
 <file path=ppt/slides/slide1.xml><?xml version="1.0" encoding="utf-8"?>
-<p:sld xmlns:a="http://schemas.openxmlformats.org/drawingml/2006/main" xmlns:r="http://schemas.openxmlformats.org/officeDocument/2006/relationships" xmlns:mc="http://schemas.openxmlformats.org/markup-compatibility/2006" xmlns:mv="urn:schemas-microsoft-com:mac:vml" xmlns:p="http://schemas.openxmlformats.org/presentationml/2006/main" xmlns:c="http://schemas.openxmlformats.org/drawingml/2006/chart" xmlns:dgm="http://schemas.openxmlformats.org/drawingml/2006/diagram" xmlns:o="urn:schemas-microsoft-com:office:office" xmlns:v="urn:schemas-microsoft-com:vml" xmlns:pvml="urn:schemas-microsoft-com:office:powerpoint" xmlns:com="http://schemas.openxmlformats.org/drawingml/2006/compatibility" xmlns:p14="http://schemas.microsoft.com/office/powerpoint/2010/main" xmlns:p15="http://schemas.microsoft.com/office/powerpoint/2012/main" xmlns:ahyp="http://schemas.microsoft.com/office/drawing/2018/hyperlinkcolor">
+<p:sld xmlns:a="http://schemas.openxmlformats.org/drawingml/2006/main" xmlns:r="http://schemas.openxmlformats.org/officeDocument/2006/relationships" xmlns:p="http://schemas.openxmlformats.org/presentationml/2006/main">
   <p:cSld>
     <p:bg>
       <p:bgPr>
         <a:solidFill>
           <a:schemeClr val="accent3"/>
         </a:solidFill>
+        <a:effectLst/>
       </p:bgPr>
     </p:bg>
     <p:spTree>
       <p:nvGrpSpPr>
-        <p:cNvPr id="133" name="Shape 133"/>
+        <p:cNvPr id="1" name="Shape 133"/>
         <p:cNvGrpSpPr/>
         <p:nvPr/>
       </p:nvGrpSpPr>
@@ -10750,9 +10775,11 @@
       <p:sp>
         <p:nvSpPr>
           <p:cNvPr id="135" name="Google Shape;135;p14"/>
-          <p:cNvSpPr txBox="1"/>
+          <p:cNvSpPr txBox="1">
+            <a:spLocks noGrp="1"/>
+          </p:cNvSpPr>
           <p:nvPr>
-            <p:ph idx="1" type="body"/>
+            <p:ph type="body" idx="1"/>
           </p:nvPr>
         </p:nvSpPr>
         <p:spPr>
@@ -10765,12 +10792,12 @@
           </a:prstGeom>
         </p:spPr>
         <p:txBody>
-          <a:bodyPr anchorCtr="0" anchor="t" bIns="91425" lIns="91425" spcFirstLastPara="1" rIns="91425" wrap="square" tIns="91425">
+          <a:bodyPr spcFirstLastPara="1" wrap="square" lIns="91425" tIns="91425" rIns="91425" bIns="91425" anchor="t" anchorCtr="0">
             <a:noAutofit/>
           </a:bodyPr>
           <a:lstStyle/>
           <a:p>
-            <a:pPr indent="0" lvl="0" marL="0" rtl="0" algn="ctr">
+            <a:pPr marL="0" lvl="0" indent="0" algn="ctr" rtl="0">
               <a:spcBef>
                 <a:spcPts val="0"/>
               </a:spcBef>
@@ -10780,10 +10807,10 @@
               <a:buNone/>
             </a:pPr>
             <a:r>
-              <a:rPr b="1" lang="en" sz="3100"/>
-              <a:t>Teófilo Stevenson</a:t>
+              <a:rPr lang="en" sz="3100" b="1" dirty="0"/>
+              <a:t>Friday Workshop: Teófilo Stevenson</a:t>
             </a:r>
-            <a:endParaRPr b="1" sz="3100"/>
+            <a:endParaRPr sz="3100" b="1" dirty="0"/>
           </a:p>
         </p:txBody>
       </p:sp>
@@ -10796,7 +10823,7 @@
         <p:spPr>
           <a:xfrm>
             <a:off x="6172200" y="2156100"/>
-            <a:ext cx="2677800" cy="831300"/>
+            <a:ext cx="2677800" cy="400079"/>
           </a:xfrm>
           <a:prstGeom prst="rect">
             <a:avLst/>
@@ -10807,12 +10834,12 @@
           </a:ln>
         </p:spPr>
         <p:txBody>
-          <a:bodyPr anchorCtr="0" anchor="t" bIns="91425" lIns="91425" spcFirstLastPara="1" rIns="91425" wrap="square" tIns="91425">
+          <a:bodyPr spcFirstLastPara="1" wrap="square" lIns="91425" tIns="91425" rIns="91425" bIns="91425" anchor="t" anchorCtr="0">
             <a:spAutoFit/>
           </a:bodyPr>
           <a:lstStyle/>
           <a:p>
-            <a:pPr indent="0" lvl="0" marL="0" rtl="0" algn="l">
+            <a:pPr marL="0" lvl="0" indent="0" algn="l" rtl="0">
               <a:spcBef>
                 <a:spcPts val="0"/>
               </a:spcBef>
@@ -10822,41 +10849,15 @@
               <a:buNone/>
             </a:pPr>
             <a:r>
-              <a:rPr lang="en">
+              <a:rPr lang="en-US" dirty="0">
                 <a:latin typeface="Calibri"/>
                 <a:ea typeface="Calibri"/>
                 <a:cs typeface="Calibri"/>
                 <a:sym typeface="Calibri"/>
               </a:rPr>
-              <a:t>Table 2:</a:t>
+              <a:t>Ess Guernah</a:t>
             </a:r>
-            <a:endParaRPr>
-              <a:latin typeface="Calibri"/>
-              <a:ea typeface="Calibri"/>
-              <a:cs typeface="Calibri"/>
-              <a:sym typeface="Calibri"/>
-            </a:endParaRPr>
-          </a:p>
-          <a:p>
-            <a:pPr indent="0" lvl="0" marL="0" rtl="0" algn="l">
-              <a:spcBef>
-                <a:spcPts val="0"/>
-              </a:spcBef>
-              <a:spcAft>
-                <a:spcPts val="0"/>
-              </a:spcAft>
-              <a:buNone/>
-            </a:pPr>
-            <a:r>
-              <a:rPr lang="en">
-                <a:latin typeface="Calibri"/>
-                <a:ea typeface="Calibri"/>
-                <a:cs typeface="Calibri"/>
-                <a:sym typeface="Calibri"/>
-              </a:rPr>
-              <a:t>Adam, Chad, Ess, Marilyn, Timothy </a:t>
-            </a:r>
-            <a:endParaRPr>
+            <a:endParaRPr dirty="0">
               <a:latin typeface="Calibri"/>
               <a:ea typeface="Calibri"/>
               <a:cs typeface="Calibri"/>
@@ -10874,11 +10875,11 @@
 </file>
 
 <file path=ppt/slides/slide10.xml><?xml version="1.0" encoding="utf-8"?>
-<p:sld xmlns:a="http://schemas.openxmlformats.org/drawingml/2006/main" xmlns:r="http://schemas.openxmlformats.org/officeDocument/2006/relationships" xmlns:mc="http://schemas.openxmlformats.org/markup-compatibility/2006" xmlns:mv="urn:schemas-microsoft-com:mac:vml" xmlns:p="http://schemas.openxmlformats.org/presentationml/2006/main" xmlns:c="http://schemas.openxmlformats.org/drawingml/2006/chart" xmlns:dgm="http://schemas.openxmlformats.org/drawingml/2006/diagram" xmlns:o="urn:schemas-microsoft-com:office:office" xmlns:v="urn:schemas-microsoft-com:vml" xmlns:pvml="urn:schemas-microsoft-com:office:powerpoint" xmlns:com="http://schemas.openxmlformats.org/drawingml/2006/compatibility" xmlns:p14="http://schemas.microsoft.com/office/powerpoint/2010/main" xmlns:p15="http://schemas.microsoft.com/office/powerpoint/2012/main" xmlns:ahyp="http://schemas.microsoft.com/office/drawing/2018/hyperlinkcolor">
+<p:sld xmlns:a="http://schemas.openxmlformats.org/drawingml/2006/main" xmlns:r="http://schemas.openxmlformats.org/officeDocument/2006/relationships" xmlns:p="http://schemas.openxmlformats.org/presentationml/2006/main">
   <p:cSld>
     <p:spTree>
       <p:nvGrpSpPr>
-        <p:cNvPr id="246" name="Shape 246"/>
+        <p:cNvPr id="1" name="Shape 246"/>
         <p:cNvGrpSpPr/>
         <p:nvPr/>
       </p:nvGrpSpPr>
@@ -10893,7 +10894,9 @@
       <p:sp>
         <p:nvSpPr>
           <p:cNvPr id="247" name="Google Shape;247;p23"/>
-          <p:cNvSpPr txBox="1"/>
+          <p:cNvSpPr txBox="1">
+            <a:spLocks noGrp="1"/>
+          </p:cNvSpPr>
           <p:nvPr>
             <p:ph type="title"/>
           </p:nvPr>
@@ -10908,12 +10911,12 @@
           </a:prstGeom>
         </p:spPr>
         <p:txBody>
-          <a:bodyPr anchorCtr="0" anchor="t" bIns="91425" lIns="91425" spcFirstLastPara="1" rIns="91425" wrap="square" tIns="91425">
+          <a:bodyPr spcFirstLastPara="1" wrap="square" lIns="91425" tIns="91425" rIns="91425" bIns="91425" anchor="t" anchorCtr="0">
             <a:normAutofit/>
           </a:bodyPr>
           <a:lstStyle/>
           <a:p>
-            <a:pPr indent="0" lvl="0" marL="0" rtl="0" algn="l">
+            <a:pPr marL="0" lvl="0" indent="0" algn="l" rtl="0">
               <a:spcBef>
                 <a:spcPts val="0"/>
               </a:spcBef>
@@ -10924,54 +10927,7 @@
             </a:pPr>
             <a:r>
               <a:rPr lang="en"/>
-              <a:t>Number of </a:t>
-            </a:r>
-            <a:r>
-              <a:rPr lang="en"/>
-              <a:t>Participants</a:t>
-            </a:r>
-            <a:r>
-              <a:rPr lang="en"/>
-              <a:t> each country sent </a:t>
-            </a:r>
-            <a:endParaRPr/>
-          </a:p>
-        </p:txBody>
-      </p:sp>
-      <p:sp>
-        <p:nvSpPr>
-          <p:cNvPr id="248" name="Google Shape;248;p23"/>
-          <p:cNvSpPr txBox="1"/>
-          <p:nvPr>
-            <p:ph idx="1" type="body"/>
-          </p:nvPr>
-        </p:nvSpPr>
-        <p:spPr>
-          <a:xfrm>
-            <a:off x="819150" y="1990725"/>
-            <a:ext cx="7505700" cy="2448000"/>
-          </a:xfrm>
-          <a:prstGeom prst="rect">
-            <a:avLst/>
-          </a:prstGeom>
-        </p:spPr>
-        <p:txBody>
-          <a:bodyPr anchorCtr="0" anchor="t" bIns="91425" lIns="91425" spcFirstLastPara="1" rIns="91425" wrap="square" tIns="91425">
-            <a:normAutofit/>
-          </a:bodyPr>
-          <a:lstStyle/>
-          <a:p>
-            <a:pPr indent="0" lvl="0" marL="0" rtl="0" algn="l">
-              <a:spcBef>
-                <a:spcPts val="0"/>
-              </a:spcBef>
-              <a:spcAft>
-                <a:spcPts val="1200"/>
-              </a:spcAft>
-              <a:buNone/>
-            </a:pPr>
-            <a:r>
-              <a:t/>
+              <a:t>Number of Participants each country sent </a:t>
             </a:r>
             <a:endParaRPr/>
           </a:p>
@@ -10993,8 +10949,8 @@
         </p:blipFill>
         <p:spPr>
           <a:xfrm>
-            <a:off x="231400" y="713150"/>
-            <a:ext cx="4264149" cy="2087450"/>
+            <a:off x="231401" y="713149"/>
+            <a:ext cx="3941838" cy="1858599"/>
           </a:xfrm>
           <a:prstGeom prst="rect">
             <a:avLst/>
@@ -11021,8 +10977,8 @@
         </p:blipFill>
         <p:spPr>
           <a:xfrm>
-            <a:off x="1442600" y="2443112"/>
-            <a:ext cx="5062949" cy="2478500"/>
+            <a:off x="1442600" y="2571750"/>
+            <a:ext cx="5062949" cy="2082752"/>
           </a:xfrm>
           <a:prstGeom prst="rect">
             <a:avLst/>
@@ -11049,8 +11005,8 @@
         </p:blipFill>
         <p:spPr>
           <a:xfrm>
-            <a:off x="4007950" y="713150"/>
-            <a:ext cx="4966174" cy="2679375"/>
+            <a:off x="4173238" y="713151"/>
+            <a:ext cx="4800885" cy="1858600"/>
           </a:xfrm>
           <a:prstGeom prst="rect">
             <a:avLst/>
@@ -11069,32 +11025,32 @@
   <p:timing>
     <p:tnLst>
       <p:par>
-        <p:cTn dur="indefinite" nodeType="tmRoot" restart="never">
+        <p:cTn id="1" dur="indefinite" restart="never" nodeType="tmRoot">
           <p:childTnLst>
             <p:seq concurrent="1" nextAc="seek">
-              <p:cTn dur="indefinite" id="2" nodeType="mainSeq">
+              <p:cTn id="2" dur="indefinite" nodeType="mainSeq">
                 <p:childTnLst>
                   <p:par>
-                    <p:cTn fill="hold">
+                    <p:cTn id="3" fill="hold">
                       <p:stCondLst>
                         <p:cond delay="indefinite"/>
                       </p:stCondLst>
                       <p:childTnLst>
                         <p:par>
-                          <p:cTn fill="hold">
+                          <p:cTn id="4" fill="hold">
                             <p:stCondLst>
                               <p:cond delay="0"/>
                             </p:stCondLst>
                             <p:childTnLst>
                               <p:par>
-                                <p:cTn fill="hold" nodeType="clickEffect" presetClass="entr" presetID="10" presetSubtype="0">
+                                <p:cTn id="5" presetID="10" presetClass="entr" presetSubtype="0" fill="hold" nodeType="clickEffect">
                                   <p:stCondLst>
                                     <p:cond delay="0"/>
                                   </p:stCondLst>
                                   <p:childTnLst>
                                     <p:set>
                                       <p:cBhvr>
-                                        <p:cTn dur="1" fill="hold">
+                                        <p:cTn id="6" dur="1" fill="hold">
                                           <p:stCondLst>
                                             <p:cond delay="0"/>
                                           </p:stCondLst>
@@ -11110,9 +11066,9 @@
                                         <p:strVal val="visible"/>
                                       </p:to>
                                     </p:set>
-                                    <p:animEffect filter="fade" transition="in">
+                                    <p:animEffect transition="in" filter="fade">
                                       <p:cBhvr>
-                                        <p:cTn dur="1000"/>
+                                        <p:cTn id="7" dur="1000"/>
                                         <p:tgtEl>
                                           <p:spTgt spid="249"/>
                                         </p:tgtEl>
@@ -11128,26 +11084,26 @@
                     </p:cTn>
                   </p:par>
                   <p:par>
-                    <p:cTn fill="hold">
+                    <p:cTn id="8" fill="hold">
                       <p:stCondLst>
                         <p:cond delay="indefinite"/>
                       </p:stCondLst>
                       <p:childTnLst>
                         <p:par>
-                          <p:cTn fill="hold">
+                          <p:cTn id="9" fill="hold">
                             <p:stCondLst>
                               <p:cond delay="0"/>
                             </p:stCondLst>
                             <p:childTnLst>
                               <p:par>
-                                <p:cTn fill="hold" nodeType="clickEffect" presetClass="exit" presetID="10" presetSubtype="0">
+                                <p:cTn id="10" presetID="10" presetClass="exit" presetSubtype="0" fill="hold" nodeType="clickEffect">
                                   <p:stCondLst>
                                     <p:cond delay="0"/>
                                   </p:stCondLst>
                                   <p:childTnLst>
-                                    <p:animEffect filter="fade" transition="out">
+                                    <p:animEffect transition="out" filter="fade">
                                       <p:cBhvr>
-                                        <p:cTn dur="1000"/>
+                                        <p:cTn id="11" dur="1000"/>
                                         <p:tgtEl>
                                           <p:spTgt spid="249"/>
                                         </p:tgtEl>
@@ -11155,7 +11111,7 @@
                                     </p:animEffect>
                                     <p:set>
                                       <p:cBhvr>
-                                        <p:cTn dur="1" fill="hold">
+                                        <p:cTn id="12" dur="1" fill="hold">
                                           <p:stCondLst>
                                             <p:cond delay="1000"/>
                                           </p:stCondLst>
@@ -11181,26 +11137,26 @@
                     </p:cTn>
                   </p:par>
                   <p:par>
-                    <p:cTn fill="hold">
+                    <p:cTn id="13" fill="hold">
                       <p:stCondLst>
                         <p:cond delay="indefinite"/>
                       </p:stCondLst>
                       <p:childTnLst>
                         <p:par>
-                          <p:cTn fill="hold">
+                          <p:cTn id="14" fill="hold">
                             <p:stCondLst>
                               <p:cond delay="0"/>
                             </p:stCondLst>
                             <p:childTnLst>
                               <p:par>
-                                <p:cTn fill="hold" nodeType="clickEffect" presetClass="entr" presetID="10" presetSubtype="0">
+                                <p:cTn id="15" presetID="10" presetClass="entr" presetSubtype="0" fill="hold" nodeType="clickEffect">
                                   <p:stCondLst>
                                     <p:cond delay="0"/>
                                   </p:stCondLst>
                                   <p:childTnLst>
                                     <p:set>
                                       <p:cBhvr>
-                                        <p:cTn dur="1" fill="hold">
+                                        <p:cTn id="16" dur="1" fill="hold">
                                           <p:stCondLst>
                                             <p:cond delay="0"/>
                                           </p:stCondLst>
@@ -11216,9 +11172,9 @@
                                         <p:strVal val="visible"/>
                                       </p:to>
                                     </p:set>
-                                    <p:animEffect filter="fade" transition="in">
+                                    <p:animEffect transition="in" filter="fade">
                                       <p:cBhvr>
-                                        <p:cTn dur="1000"/>
+                                        <p:cTn id="17" dur="1000"/>
                                         <p:tgtEl>
                                           <p:spTgt spid="250"/>
                                         </p:tgtEl>
@@ -11234,26 +11190,26 @@
                     </p:cTn>
                   </p:par>
                   <p:par>
-                    <p:cTn fill="hold">
+                    <p:cTn id="18" fill="hold">
                       <p:stCondLst>
                         <p:cond delay="indefinite"/>
                       </p:stCondLst>
                       <p:childTnLst>
                         <p:par>
-                          <p:cTn fill="hold">
+                          <p:cTn id="19" fill="hold">
                             <p:stCondLst>
                               <p:cond delay="0"/>
                             </p:stCondLst>
                             <p:childTnLst>
                               <p:par>
-                                <p:cTn fill="hold" nodeType="clickEffect" presetClass="exit" presetID="10" presetSubtype="0">
+                                <p:cTn id="20" presetID="10" presetClass="exit" presetSubtype="0" fill="hold" nodeType="clickEffect">
                                   <p:stCondLst>
                                     <p:cond delay="0"/>
                                   </p:stCondLst>
                                   <p:childTnLst>
-                                    <p:animEffect filter="fade" transition="out">
+                                    <p:animEffect transition="out" filter="fade">
                                       <p:cBhvr>
-                                        <p:cTn dur="1000"/>
+                                        <p:cTn id="21" dur="1000"/>
                                         <p:tgtEl>
                                           <p:spTgt spid="250"/>
                                         </p:tgtEl>
@@ -11261,7 +11217,7 @@
                                     </p:animEffect>
                                     <p:set>
                                       <p:cBhvr>
-                                        <p:cTn dur="1" fill="hold">
+                                        <p:cTn id="22" dur="1" fill="hold">
                                           <p:stCondLst>
                                             <p:cond delay="1000"/>
                                           </p:stCondLst>
@@ -11287,26 +11243,26 @@
                     </p:cTn>
                   </p:par>
                   <p:par>
-                    <p:cTn fill="hold">
+                    <p:cTn id="23" fill="hold">
                       <p:stCondLst>
                         <p:cond delay="indefinite"/>
                       </p:stCondLst>
                       <p:childTnLst>
                         <p:par>
-                          <p:cTn fill="hold">
+                          <p:cTn id="24" fill="hold">
                             <p:stCondLst>
                               <p:cond delay="0"/>
                             </p:stCondLst>
                             <p:childTnLst>
                               <p:par>
-                                <p:cTn fill="hold" nodeType="clickEffect" presetClass="entr" presetID="10" presetSubtype="0">
+                                <p:cTn id="25" presetID="10" presetClass="entr" presetSubtype="0" fill="hold" nodeType="clickEffect">
                                   <p:stCondLst>
                                     <p:cond delay="0"/>
                                   </p:stCondLst>
                                   <p:childTnLst>
                                     <p:set>
                                       <p:cBhvr>
-                                        <p:cTn dur="1" fill="hold">
+                                        <p:cTn id="26" dur="1" fill="hold">
                                           <p:stCondLst>
                                             <p:cond delay="0"/>
                                           </p:stCondLst>
@@ -11322,9 +11278,9 @@
                                         <p:strVal val="visible"/>
                                       </p:to>
                                     </p:set>
-                                    <p:animEffect filter="fade" transition="in">
+                                    <p:animEffect transition="in" filter="fade">
                                       <p:cBhvr>
-                                        <p:cTn dur="1000"/>
+                                        <p:cTn id="27" dur="1000"/>
                                         <p:tgtEl>
                                           <p:spTgt spid="251"/>
                                         </p:tgtEl>
@@ -11340,26 +11296,26 @@
                     </p:cTn>
                   </p:par>
                   <p:par>
-                    <p:cTn fill="hold">
+                    <p:cTn id="28" fill="hold">
                       <p:stCondLst>
                         <p:cond delay="indefinite"/>
                       </p:stCondLst>
                       <p:childTnLst>
                         <p:par>
-                          <p:cTn fill="hold">
+                          <p:cTn id="29" fill="hold">
                             <p:stCondLst>
                               <p:cond delay="0"/>
                             </p:stCondLst>
                             <p:childTnLst>
                               <p:par>
-                                <p:cTn fill="hold" nodeType="clickEffect" presetClass="exit" presetID="10" presetSubtype="0">
+                                <p:cTn id="30" presetID="10" presetClass="exit" presetSubtype="0" fill="hold" nodeType="clickEffect">
                                   <p:stCondLst>
                                     <p:cond delay="0"/>
                                   </p:stCondLst>
                                   <p:childTnLst>
-                                    <p:animEffect filter="fade" transition="out">
+                                    <p:animEffect transition="out" filter="fade">
                                       <p:cBhvr>
-                                        <p:cTn dur="1000"/>
+                                        <p:cTn id="31" dur="1000"/>
                                         <p:tgtEl>
                                           <p:spTgt spid="251"/>
                                         </p:tgtEl>
@@ -11367,7 +11323,7 @@
                                     </p:animEffect>
                                     <p:set>
                                       <p:cBhvr>
-                                        <p:cTn dur="1" fill="hold">
+                                        <p:cTn id="32" dur="1" fill="hold">
                                           <p:stCondLst>
                                             <p:cond delay="1000"/>
                                           </p:stCondLst>
@@ -11395,14 +11351,14 @@
                 </p:childTnLst>
               </p:cTn>
               <p:prevCondLst>
-                <p:cond evt="onPrev">
+                <p:cond evt="onPrev" delay="0">
                   <p:tgtEl>
                     <p:sldTgt/>
                   </p:tgtEl>
                 </p:cond>
               </p:prevCondLst>
               <p:nextCondLst>
-                <p:cond evt="onNext">
+                <p:cond evt="onNext" delay="0">
                   <p:tgtEl>
                     <p:sldTgt/>
                   </p:tgtEl>
@@ -11418,11 +11374,11 @@
 </file>
 
 <file path=ppt/slides/slide11.xml><?xml version="1.0" encoding="utf-8"?>
-<p:sld xmlns:a="http://schemas.openxmlformats.org/drawingml/2006/main" xmlns:r="http://schemas.openxmlformats.org/officeDocument/2006/relationships" xmlns:mc="http://schemas.openxmlformats.org/markup-compatibility/2006" xmlns:mv="urn:schemas-microsoft-com:mac:vml" xmlns:p="http://schemas.openxmlformats.org/presentationml/2006/main" xmlns:c="http://schemas.openxmlformats.org/drawingml/2006/chart" xmlns:dgm="http://schemas.openxmlformats.org/drawingml/2006/diagram" xmlns:o="urn:schemas-microsoft-com:office:office" xmlns:v="urn:schemas-microsoft-com:vml" xmlns:pvml="urn:schemas-microsoft-com:office:powerpoint" xmlns:com="http://schemas.openxmlformats.org/drawingml/2006/compatibility" xmlns:p14="http://schemas.microsoft.com/office/powerpoint/2010/main" xmlns:p15="http://schemas.microsoft.com/office/powerpoint/2012/main" xmlns:ahyp="http://schemas.microsoft.com/office/drawing/2018/hyperlinkcolor">
+<p:sld xmlns:a="http://schemas.openxmlformats.org/drawingml/2006/main" xmlns:r="http://schemas.openxmlformats.org/officeDocument/2006/relationships" xmlns:p="http://schemas.openxmlformats.org/presentationml/2006/main">
   <p:cSld>
     <p:spTree>
       <p:nvGrpSpPr>
-        <p:cNvPr id="255" name="Shape 255"/>
+        <p:cNvPr id="1" name="Shape 255"/>
         <p:cNvGrpSpPr/>
         <p:nvPr/>
       </p:nvGrpSpPr>
@@ -11499,11 +11455,11 @@
 </file>
 
 <file path=ppt/slides/slide2.xml><?xml version="1.0" encoding="utf-8"?>
-<p:sld xmlns:a="http://schemas.openxmlformats.org/drawingml/2006/main" xmlns:r="http://schemas.openxmlformats.org/officeDocument/2006/relationships" xmlns:mc="http://schemas.openxmlformats.org/markup-compatibility/2006" xmlns:mv="urn:schemas-microsoft-com:mac:vml" xmlns:p="http://schemas.openxmlformats.org/presentationml/2006/main" xmlns:c="http://schemas.openxmlformats.org/drawingml/2006/chart" xmlns:dgm="http://schemas.openxmlformats.org/drawingml/2006/diagram" xmlns:o="urn:schemas-microsoft-com:office:office" xmlns:v="urn:schemas-microsoft-com:vml" xmlns:pvml="urn:schemas-microsoft-com:office:powerpoint" xmlns:com="http://schemas.openxmlformats.org/drawingml/2006/compatibility" xmlns:p14="http://schemas.microsoft.com/office/powerpoint/2010/main" xmlns:p15="http://schemas.microsoft.com/office/powerpoint/2012/main" xmlns:ahyp="http://schemas.microsoft.com/office/drawing/2018/hyperlinkcolor">
+<p:sld xmlns:a="http://schemas.openxmlformats.org/drawingml/2006/main" xmlns:r="http://schemas.openxmlformats.org/officeDocument/2006/relationships" xmlns:p="http://schemas.openxmlformats.org/presentationml/2006/main">
   <p:cSld>
     <p:spTree>
       <p:nvGrpSpPr>
-        <p:cNvPr id="140" name="Shape 140"/>
+        <p:cNvPr id="1" name="Shape 140"/>
         <p:cNvGrpSpPr/>
         <p:nvPr/>
       </p:nvGrpSpPr>
@@ -11518,7 +11474,9 @@
       <p:sp>
         <p:nvSpPr>
           <p:cNvPr id="141" name="Google Shape;141;p15"/>
-          <p:cNvSpPr txBox="1"/>
+          <p:cNvSpPr txBox="1">
+            <a:spLocks noGrp="1"/>
+          </p:cNvSpPr>
           <p:nvPr>
             <p:ph type="title"/>
           </p:nvPr>
@@ -11533,12 +11491,12 @@
           </a:prstGeom>
         </p:spPr>
         <p:txBody>
-          <a:bodyPr anchorCtr="0" anchor="t" bIns="91425" lIns="91425" spcFirstLastPara="1" rIns="91425" wrap="square" tIns="91425">
+          <a:bodyPr spcFirstLastPara="1" wrap="square" lIns="91425" tIns="91425" rIns="91425" bIns="91425" anchor="t" anchorCtr="0">
             <a:normAutofit fontScale="90000"/>
           </a:bodyPr>
           <a:lstStyle/>
           <a:p>
-            <a:pPr indent="0" lvl="0" marL="0" rtl="0" algn="l">
+            <a:pPr marL="0" lvl="0" indent="0" algn="l" rtl="0">
               <a:lnSpc>
                 <a:spcPct val="130000"/>
               </a:lnSpc>
@@ -11579,7 +11537,7 @@
             </a:endParaRPr>
           </a:p>
           <a:p>
-            <a:pPr indent="0" lvl="0" marL="0" rtl="0" algn="l">
+            <a:pPr marL="0" lvl="0" indent="0" algn="l" rtl="0">
               <a:lnSpc>
                 <a:spcPct val="115000"/>
               </a:lnSpc>
@@ -11591,9 +11549,6 @@
               </a:spcAft>
               <a:buNone/>
             </a:pPr>
-            <a:r>
-              <a:t/>
-            </a:r>
             <a:endParaRPr sz="1100">
               <a:solidFill>
                 <a:srgbClr val="000000"/>
@@ -11605,7 +11560,7 @@
             </a:endParaRPr>
           </a:p>
           <a:p>
-            <a:pPr indent="0" lvl="0" marL="0" rtl="0" algn="l">
+            <a:pPr marL="0" lvl="0" indent="0" algn="l" rtl="0">
               <a:spcBef>
                 <a:spcPts val="0"/>
               </a:spcBef>
@@ -11614,9 +11569,6 @@
               </a:spcAft>
               <a:buNone/>
             </a:pPr>
-            <a:r>
-              <a:t/>
-            </a:r>
             <a:endParaRPr sz="1100">
               <a:solidFill>
                 <a:srgbClr val="000000"/>
@@ -11628,7 +11580,7 @@
             </a:endParaRPr>
           </a:p>
           <a:p>
-            <a:pPr indent="0" lvl="0" marL="0" rtl="0" algn="l">
+            <a:pPr marL="0" lvl="0" indent="0" algn="l" rtl="0">
               <a:spcBef>
                 <a:spcPts val="0"/>
               </a:spcBef>
@@ -11637,9 +11589,6 @@
               </a:spcAft>
               <a:buNone/>
             </a:pPr>
-            <a:r>
-              <a:t/>
-            </a:r>
             <a:endParaRPr/>
           </a:p>
         </p:txBody>
@@ -11647,9 +11596,11 @@
       <p:sp>
         <p:nvSpPr>
           <p:cNvPr id="142" name="Google Shape;142;p15"/>
-          <p:cNvSpPr txBox="1"/>
+          <p:cNvSpPr txBox="1">
+            <a:spLocks noGrp="1"/>
+          </p:cNvSpPr>
           <p:nvPr>
-            <p:ph idx="1" type="body"/>
+            <p:ph type="body" idx="1"/>
           </p:nvPr>
         </p:nvSpPr>
         <p:spPr>
@@ -11662,12 +11613,12 @@
           </a:prstGeom>
         </p:spPr>
         <p:txBody>
-          <a:bodyPr anchorCtr="0" anchor="t" bIns="91425" lIns="91425" spcFirstLastPara="1" rIns="91425" wrap="square" tIns="91425">
+          <a:bodyPr spcFirstLastPara="1" wrap="square" lIns="91425" tIns="91425" rIns="91425" bIns="91425" anchor="t" anchorCtr="0">
             <a:normAutofit fontScale="77500"/>
           </a:bodyPr>
           <a:lstStyle/>
           <a:p>
-            <a:pPr indent="-307340" lvl="0" marL="457200" rtl="0" algn="l">
+            <a:pPr marL="457200" lvl="0" indent="-307340" algn="l" rtl="0">
               <a:spcBef>
                 <a:spcPts val="0"/>
               </a:spcBef>
@@ -11684,7 +11635,7 @@
             <a:endParaRPr sz="1600"/>
           </a:p>
           <a:p>
-            <a:pPr indent="-307340" lvl="0" marL="457200" rtl="0" algn="l">
+            <a:pPr marL="457200" lvl="0" indent="-307340" algn="l" rtl="0">
               <a:spcBef>
                 <a:spcPts val="0"/>
               </a:spcBef>
@@ -11701,7 +11652,7 @@
             <a:endParaRPr sz="1600"/>
           </a:p>
           <a:p>
-            <a:pPr indent="-307340" lvl="0" marL="457200" rtl="0" algn="l">
+            <a:pPr marL="457200" lvl="0" indent="-307340" algn="l" rtl="0">
               <a:spcBef>
                 <a:spcPts val="0"/>
               </a:spcBef>
@@ -11718,7 +11669,7 @@
             <a:endParaRPr sz="1600"/>
           </a:p>
           <a:p>
-            <a:pPr indent="-307340" lvl="0" marL="457200" rtl="0" algn="l">
+            <a:pPr marL="457200" lvl="0" indent="-307340" algn="l" rtl="0">
               <a:spcBef>
                 <a:spcPts val="0"/>
               </a:spcBef>
@@ -11735,7 +11686,7 @@
             <a:endParaRPr sz="1600"/>
           </a:p>
           <a:p>
-            <a:pPr indent="-307340" lvl="0" marL="457200" rtl="0" algn="l">
+            <a:pPr marL="457200" lvl="0" indent="-307340" algn="l" rtl="0">
               <a:spcBef>
                 <a:spcPts val="0"/>
               </a:spcBef>
@@ -11752,7 +11703,7 @@
             <a:endParaRPr sz="1600"/>
           </a:p>
           <a:p>
-            <a:pPr indent="0" lvl="0" marL="0" rtl="0" algn="l">
+            <a:pPr marL="0" lvl="0" indent="0" algn="l" rtl="0">
               <a:spcBef>
                 <a:spcPts val="1200"/>
               </a:spcBef>
@@ -11761,9 +11712,6 @@
               </a:spcAft>
               <a:buNone/>
             </a:pPr>
-            <a:r>
-              <a:t/>
-            </a:r>
             <a:endParaRPr/>
           </a:p>
         </p:txBody>
@@ -11772,11 +11720,17 @@
         <p:nvGraphicFramePr>
           <p:cNvPr id="143" name="Google Shape;143;p15"/>
           <p:cNvGraphicFramePr/>
-          <p:nvPr/>
+          <p:nvPr>
+            <p:extLst>
+              <p:ext uri="{D42A27DB-BD31-4B8C-83A1-F6EECF244321}">
+                <p14:modId xmlns:p14="http://schemas.microsoft.com/office/powerpoint/2010/main" val="4235885154"/>
+              </p:ext>
+            </p:extLst>
+          </p:nvPr>
         </p:nvGraphicFramePr>
         <p:xfrm>
           <a:off x="3029500" y="2974425"/>
-          <a:ext cx="3000000" cy="3000000"/>
+          <a:ext cx="2158750" cy="1592592"/>
         </p:xfrm>
         <a:graphic>
           <a:graphicData uri="http://schemas.openxmlformats.org/drawingml/2006/table">
@@ -11786,16 +11740,28 @@
                 <a:tableStyleId>{4210CBCB-1604-41D9-A44A-1F9DB09B8B1F}</a:tableStyleId>
               </a:tblPr>
               <a:tblGrid>
-                <a:gridCol w="1079375"/>
-                <a:gridCol w="1079375"/>
+                <a:gridCol w="1079375">
+                  <a:extLst>
+                    <a:ext uri="{9D8B030D-6E8A-4147-A177-3AD203B41FA5}">
+                      <a16:colId xmlns:a16="http://schemas.microsoft.com/office/drawing/2014/main" val="20000"/>
+                    </a:ext>
+                  </a:extLst>
+                </a:gridCol>
+                <a:gridCol w="1079375">
+                  <a:extLst>
+                    <a:ext uri="{9D8B030D-6E8A-4147-A177-3AD203B41FA5}">
+                      <a16:colId xmlns:a16="http://schemas.microsoft.com/office/drawing/2014/main" val="20001"/>
+                    </a:ext>
+                  </a:extLst>
+                </a:gridCol>
               </a:tblGrid>
-              <a:tr h="545250">
+              <a:tr h="401292">
                 <a:tc>
                   <a:txBody>
                     <a:bodyPr/>
                     <a:lstStyle/>
                     <a:p>
-                      <a:pPr indent="0" lvl="0" marL="0" rtl="0" algn="l">
+                      <a:pPr marL="0" lvl="0" indent="0" algn="l" rtl="0">
                         <a:spcBef>
                           <a:spcPts val="0"/>
                         </a:spcBef>
@@ -11811,14 +11777,14 @@
                       <a:endParaRPr sz="1100"/>
                     </a:p>
                   </a:txBody>
-                  <a:tcPr marT="91425" marB="91425" marR="91425" marL="91425"/>
+                  <a:tcPr marL="91425" marR="91425" marT="91425" marB="91425"/>
                 </a:tc>
                 <a:tc>
                   <a:txBody>
                     <a:bodyPr/>
                     <a:lstStyle/>
                     <a:p>
-                      <a:pPr indent="0" lvl="0" marL="0" rtl="0" algn="l">
+                      <a:pPr marL="0" lvl="0" indent="0" algn="l" rtl="0">
                         <a:spcBef>
                           <a:spcPts val="0"/>
                         </a:spcBef>
@@ -11834,8 +11800,13 @@
                       <a:endParaRPr sz="1100"/>
                     </a:p>
                   </a:txBody>
-                  <a:tcPr marT="91425" marB="91425" marR="91425" marL="91425"/>
+                  <a:tcPr marL="91425" marR="91425" marT="91425" marB="91425"/>
                 </a:tc>
+                <a:extLst>
+                  <a:ext uri="{0D108BD9-81ED-4DB2-BD59-A6C34878D82A}">
+                    <a16:rowId xmlns:a16="http://schemas.microsoft.com/office/drawing/2014/main" val="10000"/>
+                  </a:ext>
+                </a:extLst>
               </a:tr>
               <a:tr h="397100">
                 <a:tc>
@@ -11843,7 +11814,7 @@
                     <a:bodyPr/>
                     <a:lstStyle/>
                     <a:p>
-                      <a:pPr indent="0" lvl="0" marL="0" rtl="0" algn="l">
+                      <a:pPr marL="0" lvl="0" indent="0" algn="l" rtl="0">
                         <a:spcBef>
                           <a:spcPts val="0"/>
                         </a:spcBef>
@@ -11859,14 +11830,14 @@
                       <a:endParaRPr sz="1100"/>
                     </a:p>
                   </a:txBody>
-                  <a:tcPr marT="91425" marB="91425" marR="91425" marL="91425"/>
+                  <a:tcPr marL="91425" marR="91425" marT="91425" marB="91425"/>
                 </a:tc>
                 <a:tc>
                   <a:txBody>
                     <a:bodyPr/>
                     <a:lstStyle/>
                     <a:p>
-                      <a:pPr indent="0" lvl="0" marL="0" rtl="0" algn="l">
+                      <a:pPr marL="0" lvl="0" indent="0" algn="l" rtl="0">
                         <a:spcBef>
                           <a:spcPts val="0"/>
                         </a:spcBef>
@@ -11882,8 +11853,13 @@
                       <a:endParaRPr sz="1100"/>
                     </a:p>
                   </a:txBody>
-                  <a:tcPr marT="91425" marB="91425" marR="91425" marL="91425"/>
+                  <a:tcPr marL="91425" marR="91425" marT="91425" marB="91425"/>
                 </a:tc>
+                <a:extLst>
+                  <a:ext uri="{0D108BD9-81ED-4DB2-BD59-A6C34878D82A}">
+                    <a16:rowId xmlns:a16="http://schemas.microsoft.com/office/drawing/2014/main" val="10001"/>
+                  </a:ext>
+                </a:extLst>
               </a:tr>
               <a:tr h="397100">
                 <a:tc>
@@ -11891,7 +11867,7 @@
                     <a:bodyPr/>
                     <a:lstStyle/>
                     <a:p>
-                      <a:pPr indent="0" lvl="0" marL="0" rtl="0" algn="l">
+                      <a:pPr marL="0" lvl="0" indent="0" algn="l" rtl="0">
                         <a:spcBef>
                           <a:spcPts val="0"/>
                         </a:spcBef>
@@ -11907,14 +11883,14 @@
                       <a:endParaRPr sz="1100"/>
                     </a:p>
                   </a:txBody>
-                  <a:tcPr marT="91425" marB="91425" marR="91425" marL="91425"/>
+                  <a:tcPr marL="91425" marR="91425" marT="91425" marB="91425"/>
                 </a:tc>
                 <a:tc>
                   <a:txBody>
                     <a:bodyPr/>
                     <a:lstStyle/>
                     <a:p>
-                      <a:pPr indent="0" lvl="0" marL="0" rtl="0" algn="l">
+                      <a:pPr marL="0" lvl="0" indent="0" algn="l" rtl="0">
                         <a:spcBef>
                           <a:spcPts val="0"/>
                         </a:spcBef>
@@ -11930,8 +11906,13 @@
                       <a:endParaRPr sz="1100"/>
                     </a:p>
                   </a:txBody>
-                  <a:tcPr marT="91425" marB="91425" marR="91425" marL="91425"/>
+                  <a:tcPr marL="91425" marR="91425" marT="91425" marB="91425"/>
                 </a:tc>
+                <a:extLst>
+                  <a:ext uri="{0D108BD9-81ED-4DB2-BD59-A6C34878D82A}">
+                    <a16:rowId xmlns:a16="http://schemas.microsoft.com/office/drawing/2014/main" val="10002"/>
+                  </a:ext>
+                </a:extLst>
               </a:tr>
               <a:tr h="397100">
                 <a:tc>
@@ -11939,7 +11920,7 @@
                     <a:bodyPr/>
                     <a:lstStyle/>
                     <a:p>
-                      <a:pPr indent="0" lvl="0" marL="0" rtl="0" algn="l">
+                      <a:pPr marL="0" lvl="0" indent="0" algn="l" rtl="0">
                         <a:spcBef>
                           <a:spcPts val="0"/>
                         </a:spcBef>
@@ -11955,14 +11936,14 @@
                       <a:endParaRPr sz="1100"/>
                     </a:p>
                   </a:txBody>
-                  <a:tcPr marT="91425" marB="91425" marR="91425" marL="91425"/>
+                  <a:tcPr marL="91425" marR="91425" marT="91425" marB="91425"/>
                 </a:tc>
                 <a:tc>
                   <a:txBody>
                     <a:bodyPr/>
                     <a:lstStyle/>
                     <a:p>
-                      <a:pPr indent="0" lvl="0" marL="0" rtl="0" algn="l">
+                      <a:pPr marL="0" lvl="0" indent="0" algn="l" rtl="0">
                         <a:spcBef>
                           <a:spcPts val="0"/>
                         </a:spcBef>
@@ -11972,14 +11953,19 @@
                         <a:buNone/>
                       </a:pPr>
                       <a:r>
-                        <a:rPr lang="en" sz="1100"/>
+                        <a:rPr lang="en" sz="1100" dirty="0"/>
                         <a:t>8</a:t>
                       </a:r>
-                      <a:endParaRPr sz="1100"/>
+                      <a:endParaRPr sz="1100" dirty="0"/>
                     </a:p>
                   </a:txBody>
-                  <a:tcPr marT="91425" marB="91425" marR="91425" marL="91425"/>
+                  <a:tcPr marL="91425" marR="91425" marT="91425" marB="91425"/>
                 </a:tc>
+                <a:extLst>
+                  <a:ext uri="{0D108BD9-81ED-4DB2-BD59-A6C34878D82A}">
+                    <a16:rowId xmlns:a16="http://schemas.microsoft.com/office/drawing/2014/main" val="10003"/>
+                  </a:ext>
+                </a:extLst>
               </a:tr>
             </a:tbl>
           </a:graphicData>
@@ -11993,7 +11979,7 @@
         </p:nvGraphicFramePr>
         <p:xfrm>
           <a:off x="5263600" y="764883"/>
-          <a:ext cx="3000000" cy="3000000"/>
+          <a:ext cx="3289200" cy="4030257"/>
         </p:xfrm>
         <a:graphic>
           <a:graphicData uri="http://schemas.openxmlformats.org/drawingml/2006/table">
@@ -12003,10 +11989,34 @@
                 <a:tableStyleId>{4210CBCB-1604-41D9-A44A-1F9DB09B8B1F}</a:tableStyleId>
               </a:tblPr>
               <a:tblGrid>
-                <a:gridCol w="822300"/>
-                <a:gridCol w="822300"/>
-                <a:gridCol w="822300"/>
-                <a:gridCol w="822300"/>
+                <a:gridCol w="822300">
+                  <a:extLst>
+                    <a:ext uri="{9D8B030D-6E8A-4147-A177-3AD203B41FA5}">
+                      <a16:colId xmlns:a16="http://schemas.microsoft.com/office/drawing/2014/main" val="20000"/>
+                    </a:ext>
+                  </a:extLst>
+                </a:gridCol>
+                <a:gridCol w="822300">
+                  <a:extLst>
+                    <a:ext uri="{9D8B030D-6E8A-4147-A177-3AD203B41FA5}">
+                      <a16:colId xmlns:a16="http://schemas.microsoft.com/office/drawing/2014/main" val="20001"/>
+                    </a:ext>
+                  </a:extLst>
+                </a:gridCol>
+                <a:gridCol w="822300">
+                  <a:extLst>
+                    <a:ext uri="{9D8B030D-6E8A-4147-A177-3AD203B41FA5}">
+                      <a16:colId xmlns:a16="http://schemas.microsoft.com/office/drawing/2014/main" val="20002"/>
+                    </a:ext>
+                  </a:extLst>
+                </a:gridCol>
+                <a:gridCol w="822300">
+                  <a:extLst>
+                    <a:ext uri="{9D8B030D-6E8A-4147-A177-3AD203B41FA5}">
+                      <a16:colId xmlns:a16="http://schemas.microsoft.com/office/drawing/2014/main" val="20003"/>
+                    </a:ext>
+                  </a:extLst>
+                </a:gridCol>
               </a:tblGrid>
               <a:tr h="251700">
                 <a:tc>
@@ -12014,7 +12024,7 @@
                     <a:bodyPr/>
                     <a:lstStyle/>
                     <a:p>
-                      <a:pPr indent="0" lvl="0" marL="0" rtl="0" algn="ctr">
+                      <a:pPr marL="0" lvl="0" indent="0" algn="ctr" rtl="0">
                         <a:lnSpc>
                           <a:spcPct val="115000"/>
                         </a:lnSpc>
@@ -12027,13 +12037,13 @@
                         <a:buNone/>
                       </a:pPr>
                       <a:r>
-                        <a:rPr b="1" lang="en" sz="700"/>
+                        <a:rPr lang="en" sz="700" b="1"/>
                         <a:t>Event</a:t>
                       </a:r>
-                      <a:endParaRPr b="1" sz="700"/>
+                      <a:endParaRPr sz="700" b="1"/>
                     </a:p>
                   </a:txBody>
-                  <a:tcPr marT="91425" marB="91425" marR="91425" marL="91425">
+                  <a:tcPr marL="91425" marR="91425" marT="91425" marB="91425">
                     <a:solidFill>
                       <a:srgbClr val="CCCCCC"/>
                     </a:solidFill>
@@ -12044,7 +12054,7 @@
                     <a:bodyPr/>
                     <a:lstStyle/>
                     <a:p>
-                      <a:pPr indent="0" lvl="0" marL="0" rtl="0" algn="ctr">
+                      <a:pPr marL="0" lvl="0" indent="0" algn="ctr" rtl="0">
                         <a:lnSpc>
                           <a:spcPct val="115000"/>
                         </a:lnSpc>
@@ -12057,17 +12067,17 @@
                         <a:buNone/>
                       </a:pPr>
                       <a:r>
-                        <a:rPr b="1" lang="en" sz="700"/>
+                        <a:rPr lang="en" sz="700" b="1"/>
                         <a:t>1</a:t>
                       </a:r>
                       <a:r>
-                        <a:rPr b="1" lang="en" sz="600"/>
+                        <a:rPr lang="en" sz="600" b="1"/>
                         <a:t>st</a:t>
                       </a:r>
-                      <a:endParaRPr b="1" sz="600"/>
+                      <a:endParaRPr sz="600" b="1"/>
                     </a:p>
                   </a:txBody>
-                  <a:tcPr marT="91425" marB="91425" marR="91425" marL="91425">
+                  <a:tcPr marL="91425" marR="91425" marT="91425" marB="91425">
                     <a:solidFill>
                       <a:srgbClr val="FFD700"/>
                     </a:solidFill>
@@ -12078,7 +12088,7 @@
                     <a:bodyPr/>
                     <a:lstStyle/>
                     <a:p>
-                      <a:pPr indent="0" lvl="0" marL="0" rtl="0" algn="ctr">
+                      <a:pPr marL="0" lvl="0" indent="0" algn="ctr" rtl="0">
                         <a:lnSpc>
                           <a:spcPct val="115000"/>
                         </a:lnSpc>
@@ -12091,17 +12101,17 @@
                         <a:buNone/>
                       </a:pPr>
                       <a:r>
-                        <a:rPr b="1" lang="en" sz="700"/>
+                        <a:rPr lang="en" sz="700" b="1"/>
                         <a:t>2</a:t>
                       </a:r>
                       <a:r>
-                        <a:rPr b="1" lang="en" sz="600"/>
+                        <a:rPr lang="en" sz="600" b="1"/>
                         <a:t>nd</a:t>
                       </a:r>
-                      <a:endParaRPr b="1" sz="600"/>
+                      <a:endParaRPr sz="600" b="1"/>
                     </a:p>
                   </a:txBody>
-                  <a:tcPr marT="91425" marB="91425" marR="91425" marL="91425">
+                  <a:tcPr marL="91425" marR="91425" marT="91425" marB="91425">
                     <a:solidFill>
                       <a:srgbClr val="C0C0C0"/>
                     </a:solidFill>
@@ -12112,7 +12122,7 @@
                     <a:bodyPr/>
                     <a:lstStyle/>
                     <a:p>
-                      <a:pPr indent="0" lvl="0" marL="0" rtl="0" algn="ctr">
+                      <a:pPr marL="0" lvl="0" indent="0" algn="ctr" rtl="0">
                         <a:lnSpc>
                           <a:spcPct val="115000"/>
                         </a:lnSpc>
@@ -12125,22 +12135,27 @@
                         <a:buNone/>
                       </a:pPr>
                       <a:r>
-                        <a:rPr b="1" lang="en" sz="700"/>
+                        <a:rPr lang="en" sz="700" b="1"/>
                         <a:t>3</a:t>
                       </a:r>
                       <a:r>
-                        <a:rPr b="1" lang="en" sz="600"/>
+                        <a:rPr lang="en" sz="600" b="1"/>
                         <a:t>rd</a:t>
                       </a:r>
-                      <a:endParaRPr b="1" sz="600"/>
+                      <a:endParaRPr sz="600" b="1"/>
                     </a:p>
                   </a:txBody>
-                  <a:tcPr marT="91425" marB="91425" marR="91425" marL="91425">
+                  <a:tcPr marL="91425" marR="91425" marT="91425" marB="91425">
                     <a:solidFill>
                       <a:srgbClr val="CC9966"/>
                     </a:solidFill>
                   </a:tcPr>
                 </a:tc>
+                <a:extLst>
+                  <a:ext uri="{0D108BD9-81ED-4DB2-BD59-A6C34878D82A}">
+                    <a16:rowId xmlns:a16="http://schemas.microsoft.com/office/drawing/2014/main" val="10000"/>
+                  </a:ext>
+                </a:extLst>
               </a:tr>
               <a:tr h="324200">
                 <a:tc>
@@ -12148,7 +12163,7 @@
                     <a:bodyPr/>
                     <a:lstStyle/>
                     <a:p>
-                      <a:pPr indent="0" lvl="0" marL="0" rtl="0" algn="l">
+                      <a:pPr marL="0" lvl="0" indent="0" algn="l" rtl="0">
                         <a:lnSpc>
                           <a:spcPct val="115000"/>
                         </a:lnSpc>
@@ -12167,7 +12182,7 @@
                       <a:endParaRPr sz="700"/>
                     </a:p>
                     <a:p>
-                      <a:pPr indent="0" lvl="0" marL="0" rtl="0" algn="l">
+                      <a:pPr marL="0" lvl="0" indent="0" algn="l" rtl="0">
                         <a:lnSpc>
                           <a:spcPct val="115000"/>
                         </a:lnSpc>
@@ -12179,20 +12194,17 @@
                         </a:spcAft>
                         <a:buNone/>
                       </a:pPr>
-                      <a:r>
-                        <a:t/>
-                      </a:r>
                       <a:endParaRPr sz="700"/>
                     </a:p>
                   </a:txBody>
-                  <a:tcPr marT="91425" marB="91425" marR="91425" marL="91425"/>
+                  <a:tcPr marL="91425" marR="91425" marT="91425" marB="91425"/>
                 </a:tc>
                 <a:tc>
                   <a:txBody>
                     <a:bodyPr/>
                     <a:lstStyle/>
                     <a:p>
-                      <a:pPr indent="0" lvl="0" marL="0" rtl="0" algn="ctr">
+                      <a:pPr marL="0" lvl="0" indent="0" algn="ctr" rtl="0">
                         <a:lnSpc>
                           <a:spcPct val="115000"/>
                         </a:lnSpc>
@@ -12211,7 +12223,7 @@
                       <a:endParaRPr sz="700"/>
                     </a:p>
                     <a:p>
-                      <a:pPr indent="0" lvl="0" marL="0" rtl="0" algn="ctr">
+                      <a:pPr marL="0" lvl="0" indent="0" algn="ctr" rtl="0">
                         <a:lnSpc>
                           <a:spcPct val="115000"/>
                         </a:lnSpc>
@@ -12230,7 +12242,7 @@
                       <a:endParaRPr sz="700"/>
                     </a:p>
                   </a:txBody>
-                  <a:tcPr marT="91425" marB="91425" marR="91425" marL="91425">
+                  <a:tcPr marL="91425" marR="91425" marT="91425" marB="91425">
                     <a:solidFill>
                       <a:srgbClr val="FEEC80"/>
                     </a:solidFill>
@@ -12241,7 +12253,7 @@
                     <a:bodyPr/>
                     <a:lstStyle/>
                     <a:p>
-                      <a:pPr indent="0" lvl="0" marL="0" rtl="0" algn="ctr">
+                      <a:pPr marL="0" lvl="0" indent="0" algn="ctr" rtl="0">
                         <a:lnSpc>
                           <a:spcPct val="115000"/>
                         </a:lnSpc>
@@ -12260,7 +12272,7 @@
                       <a:endParaRPr sz="700"/>
                     </a:p>
                   </a:txBody>
-                  <a:tcPr marT="91425" marB="91425" marR="91425" marL="91425">
+                  <a:tcPr marL="91425" marR="91425" marT="91425" marB="91425">
                     <a:solidFill>
                       <a:srgbClr val="E5E5E5"/>
                     </a:solidFill>
@@ -12271,7 +12283,7 @@
                     <a:bodyPr/>
                     <a:lstStyle/>
                     <a:p>
-                      <a:pPr indent="0" lvl="0" marL="0" rtl="0" algn="ctr">
+                      <a:pPr marL="0" lvl="0" indent="0" algn="ctr" rtl="0">
                         <a:lnSpc>
                           <a:spcPct val="115000"/>
                         </a:lnSpc>
@@ -12290,12 +12302,17 @@
                       <a:endParaRPr sz="700"/>
                     </a:p>
                   </a:txBody>
-                  <a:tcPr marT="91425" marB="91425" marR="91425" marL="91425">
+                  <a:tcPr marL="91425" marR="91425" marT="91425" marB="91425">
                     <a:solidFill>
                       <a:srgbClr val="FFCC99"/>
                     </a:solidFill>
                   </a:tcPr>
                 </a:tc>
+                <a:extLst>
+                  <a:ext uri="{0D108BD9-81ED-4DB2-BD59-A6C34878D82A}">
+                    <a16:rowId xmlns:a16="http://schemas.microsoft.com/office/drawing/2014/main" val="10001"/>
+                  </a:ext>
+                </a:extLst>
               </a:tr>
               <a:tr h="431250">
                 <a:tc>
@@ -12303,7 +12320,7 @@
                     <a:bodyPr/>
                     <a:lstStyle/>
                     <a:p>
-                      <a:pPr indent="0" lvl="0" marL="0" rtl="0" algn="l">
+                      <a:pPr marL="0" lvl="0" indent="0" algn="l" rtl="0">
                         <a:lnSpc>
                           <a:spcPct val="115000"/>
                         </a:lnSpc>
@@ -12326,14 +12343,14 @@
                       </a:endParaRPr>
                     </a:p>
                   </a:txBody>
-                  <a:tcPr marT="91425" marB="91425" marR="91425" marL="91425"/>
+                  <a:tcPr marL="91425" marR="91425" marT="91425" marB="91425"/>
                 </a:tc>
                 <a:tc>
                   <a:txBody>
                     <a:bodyPr/>
                     <a:lstStyle/>
                     <a:p>
-                      <a:pPr indent="0" lvl="0" marL="0" rtl="0" algn="ctr">
+                      <a:pPr marL="0" lvl="0" indent="0" algn="ctr" rtl="0">
                         <a:lnSpc>
                           <a:spcPct val="115000"/>
                         </a:lnSpc>
@@ -12352,7 +12369,7 @@
                       <a:endParaRPr sz="700"/>
                     </a:p>
                     <a:p>
-                      <a:pPr indent="0" lvl="0" marL="0" rtl="0" algn="ctr">
+                      <a:pPr marL="0" lvl="0" indent="0" algn="ctr" rtl="0">
                         <a:lnSpc>
                           <a:spcPct val="115000"/>
                         </a:lnSpc>
@@ -12371,7 +12388,7 @@
                       <a:endParaRPr sz="700"/>
                     </a:p>
                   </a:txBody>
-                  <a:tcPr marT="91425" marB="91425" marR="91425" marL="91425">
+                  <a:tcPr marL="91425" marR="91425" marT="91425" marB="91425">
                     <a:solidFill>
                       <a:srgbClr val="FEEC80"/>
                     </a:solidFill>
@@ -12382,7 +12399,7 @@
                     <a:bodyPr/>
                     <a:lstStyle/>
                     <a:p>
-                      <a:pPr indent="0" lvl="0" marL="0" rtl="0" algn="ctr">
+                      <a:pPr marL="0" lvl="0" indent="0" algn="ctr" rtl="0">
                         <a:lnSpc>
                           <a:spcPct val="115000"/>
                         </a:lnSpc>
@@ -12401,7 +12418,7 @@
                       <a:endParaRPr sz="700"/>
                     </a:p>
                   </a:txBody>
-                  <a:tcPr marT="91425" marB="91425" marR="91425" marL="91425">
+                  <a:tcPr marL="91425" marR="91425" marT="91425" marB="91425">
                     <a:solidFill>
                       <a:srgbClr val="E5E5E5"/>
                     </a:solidFill>
@@ -12412,7 +12429,7 @@
                     <a:bodyPr/>
                     <a:lstStyle/>
                     <a:p>
-                      <a:pPr indent="0" lvl="0" marL="0" rtl="0" algn="ctr">
+                      <a:pPr marL="0" lvl="0" indent="0" algn="ctr" rtl="0">
                         <a:lnSpc>
                           <a:spcPct val="115000"/>
                         </a:lnSpc>
@@ -12431,12 +12448,17 @@
                       <a:endParaRPr sz="700"/>
                     </a:p>
                   </a:txBody>
-                  <a:tcPr marT="91425" marB="91425" marR="91425" marL="91425">
+                  <a:tcPr marL="91425" marR="91425" marT="91425" marB="91425">
                     <a:solidFill>
                       <a:srgbClr val="FFCC99"/>
                     </a:solidFill>
                   </a:tcPr>
                 </a:tc>
+                <a:extLst>
+                  <a:ext uri="{0D108BD9-81ED-4DB2-BD59-A6C34878D82A}">
+                    <a16:rowId xmlns:a16="http://schemas.microsoft.com/office/drawing/2014/main" val="10002"/>
+                  </a:ext>
+                </a:extLst>
               </a:tr>
               <a:tr h="538275">
                 <a:tc>
@@ -12444,7 +12466,7 @@
                     <a:bodyPr/>
                     <a:lstStyle/>
                     <a:p>
-                      <a:pPr indent="0" lvl="0" marL="0" rtl="0" algn="l">
+                      <a:pPr marL="0" lvl="0" indent="0" algn="l" rtl="0">
                         <a:lnSpc>
                           <a:spcPct val="115000"/>
                         </a:lnSpc>
@@ -12463,14 +12485,14 @@
                       <a:endParaRPr sz="700"/>
                     </a:p>
                   </a:txBody>
-                  <a:tcPr marT="91425" marB="91425" marR="91425" marL="91425"/>
+                  <a:tcPr marL="91425" marR="91425" marT="91425" marB="91425"/>
                 </a:tc>
                 <a:tc>
                   <a:txBody>
                     <a:bodyPr/>
                     <a:lstStyle/>
                     <a:p>
-                      <a:pPr indent="0" lvl="0" marL="0" rtl="0" algn="ctr">
+                      <a:pPr marL="0" lvl="0" indent="0" algn="ctr" rtl="0">
                         <a:lnSpc>
                           <a:spcPct val="115000"/>
                         </a:lnSpc>
@@ -12489,7 +12511,7 @@
                       <a:endParaRPr sz="700"/>
                     </a:p>
                     <a:p>
-                      <a:pPr indent="0" lvl="0" marL="0" rtl="0" algn="ctr">
+                      <a:pPr marL="0" lvl="0" indent="0" algn="ctr" rtl="0">
                         <a:lnSpc>
                           <a:spcPct val="115000"/>
                         </a:lnSpc>
@@ -12508,7 +12530,7 @@
                       <a:endParaRPr sz="700"/>
                     </a:p>
                   </a:txBody>
-                  <a:tcPr marT="91425" marB="91425" marR="91425" marL="91425">
+                  <a:tcPr marL="91425" marR="91425" marT="91425" marB="91425">
                     <a:solidFill>
                       <a:srgbClr val="FEEC80"/>
                     </a:solidFill>
@@ -12519,7 +12541,7 @@
                     <a:bodyPr/>
                     <a:lstStyle/>
                     <a:p>
-                      <a:pPr indent="0" lvl="0" marL="0" rtl="0" algn="ctr">
+                      <a:pPr marL="0" lvl="0" indent="0" algn="ctr" rtl="0">
                         <a:lnSpc>
                           <a:spcPct val="115000"/>
                         </a:lnSpc>
@@ -12538,7 +12560,7 @@
                       <a:endParaRPr sz="700"/>
                     </a:p>
                   </a:txBody>
-                  <a:tcPr marT="91425" marB="91425" marR="91425" marL="91425">
+                  <a:tcPr marL="91425" marR="91425" marT="91425" marB="91425">
                     <a:solidFill>
                       <a:srgbClr val="E5E5E5"/>
                     </a:solidFill>
@@ -12549,7 +12571,7 @@
                     <a:bodyPr/>
                     <a:lstStyle/>
                     <a:p>
-                      <a:pPr indent="0" lvl="0" marL="0" rtl="0" algn="ctr">
+                      <a:pPr marL="0" lvl="0" indent="0" algn="ctr" rtl="0">
                         <a:lnSpc>
                           <a:spcPct val="115000"/>
                         </a:lnSpc>
@@ -12568,12 +12590,17 @@
                       <a:endParaRPr sz="700"/>
                     </a:p>
                   </a:txBody>
-                  <a:tcPr marT="91425" marB="91425" marR="91425" marL="91425">
+                  <a:tcPr marL="91425" marR="91425" marT="91425" marB="91425">
                     <a:solidFill>
                       <a:srgbClr val="FFCC99"/>
                     </a:solidFill>
                   </a:tcPr>
                 </a:tc>
+                <a:extLst>
+                  <a:ext uri="{0D108BD9-81ED-4DB2-BD59-A6C34878D82A}">
+                    <a16:rowId xmlns:a16="http://schemas.microsoft.com/office/drawing/2014/main" val="10003"/>
+                  </a:ext>
+                </a:extLst>
               </a:tr>
               <a:tr h="538275">
                 <a:tc>
@@ -12581,7 +12608,7 @@
                     <a:bodyPr/>
                     <a:lstStyle/>
                     <a:p>
-                      <a:pPr indent="0" lvl="0" marL="0" rtl="0" algn="l">
+                      <a:pPr marL="0" lvl="0" indent="0" algn="l" rtl="0">
                         <a:lnSpc>
                           <a:spcPct val="115000"/>
                         </a:lnSpc>
@@ -12600,14 +12627,14 @@
                       <a:endParaRPr sz="700"/>
                     </a:p>
                   </a:txBody>
-                  <a:tcPr marT="91425" marB="91425" marR="91425" marL="91425"/>
+                  <a:tcPr marL="91425" marR="91425" marT="91425" marB="91425"/>
                 </a:tc>
                 <a:tc>
                   <a:txBody>
                     <a:bodyPr/>
                     <a:lstStyle/>
                     <a:p>
-                      <a:pPr indent="0" lvl="0" marL="0" rtl="0" algn="ctr">
+                      <a:pPr marL="0" lvl="0" indent="0" algn="ctr" rtl="0">
                         <a:lnSpc>
                           <a:spcPct val="115000"/>
                         </a:lnSpc>
@@ -12626,7 +12653,7 @@
                       <a:endParaRPr sz="700"/>
                     </a:p>
                   </a:txBody>
-                  <a:tcPr marT="91425" marB="91425" marR="91425" marL="91425">
+                  <a:tcPr marL="91425" marR="91425" marT="91425" marB="91425">
                     <a:solidFill>
                       <a:srgbClr val="FEEC80"/>
                     </a:solidFill>
@@ -12637,7 +12664,7 @@
                     <a:bodyPr/>
                     <a:lstStyle/>
                     <a:p>
-                      <a:pPr indent="0" lvl="0" marL="0" rtl="0" algn="ctr">
+                      <a:pPr marL="0" lvl="0" indent="0" algn="ctr" rtl="0">
                         <a:lnSpc>
                           <a:spcPct val="115000"/>
                         </a:lnSpc>
@@ -12656,7 +12683,7 @@
                       <a:endParaRPr sz="700"/>
                     </a:p>
                   </a:txBody>
-                  <a:tcPr marT="91425" marB="91425" marR="91425" marL="91425">
+                  <a:tcPr marL="91425" marR="91425" marT="91425" marB="91425">
                     <a:solidFill>
                       <a:srgbClr val="E5E5E5"/>
                     </a:solidFill>
@@ -12667,7 +12694,7 @@
                     <a:bodyPr/>
                     <a:lstStyle/>
                     <a:p>
-                      <a:pPr indent="0" lvl="0" marL="0" rtl="0" algn="ctr">
+                      <a:pPr marL="0" lvl="0" indent="0" algn="ctr" rtl="0">
                         <a:lnSpc>
                           <a:spcPct val="115000"/>
                         </a:lnSpc>
@@ -12686,7 +12713,7 @@
                       <a:endParaRPr sz="700"/>
                     </a:p>
                     <a:p>
-                      <a:pPr indent="0" lvl="0" marL="0" rtl="0" algn="ctr">
+                      <a:pPr marL="0" lvl="0" indent="0" algn="ctr" rtl="0">
                         <a:lnSpc>
                           <a:spcPct val="115000"/>
                         </a:lnSpc>
@@ -12705,12 +12732,17 @@
                       <a:endParaRPr sz="700"/>
                     </a:p>
                   </a:txBody>
-                  <a:tcPr marT="91425" marB="91425" marR="91425" marL="91425">
+                  <a:tcPr marL="91425" marR="91425" marT="91425" marB="91425">
                     <a:solidFill>
                       <a:srgbClr val="FFCC99"/>
                     </a:solidFill>
                   </a:tcPr>
                 </a:tc>
+                <a:extLst>
+                  <a:ext uri="{0D108BD9-81ED-4DB2-BD59-A6C34878D82A}">
+                    <a16:rowId xmlns:a16="http://schemas.microsoft.com/office/drawing/2014/main" val="10004"/>
+                  </a:ext>
+                </a:extLst>
               </a:tr>
               <a:tr h="431250">
                 <a:tc>
@@ -12718,7 +12750,7 @@
                     <a:bodyPr/>
                     <a:lstStyle/>
                     <a:p>
-                      <a:pPr indent="0" lvl="0" marL="0" rtl="0" algn="l">
+                      <a:pPr marL="0" lvl="0" indent="0" algn="l" rtl="0">
                         <a:lnSpc>
                           <a:spcPct val="115000"/>
                         </a:lnSpc>
@@ -12741,14 +12773,14 @@
                       </a:endParaRPr>
                     </a:p>
                   </a:txBody>
-                  <a:tcPr marT="91425" marB="91425" marR="91425" marL="91425"/>
+                  <a:tcPr marL="91425" marR="91425" marT="91425" marB="91425"/>
                 </a:tc>
                 <a:tc>
                   <a:txBody>
                     <a:bodyPr/>
                     <a:lstStyle/>
                     <a:p>
-                      <a:pPr indent="0" lvl="0" marL="0" rtl="0" algn="ctr">
+                      <a:pPr marL="0" lvl="0" indent="0" algn="ctr" rtl="0">
                         <a:lnSpc>
                           <a:spcPct val="115000"/>
                         </a:lnSpc>
@@ -12767,7 +12799,7 @@
                       <a:endParaRPr sz="700"/>
                     </a:p>
                     <a:p>
-                      <a:pPr indent="0" lvl="0" marL="0" rtl="0" algn="ctr">
+                      <a:pPr marL="0" lvl="0" indent="0" algn="ctr" rtl="0">
                         <a:lnSpc>
                           <a:spcPct val="115000"/>
                         </a:lnSpc>
@@ -12786,7 +12818,7 @@
                       <a:endParaRPr sz="700"/>
                     </a:p>
                   </a:txBody>
-                  <a:tcPr marT="91425" marB="91425" marR="91425" marL="91425">
+                  <a:tcPr marL="91425" marR="91425" marT="91425" marB="91425">
                     <a:solidFill>
                       <a:srgbClr val="FEEC80"/>
                     </a:solidFill>
@@ -12797,7 +12829,7 @@
                     <a:bodyPr/>
                     <a:lstStyle/>
                     <a:p>
-                      <a:pPr indent="0" lvl="0" marL="0" rtl="0" algn="ctr">
+                      <a:pPr marL="0" lvl="0" indent="0" algn="ctr" rtl="0">
                         <a:lnSpc>
                           <a:spcPct val="115000"/>
                         </a:lnSpc>
@@ -12816,7 +12848,7 @@
                       <a:endParaRPr sz="700"/>
                     </a:p>
                   </a:txBody>
-                  <a:tcPr marT="91425" marB="91425" marR="91425" marL="91425">
+                  <a:tcPr marL="91425" marR="91425" marT="91425" marB="91425">
                     <a:solidFill>
                       <a:srgbClr val="E5E5E5"/>
                     </a:solidFill>
@@ -12827,7 +12859,7 @@
                     <a:bodyPr/>
                     <a:lstStyle/>
                     <a:p>
-                      <a:pPr indent="0" lvl="0" marL="0" rtl="0" algn="ctr">
+                      <a:pPr marL="0" lvl="0" indent="0" algn="ctr" rtl="0">
                         <a:lnSpc>
                           <a:spcPct val="115000"/>
                         </a:lnSpc>
@@ -12846,7 +12878,7 @@
                       <a:endParaRPr sz="700"/>
                     </a:p>
                     <a:p>
-                      <a:pPr indent="0" lvl="0" marL="0" rtl="0" algn="ctr">
+                      <a:pPr marL="0" lvl="0" indent="0" algn="ctr" rtl="0">
                         <a:lnSpc>
                           <a:spcPct val="115000"/>
                         </a:lnSpc>
@@ -12865,12 +12897,17 @@
                       <a:endParaRPr sz="700"/>
                     </a:p>
                   </a:txBody>
-                  <a:tcPr marT="91425" marB="91425" marR="91425" marL="91425">
+                  <a:tcPr marL="91425" marR="91425" marT="91425" marB="91425">
                     <a:solidFill>
                       <a:srgbClr val="FFCC99"/>
                     </a:solidFill>
                   </a:tcPr>
                 </a:tc>
+                <a:extLst>
+                  <a:ext uri="{0D108BD9-81ED-4DB2-BD59-A6C34878D82A}">
+                    <a16:rowId xmlns:a16="http://schemas.microsoft.com/office/drawing/2014/main" val="10005"/>
+                  </a:ext>
+                </a:extLst>
               </a:tr>
               <a:tr h="645300">
                 <a:tc>
@@ -12878,7 +12915,7 @@
                     <a:bodyPr/>
                     <a:lstStyle/>
                     <a:p>
-                      <a:pPr indent="0" lvl="0" marL="0" rtl="0" algn="l">
+                      <a:pPr marL="0" lvl="0" indent="0" algn="l" rtl="0">
                         <a:lnSpc>
                           <a:spcPct val="115000"/>
                         </a:lnSpc>
@@ -12901,14 +12938,14 @@
                       </a:endParaRPr>
                     </a:p>
                   </a:txBody>
-                  <a:tcPr marT="91425" marB="91425" marR="91425" marL="91425"/>
+                  <a:tcPr marL="91425" marR="91425" marT="91425" marB="91425"/>
                 </a:tc>
                 <a:tc>
                   <a:txBody>
                     <a:bodyPr/>
                     <a:lstStyle/>
                     <a:p>
-                      <a:pPr indent="0" lvl="0" marL="0" rtl="0" algn="ctr">
+                      <a:pPr marL="0" lvl="0" indent="0" algn="ctr" rtl="0">
                         <a:lnSpc>
                           <a:spcPct val="115000"/>
                         </a:lnSpc>
@@ -12927,7 +12964,7 @@
                       <a:endParaRPr sz="700"/>
                     </a:p>
                     <a:p>
-                      <a:pPr indent="0" lvl="0" marL="0" rtl="0" algn="ctr">
+                      <a:pPr marL="0" lvl="0" indent="0" algn="ctr" rtl="0">
                         <a:lnSpc>
                           <a:spcPct val="115000"/>
                         </a:lnSpc>
@@ -12946,7 +12983,7 @@
                       <a:endParaRPr sz="700"/>
                     </a:p>
                   </a:txBody>
-                  <a:tcPr marT="91425" marB="91425" marR="91425" marL="91425">
+                  <a:tcPr marL="91425" marR="91425" marT="91425" marB="91425">
                     <a:solidFill>
                       <a:srgbClr val="FEEC80"/>
                     </a:solidFill>
@@ -12957,7 +12994,7 @@
                     <a:bodyPr/>
                     <a:lstStyle/>
                     <a:p>
-                      <a:pPr indent="0" lvl="0" marL="0" rtl="0" algn="ctr">
+                      <a:pPr marL="0" lvl="0" indent="0" algn="ctr" rtl="0">
                         <a:lnSpc>
                           <a:spcPct val="115000"/>
                         </a:lnSpc>
@@ -12976,7 +13013,7 @@
                       <a:endParaRPr sz="700"/>
                     </a:p>
                   </a:txBody>
-                  <a:tcPr marT="91425" marB="91425" marR="91425" marL="91425">
+                  <a:tcPr marL="91425" marR="91425" marT="91425" marB="91425">
                     <a:solidFill>
                       <a:srgbClr val="E5E5E5"/>
                     </a:solidFill>
@@ -12987,7 +13024,7 @@
                     <a:bodyPr/>
                     <a:lstStyle/>
                     <a:p>
-                      <a:pPr indent="0" lvl="0" marL="0" rtl="0" algn="ctr">
+                      <a:pPr marL="0" lvl="0" indent="0" algn="ctr" rtl="0">
                         <a:lnSpc>
                           <a:spcPct val="115000"/>
                         </a:lnSpc>
@@ -13006,12 +13043,17 @@
                       <a:endParaRPr sz="700"/>
                     </a:p>
                   </a:txBody>
-                  <a:tcPr marT="91425" marB="91425" marR="91425" marL="91425">
+                  <a:tcPr marL="91425" marR="91425" marT="91425" marB="91425">
                     <a:solidFill>
                       <a:srgbClr val="FFCC99"/>
                     </a:solidFill>
                   </a:tcPr>
                 </a:tc>
+                <a:extLst>
+                  <a:ext uri="{0D108BD9-81ED-4DB2-BD59-A6C34878D82A}">
+                    <a16:rowId xmlns:a16="http://schemas.microsoft.com/office/drawing/2014/main" val="10006"/>
+                  </a:ext>
+                </a:extLst>
               </a:tr>
               <a:tr h="324200">
                 <a:tc>
@@ -13019,7 +13061,7 @@
                     <a:bodyPr/>
                     <a:lstStyle/>
                     <a:p>
-                      <a:pPr indent="0" lvl="0" marL="0" rtl="0" algn="l">
+                      <a:pPr marL="0" lvl="0" indent="0" algn="l" rtl="0">
                         <a:lnSpc>
                           <a:spcPct val="115000"/>
                         </a:lnSpc>
@@ -13042,14 +13084,14 @@
                       </a:endParaRPr>
                     </a:p>
                   </a:txBody>
-                  <a:tcPr marT="91425" marB="91425" marR="91425" marL="91425"/>
+                  <a:tcPr marL="91425" marR="91425" marT="91425" marB="91425"/>
                 </a:tc>
                 <a:tc>
                   <a:txBody>
                     <a:bodyPr/>
                     <a:lstStyle/>
                     <a:p>
-                      <a:pPr indent="0" lvl="0" marL="0" rtl="0" algn="ctr">
+                      <a:pPr marL="0" lvl="0" indent="0" algn="ctr" rtl="0">
                         <a:lnSpc>
                           <a:spcPct val="115000"/>
                         </a:lnSpc>
@@ -13068,7 +13110,7 @@
                       <a:endParaRPr sz="700"/>
                     </a:p>
                     <a:p>
-                      <a:pPr indent="0" lvl="0" marL="0" rtl="0" algn="ctr">
+                      <a:pPr marL="0" lvl="0" indent="0" algn="ctr" rtl="0">
                         <a:lnSpc>
                           <a:spcPct val="115000"/>
                         </a:lnSpc>
@@ -13087,7 +13129,7 @@
                       <a:endParaRPr sz="700"/>
                     </a:p>
                   </a:txBody>
-                  <a:tcPr marT="91425" marB="91425" marR="91425" marL="91425">
+                  <a:tcPr marL="91425" marR="91425" marT="91425" marB="91425">
                     <a:solidFill>
                       <a:srgbClr val="FEEC80"/>
                     </a:solidFill>
@@ -13098,7 +13140,7 @@
                     <a:bodyPr/>
                     <a:lstStyle/>
                     <a:p>
-                      <a:pPr indent="0" lvl="0" marL="0" rtl="0" algn="ctr">
+                      <a:pPr marL="0" lvl="0" indent="0" algn="ctr" rtl="0">
                         <a:lnSpc>
                           <a:spcPct val="115000"/>
                         </a:lnSpc>
@@ -13117,7 +13159,7 @@
                       <a:endParaRPr sz="700"/>
                     </a:p>
                   </a:txBody>
-                  <a:tcPr marT="91425" marB="91425" marR="91425" marL="91425">
+                  <a:tcPr marL="91425" marR="91425" marT="91425" marB="91425">
                     <a:solidFill>
                       <a:srgbClr val="E5E5E5"/>
                     </a:solidFill>
@@ -13128,7 +13170,7 @@
                     <a:bodyPr/>
                     <a:lstStyle/>
                     <a:p>
-                      <a:pPr indent="0" lvl="0" marL="0" rtl="0" algn="ctr">
+                      <a:pPr marL="0" lvl="0" indent="0" algn="ctr" rtl="0">
                         <a:lnSpc>
                           <a:spcPct val="115000"/>
                         </a:lnSpc>
@@ -13147,12 +13189,17 @@
                       <a:endParaRPr sz="700"/>
                     </a:p>
                   </a:txBody>
-                  <a:tcPr marT="91425" marB="91425" marR="91425" marL="91425">
+                  <a:tcPr marL="91425" marR="91425" marT="91425" marB="91425">
                     <a:solidFill>
                       <a:srgbClr val="FFCC99"/>
                     </a:solidFill>
                   </a:tcPr>
                 </a:tc>
+                <a:extLst>
+                  <a:ext uri="{0D108BD9-81ED-4DB2-BD59-A6C34878D82A}">
+                    <a16:rowId xmlns:a16="http://schemas.microsoft.com/office/drawing/2014/main" val="10007"/>
+                  </a:ext>
+                </a:extLst>
               </a:tr>
               <a:tr h="251700">
                 <a:tc>
@@ -13160,7 +13207,7 @@
                     <a:bodyPr/>
                     <a:lstStyle/>
                     <a:p>
-                      <a:pPr indent="0" lvl="0" marL="0" rtl="0" algn="l">
+                      <a:pPr marL="0" lvl="0" indent="0" algn="l" rtl="0">
                         <a:lnSpc>
                           <a:spcPct val="115000"/>
                         </a:lnSpc>
@@ -13173,20 +13220,20 @@
                         <a:buNone/>
                       </a:pPr>
                       <a:r>
-                        <a:rPr b="1" lang="en" sz="700"/>
+                        <a:rPr lang="en" sz="700" b="1"/>
                         <a:t>Total</a:t>
                       </a:r>
-                      <a:endParaRPr b="1" sz="700"/>
+                      <a:endParaRPr sz="700" b="1"/>
                     </a:p>
                   </a:txBody>
-                  <a:tcPr marT="91425" marB="91425" marR="91425" marL="91425"/>
+                  <a:tcPr marL="91425" marR="91425" marT="91425" marB="91425"/>
                 </a:tc>
                 <a:tc>
                   <a:txBody>
                     <a:bodyPr/>
                     <a:lstStyle/>
                     <a:p>
-                      <a:pPr indent="0" lvl="0" marL="0" rtl="0" algn="ctr">
+                      <a:pPr marL="0" lvl="0" indent="0" algn="ctr" rtl="0">
                         <a:lnSpc>
                           <a:spcPct val="115000"/>
                         </a:lnSpc>
@@ -13199,13 +13246,13 @@
                         <a:buNone/>
                       </a:pPr>
                       <a:r>
-                        <a:rPr b="1" lang="en" sz="700"/>
+                        <a:rPr lang="en" sz="700" b="1"/>
                         <a:t>17</a:t>
                       </a:r>
-                      <a:endParaRPr b="1" sz="700"/>
+                      <a:endParaRPr sz="700" b="1"/>
                     </a:p>
                   </a:txBody>
-                  <a:tcPr marT="91425" marB="91425" marR="91425" marL="91425">
+                  <a:tcPr marL="91425" marR="91425" marT="91425" marB="91425">
                     <a:solidFill>
                       <a:srgbClr val="FEEC80"/>
                     </a:solidFill>
@@ -13216,7 +13263,7 @@
                     <a:bodyPr/>
                     <a:lstStyle/>
                     <a:p>
-                      <a:pPr indent="0" lvl="0" marL="0" rtl="0" algn="ctr">
+                      <a:pPr marL="0" lvl="0" indent="0" algn="ctr" rtl="0">
                         <a:lnSpc>
                           <a:spcPct val="115000"/>
                         </a:lnSpc>
@@ -13229,13 +13276,13 @@
                         <a:buNone/>
                       </a:pPr>
                       <a:r>
-                        <a:rPr b="1" lang="en" sz="700"/>
+                        <a:rPr lang="en" sz="700" b="1"/>
                         <a:t>0</a:t>
                       </a:r>
-                      <a:endParaRPr b="1" sz="700"/>
+                      <a:endParaRPr sz="700" b="1"/>
                     </a:p>
                   </a:txBody>
-                  <a:tcPr marT="91425" marB="91425" marR="91425" marL="91425">
+                  <a:tcPr marL="91425" marR="91425" marT="91425" marB="91425">
                     <a:solidFill>
                       <a:srgbClr val="E5E5E5"/>
                     </a:solidFill>
@@ -13246,7 +13293,7 @@
                     <a:bodyPr/>
                     <a:lstStyle/>
                     <a:p>
-                      <a:pPr indent="0" lvl="0" marL="0" rtl="0" algn="ctr">
+                      <a:pPr marL="0" lvl="0" indent="0" algn="ctr" rtl="0">
                         <a:lnSpc>
                           <a:spcPct val="115000"/>
                         </a:lnSpc>
@@ -13259,18 +13306,23 @@
                         <a:buNone/>
                       </a:pPr>
                       <a:r>
-                        <a:rPr b="1" lang="en" sz="700"/>
+                        <a:rPr lang="en" sz="700" b="1"/>
                         <a:t>2</a:t>
                       </a:r>
-                      <a:endParaRPr b="1" sz="700"/>
+                      <a:endParaRPr sz="700" b="1"/>
                     </a:p>
                   </a:txBody>
-                  <a:tcPr marT="91425" marB="91425" marR="91425" marL="91425">
+                  <a:tcPr marL="91425" marR="91425" marT="91425" marB="91425">
                     <a:solidFill>
                       <a:srgbClr val="FFCC99"/>
                     </a:solidFill>
                   </a:tcPr>
                 </a:tc>
+                <a:extLst>
+                  <a:ext uri="{0D108BD9-81ED-4DB2-BD59-A6C34878D82A}">
+                    <a16:rowId xmlns:a16="http://schemas.microsoft.com/office/drawing/2014/main" val="10008"/>
+                  </a:ext>
+                </a:extLst>
               </a:tr>
             </a:tbl>
           </a:graphicData>
@@ -13285,11 +13337,11 @@
 </file>
 
 <file path=ppt/slides/slide3.xml><?xml version="1.0" encoding="utf-8"?>
-<p:sld xmlns:a="http://schemas.openxmlformats.org/drawingml/2006/main" xmlns:r="http://schemas.openxmlformats.org/officeDocument/2006/relationships" xmlns:mc="http://schemas.openxmlformats.org/markup-compatibility/2006" xmlns:mv="urn:schemas-microsoft-com:mac:vml" xmlns:p="http://schemas.openxmlformats.org/presentationml/2006/main" xmlns:c="http://schemas.openxmlformats.org/drawingml/2006/chart" xmlns:dgm="http://schemas.openxmlformats.org/drawingml/2006/diagram" xmlns:o="urn:schemas-microsoft-com:office:office" xmlns:v="urn:schemas-microsoft-com:vml" xmlns:pvml="urn:schemas-microsoft-com:office:powerpoint" xmlns:com="http://schemas.openxmlformats.org/drawingml/2006/compatibility" xmlns:p14="http://schemas.microsoft.com/office/powerpoint/2010/main" xmlns:p15="http://schemas.microsoft.com/office/powerpoint/2012/main" xmlns:ahyp="http://schemas.microsoft.com/office/drawing/2018/hyperlinkcolor">
+<p:sld xmlns:a="http://schemas.openxmlformats.org/drawingml/2006/main" xmlns:r="http://schemas.openxmlformats.org/officeDocument/2006/relationships" xmlns:p="http://schemas.openxmlformats.org/presentationml/2006/main">
   <p:cSld>
     <p:spTree>
       <p:nvGrpSpPr>
-        <p:cNvPr id="148" name="Shape 148"/>
+        <p:cNvPr id="1" name="Shape 148"/>
         <p:cNvGrpSpPr/>
         <p:nvPr/>
       </p:nvGrpSpPr>
@@ -13304,7 +13356,9 @@
       <p:sp>
         <p:nvSpPr>
           <p:cNvPr id="149" name="Google Shape;149;p16"/>
-          <p:cNvSpPr txBox="1"/>
+          <p:cNvSpPr txBox="1">
+            <a:spLocks noGrp="1"/>
+          </p:cNvSpPr>
           <p:nvPr>
             <p:ph type="title"/>
           </p:nvPr>
@@ -13319,12 +13373,12 @@
           </a:prstGeom>
         </p:spPr>
         <p:txBody>
-          <a:bodyPr anchorCtr="0" anchor="t" bIns="91425" lIns="91425" spcFirstLastPara="1" rIns="91425" wrap="square" tIns="91425">
+          <a:bodyPr spcFirstLastPara="1" wrap="square" lIns="91425" tIns="91425" rIns="91425" bIns="91425" anchor="t" anchorCtr="0">
             <a:normAutofit/>
           </a:bodyPr>
           <a:lstStyle/>
           <a:p>
-            <a:pPr indent="0" lvl="0" marL="0" rtl="0" algn="l">
+            <a:pPr marL="0" lvl="0" indent="0" algn="l" rtl="0">
               <a:spcBef>
                 <a:spcPts val="0"/>
               </a:spcBef>
@@ -13386,23 +13440,23 @@
               <a:solidFill>
                 <a:schemeClr val="lt2"/>
               </a:solidFill>
-              <a:ln cap="flat" cmpd="sng" w="9525">
+              <a:ln w="9525" cap="flat" cmpd="sng">
                 <a:solidFill>
                   <a:schemeClr val="dk2"/>
                 </a:solidFill>
                 <a:prstDash val="solid"/>
                 <a:round/>
-                <a:headEnd len="sm" w="sm" type="none"/>
-                <a:tailEnd len="sm" w="sm" type="none"/>
+                <a:headEnd type="none" w="sm" len="sm"/>
+                <a:tailEnd type="none" w="sm" len="sm"/>
               </a:ln>
             </p:spPr>
             <p:txBody>
-              <a:bodyPr anchorCtr="0" anchor="ctr" bIns="91425" lIns="91425" spcFirstLastPara="1" rIns="91425" wrap="square" tIns="91425">
+              <a:bodyPr spcFirstLastPara="1" wrap="square" lIns="91425" tIns="91425" rIns="91425" bIns="91425" anchor="ctr" anchorCtr="0">
                 <a:noAutofit/>
               </a:bodyPr>
               <a:lstStyle/>
               <a:p>
-                <a:pPr indent="0" lvl="0" marL="0" rtl="0" algn="ctr">
+                <a:pPr marL="0" lvl="0" indent="0" algn="ctr" rtl="0">
                   <a:spcBef>
                     <a:spcPts val="0"/>
                   </a:spcBef>
@@ -13412,7 +13466,7 @@
                   <a:buNone/>
                 </a:pPr>
                 <a:r>
-                  <a:rPr b="1" lang="en"/>
+                  <a:rPr lang="en" b="1"/>
                   <a:t>2</a:t>
                 </a:r>
                 <a:endParaRPr b="1"/>
@@ -13436,23 +13490,23 @@
               <a:solidFill>
                 <a:srgbClr val="F1C232"/>
               </a:solidFill>
-              <a:ln cap="flat" cmpd="sng" w="9525">
+              <a:ln w="9525" cap="flat" cmpd="sng">
                 <a:solidFill>
                   <a:schemeClr val="dk2"/>
                 </a:solidFill>
                 <a:prstDash val="solid"/>
                 <a:round/>
-                <a:headEnd len="sm" w="sm" type="none"/>
-                <a:tailEnd len="sm" w="sm" type="none"/>
+                <a:headEnd type="none" w="sm" len="sm"/>
+                <a:tailEnd type="none" w="sm" len="sm"/>
               </a:ln>
             </p:spPr>
             <p:txBody>
-              <a:bodyPr anchorCtr="0" anchor="ctr" bIns="91425" lIns="91425" spcFirstLastPara="1" rIns="91425" wrap="square" tIns="91425">
+              <a:bodyPr spcFirstLastPara="1" wrap="square" lIns="91425" tIns="91425" rIns="91425" bIns="91425" anchor="ctr" anchorCtr="0">
                 <a:noAutofit/>
               </a:bodyPr>
               <a:lstStyle/>
               <a:p>
-                <a:pPr indent="0" lvl="0" marL="0" rtl="0" algn="ctr">
+                <a:pPr marL="0" lvl="0" indent="0" algn="ctr" rtl="0">
                   <a:spcBef>
                     <a:spcPts val="0"/>
                   </a:spcBef>
@@ -13462,7 +13516,7 @@
                   <a:buNone/>
                 </a:pPr>
                 <a:r>
-                  <a:rPr b="1" lang="en"/>
+                  <a:rPr lang="en" b="1"/>
                   <a:t>1</a:t>
                 </a:r>
                 <a:endParaRPr b="1"/>
@@ -13486,23 +13540,23 @@
               <a:solidFill>
                 <a:srgbClr val="7F6000"/>
               </a:solidFill>
-              <a:ln cap="flat" cmpd="sng" w="9525">
+              <a:ln w="9525" cap="flat" cmpd="sng">
                 <a:solidFill>
                   <a:schemeClr val="dk2"/>
                 </a:solidFill>
                 <a:prstDash val="solid"/>
                 <a:round/>
-                <a:headEnd len="sm" w="sm" type="none"/>
-                <a:tailEnd len="sm" w="sm" type="none"/>
+                <a:headEnd type="none" w="sm" len="sm"/>
+                <a:tailEnd type="none" w="sm" len="sm"/>
               </a:ln>
             </p:spPr>
             <p:txBody>
-              <a:bodyPr anchorCtr="0" anchor="ctr" bIns="91425" lIns="91425" spcFirstLastPara="1" rIns="91425" wrap="square" tIns="91425">
+              <a:bodyPr spcFirstLastPara="1" wrap="square" lIns="91425" tIns="91425" rIns="91425" bIns="91425" anchor="ctr" anchorCtr="0">
                 <a:noAutofit/>
               </a:bodyPr>
               <a:lstStyle/>
               <a:p>
-                <a:pPr indent="0" lvl="0" marL="0" rtl="0" algn="ctr">
+                <a:pPr marL="0" lvl="0" indent="0" algn="ctr" rtl="0">
                   <a:spcBef>
                     <a:spcPts val="0"/>
                   </a:spcBef>
@@ -13512,7 +13566,7 @@
                   <a:buNone/>
                 </a:pPr>
                 <a:r>
-                  <a:rPr b="1" lang="en"/>
+                  <a:rPr lang="en" b="1"/>
                   <a:t>3</a:t>
                 </a:r>
                 <a:endParaRPr b="1"/>
@@ -13568,12 +13622,12 @@
             </a:ln>
           </p:spPr>
           <p:txBody>
-            <a:bodyPr anchorCtr="0" anchor="t" bIns="91425" lIns="91425" spcFirstLastPara="1" rIns="91425" wrap="square" tIns="91425">
+            <a:bodyPr spcFirstLastPara="1" wrap="square" lIns="91425" tIns="91425" rIns="91425" bIns="91425" anchor="t" anchorCtr="0">
               <a:spAutoFit/>
             </a:bodyPr>
             <a:lstStyle/>
             <a:p>
-              <a:pPr indent="0" lvl="0" marL="0" rtl="0" algn="l">
+              <a:pPr marL="0" lvl="0" indent="0" algn="l" rtl="0">
                 <a:lnSpc>
                   <a:spcPct val="130000"/>
                 </a:lnSpc>
@@ -13699,12 +13753,12 @@
               </a:ln>
             </p:spPr>
             <p:txBody>
-              <a:bodyPr anchorCtr="0" anchor="t" bIns="91425" lIns="91425" spcFirstLastPara="1" rIns="91425" wrap="square" tIns="91425">
+              <a:bodyPr spcFirstLastPara="1" wrap="square" lIns="91425" tIns="91425" rIns="91425" bIns="91425" anchor="t" anchorCtr="0">
                 <a:spAutoFit/>
               </a:bodyPr>
               <a:lstStyle/>
               <a:p>
-                <a:pPr indent="0" lvl="0" marL="0" rtl="0" algn="l">
+                <a:pPr marL="0" lvl="0" indent="0" algn="l" rtl="0">
                   <a:lnSpc>
                     <a:spcPct val="130000"/>
                   </a:lnSpc>
@@ -13831,12 +13885,12 @@
               </a:ln>
             </p:spPr>
             <p:txBody>
-              <a:bodyPr anchorCtr="0" anchor="t" bIns="91425" lIns="91425" spcFirstLastPara="1" rIns="91425" wrap="square" tIns="91425">
+              <a:bodyPr spcFirstLastPara="1" wrap="square" lIns="91425" tIns="91425" rIns="91425" bIns="91425" anchor="t" anchorCtr="0">
                 <a:spAutoFit/>
               </a:bodyPr>
               <a:lstStyle/>
               <a:p>
-                <a:pPr indent="0" lvl="0" marL="0" rtl="0" algn="l">
+                <a:pPr marL="0" lvl="0" indent="0" algn="l" rtl="0">
                   <a:lnSpc>
                     <a:spcPct val="130000"/>
                   </a:lnSpc>
@@ -13963,12 +14017,12 @@
               </a:ln>
             </p:spPr>
             <p:txBody>
-              <a:bodyPr anchorCtr="0" anchor="t" bIns="91425" lIns="91425" spcFirstLastPara="1" rIns="91425" wrap="square" tIns="91425">
+              <a:bodyPr spcFirstLastPara="1" wrap="square" lIns="91425" tIns="91425" rIns="91425" bIns="91425" anchor="t" anchorCtr="0">
                 <a:spAutoFit/>
               </a:bodyPr>
               <a:lstStyle/>
               <a:p>
-                <a:pPr indent="0" lvl="0" marL="0" rtl="0" algn="l">
+                <a:pPr marL="0" lvl="0" indent="0" algn="l" rtl="0">
                   <a:lnSpc>
                     <a:spcPct val="130000"/>
                   </a:lnSpc>
@@ -14050,23 +14104,23 @@
             <a:solidFill>
               <a:srgbClr val="7F6000"/>
             </a:solidFill>
-            <a:ln cap="flat" cmpd="sng" w="9525">
+            <a:ln w="9525" cap="flat" cmpd="sng">
               <a:solidFill>
                 <a:schemeClr val="dk2"/>
               </a:solidFill>
               <a:prstDash val="solid"/>
               <a:round/>
-              <a:headEnd len="sm" w="sm" type="none"/>
-              <a:tailEnd len="sm" w="sm" type="none"/>
+              <a:headEnd type="none" w="sm" len="sm"/>
+              <a:tailEnd type="none" w="sm" len="sm"/>
             </a:ln>
           </p:spPr>
           <p:txBody>
-            <a:bodyPr anchorCtr="0" anchor="ctr" bIns="91425" lIns="91425" spcFirstLastPara="1" rIns="91425" wrap="square" tIns="91425">
+            <a:bodyPr spcFirstLastPara="1" wrap="square" lIns="91425" tIns="91425" rIns="91425" bIns="91425" anchor="ctr" anchorCtr="0">
               <a:noAutofit/>
             </a:bodyPr>
             <a:lstStyle/>
             <a:p>
-              <a:pPr indent="0" lvl="0" marL="0" rtl="0" algn="ctr">
+              <a:pPr marL="0" lvl="0" indent="0" algn="ctr" rtl="0">
                 <a:spcBef>
                   <a:spcPts val="0"/>
                 </a:spcBef>
@@ -14076,7 +14130,7 @@
                 <a:buNone/>
               </a:pPr>
               <a:r>
-                <a:rPr b="1" lang="en"/>
+                <a:rPr lang="en" b="1"/>
                 <a:t>3</a:t>
               </a:r>
               <a:endParaRPr b="1"/>
@@ -14093,11 +14147,11 @@
 </file>
 
 <file path=ppt/slides/slide4.xml><?xml version="1.0" encoding="utf-8"?>
-<p:sld xmlns:a="http://schemas.openxmlformats.org/drawingml/2006/main" xmlns:r="http://schemas.openxmlformats.org/officeDocument/2006/relationships" xmlns:mc="http://schemas.openxmlformats.org/markup-compatibility/2006" xmlns:mv="urn:schemas-microsoft-com:mac:vml" xmlns:p="http://schemas.openxmlformats.org/presentationml/2006/main" xmlns:c="http://schemas.openxmlformats.org/drawingml/2006/chart" xmlns:dgm="http://schemas.openxmlformats.org/drawingml/2006/diagram" xmlns:o="urn:schemas-microsoft-com:office:office" xmlns:v="urn:schemas-microsoft-com:vml" xmlns:pvml="urn:schemas-microsoft-com:office:powerpoint" xmlns:com="http://schemas.openxmlformats.org/drawingml/2006/compatibility" xmlns:p14="http://schemas.microsoft.com/office/powerpoint/2010/main" xmlns:p15="http://schemas.microsoft.com/office/powerpoint/2012/main" xmlns:ahyp="http://schemas.microsoft.com/office/drawing/2018/hyperlinkcolor">
+<p:sld xmlns:a="http://schemas.openxmlformats.org/drawingml/2006/main" xmlns:r="http://schemas.openxmlformats.org/officeDocument/2006/relationships" xmlns:p="http://schemas.openxmlformats.org/presentationml/2006/main">
   <p:cSld>
     <p:spTree>
       <p:nvGrpSpPr>
-        <p:cNvPr id="174" name="Shape 174"/>
+        <p:cNvPr id="1" name="Shape 174"/>
         <p:cNvGrpSpPr/>
         <p:nvPr/>
       </p:nvGrpSpPr>
@@ -14112,7 +14166,9 @@
       <p:sp>
         <p:nvSpPr>
           <p:cNvPr id="175" name="Google Shape;175;p17"/>
-          <p:cNvSpPr txBox="1"/>
+          <p:cNvSpPr txBox="1">
+            <a:spLocks noGrp="1"/>
+          </p:cNvSpPr>
           <p:nvPr>
             <p:ph type="title"/>
           </p:nvPr>
@@ -14127,12 +14183,12 @@
           </a:prstGeom>
         </p:spPr>
         <p:txBody>
-          <a:bodyPr anchorCtr="0" anchor="t" bIns="91425" lIns="91425" spcFirstLastPara="1" rIns="91425" wrap="square" tIns="91425">
+          <a:bodyPr spcFirstLastPara="1" wrap="square" lIns="91425" tIns="91425" rIns="91425" bIns="91425" anchor="t" anchorCtr="0">
             <a:normAutofit fontScale="90000"/>
           </a:bodyPr>
           <a:lstStyle/>
           <a:p>
-            <a:pPr indent="0" lvl="0" marL="0" rtl="0" algn="l">
+            <a:pPr marL="0" lvl="0" indent="0" algn="l" rtl="0">
               <a:spcBef>
                 <a:spcPts val="0"/>
               </a:spcBef>
@@ -14148,7 +14204,7 @@
             <a:endParaRPr/>
           </a:p>
           <a:p>
-            <a:pPr indent="0" lvl="0" marL="0" rtl="0" algn="l">
+            <a:pPr marL="0" lvl="0" indent="0" algn="l" rtl="0">
               <a:spcBef>
                 <a:spcPts val="0"/>
               </a:spcBef>
@@ -14157,9 +14213,6 @@
               </a:spcAft>
               <a:buNone/>
             </a:pPr>
-            <a:r>
-              <a:t/>
-            </a:r>
             <a:endParaRPr/>
           </a:p>
         </p:txBody>
@@ -14209,23 +14262,23 @@
               <a:solidFill>
                 <a:schemeClr val="lt2"/>
               </a:solidFill>
-              <a:ln cap="flat" cmpd="sng" w="9525">
+              <a:ln w="9525" cap="flat" cmpd="sng">
                 <a:solidFill>
                   <a:schemeClr val="dk2"/>
                 </a:solidFill>
                 <a:prstDash val="solid"/>
                 <a:round/>
-                <a:headEnd len="sm" w="sm" type="none"/>
-                <a:tailEnd len="sm" w="sm" type="none"/>
+                <a:headEnd type="none" w="sm" len="sm"/>
+                <a:tailEnd type="none" w="sm" len="sm"/>
               </a:ln>
             </p:spPr>
             <p:txBody>
-              <a:bodyPr anchorCtr="0" anchor="ctr" bIns="91425" lIns="91425" spcFirstLastPara="1" rIns="91425" wrap="square" tIns="91425">
+              <a:bodyPr spcFirstLastPara="1" wrap="square" lIns="91425" tIns="91425" rIns="91425" bIns="91425" anchor="ctr" anchorCtr="0">
                 <a:noAutofit/>
               </a:bodyPr>
               <a:lstStyle/>
               <a:p>
-                <a:pPr indent="0" lvl="0" marL="0" rtl="0" algn="ctr">
+                <a:pPr marL="0" lvl="0" indent="0" algn="ctr" rtl="0">
                   <a:spcBef>
                     <a:spcPts val="0"/>
                   </a:spcBef>
@@ -14235,7 +14288,7 @@
                   <a:buNone/>
                 </a:pPr>
                 <a:r>
-                  <a:rPr b="1" lang="en"/>
+                  <a:rPr lang="en" b="1"/>
                   <a:t>2</a:t>
                 </a:r>
                 <a:endParaRPr b="1"/>
@@ -14259,23 +14312,23 @@
               <a:solidFill>
                 <a:srgbClr val="F1C232"/>
               </a:solidFill>
-              <a:ln cap="flat" cmpd="sng" w="9525">
+              <a:ln w="9525" cap="flat" cmpd="sng">
                 <a:solidFill>
                   <a:schemeClr val="dk2"/>
                 </a:solidFill>
                 <a:prstDash val="solid"/>
                 <a:round/>
-                <a:headEnd len="sm" w="sm" type="none"/>
-                <a:tailEnd len="sm" w="sm" type="none"/>
+                <a:headEnd type="none" w="sm" len="sm"/>
+                <a:tailEnd type="none" w="sm" len="sm"/>
               </a:ln>
             </p:spPr>
             <p:txBody>
-              <a:bodyPr anchorCtr="0" anchor="ctr" bIns="91425" lIns="91425" spcFirstLastPara="1" rIns="91425" wrap="square" tIns="91425">
+              <a:bodyPr spcFirstLastPara="1" wrap="square" lIns="91425" tIns="91425" rIns="91425" bIns="91425" anchor="ctr" anchorCtr="0">
                 <a:noAutofit/>
               </a:bodyPr>
               <a:lstStyle/>
               <a:p>
-                <a:pPr indent="0" lvl="0" marL="0" rtl="0" algn="ctr">
+                <a:pPr marL="0" lvl="0" indent="0" algn="ctr" rtl="0">
                   <a:spcBef>
                     <a:spcPts val="0"/>
                   </a:spcBef>
@@ -14285,7 +14338,7 @@
                   <a:buNone/>
                 </a:pPr>
                 <a:r>
-                  <a:rPr b="1" lang="en"/>
+                  <a:rPr lang="en" b="1"/>
                   <a:t>1</a:t>
                 </a:r>
                 <a:endParaRPr b="1"/>
@@ -14309,23 +14362,23 @@
               <a:solidFill>
                 <a:srgbClr val="7F6000"/>
               </a:solidFill>
-              <a:ln cap="flat" cmpd="sng" w="9525">
+              <a:ln w="9525" cap="flat" cmpd="sng">
                 <a:solidFill>
                   <a:schemeClr val="dk2"/>
                 </a:solidFill>
                 <a:prstDash val="solid"/>
                 <a:round/>
-                <a:headEnd len="sm" w="sm" type="none"/>
-                <a:tailEnd len="sm" w="sm" type="none"/>
+                <a:headEnd type="none" w="sm" len="sm"/>
+                <a:tailEnd type="none" w="sm" len="sm"/>
               </a:ln>
             </p:spPr>
             <p:txBody>
-              <a:bodyPr anchorCtr="0" anchor="ctr" bIns="91425" lIns="91425" spcFirstLastPara="1" rIns="91425" wrap="square" tIns="91425">
+              <a:bodyPr spcFirstLastPara="1" wrap="square" lIns="91425" tIns="91425" rIns="91425" bIns="91425" anchor="ctr" anchorCtr="0">
                 <a:noAutofit/>
               </a:bodyPr>
               <a:lstStyle/>
               <a:p>
-                <a:pPr indent="0" lvl="0" marL="0" rtl="0" algn="ctr">
+                <a:pPr marL="0" lvl="0" indent="0" algn="ctr" rtl="0">
                   <a:spcBef>
                     <a:spcPts val="0"/>
                   </a:spcBef>
@@ -14335,7 +14388,7 @@
                   <a:buNone/>
                 </a:pPr>
                 <a:r>
-                  <a:rPr b="1" lang="en"/>
+                  <a:rPr lang="en" b="1"/>
                   <a:t>3</a:t>
                 </a:r>
                 <a:endParaRPr b="1"/>
@@ -14391,12 +14444,12 @@
             </a:ln>
           </p:spPr>
           <p:txBody>
-            <a:bodyPr anchorCtr="0" anchor="t" bIns="91425" lIns="91425" spcFirstLastPara="1" rIns="91425" wrap="square" tIns="91425">
+            <a:bodyPr spcFirstLastPara="1" wrap="square" lIns="91425" tIns="91425" rIns="91425" bIns="91425" anchor="t" anchorCtr="0">
               <a:spAutoFit/>
             </a:bodyPr>
             <a:lstStyle/>
             <a:p>
-              <a:pPr indent="0" lvl="0" marL="0" rtl="0" algn="l">
+              <a:pPr marL="0" lvl="0" indent="0" algn="l" rtl="0">
                 <a:lnSpc>
                   <a:spcPct val="130000"/>
                 </a:lnSpc>
@@ -14508,12 +14561,12 @@
             </a:ln>
           </p:spPr>
           <p:txBody>
-            <a:bodyPr anchorCtr="0" anchor="t" bIns="91425" lIns="91425" spcFirstLastPara="1" rIns="91425" wrap="square" tIns="91425">
+            <a:bodyPr spcFirstLastPara="1" wrap="square" lIns="91425" tIns="91425" rIns="91425" bIns="91425" anchor="t" anchorCtr="0">
               <a:spAutoFit/>
             </a:bodyPr>
             <a:lstStyle/>
             <a:p>
-              <a:pPr indent="0" lvl="0" marL="0" rtl="0" algn="l">
+              <a:pPr marL="0" lvl="0" indent="0" algn="l" rtl="0">
                 <a:lnSpc>
                   <a:spcPct val="130000"/>
                 </a:lnSpc>
@@ -14642,12 +14695,12 @@
               </a:ln>
             </p:spPr>
             <p:txBody>
-              <a:bodyPr anchorCtr="0" anchor="t" bIns="91425" lIns="91425" spcFirstLastPara="1" rIns="91425" wrap="square" tIns="91425">
+              <a:bodyPr spcFirstLastPara="1" wrap="square" lIns="91425" tIns="91425" rIns="91425" bIns="91425" anchor="t" anchorCtr="0">
                 <a:spAutoFit/>
               </a:bodyPr>
               <a:lstStyle/>
               <a:p>
-                <a:pPr indent="0" lvl="0" marL="0" rtl="0" algn="l">
+                <a:pPr marL="0" lvl="0" indent="0" algn="l" rtl="0">
                   <a:lnSpc>
                     <a:spcPct val="130000"/>
                   </a:lnSpc>
@@ -14729,23 +14782,23 @@
             <a:solidFill>
               <a:srgbClr val="7F6000"/>
             </a:solidFill>
-            <a:ln cap="flat" cmpd="sng" w="9525">
+            <a:ln w="9525" cap="flat" cmpd="sng">
               <a:solidFill>
                 <a:schemeClr val="dk2"/>
               </a:solidFill>
               <a:prstDash val="solid"/>
               <a:round/>
-              <a:headEnd len="sm" w="sm" type="none"/>
-              <a:tailEnd len="sm" w="sm" type="none"/>
+              <a:headEnd type="none" w="sm" len="sm"/>
+              <a:tailEnd type="none" w="sm" len="sm"/>
             </a:ln>
           </p:spPr>
           <p:txBody>
-            <a:bodyPr anchorCtr="0" anchor="ctr" bIns="91425" lIns="91425" spcFirstLastPara="1" rIns="91425" wrap="square" tIns="91425">
+            <a:bodyPr spcFirstLastPara="1" wrap="square" lIns="91425" tIns="91425" rIns="91425" bIns="91425" anchor="ctr" anchorCtr="0">
               <a:noAutofit/>
             </a:bodyPr>
             <a:lstStyle/>
             <a:p>
-              <a:pPr indent="0" lvl="0" marL="0" rtl="0" algn="ctr">
+              <a:pPr marL="0" lvl="0" indent="0" algn="ctr" rtl="0">
                 <a:spcBef>
                   <a:spcPts val="0"/>
                 </a:spcBef>
@@ -14755,7 +14808,7 @@
                 <a:buNone/>
               </a:pPr>
               <a:r>
-                <a:rPr b="1" lang="en"/>
+                <a:rPr lang="en" b="1"/>
                 <a:t>3</a:t>
               </a:r>
               <a:endParaRPr b="1"/>
@@ -14838,12 +14891,12 @@
             </a:ln>
           </p:spPr>
           <p:txBody>
-            <a:bodyPr anchorCtr="0" anchor="t" bIns="91425" lIns="91425" spcFirstLastPara="1" rIns="91425" wrap="square" tIns="91425">
+            <a:bodyPr spcFirstLastPara="1" wrap="square" lIns="91425" tIns="91425" rIns="91425" bIns="91425" anchor="t" anchorCtr="0">
               <a:spAutoFit/>
             </a:bodyPr>
             <a:lstStyle/>
             <a:p>
-              <a:pPr indent="0" lvl="0" marL="0" rtl="0" algn="l">
+              <a:pPr marL="0" lvl="0" indent="0" algn="l" rtl="0">
                 <a:lnSpc>
                   <a:spcPct val="130000"/>
                 </a:lnSpc>
@@ -14889,11 +14942,11 @@
 </file>
 
 <file path=ppt/slides/slide5.xml><?xml version="1.0" encoding="utf-8"?>
-<p:sld xmlns:a="http://schemas.openxmlformats.org/drawingml/2006/main" xmlns:r="http://schemas.openxmlformats.org/officeDocument/2006/relationships" xmlns:mc="http://schemas.openxmlformats.org/markup-compatibility/2006" xmlns:mv="urn:schemas-microsoft-com:mac:vml" xmlns:p="http://schemas.openxmlformats.org/presentationml/2006/main" xmlns:c="http://schemas.openxmlformats.org/drawingml/2006/chart" xmlns:dgm="http://schemas.openxmlformats.org/drawingml/2006/diagram" xmlns:o="urn:schemas-microsoft-com:office:office" xmlns:v="urn:schemas-microsoft-com:vml" xmlns:pvml="urn:schemas-microsoft-com:office:powerpoint" xmlns:com="http://schemas.openxmlformats.org/drawingml/2006/compatibility" xmlns:p14="http://schemas.microsoft.com/office/powerpoint/2010/main" xmlns:p15="http://schemas.microsoft.com/office/powerpoint/2012/main" xmlns:ahyp="http://schemas.microsoft.com/office/drawing/2018/hyperlinkcolor">
+<p:sld xmlns:a="http://schemas.openxmlformats.org/drawingml/2006/main" xmlns:r="http://schemas.openxmlformats.org/officeDocument/2006/relationships" xmlns:p="http://schemas.openxmlformats.org/presentationml/2006/main">
   <p:cSld>
     <p:spTree>
       <p:nvGrpSpPr>
-        <p:cNvPr id="198" name="Shape 198"/>
+        <p:cNvPr id="1" name="Shape 198"/>
         <p:cNvGrpSpPr/>
         <p:nvPr/>
       </p:nvGrpSpPr>
@@ -14908,7 +14961,9 @@
       <p:sp>
         <p:nvSpPr>
           <p:cNvPr id="199" name="Google Shape;199;p18"/>
-          <p:cNvSpPr txBox="1"/>
+          <p:cNvSpPr txBox="1">
+            <a:spLocks noGrp="1"/>
+          </p:cNvSpPr>
           <p:nvPr>
             <p:ph type="title"/>
           </p:nvPr>
@@ -14923,12 +14978,12 @@
           </a:prstGeom>
         </p:spPr>
         <p:txBody>
-          <a:bodyPr anchorCtr="0" anchor="t" bIns="91425" lIns="91425" spcFirstLastPara="1" rIns="91425" wrap="square" tIns="91425">
+          <a:bodyPr spcFirstLastPara="1" wrap="square" lIns="91425" tIns="91425" rIns="91425" bIns="91425" anchor="t" anchorCtr="0">
             <a:normAutofit fontScale="90000"/>
           </a:bodyPr>
           <a:lstStyle/>
           <a:p>
-            <a:pPr indent="0" lvl="0" marL="0" rtl="0" algn="l">
+            <a:pPr marL="0" lvl="0" indent="0" algn="l" rtl="0">
               <a:spcBef>
                 <a:spcPts val="0"/>
               </a:spcBef>
@@ -14944,7 +14999,7 @@
             <a:endParaRPr/>
           </a:p>
           <a:p>
-            <a:pPr indent="0" lvl="0" marL="0" rtl="0" algn="l">
+            <a:pPr marL="0" lvl="0" indent="0" algn="l" rtl="0">
               <a:spcBef>
                 <a:spcPts val="0"/>
               </a:spcBef>
@@ -14953,9 +15008,6 @@
               </a:spcAft>
               <a:buNone/>
             </a:pPr>
-            <a:r>
-              <a:t/>
-            </a:r>
             <a:endParaRPr/>
           </a:p>
         </p:txBody>
@@ -15022,12 +15074,12 @@
             </a:ln>
           </p:spPr>
           <p:txBody>
-            <a:bodyPr anchorCtr="0" anchor="t" bIns="91425" lIns="91425" spcFirstLastPara="1" rIns="91425" wrap="square" tIns="91425">
+            <a:bodyPr spcFirstLastPara="1" wrap="square" lIns="91425" tIns="91425" rIns="91425" bIns="91425" anchor="t" anchorCtr="0">
               <a:spAutoFit/>
             </a:bodyPr>
             <a:lstStyle/>
             <a:p>
-              <a:pPr indent="0" lvl="0" marL="0" rtl="0" algn="l">
+              <a:pPr marL="0" lvl="0" indent="0" algn="l" rtl="0">
                 <a:lnSpc>
                   <a:spcPct val="130000"/>
                 </a:lnSpc>
@@ -15122,23 +15174,23 @@
               <a:solidFill>
                 <a:schemeClr val="lt2"/>
               </a:solidFill>
-              <a:ln cap="flat" cmpd="sng" w="9525">
+              <a:ln w="9525" cap="flat" cmpd="sng">
                 <a:solidFill>
                   <a:schemeClr val="dk2"/>
                 </a:solidFill>
                 <a:prstDash val="solid"/>
                 <a:round/>
-                <a:headEnd len="sm" w="sm" type="none"/>
-                <a:tailEnd len="sm" w="sm" type="none"/>
+                <a:headEnd type="none" w="sm" len="sm"/>
+                <a:tailEnd type="none" w="sm" len="sm"/>
               </a:ln>
             </p:spPr>
             <p:txBody>
-              <a:bodyPr anchorCtr="0" anchor="ctr" bIns="91425" lIns="91425" spcFirstLastPara="1" rIns="91425" wrap="square" tIns="91425">
+              <a:bodyPr spcFirstLastPara="1" wrap="square" lIns="91425" tIns="91425" rIns="91425" bIns="91425" anchor="ctr" anchorCtr="0">
                 <a:noAutofit/>
               </a:bodyPr>
               <a:lstStyle/>
               <a:p>
-                <a:pPr indent="0" lvl="0" marL="0" rtl="0" algn="ctr">
+                <a:pPr marL="0" lvl="0" indent="0" algn="ctr" rtl="0">
                   <a:spcBef>
                     <a:spcPts val="0"/>
                   </a:spcBef>
@@ -15148,7 +15200,7 @@
                   <a:buNone/>
                 </a:pPr>
                 <a:r>
-                  <a:rPr b="1" lang="en"/>
+                  <a:rPr lang="en" b="1"/>
                   <a:t>2</a:t>
                 </a:r>
                 <a:endParaRPr b="1"/>
@@ -15172,23 +15224,23 @@
               <a:solidFill>
                 <a:srgbClr val="F1C232"/>
               </a:solidFill>
-              <a:ln cap="flat" cmpd="sng" w="9525">
+              <a:ln w="9525" cap="flat" cmpd="sng">
                 <a:solidFill>
                   <a:schemeClr val="dk2"/>
                 </a:solidFill>
                 <a:prstDash val="solid"/>
                 <a:round/>
-                <a:headEnd len="sm" w="sm" type="none"/>
-                <a:tailEnd len="sm" w="sm" type="none"/>
+                <a:headEnd type="none" w="sm" len="sm"/>
+                <a:tailEnd type="none" w="sm" len="sm"/>
               </a:ln>
             </p:spPr>
             <p:txBody>
-              <a:bodyPr anchorCtr="0" anchor="ctr" bIns="91425" lIns="91425" spcFirstLastPara="1" rIns="91425" wrap="square" tIns="91425">
+              <a:bodyPr spcFirstLastPara="1" wrap="square" lIns="91425" tIns="91425" rIns="91425" bIns="91425" anchor="ctr" anchorCtr="0">
                 <a:noAutofit/>
               </a:bodyPr>
               <a:lstStyle/>
               <a:p>
-                <a:pPr indent="0" lvl="0" marL="0" rtl="0" algn="ctr">
+                <a:pPr marL="0" lvl="0" indent="0" algn="ctr" rtl="0">
                   <a:spcBef>
                     <a:spcPts val="0"/>
                   </a:spcBef>
@@ -15198,7 +15250,7 @@
                   <a:buNone/>
                 </a:pPr>
                 <a:r>
-                  <a:rPr b="1" lang="en"/>
+                  <a:rPr lang="en" b="1"/>
                   <a:t>1</a:t>
                 </a:r>
                 <a:endParaRPr b="1"/>
@@ -15222,23 +15274,23 @@
               <a:solidFill>
                 <a:srgbClr val="7F6000"/>
               </a:solidFill>
-              <a:ln cap="flat" cmpd="sng" w="9525">
+              <a:ln w="9525" cap="flat" cmpd="sng">
                 <a:solidFill>
                   <a:schemeClr val="dk2"/>
                 </a:solidFill>
                 <a:prstDash val="solid"/>
                 <a:round/>
-                <a:headEnd len="sm" w="sm" type="none"/>
-                <a:tailEnd len="sm" w="sm" type="none"/>
+                <a:headEnd type="none" w="sm" len="sm"/>
+                <a:tailEnd type="none" w="sm" len="sm"/>
               </a:ln>
             </p:spPr>
             <p:txBody>
-              <a:bodyPr anchorCtr="0" anchor="ctr" bIns="91425" lIns="91425" spcFirstLastPara="1" rIns="91425" wrap="square" tIns="91425">
+              <a:bodyPr spcFirstLastPara="1" wrap="square" lIns="91425" tIns="91425" rIns="91425" bIns="91425" anchor="ctr" anchorCtr="0">
                 <a:noAutofit/>
               </a:bodyPr>
               <a:lstStyle/>
               <a:p>
-                <a:pPr indent="0" lvl="0" marL="0" rtl="0" algn="ctr">
+                <a:pPr marL="0" lvl="0" indent="0" algn="ctr" rtl="0">
                   <a:spcBef>
                     <a:spcPts val="0"/>
                   </a:spcBef>
@@ -15248,7 +15300,7 @@
                   <a:buNone/>
                 </a:pPr>
                 <a:r>
-                  <a:rPr b="1" lang="en"/>
+                  <a:rPr lang="en" b="1"/>
                   <a:t>3</a:t>
                 </a:r>
                 <a:endParaRPr b="1"/>
@@ -15304,12 +15356,12 @@
             </a:ln>
           </p:spPr>
           <p:txBody>
-            <a:bodyPr anchorCtr="0" anchor="t" bIns="91425" lIns="91425" spcFirstLastPara="1" rIns="91425" wrap="square" tIns="91425">
+            <a:bodyPr spcFirstLastPara="1" wrap="square" lIns="91425" tIns="91425" rIns="91425" bIns="91425" anchor="t" anchorCtr="0">
               <a:spAutoFit/>
             </a:bodyPr>
             <a:lstStyle/>
             <a:p>
-              <a:pPr indent="0" lvl="0" marL="0" rtl="0" algn="l">
+              <a:pPr marL="0" lvl="0" indent="0" algn="l" rtl="0">
                 <a:lnSpc>
                   <a:spcPct val="130000"/>
                 </a:lnSpc>
@@ -15321,9 +15373,6 @@
                 </a:spcAft>
                 <a:buNone/>
               </a:pPr>
-              <a:r>
-                <a:t/>
-              </a:r>
               <a:endParaRPr sz="1200">
                 <a:highlight>
                   <a:srgbClr val="FFFFFF"/>
@@ -15335,7 +15384,7 @@
               </a:endParaRPr>
             </a:p>
             <a:p>
-              <a:pPr indent="0" lvl="0" marL="0" rtl="0" algn="l">
+              <a:pPr marL="0" lvl="0" indent="0" algn="l" rtl="0">
                 <a:lnSpc>
                   <a:spcPct val="130000"/>
                 </a:lnSpc>
@@ -15419,12 +15468,12 @@
             </a:ln>
           </p:spPr>
           <p:txBody>
-            <a:bodyPr anchorCtr="0" anchor="t" bIns="91425" lIns="91425" spcFirstLastPara="1" rIns="91425" wrap="square" tIns="91425">
+            <a:bodyPr spcFirstLastPara="1" wrap="square" lIns="91425" tIns="91425" rIns="91425" bIns="91425" anchor="t" anchorCtr="0">
               <a:spAutoFit/>
             </a:bodyPr>
             <a:lstStyle/>
             <a:p>
-              <a:pPr indent="0" lvl="0" marL="0" rtl="0" algn="l">
+              <a:pPr marL="0" lvl="0" indent="0" algn="l" rtl="0">
                 <a:lnSpc>
                   <a:spcPct val="130000"/>
                 </a:lnSpc>
@@ -15561,23 +15610,23 @@
             <a:solidFill>
               <a:srgbClr val="7F6000"/>
             </a:solidFill>
-            <a:ln cap="flat" cmpd="sng" w="9525">
+            <a:ln w="9525" cap="flat" cmpd="sng">
               <a:solidFill>
                 <a:schemeClr val="dk2"/>
               </a:solidFill>
               <a:prstDash val="solid"/>
               <a:round/>
-              <a:headEnd len="sm" w="sm" type="none"/>
-              <a:tailEnd len="sm" w="sm" type="none"/>
+              <a:headEnd type="none" w="sm" len="sm"/>
+              <a:tailEnd type="none" w="sm" len="sm"/>
             </a:ln>
           </p:spPr>
           <p:txBody>
-            <a:bodyPr anchorCtr="0" anchor="ctr" bIns="91425" lIns="91425" spcFirstLastPara="1" rIns="91425" wrap="square" tIns="91425">
+            <a:bodyPr spcFirstLastPara="1" wrap="square" lIns="91425" tIns="91425" rIns="91425" bIns="91425" anchor="ctr" anchorCtr="0">
               <a:noAutofit/>
             </a:bodyPr>
             <a:lstStyle/>
             <a:p>
-              <a:pPr indent="0" lvl="0" marL="0" rtl="0" algn="ctr">
+              <a:pPr marL="0" lvl="0" indent="0" algn="ctr" rtl="0">
                 <a:spcBef>
                   <a:spcPts val="0"/>
                 </a:spcBef>
@@ -15587,7 +15636,7 @@
                 <a:buNone/>
               </a:pPr>
               <a:r>
-                <a:rPr b="1" lang="en"/>
+                <a:rPr lang="en" b="1"/>
                 <a:t>3</a:t>
               </a:r>
               <a:endParaRPr b="1"/>
@@ -15614,12 +15663,12 @@
             </a:ln>
           </p:spPr>
           <p:txBody>
-            <a:bodyPr anchorCtr="0" anchor="t" bIns="91425" lIns="91425" spcFirstLastPara="1" rIns="91425" wrap="square" tIns="91425">
+            <a:bodyPr spcFirstLastPara="1" wrap="square" lIns="91425" tIns="91425" rIns="91425" bIns="91425" anchor="t" anchorCtr="0">
               <a:spAutoFit/>
             </a:bodyPr>
             <a:lstStyle/>
             <a:p>
-              <a:pPr indent="0" lvl="0" marL="0" rtl="0" algn="l">
+              <a:pPr marL="0" lvl="0" indent="0" algn="l" rtl="0">
                 <a:lnSpc>
                   <a:spcPct val="130000"/>
                 </a:lnSpc>
@@ -15696,11 +15745,11 @@
 </file>
 
 <file path=ppt/slides/slide6.xml><?xml version="1.0" encoding="utf-8"?>
-<p:sld xmlns:a="http://schemas.openxmlformats.org/drawingml/2006/main" xmlns:r="http://schemas.openxmlformats.org/officeDocument/2006/relationships" xmlns:mc="http://schemas.openxmlformats.org/markup-compatibility/2006" xmlns:mv="urn:schemas-microsoft-com:mac:vml" xmlns:p="http://schemas.openxmlformats.org/presentationml/2006/main" xmlns:c="http://schemas.openxmlformats.org/drawingml/2006/chart" xmlns:dgm="http://schemas.openxmlformats.org/drawingml/2006/diagram" xmlns:o="urn:schemas-microsoft-com:office:office" xmlns:v="urn:schemas-microsoft-com:vml" xmlns:pvml="urn:schemas-microsoft-com:office:powerpoint" xmlns:com="http://schemas.openxmlformats.org/drawingml/2006/compatibility" xmlns:p14="http://schemas.microsoft.com/office/powerpoint/2010/main" xmlns:p15="http://schemas.microsoft.com/office/powerpoint/2012/main" xmlns:ahyp="http://schemas.microsoft.com/office/drawing/2018/hyperlinkcolor">
+<p:sld xmlns:a="http://schemas.openxmlformats.org/drawingml/2006/main" xmlns:r="http://schemas.openxmlformats.org/officeDocument/2006/relationships" xmlns:p="http://schemas.openxmlformats.org/presentationml/2006/main">
   <p:cSld>
     <p:spTree>
       <p:nvGrpSpPr>
-        <p:cNvPr id="221" name="Shape 221"/>
+        <p:cNvPr id="1" name="Shape 221"/>
         <p:cNvGrpSpPr/>
         <p:nvPr/>
       </p:nvGrpSpPr>
@@ -15715,7 +15764,9 @@
       <p:sp>
         <p:nvSpPr>
           <p:cNvPr id="222" name="Google Shape;222;p19"/>
-          <p:cNvSpPr txBox="1"/>
+          <p:cNvSpPr txBox="1">
+            <a:spLocks noGrp="1"/>
+          </p:cNvSpPr>
           <p:nvPr>
             <p:ph type="title"/>
           </p:nvPr>
@@ -15730,12 +15781,12 @@
           </a:prstGeom>
         </p:spPr>
         <p:txBody>
-          <a:bodyPr anchorCtr="0" anchor="t" bIns="91425" lIns="91425" spcFirstLastPara="1" rIns="91425" wrap="square" tIns="91425">
+          <a:bodyPr spcFirstLastPara="1" wrap="square" lIns="91425" tIns="91425" rIns="91425" bIns="91425" anchor="t" anchorCtr="0">
             <a:normAutofit fontScale="90000"/>
           </a:bodyPr>
           <a:lstStyle/>
           <a:p>
-            <a:pPr indent="0" lvl="0" marL="0" rtl="0" algn="l">
+            <a:pPr marL="0" lvl="0" indent="0" algn="l" rtl="0">
               <a:spcBef>
                 <a:spcPts val="0"/>
               </a:spcBef>
@@ -15789,11 +15840,11 @@
 </file>
 
 <file path=ppt/slides/slide7.xml><?xml version="1.0" encoding="utf-8"?>
-<p:sld xmlns:a="http://schemas.openxmlformats.org/drawingml/2006/main" xmlns:r="http://schemas.openxmlformats.org/officeDocument/2006/relationships" xmlns:mc="http://schemas.openxmlformats.org/markup-compatibility/2006" xmlns:mv="urn:schemas-microsoft-com:mac:vml" xmlns:p="http://schemas.openxmlformats.org/presentationml/2006/main" xmlns:c="http://schemas.openxmlformats.org/drawingml/2006/chart" xmlns:dgm="http://schemas.openxmlformats.org/drawingml/2006/diagram" xmlns:o="urn:schemas-microsoft-com:office:office" xmlns:v="urn:schemas-microsoft-com:vml" xmlns:pvml="urn:schemas-microsoft-com:office:powerpoint" xmlns:com="http://schemas.openxmlformats.org/drawingml/2006/compatibility" xmlns:p14="http://schemas.microsoft.com/office/powerpoint/2010/main" xmlns:p15="http://schemas.microsoft.com/office/powerpoint/2012/main" xmlns:ahyp="http://schemas.microsoft.com/office/drawing/2018/hyperlinkcolor">
+<p:sld xmlns:a="http://schemas.openxmlformats.org/drawingml/2006/main" xmlns:r="http://schemas.openxmlformats.org/officeDocument/2006/relationships" xmlns:p="http://schemas.openxmlformats.org/presentationml/2006/main">
   <p:cSld>
     <p:spTree>
       <p:nvGrpSpPr>
-        <p:cNvPr id="227" name="Shape 227"/>
+        <p:cNvPr id="1" name="Shape 227"/>
         <p:cNvGrpSpPr/>
         <p:nvPr/>
       </p:nvGrpSpPr>
@@ -15808,7 +15859,9 @@
       <p:sp>
         <p:nvSpPr>
           <p:cNvPr id="228" name="Google Shape;228;p20"/>
-          <p:cNvSpPr txBox="1"/>
+          <p:cNvSpPr txBox="1">
+            <a:spLocks noGrp="1"/>
+          </p:cNvSpPr>
           <p:nvPr>
             <p:ph type="title"/>
           </p:nvPr>
@@ -15823,12 +15876,12 @@
           </a:prstGeom>
         </p:spPr>
         <p:txBody>
-          <a:bodyPr anchorCtr="0" anchor="t" bIns="91425" lIns="91425" spcFirstLastPara="1" rIns="91425" wrap="square" tIns="91425">
+          <a:bodyPr spcFirstLastPara="1" wrap="square" lIns="91425" tIns="91425" rIns="91425" bIns="91425" anchor="t" anchorCtr="0">
             <a:normAutofit fontScale="90000"/>
           </a:bodyPr>
           <a:lstStyle/>
           <a:p>
-            <a:pPr indent="0" lvl="0" marL="0" rtl="0" algn="l">
+            <a:pPr marL="0" lvl="0" indent="0" algn="l" rtl="0">
               <a:spcBef>
                 <a:spcPts val="0"/>
               </a:spcBef>
@@ -15882,11 +15935,11 @@
 </file>
 
 <file path=ppt/slides/slide8.xml><?xml version="1.0" encoding="utf-8"?>
-<p:sld xmlns:a="http://schemas.openxmlformats.org/drawingml/2006/main" xmlns:r="http://schemas.openxmlformats.org/officeDocument/2006/relationships" xmlns:mc="http://schemas.openxmlformats.org/markup-compatibility/2006" xmlns:mv="urn:schemas-microsoft-com:mac:vml" xmlns:p="http://schemas.openxmlformats.org/presentationml/2006/main" xmlns:c="http://schemas.openxmlformats.org/drawingml/2006/chart" xmlns:dgm="http://schemas.openxmlformats.org/drawingml/2006/diagram" xmlns:o="urn:schemas-microsoft-com:office:office" xmlns:v="urn:schemas-microsoft-com:vml" xmlns:pvml="urn:schemas-microsoft-com:office:powerpoint" xmlns:com="http://schemas.openxmlformats.org/drawingml/2006/compatibility" xmlns:p14="http://schemas.microsoft.com/office/powerpoint/2010/main" xmlns:p15="http://schemas.microsoft.com/office/powerpoint/2012/main" xmlns:ahyp="http://schemas.microsoft.com/office/drawing/2018/hyperlinkcolor">
+<p:sld xmlns:a="http://schemas.openxmlformats.org/drawingml/2006/main" xmlns:r="http://schemas.openxmlformats.org/officeDocument/2006/relationships" xmlns:p="http://schemas.openxmlformats.org/presentationml/2006/main">
   <p:cSld>
     <p:spTree>
       <p:nvGrpSpPr>
-        <p:cNvPr id="233" name="Shape 233"/>
+        <p:cNvPr id="1" name="Shape 233"/>
         <p:cNvGrpSpPr/>
         <p:nvPr/>
       </p:nvGrpSpPr>
@@ -15901,7 +15954,9 @@
       <p:sp>
         <p:nvSpPr>
           <p:cNvPr id="234" name="Google Shape;234;p21"/>
-          <p:cNvSpPr txBox="1"/>
+          <p:cNvSpPr txBox="1">
+            <a:spLocks noGrp="1"/>
+          </p:cNvSpPr>
           <p:nvPr>
             <p:ph type="title"/>
           </p:nvPr>
@@ -15916,12 +15971,12 @@
           </a:prstGeom>
         </p:spPr>
         <p:txBody>
-          <a:bodyPr anchorCtr="0" anchor="t" bIns="91425" lIns="91425" spcFirstLastPara="1" rIns="91425" wrap="square" tIns="91425">
+          <a:bodyPr spcFirstLastPara="1" wrap="square" lIns="91425" tIns="91425" rIns="91425" bIns="91425" anchor="t" anchorCtr="0">
             <a:normAutofit fontScale="90000"/>
           </a:bodyPr>
           <a:lstStyle/>
           <a:p>
-            <a:pPr indent="0" lvl="0" marL="0" rtl="0" algn="l">
+            <a:pPr marL="0" lvl="0" indent="0" algn="l" rtl="0">
               <a:spcBef>
                 <a:spcPts val="0"/>
               </a:spcBef>
@@ -15975,11 +16030,11 @@
 </file>
 
 <file path=ppt/slides/slide9.xml><?xml version="1.0" encoding="utf-8"?>
-<p:sld xmlns:a="http://schemas.openxmlformats.org/drawingml/2006/main" xmlns:r="http://schemas.openxmlformats.org/officeDocument/2006/relationships" xmlns:mc="http://schemas.openxmlformats.org/markup-compatibility/2006" xmlns:mv="urn:schemas-microsoft-com:mac:vml" xmlns:p="http://schemas.openxmlformats.org/presentationml/2006/main" xmlns:c="http://schemas.openxmlformats.org/drawingml/2006/chart" xmlns:dgm="http://schemas.openxmlformats.org/drawingml/2006/diagram" xmlns:o="urn:schemas-microsoft-com:office:office" xmlns:v="urn:schemas-microsoft-com:vml" xmlns:pvml="urn:schemas-microsoft-com:office:powerpoint" xmlns:com="http://schemas.openxmlformats.org/drawingml/2006/compatibility" xmlns:p14="http://schemas.microsoft.com/office/powerpoint/2010/main" xmlns:p15="http://schemas.microsoft.com/office/powerpoint/2012/main" xmlns:ahyp="http://schemas.microsoft.com/office/drawing/2018/hyperlinkcolor">
+<p:sld xmlns:a="http://schemas.openxmlformats.org/drawingml/2006/main" xmlns:r="http://schemas.openxmlformats.org/officeDocument/2006/relationships" xmlns:p="http://schemas.openxmlformats.org/presentationml/2006/main">
   <p:cSld>
     <p:spTree>
       <p:nvGrpSpPr>
-        <p:cNvPr id="239" name="Shape 239"/>
+        <p:cNvPr id="1" name="Shape 239"/>
         <p:cNvGrpSpPr/>
         <p:nvPr/>
       </p:nvGrpSpPr>
@@ -15994,7 +16049,9 @@
       <p:sp>
         <p:nvSpPr>
           <p:cNvPr id="240" name="Google Shape;240;p22"/>
-          <p:cNvSpPr txBox="1"/>
+          <p:cNvSpPr txBox="1">
+            <a:spLocks noGrp="1"/>
+          </p:cNvSpPr>
           <p:nvPr>
             <p:ph type="title"/>
           </p:nvPr>
@@ -16009,12 +16066,12 @@
           </a:prstGeom>
         </p:spPr>
         <p:txBody>
-          <a:bodyPr anchorCtr="0" anchor="t" bIns="91425" lIns="91425" spcFirstLastPara="1" rIns="91425" wrap="square" tIns="91425">
+          <a:bodyPr spcFirstLastPara="1" wrap="square" lIns="91425" tIns="91425" rIns="91425" bIns="91425" anchor="t" anchorCtr="0">
             <a:normAutofit/>
           </a:bodyPr>
           <a:lstStyle/>
           <a:p>
-            <a:pPr indent="0" lvl="0" marL="0" rtl="0" algn="l">
+            <a:pPr marL="0" lvl="0" indent="0" algn="l" rtl="0">
               <a:spcBef>
                 <a:spcPts val="0"/>
               </a:spcBef>
@@ -16025,50 +16082,7 @@
             </a:pPr>
             <a:r>
               <a:rPr lang="en"/>
-              <a:t>Teófilo Stevenson </a:t>
-            </a:r>
-            <a:r>
-              <a:rPr lang="en"/>
-              <a:t>Rivals </a:t>
-            </a:r>
-            <a:endParaRPr/>
-          </a:p>
-        </p:txBody>
-      </p:sp>
-      <p:sp>
-        <p:nvSpPr>
-          <p:cNvPr id="241" name="Google Shape;241;p22"/>
-          <p:cNvSpPr txBox="1"/>
-          <p:nvPr>
-            <p:ph idx="1" type="body"/>
-          </p:nvPr>
-        </p:nvSpPr>
-        <p:spPr>
-          <a:xfrm>
-            <a:off x="819150" y="1990725"/>
-            <a:ext cx="7505700" cy="2448000"/>
-          </a:xfrm>
-          <a:prstGeom prst="rect">
-            <a:avLst/>
-          </a:prstGeom>
-        </p:spPr>
-        <p:txBody>
-          <a:bodyPr anchorCtr="0" anchor="t" bIns="91425" lIns="91425" spcFirstLastPara="1" rIns="91425" wrap="square" tIns="91425">
-            <a:normAutofit/>
-          </a:bodyPr>
-          <a:lstStyle/>
-          <a:p>
-            <a:pPr indent="0" lvl="0" marL="0" rtl="0" algn="l">
-              <a:spcBef>
-                <a:spcPts val="0"/>
-              </a:spcBef>
-              <a:spcAft>
-                <a:spcPts val="1200"/>
-              </a:spcAft>
-              <a:buNone/>
-            </a:pPr>
-            <a:r>
-              <a:t/>
+              <a:t>Teófilo Stevenson Rivals </a:t>
             </a:r>
             <a:endParaRPr/>
           </a:p>
@@ -16080,18 +16094,17 @@
           <p:cNvPicPr preferRelativeResize="0"/>
           <p:nvPr/>
         </p:nvPicPr>
-        <p:blipFill>
+        <p:blipFill rotWithShape="1">
           <a:blip r:embed="rId3">
             <a:alphaModFix/>
           </a:blip>
-          <a:stretch>
-            <a:fillRect/>
-          </a:stretch>
+          <a:srcRect t="3206" b="1"/>
+          <a:stretch/>
         </p:blipFill>
         <p:spPr>
           <a:xfrm>
-            <a:off x="819150" y="1800199"/>
-            <a:ext cx="7505700" cy="1535244"/>
+            <a:off x="819150" y="1849426"/>
+            <a:ext cx="7505700" cy="1486016"/>
           </a:xfrm>
           <a:prstGeom prst="rect">
             <a:avLst/>
@@ -16111,7 +16124,7 @@
 </file>
 
 <file path=ppt/theme/theme1.xml><?xml version="1.0" encoding="utf-8"?>
-<a:theme xmlns:a="http://schemas.openxmlformats.org/drawingml/2006/main" xmlns:r="http://schemas.openxmlformats.org/officeDocument/2006/relationships" name="Shift">
+<a:theme xmlns:a="http://schemas.openxmlformats.org/drawingml/2006/main" name="Shift">
   <a:themeElements>
     <a:clrScheme name="Shift">
       <a:dk1>
@@ -16386,11 +16399,13 @@
       </a:bgFillStyleLst>
     </a:fmtScheme>
   </a:themeElements>
+  <a:objectDefaults/>
+  <a:extraClrSchemeLst/>
 </a:theme>
 </file>
 
 <file path=ppt/theme/theme2.xml><?xml version="1.0" encoding="utf-8"?>
-<a:theme xmlns:a="http://schemas.openxmlformats.org/drawingml/2006/main" xmlns:r="http://schemas.openxmlformats.org/officeDocument/2006/relationships">
+<a:theme xmlns:a="http://schemas.openxmlformats.org/drawingml/2006/main">
   <a:themeElements>
     <a:clrScheme name="Default">
       <a:dk1>
@@ -16665,5 +16680,7 @@
       </a:bgFillStyleLst>
     </a:fmtScheme>
   </a:themeElements>
+  <a:objectDefaults/>
+  <a:extraClrSchemeLst/>
 </a:theme>
 </file>